--- a/etc/design.pptx
+++ b/etc/design.pptx
@@ -13,6 +13,9 @@
     <p:sldId id="258" r:id="rId7"/>
     <p:sldId id="260" r:id="rId8"/>
     <p:sldId id="263" r:id="rId9"/>
+    <p:sldId id="265" r:id="rId10"/>
+    <p:sldId id="266" r:id="rId11"/>
+    <p:sldId id="267" r:id="rId12"/>
   </p:sldIdLst>
   <p:sldSz cx="21599525" cy="10799763"/>
   <p:notesSz cx="6858000" cy="9144000"/>
@@ -250,7 +253,7 @@
           <a:p>
             <a:fld id="{DA947F9B-2433-B749-B0DA-3E7DA647CD42}" type="datetimeFigureOut">
               <a:rPr kumimoji="1" lang="ko-Kore-KR" altLang="en-US" smtClean="0"/>
-              <a:t>3/17/21</a:t>
+              <a:t>4/23/21</a:t>
             </a:fld>
             <a:endParaRPr kumimoji="1" lang="ko-Kore-KR" altLang="en-US"/>
           </a:p>
@@ -420,7 +423,7 @@
           <a:p>
             <a:fld id="{DA947F9B-2433-B749-B0DA-3E7DA647CD42}" type="datetimeFigureOut">
               <a:rPr kumimoji="1" lang="ko-Kore-KR" altLang="en-US" smtClean="0"/>
-              <a:t>3/17/21</a:t>
+              <a:t>4/23/21</a:t>
             </a:fld>
             <a:endParaRPr kumimoji="1" lang="ko-Kore-KR" altLang="en-US"/>
           </a:p>
@@ -600,7 +603,7 @@
           <a:p>
             <a:fld id="{DA947F9B-2433-B749-B0DA-3E7DA647CD42}" type="datetimeFigureOut">
               <a:rPr kumimoji="1" lang="ko-Kore-KR" altLang="en-US" smtClean="0"/>
-              <a:t>3/17/21</a:t>
+              <a:t>4/23/21</a:t>
             </a:fld>
             <a:endParaRPr kumimoji="1" lang="ko-Kore-KR" altLang="en-US"/>
           </a:p>
@@ -770,7 +773,7 @@
           <a:p>
             <a:fld id="{DA947F9B-2433-B749-B0DA-3E7DA647CD42}" type="datetimeFigureOut">
               <a:rPr kumimoji="1" lang="ko-Kore-KR" altLang="en-US" smtClean="0"/>
-              <a:t>3/17/21</a:t>
+              <a:t>4/23/21</a:t>
             </a:fld>
             <a:endParaRPr kumimoji="1" lang="ko-Kore-KR" altLang="en-US"/>
           </a:p>
@@ -1016,7 +1019,7 @@
           <a:p>
             <a:fld id="{DA947F9B-2433-B749-B0DA-3E7DA647CD42}" type="datetimeFigureOut">
               <a:rPr kumimoji="1" lang="ko-Kore-KR" altLang="en-US" smtClean="0"/>
-              <a:t>3/17/21</a:t>
+              <a:t>4/23/21</a:t>
             </a:fld>
             <a:endParaRPr kumimoji="1" lang="ko-Kore-KR" altLang="en-US"/>
           </a:p>
@@ -1248,7 +1251,7 @@
           <a:p>
             <a:fld id="{DA947F9B-2433-B749-B0DA-3E7DA647CD42}" type="datetimeFigureOut">
               <a:rPr kumimoji="1" lang="ko-Kore-KR" altLang="en-US" smtClean="0"/>
-              <a:t>3/17/21</a:t>
+              <a:t>4/23/21</a:t>
             </a:fld>
             <a:endParaRPr kumimoji="1" lang="ko-Kore-KR" altLang="en-US"/>
           </a:p>
@@ -1615,7 +1618,7 @@
           <a:p>
             <a:fld id="{DA947F9B-2433-B749-B0DA-3E7DA647CD42}" type="datetimeFigureOut">
               <a:rPr kumimoji="1" lang="ko-Kore-KR" altLang="en-US" smtClean="0"/>
-              <a:t>3/17/21</a:t>
+              <a:t>4/23/21</a:t>
             </a:fld>
             <a:endParaRPr kumimoji="1" lang="ko-Kore-KR" altLang="en-US"/>
           </a:p>
@@ -1733,7 +1736,7 @@
           <a:p>
             <a:fld id="{DA947F9B-2433-B749-B0DA-3E7DA647CD42}" type="datetimeFigureOut">
               <a:rPr kumimoji="1" lang="ko-Kore-KR" altLang="en-US" smtClean="0"/>
-              <a:t>3/17/21</a:t>
+              <a:t>4/23/21</a:t>
             </a:fld>
             <a:endParaRPr kumimoji="1" lang="ko-Kore-KR" altLang="en-US"/>
           </a:p>
@@ -1828,7 +1831,7 @@
           <a:p>
             <a:fld id="{DA947F9B-2433-B749-B0DA-3E7DA647CD42}" type="datetimeFigureOut">
               <a:rPr kumimoji="1" lang="ko-Kore-KR" altLang="en-US" smtClean="0"/>
-              <a:t>3/17/21</a:t>
+              <a:t>4/23/21</a:t>
             </a:fld>
             <a:endParaRPr kumimoji="1" lang="ko-Kore-KR" altLang="en-US"/>
           </a:p>
@@ -2105,7 +2108,7 @@
           <a:p>
             <a:fld id="{DA947F9B-2433-B749-B0DA-3E7DA647CD42}" type="datetimeFigureOut">
               <a:rPr kumimoji="1" lang="ko-Kore-KR" altLang="en-US" smtClean="0"/>
-              <a:t>3/17/21</a:t>
+              <a:t>4/23/21</a:t>
             </a:fld>
             <a:endParaRPr kumimoji="1" lang="ko-Kore-KR" altLang="en-US"/>
           </a:p>
@@ -2362,7 +2365,7 @@
           <a:p>
             <a:fld id="{DA947F9B-2433-B749-B0DA-3E7DA647CD42}" type="datetimeFigureOut">
               <a:rPr kumimoji="1" lang="ko-Kore-KR" altLang="en-US" smtClean="0"/>
-              <a:t>3/17/21</a:t>
+              <a:t>4/23/21</a:t>
             </a:fld>
             <a:endParaRPr kumimoji="1" lang="ko-Kore-KR" altLang="en-US"/>
           </a:p>
@@ -2575,7 +2578,7 @@
           <a:p>
             <a:fld id="{DA947F9B-2433-B749-B0DA-3E7DA647CD42}" type="datetimeFigureOut">
               <a:rPr kumimoji="1" lang="ko-Kore-KR" altLang="en-US" smtClean="0"/>
-              <a:t>3/17/21</a:t>
+              <a:t>4/23/21</a:t>
             </a:fld>
             <a:endParaRPr kumimoji="1" lang="ko-Kore-KR" altLang="en-US"/>
           </a:p>
@@ -4110,6 +4113,2353 @@
 </p:sld>
 </file>
 
+<file path=ppt/slides/slide10.xml><?xml version="1.0" encoding="utf-8"?>
+<p:sld xmlns:a="http://schemas.openxmlformats.org/drawingml/2006/main" xmlns:r="http://schemas.openxmlformats.org/officeDocument/2006/relationships" xmlns:p="http://schemas.openxmlformats.org/presentationml/2006/main">
+  <p:cSld>
+    <p:spTree>
+      <p:nvGrpSpPr>
+        <p:cNvPr id="1" name=""/>
+        <p:cNvGrpSpPr/>
+        <p:nvPr/>
+      </p:nvGrpSpPr>
+      <p:grpSpPr>
+        <a:xfrm>
+          <a:off x="0" y="0"/>
+          <a:ext cx="0" cy="0"/>
+          <a:chOff x="0" y="0"/>
+          <a:chExt cx="0" cy="0"/>
+        </a:xfrm>
+      </p:grpSpPr>
+      <p:sp>
+        <p:nvSpPr>
+          <p:cNvPr id="31" name="모서리가 둥근 직사각형 30">
+            <a:extLst>
+              <a:ext uri="{FF2B5EF4-FFF2-40B4-BE49-F238E27FC236}">
+                <a16:creationId xmlns:a16="http://schemas.microsoft.com/office/drawing/2014/main" id="{D35EDE8E-2189-0847-8743-FEEF44216EE4}"/>
+              </a:ext>
+            </a:extLst>
+          </p:cNvPr>
+          <p:cNvSpPr/>
+          <p:nvPr/>
+        </p:nvSpPr>
+        <p:spPr>
+          <a:xfrm>
+            <a:off x="6315740" y="6221629"/>
+            <a:ext cx="10096815" cy="1267270"/>
+          </a:xfrm>
+          <a:prstGeom prst="roundRect">
+            <a:avLst>
+              <a:gd name="adj" fmla="val 31323"/>
+            </a:avLst>
+          </a:prstGeom>
+          <a:solidFill>
+            <a:schemeClr val="bg1">
+              <a:lumMod val="95000"/>
+            </a:schemeClr>
+          </a:solidFill>
+          <a:ln>
+            <a:solidFill>
+              <a:schemeClr val="tx1"/>
+            </a:solidFill>
+          </a:ln>
+        </p:spPr>
+        <p:style>
+          <a:lnRef idx="2">
+            <a:schemeClr val="accent1">
+              <a:shade val="50000"/>
+            </a:schemeClr>
+          </a:lnRef>
+          <a:fillRef idx="1">
+            <a:schemeClr val="accent1"/>
+          </a:fillRef>
+          <a:effectRef idx="0">
+            <a:schemeClr val="accent1"/>
+          </a:effectRef>
+          <a:fontRef idx="minor">
+            <a:schemeClr val="lt1"/>
+          </a:fontRef>
+        </p:style>
+        <p:txBody>
+          <a:bodyPr rtlCol="0" anchor="ctr"/>
+          <a:lstStyle/>
+          <a:p>
+            <a:pPr algn="ctr"/>
+            <a:endParaRPr kumimoji="1" lang="ko-KR" altLang="en-US"/>
+          </a:p>
+        </p:txBody>
+      </p:sp>
+      <p:sp>
+        <p:nvSpPr>
+          <p:cNvPr id="3" name="모서리가 둥근 직사각형 2">
+            <a:extLst>
+              <a:ext uri="{FF2B5EF4-FFF2-40B4-BE49-F238E27FC236}">
+                <a16:creationId xmlns:a16="http://schemas.microsoft.com/office/drawing/2014/main" id="{28C69CB6-BA7D-1049-82D9-DB95B5586BAA}"/>
+              </a:ext>
+            </a:extLst>
+          </p:cNvPr>
+          <p:cNvSpPr/>
+          <p:nvPr/>
+        </p:nvSpPr>
+        <p:spPr>
+          <a:xfrm>
+            <a:off x="6301452" y="4367987"/>
+            <a:ext cx="10096815" cy="1267270"/>
+          </a:xfrm>
+          <a:prstGeom prst="roundRect">
+            <a:avLst>
+              <a:gd name="adj" fmla="val 31323"/>
+            </a:avLst>
+          </a:prstGeom>
+          <a:solidFill>
+            <a:schemeClr val="bg1">
+              <a:lumMod val="95000"/>
+            </a:schemeClr>
+          </a:solidFill>
+          <a:ln>
+            <a:solidFill>
+              <a:schemeClr val="tx1"/>
+            </a:solidFill>
+          </a:ln>
+        </p:spPr>
+        <p:style>
+          <a:lnRef idx="2">
+            <a:schemeClr val="accent1">
+              <a:shade val="50000"/>
+            </a:schemeClr>
+          </a:lnRef>
+          <a:fillRef idx="1">
+            <a:schemeClr val="accent1"/>
+          </a:fillRef>
+          <a:effectRef idx="0">
+            <a:schemeClr val="accent1"/>
+          </a:effectRef>
+          <a:fontRef idx="minor">
+            <a:schemeClr val="lt1"/>
+          </a:fontRef>
+        </p:style>
+        <p:txBody>
+          <a:bodyPr rtlCol="0" anchor="ctr"/>
+          <a:lstStyle/>
+          <a:p>
+            <a:pPr algn="ctr"/>
+            <a:endParaRPr kumimoji="1" lang="ko-KR" altLang="en-US"/>
+          </a:p>
+        </p:txBody>
+      </p:sp>
+      <p:sp>
+        <p:nvSpPr>
+          <p:cNvPr id="15" name="TextBox 14">
+            <a:extLst>
+              <a:ext uri="{FF2B5EF4-FFF2-40B4-BE49-F238E27FC236}">
+                <a16:creationId xmlns:a16="http://schemas.microsoft.com/office/drawing/2014/main" id="{90081CF4-7643-524F-9311-86D785AA884A}"/>
+              </a:ext>
+            </a:extLst>
+          </p:cNvPr>
+          <p:cNvSpPr txBox="1"/>
+          <p:nvPr/>
+        </p:nvSpPr>
+        <p:spPr>
+          <a:xfrm>
+            <a:off x="16412555" y="2629314"/>
+            <a:ext cx="184731" cy="563359"/>
+          </a:xfrm>
+          <a:prstGeom prst="rect">
+            <a:avLst/>
+          </a:prstGeom>
+          <a:noFill/>
+        </p:spPr>
+        <p:txBody>
+          <a:bodyPr wrap="none" rtlCol="0">
+            <a:spAutoFit/>
+          </a:bodyPr>
+          <a:lstStyle/>
+          <a:p>
+            <a:endParaRPr kumimoji="1" lang="ko-KR" altLang="en-US" dirty="0"/>
+          </a:p>
+        </p:txBody>
+      </p:sp>
+      <p:cxnSp>
+        <p:nvCxnSpPr>
+          <p:cNvPr id="23" name="직선 화살표 연결선 22">
+            <a:extLst>
+              <a:ext uri="{FF2B5EF4-FFF2-40B4-BE49-F238E27FC236}">
+                <a16:creationId xmlns:a16="http://schemas.microsoft.com/office/drawing/2014/main" id="{4A1E3BE7-DC0B-994C-BDAD-EBBCBC38A768}"/>
+              </a:ext>
+            </a:extLst>
+          </p:cNvPr>
+          <p:cNvCxnSpPr>
+            <a:cxnSpLocks/>
+            <a:stCxn id="29" idx="3"/>
+            <a:endCxn id="4" idx="1"/>
+          </p:cNvCxnSpPr>
+          <p:nvPr/>
+        </p:nvCxnSpPr>
+        <p:spPr>
+          <a:xfrm>
+            <a:off x="7685524" y="6860437"/>
+            <a:ext cx="967732" cy="0"/>
+          </a:xfrm>
+          <a:prstGeom prst="straightConnector1">
+            <a:avLst/>
+          </a:prstGeom>
+          <a:ln w="12700">
+            <a:solidFill>
+              <a:schemeClr val="tx1"/>
+            </a:solidFill>
+            <a:tailEnd type="triangle"/>
+          </a:ln>
+        </p:spPr>
+        <p:style>
+          <a:lnRef idx="1">
+            <a:schemeClr val="accent1"/>
+          </a:lnRef>
+          <a:fillRef idx="0">
+            <a:schemeClr val="accent1"/>
+          </a:fillRef>
+          <a:effectRef idx="0">
+            <a:schemeClr val="accent1"/>
+          </a:effectRef>
+          <a:fontRef idx="minor">
+            <a:schemeClr val="tx1"/>
+          </a:fontRef>
+        </p:style>
+      </p:cxnSp>
+      <p:sp>
+        <p:nvSpPr>
+          <p:cNvPr id="34" name="TextBox 33">
+            <a:extLst>
+              <a:ext uri="{FF2B5EF4-FFF2-40B4-BE49-F238E27FC236}">
+                <a16:creationId xmlns:a16="http://schemas.microsoft.com/office/drawing/2014/main" id="{3055B3FE-47DA-3C4D-88BE-F4DFE140A4C8}"/>
+              </a:ext>
+            </a:extLst>
+          </p:cNvPr>
+          <p:cNvSpPr txBox="1"/>
+          <p:nvPr/>
+        </p:nvSpPr>
+        <p:spPr>
+          <a:xfrm>
+            <a:off x="7946412" y="6855264"/>
+            <a:ext cx="445956" cy="246221"/>
+          </a:xfrm>
+          <a:prstGeom prst="rect">
+            <a:avLst/>
+          </a:prstGeom>
+          <a:noFill/>
+        </p:spPr>
+        <p:txBody>
+          <a:bodyPr wrap="none" rtlCol="0">
+            <a:spAutoFit/>
+          </a:bodyPr>
+          <a:lstStyle/>
+          <a:p>
+            <a:pPr algn="ctr"/>
+            <a:r>
+              <a:rPr kumimoji="1" lang="en-US" altLang="en-US" sz="1000" dirty="0">
+                <a:latin typeface="Verdana" panose="020B0604030504040204" pitchFamily="34" charset="0"/>
+                <a:ea typeface="Verdana" panose="020B0604030504040204" pitchFamily="34" charset="0"/>
+                <a:cs typeface="Verdana" panose="020B0604030504040204" pitchFamily="34" charset="0"/>
+              </a:rPr>
+              <a:t>SLO</a:t>
+            </a:r>
+            <a:endParaRPr kumimoji="1" lang="ko-Kore-KR" altLang="en-US" sz="1000" dirty="0">
+              <a:latin typeface="Verdana" panose="020B0604030504040204" pitchFamily="34" charset="0"/>
+              <a:cs typeface="Verdana" panose="020B0604030504040204" pitchFamily="34" charset="0"/>
+            </a:endParaRPr>
+          </a:p>
+        </p:txBody>
+      </p:sp>
+      <p:sp>
+        <p:nvSpPr>
+          <p:cNvPr id="29" name="모서리가 둥근 직사각형 28">
+            <a:extLst>
+              <a:ext uri="{FF2B5EF4-FFF2-40B4-BE49-F238E27FC236}">
+                <a16:creationId xmlns:a16="http://schemas.microsoft.com/office/drawing/2014/main" id="{1F399B5F-EE36-BB42-A493-089E3C7096C3}"/>
+              </a:ext>
+            </a:extLst>
+          </p:cNvPr>
+          <p:cNvSpPr/>
+          <p:nvPr/>
+        </p:nvSpPr>
+        <p:spPr>
+          <a:xfrm>
+            <a:off x="6646893" y="6517761"/>
+            <a:ext cx="1038631" cy="685352"/>
+          </a:xfrm>
+          <a:prstGeom prst="roundRect">
+            <a:avLst/>
+          </a:prstGeom>
+          <a:solidFill>
+            <a:schemeClr val="bg1"/>
+          </a:solidFill>
+          <a:ln w="12700">
+            <a:solidFill>
+              <a:schemeClr val="tx1"/>
+            </a:solidFill>
+          </a:ln>
+        </p:spPr>
+        <p:style>
+          <a:lnRef idx="2">
+            <a:schemeClr val="accent1">
+              <a:shade val="50000"/>
+            </a:schemeClr>
+          </a:lnRef>
+          <a:fillRef idx="1">
+            <a:schemeClr val="accent1"/>
+          </a:fillRef>
+          <a:effectRef idx="0">
+            <a:schemeClr val="accent1"/>
+          </a:effectRef>
+          <a:fontRef idx="minor">
+            <a:schemeClr val="lt1"/>
+          </a:fontRef>
+        </p:style>
+        <p:txBody>
+          <a:bodyPr rtlCol="0" anchor="ctr"/>
+          <a:lstStyle/>
+          <a:p>
+            <a:pPr algn="ctr"/>
+            <a:r>
+              <a:rPr kumimoji="1" lang="en-US" altLang="ko-Kore-KR" sz="1500" dirty="0">
+                <a:solidFill>
+                  <a:schemeClr val="tx1"/>
+                </a:solidFill>
+                <a:latin typeface="Verdana" panose="020B0604030504040204" pitchFamily="34" charset="0"/>
+                <a:ea typeface="Verdana" panose="020B0604030504040204" pitchFamily="34" charset="0"/>
+                <a:cs typeface="Verdana" panose="020B0604030504040204" pitchFamily="34" charset="0"/>
+              </a:rPr>
+              <a:t>Client</a:t>
+            </a:r>
+            <a:endParaRPr kumimoji="1" lang="ko-Kore-KR" altLang="en-US" sz="1500" dirty="0">
+              <a:solidFill>
+                <a:schemeClr val="tx1"/>
+              </a:solidFill>
+              <a:latin typeface="Verdana" panose="020B0604030504040204" pitchFamily="34" charset="0"/>
+              <a:cs typeface="Verdana" panose="020B0604030504040204" pitchFamily="34" charset="0"/>
+            </a:endParaRPr>
+          </a:p>
+        </p:txBody>
+      </p:sp>
+      <p:sp>
+        <p:nvSpPr>
+          <p:cNvPr id="4" name="직사각형 3">
+            <a:extLst>
+              <a:ext uri="{FF2B5EF4-FFF2-40B4-BE49-F238E27FC236}">
+                <a16:creationId xmlns:a16="http://schemas.microsoft.com/office/drawing/2014/main" id="{4A6D0B6F-E2AA-EB4D-BADB-C6BD98BD4176}"/>
+              </a:ext>
+            </a:extLst>
+          </p:cNvPr>
+          <p:cNvSpPr/>
+          <p:nvPr/>
+        </p:nvSpPr>
+        <p:spPr>
+          <a:xfrm>
+            <a:off x="8653256" y="6517761"/>
+            <a:ext cx="1146219" cy="685352"/>
+          </a:xfrm>
+          <a:prstGeom prst="rect">
+            <a:avLst/>
+          </a:prstGeom>
+          <a:solidFill>
+            <a:schemeClr val="bg1"/>
+          </a:solidFill>
+          <a:ln>
+            <a:solidFill>
+              <a:schemeClr val="tx1"/>
+            </a:solidFill>
+          </a:ln>
+        </p:spPr>
+        <p:style>
+          <a:lnRef idx="2">
+            <a:schemeClr val="accent1">
+              <a:shade val="50000"/>
+            </a:schemeClr>
+          </a:lnRef>
+          <a:fillRef idx="1">
+            <a:schemeClr val="accent1"/>
+          </a:fillRef>
+          <a:effectRef idx="0">
+            <a:schemeClr val="accent1"/>
+          </a:effectRef>
+          <a:fontRef idx="minor">
+            <a:schemeClr val="lt1"/>
+          </a:fontRef>
+        </p:style>
+        <p:txBody>
+          <a:bodyPr rtlCol="0" anchor="ctr"/>
+          <a:lstStyle/>
+          <a:p>
+            <a:pPr algn="ctr"/>
+            <a:r>
+              <a:rPr kumimoji="1" lang="en-US" altLang="ko-KR" sz="1500" dirty="0">
+                <a:solidFill>
+                  <a:schemeClr val="tx1"/>
+                </a:solidFill>
+                <a:latin typeface="Verdana" panose="020B0604030504040204" pitchFamily="34" charset="0"/>
+                <a:ea typeface="Verdana" panose="020B0604030504040204" pitchFamily="34" charset="0"/>
+                <a:cs typeface="Verdana" panose="020B0604030504040204" pitchFamily="34" charset="0"/>
+              </a:rPr>
+              <a:t>Flask API</a:t>
+            </a:r>
+            <a:endParaRPr kumimoji="1" lang="ko-KR" altLang="en-US" sz="1500" dirty="0">
+              <a:solidFill>
+                <a:schemeClr val="tx1"/>
+              </a:solidFill>
+              <a:latin typeface="Verdana" panose="020B0604030504040204" pitchFamily="34" charset="0"/>
+              <a:cs typeface="Verdana" panose="020B0604030504040204" pitchFamily="34" charset="0"/>
+            </a:endParaRPr>
+          </a:p>
+        </p:txBody>
+      </p:sp>
+      <p:cxnSp>
+        <p:nvCxnSpPr>
+          <p:cNvPr id="35" name="직선 화살표 연결선 34">
+            <a:extLst>
+              <a:ext uri="{FF2B5EF4-FFF2-40B4-BE49-F238E27FC236}">
+                <a16:creationId xmlns:a16="http://schemas.microsoft.com/office/drawing/2014/main" id="{2D7F21D2-6FF0-8440-83A4-6281C56CB454}"/>
+              </a:ext>
+            </a:extLst>
+          </p:cNvPr>
+          <p:cNvCxnSpPr>
+            <a:cxnSpLocks/>
+            <a:stCxn id="4" idx="3"/>
+            <a:endCxn id="40" idx="1"/>
+          </p:cNvCxnSpPr>
+          <p:nvPr/>
+        </p:nvCxnSpPr>
+        <p:spPr>
+          <a:xfrm>
+            <a:off x="9799475" y="6860437"/>
+            <a:ext cx="967732" cy="0"/>
+          </a:xfrm>
+          <a:prstGeom prst="straightConnector1">
+            <a:avLst/>
+          </a:prstGeom>
+          <a:ln w="12700">
+            <a:solidFill>
+              <a:schemeClr val="tx1"/>
+            </a:solidFill>
+            <a:tailEnd type="triangle"/>
+          </a:ln>
+        </p:spPr>
+        <p:style>
+          <a:lnRef idx="1">
+            <a:schemeClr val="accent1"/>
+          </a:lnRef>
+          <a:fillRef idx="0">
+            <a:schemeClr val="accent1"/>
+          </a:fillRef>
+          <a:effectRef idx="0">
+            <a:schemeClr val="accent1"/>
+          </a:effectRef>
+          <a:fontRef idx="minor">
+            <a:schemeClr val="tx1"/>
+          </a:fontRef>
+        </p:style>
+      </p:cxnSp>
+      <p:sp>
+        <p:nvSpPr>
+          <p:cNvPr id="39" name="TextBox 38">
+            <a:extLst>
+              <a:ext uri="{FF2B5EF4-FFF2-40B4-BE49-F238E27FC236}">
+                <a16:creationId xmlns:a16="http://schemas.microsoft.com/office/drawing/2014/main" id="{85B33D13-856D-4E4F-AB90-CA7966743197}"/>
+              </a:ext>
+            </a:extLst>
+          </p:cNvPr>
+          <p:cNvSpPr txBox="1"/>
+          <p:nvPr/>
+        </p:nvSpPr>
+        <p:spPr>
+          <a:xfrm>
+            <a:off x="10060363" y="6855264"/>
+            <a:ext cx="445956" cy="246221"/>
+          </a:xfrm>
+          <a:prstGeom prst="rect">
+            <a:avLst/>
+          </a:prstGeom>
+          <a:noFill/>
+        </p:spPr>
+        <p:txBody>
+          <a:bodyPr wrap="none" rtlCol="0">
+            <a:spAutoFit/>
+          </a:bodyPr>
+          <a:lstStyle/>
+          <a:p>
+            <a:pPr algn="ctr"/>
+            <a:r>
+              <a:rPr kumimoji="1" lang="en-US" altLang="en-US" sz="1000" dirty="0">
+                <a:latin typeface="Verdana" panose="020B0604030504040204" pitchFamily="34" charset="0"/>
+                <a:ea typeface="Verdana" panose="020B0604030504040204" pitchFamily="34" charset="0"/>
+                <a:cs typeface="Verdana" panose="020B0604030504040204" pitchFamily="34" charset="0"/>
+              </a:rPr>
+              <a:t>SLO</a:t>
+            </a:r>
+            <a:endParaRPr kumimoji="1" lang="ko-Kore-KR" altLang="en-US" sz="1000" dirty="0">
+              <a:latin typeface="Verdana" panose="020B0604030504040204" pitchFamily="34" charset="0"/>
+              <a:cs typeface="Verdana" panose="020B0604030504040204" pitchFamily="34" charset="0"/>
+            </a:endParaRPr>
+          </a:p>
+        </p:txBody>
+      </p:sp>
+      <p:sp>
+        <p:nvSpPr>
+          <p:cNvPr id="40" name="직사각형 39">
+            <a:extLst>
+              <a:ext uri="{FF2B5EF4-FFF2-40B4-BE49-F238E27FC236}">
+                <a16:creationId xmlns:a16="http://schemas.microsoft.com/office/drawing/2014/main" id="{A59A8F0D-E89A-5F4B-8FD8-E0D1FCBE5BBB}"/>
+              </a:ext>
+            </a:extLst>
+          </p:cNvPr>
+          <p:cNvSpPr/>
+          <p:nvPr/>
+        </p:nvSpPr>
+        <p:spPr>
+          <a:xfrm>
+            <a:off x="10767207" y="6517761"/>
+            <a:ext cx="1146219" cy="685352"/>
+          </a:xfrm>
+          <a:prstGeom prst="rect">
+            <a:avLst/>
+          </a:prstGeom>
+          <a:solidFill>
+            <a:schemeClr val="bg1"/>
+          </a:solidFill>
+          <a:ln w="19050">
+            <a:solidFill>
+              <a:schemeClr val="tx1"/>
+            </a:solidFill>
+          </a:ln>
+        </p:spPr>
+        <p:style>
+          <a:lnRef idx="2">
+            <a:schemeClr val="accent1">
+              <a:shade val="50000"/>
+            </a:schemeClr>
+          </a:lnRef>
+          <a:fillRef idx="1">
+            <a:schemeClr val="accent1"/>
+          </a:fillRef>
+          <a:effectRef idx="0">
+            <a:schemeClr val="accent1"/>
+          </a:effectRef>
+          <a:fontRef idx="minor">
+            <a:schemeClr val="lt1"/>
+          </a:fontRef>
+        </p:style>
+        <p:txBody>
+          <a:bodyPr rtlCol="0" anchor="ctr"/>
+          <a:lstStyle/>
+          <a:p>
+            <a:pPr algn="ctr"/>
+            <a:r>
+              <a:rPr kumimoji="1" lang="en-US" altLang="ko-KR" sz="1500" b="1" dirty="0">
+                <a:solidFill>
+                  <a:schemeClr val="tx1"/>
+                </a:solidFill>
+                <a:latin typeface="Verdana" panose="020B0604030504040204" pitchFamily="34" charset="0"/>
+                <a:ea typeface="Verdana" panose="020B0604030504040204" pitchFamily="34" charset="0"/>
+                <a:cs typeface="Verdana" panose="020B0604030504040204" pitchFamily="34" charset="0"/>
+              </a:rPr>
+              <a:t>Model 1</a:t>
+            </a:r>
+            <a:endParaRPr kumimoji="1" lang="ko-KR" altLang="en-US" sz="1500" b="1" dirty="0">
+              <a:solidFill>
+                <a:schemeClr val="tx1"/>
+              </a:solidFill>
+              <a:latin typeface="Verdana" panose="020B0604030504040204" pitchFamily="34" charset="0"/>
+              <a:cs typeface="Verdana" panose="020B0604030504040204" pitchFamily="34" charset="0"/>
+            </a:endParaRPr>
+          </a:p>
+        </p:txBody>
+      </p:sp>
+      <p:cxnSp>
+        <p:nvCxnSpPr>
+          <p:cNvPr id="41" name="직선 화살표 연결선 40">
+            <a:extLst>
+              <a:ext uri="{FF2B5EF4-FFF2-40B4-BE49-F238E27FC236}">
+                <a16:creationId xmlns:a16="http://schemas.microsoft.com/office/drawing/2014/main" id="{25C58FB6-DBF3-A941-AB4D-4A13114D4A0B}"/>
+              </a:ext>
+            </a:extLst>
+          </p:cNvPr>
+          <p:cNvCxnSpPr>
+            <a:cxnSpLocks/>
+            <a:stCxn id="40" idx="3"/>
+            <a:endCxn id="43" idx="1"/>
+          </p:cNvCxnSpPr>
+          <p:nvPr/>
+        </p:nvCxnSpPr>
+        <p:spPr>
+          <a:xfrm>
+            <a:off x="11913426" y="6860437"/>
+            <a:ext cx="967732" cy="0"/>
+          </a:xfrm>
+          <a:prstGeom prst="straightConnector1">
+            <a:avLst/>
+          </a:prstGeom>
+          <a:ln w="12700">
+            <a:solidFill>
+              <a:schemeClr val="tx1"/>
+            </a:solidFill>
+            <a:tailEnd type="triangle"/>
+          </a:ln>
+        </p:spPr>
+        <p:style>
+          <a:lnRef idx="1">
+            <a:schemeClr val="accent1"/>
+          </a:lnRef>
+          <a:fillRef idx="0">
+            <a:schemeClr val="accent1"/>
+          </a:fillRef>
+          <a:effectRef idx="0">
+            <a:schemeClr val="accent1"/>
+          </a:effectRef>
+          <a:fontRef idx="minor">
+            <a:schemeClr val="tx1"/>
+          </a:fontRef>
+        </p:style>
+      </p:cxnSp>
+      <p:sp>
+        <p:nvSpPr>
+          <p:cNvPr id="42" name="TextBox 41">
+            <a:extLst>
+              <a:ext uri="{FF2B5EF4-FFF2-40B4-BE49-F238E27FC236}">
+                <a16:creationId xmlns:a16="http://schemas.microsoft.com/office/drawing/2014/main" id="{D29DBC64-7D44-CF4B-9117-CFC217E8EBE8}"/>
+              </a:ext>
+            </a:extLst>
+          </p:cNvPr>
+          <p:cNvSpPr txBox="1"/>
+          <p:nvPr/>
+        </p:nvSpPr>
+        <p:spPr>
+          <a:xfrm>
+            <a:off x="11882569" y="6855264"/>
+            <a:ext cx="1029449" cy="246221"/>
+          </a:xfrm>
+          <a:prstGeom prst="rect">
+            <a:avLst/>
+          </a:prstGeom>
+          <a:noFill/>
+        </p:spPr>
+        <p:txBody>
+          <a:bodyPr wrap="none" rtlCol="0">
+            <a:spAutoFit/>
+          </a:bodyPr>
+          <a:lstStyle/>
+          <a:p>
+            <a:pPr algn="ctr"/>
+            <a:r>
+              <a:rPr kumimoji="1" lang="en-US" altLang="en-US" sz="1000" b="1" dirty="0">
+                <a:latin typeface="Verdana" panose="020B0604030504040204" pitchFamily="34" charset="0"/>
+                <a:ea typeface="Verdana" panose="020B0604030504040204" pitchFamily="34" charset="0"/>
+                <a:cs typeface="Verdana" panose="020B0604030504040204" pitchFamily="34" charset="0"/>
+              </a:rPr>
+              <a:t>vCPU usage</a:t>
+            </a:r>
+            <a:endParaRPr kumimoji="1" lang="ko-Kore-KR" altLang="en-US" sz="1000" b="1" dirty="0">
+              <a:latin typeface="Verdana" panose="020B0604030504040204" pitchFamily="34" charset="0"/>
+              <a:cs typeface="Verdana" panose="020B0604030504040204" pitchFamily="34" charset="0"/>
+            </a:endParaRPr>
+          </a:p>
+        </p:txBody>
+      </p:sp>
+      <p:sp>
+        <p:nvSpPr>
+          <p:cNvPr id="43" name="직사각형 42">
+            <a:extLst>
+              <a:ext uri="{FF2B5EF4-FFF2-40B4-BE49-F238E27FC236}">
+                <a16:creationId xmlns:a16="http://schemas.microsoft.com/office/drawing/2014/main" id="{BBD84D7D-91CB-344D-9F00-A7D4828F9F69}"/>
+              </a:ext>
+            </a:extLst>
+          </p:cNvPr>
+          <p:cNvSpPr/>
+          <p:nvPr/>
+        </p:nvSpPr>
+        <p:spPr>
+          <a:xfrm>
+            <a:off x="12881158" y="6517761"/>
+            <a:ext cx="1146219" cy="685352"/>
+          </a:xfrm>
+          <a:prstGeom prst="rect">
+            <a:avLst/>
+          </a:prstGeom>
+          <a:solidFill>
+            <a:schemeClr val="bg1"/>
+          </a:solidFill>
+          <a:ln>
+            <a:solidFill>
+              <a:schemeClr val="tx1"/>
+            </a:solidFill>
+          </a:ln>
+        </p:spPr>
+        <p:style>
+          <a:lnRef idx="2">
+            <a:schemeClr val="accent1">
+              <a:shade val="50000"/>
+            </a:schemeClr>
+          </a:lnRef>
+          <a:fillRef idx="1">
+            <a:schemeClr val="accent1"/>
+          </a:fillRef>
+          <a:effectRef idx="0">
+            <a:schemeClr val="accent1"/>
+          </a:effectRef>
+          <a:fontRef idx="minor">
+            <a:schemeClr val="lt1"/>
+          </a:fontRef>
+        </p:style>
+        <p:txBody>
+          <a:bodyPr rtlCol="0" anchor="ctr"/>
+          <a:lstStyle/>
+          <a:p>
+            <a:pPr algn="ctr"/>
+            <a:r>
+              <a:rPr kumimoji="1" lang="en-US" altLang="ko-KR" sz="1500" dirty="0">
+                <a:solidFill>
+                  <a:schemeClr val="tx1"/>
+                </a:solidFill>
+                <a:latin typeface="Verdana" panose="020B0604030504040204" pitchFamily="34" charset="0"/>
+                <a:ea typeface="Verdana" panose="020B0604030504040204" pitchFamily="34" charset="0"/>
+                <a:cs typeface="Verdana" panose="020B0604030504040204" pitchFamily="34" charset="0"/>
+              </a:rPr>
+              <a:t>Model 2</a:t>
+            </a:r>
+            <a:endParaRPr kumimoji="1" lang="ko-KR" altLang="en-US" sz="1500" dirty="0">
+              <a:solidFill>
+                <a:schemeClr val="tx1"/>
+              </a:solidFill>
+              <a:latin typeface="Verdana" panose="020B0604030504040204" pitchFamily="34" charset="0"/>
+              <a:cs typeface="Verdana" panose="020B0604030504040204" pitchFamily="34" charset="0"/>
+            </a:endParaRPr>
+          </a:p>
+        </p:txBody>
+      </p:sp>
+      <p:cxnSp>
+        <p:nvCxnSpPr>
+          <p:cNvPr id="44" name="직선 화살표 연결선 43">
+            <a:extLst>
+              <a:ext uri="{FF2B5EF4-FFF2-40B4-BE49-F238E27FC236}">
+                <a16:creationId xmlns:a16="http://schemas.microsoft.com/office/drawing/2014/main" id="{5C420DB9-8F18-8244-AD10-5F9E0B718261}"/>
+              </a:ext>
+            </a:extLst>
+          </p:cNvPr>
+          <p:cNvCxnSpPr>
+            <a:cxnSpLocks/>
+            <a:stCxn id="43" idx="3"/>
+            <a:endCxn id="49" idx="1"/>
+          </p:cNvCxnSpPr>
+          <p:nvPr/>
+        </p:nvCxnSpPr>
+        <p:spPr>
+          <a:xfrm>
+            <a:off x="14027377" y="6860437"/>
+            <a:ext cx="938352" cy="0"/>
+          </a:xfrm>
+          <a:prstGeom prst="straightConnector1">
+            <a:avLst/>
+          </a:prstGeom>
+          <a:ln w="12700">
+            <a:solidFill>
+              <a:schemeClr val="tx1"/>
+            </a:solidFill>
+            <a:tailEnd type="triangle"/>
+          </a:ln>
+        </p:spPr>
+        <p:style>
+          <a:lnRef idx="1">
+            <a:schemeClr val="accent1"/>
+          </a:lnRef>
+          <a:fillRef idx="0">
+            <a:schemeClr val="accent1"/>
+          </a:fillRef>
+          <a:effectRef idx="0">
+            <a:schemeClr val="accent1"/>
+          </a:effectRef>
+          <a:fontRef idx="minor">
+            <a:schemeClr val="tx1"/>
+          </a:fontRef>
+        </p:style>
+      </p:cxnSp>
+      <p:sp>
+        <p:nvSpPr>
+          <p:cNvPr id="46" name="TextBox 45">
+            <a:extLst>
+              <a:ext uri="{FF2B5EF4-FFF2-40B4-BE49-F238E27FC236}">
+                <a16:creationId xmlns:a16="http://schemas.microsoft.com/office/drawing/2014/main" id="{30231A5A-8BB3-704C-B153-BF2C223C2B7B}"/>
+              </a:ext>
+            </a:extLst>
+          </p:cNvPr>
+          <p:cNvSpPr txBox="1"/>
+          <p:nvPr/>
+        </p:nvSpPr>
+        <p:spPr>
+          <a:xfrm>
+            <a:off x="14052583" y="6860437"/>
+            <a:ext cx="873957" cy="400110"/>
+          </a:xfrm>
+          <a:prstGeom prst="rect">
+            <a:avLst/>
+          </a:prstGeom>
+          <a:noFill/>
+        </p:spPr>
+        <p:txBody>
+          <a:bodyPr wrap="none" rtlCol="0">
+            <a:spAutoFit/>
+          </a:bodyPr>
+          <a:lstStyle/>
+          <a:p>
+            <a:pPr algn="ctr"/>
+            <a:r>
+              <a:rPr kumimoji="1" lang="en-US" altLang="en-US" sz="1000" dirty="0">
+                <a:latin typeface="Verdana" panose="020B0604030504040204" pitchFamily="34" charset="0"/>
+                <a:ea typeface="Verdana" panose="020B0604030504040204" pitchFamily="34" charset="0"/>
+                <a:cs typeface="Verdana" panose="020B0604030504040204" pitchFamily="34" charset="0"/>
+              </a:rPr>
+              <a:t>I/O thread</a:t>
+            </a:r>
+          </a:p>
+          <a:p>
+            <a:pPr algn="ctr"/>
+            <a:r>
+              <a:rPr kumimoji="1" lang="en-US" altLang="en-US" sz="1000" dirty="0">
+                <a:latin typeface="Verdana" panose="020B0604030504040204" pitchFamily="34" charset="0"/>
+                <a:ea typeface="Verdana" panose="020B0604030504040204" pitchFamily="34" charset="0"/>
+                <a:cs typeface="Verdana" panose="020B0604030504040204" pitchFamily="34" charset="0"/>
+              </a:rPr>
+              <a:t>CPU usage</a:t>
+            </a:r>
+            <a:endParaRPr kumimoji="1" lang="ko-Kore-KR" altLang="en-US" sz="1000" dirty="0">
+              <a:latin typeface="Verdana" panose="020B0604030504040204" pitchFamily="34" charset="0"/>
+              <a:cs typeface="Verdana" panose="020B0604030504040204" pitchFamily="34" charset="0"/>
+            </a:endParaRPr>
+          </a:p>
+        </p:txBody>
+      </p:sp>
+      <p:sp>
+        <p:nvSpPr>
+          <p:cNvPr id="49" name="모서리가 둥근 직사각형 48">
+            <a:extLst>
+              <a:ext uri="{FF2B5EF4-FFF2-40B4-BE49-F238E27FC236}">
+                <a16:creationId xmlns:a16="http://schemas.microsoft.com/office/drawing/2014/main" id="{4FF72ABF-0174-D14E-B2BC-88ADF6101BD4}"/>
+              </a:ext>
+            </a:extLst>
+          </p:cNvPr>
+          <p:cNvSpPr/>
+          <p:nvPr/>
+        </p:nvSpPr>
+        <p:spPr>
+          <a:xfrm>
+            <a:off x="14965729" y="6517761"/>
+            <a:ext cx="1038631" cy="685352"/>
+          </a:xfrm>
+          <a:prstGeom prst="roundRect">
+            <a:avLst/>
+          </a:prstGeom>
+          <a:solidFill>
+            <a:schemeClr val="bg1"/>
+          </a:solidFill>
+          <a:ln w="12700">
+            <a:solidFill>
+              <a:schemeClr val="tx1"/>
+            </a:solidFill>
+          </a:ln>
+        </p:spPr>
+        <p:style>
+          <a:lnRef idx="2">
+            <a:schemeClr val="accent1">
+              <a:shade val="50000"/>
+            </a:schemeClr>
+          </a:lnRef>
+          <a:fillRef idx="1">
+            <a:schemeClr val="accent1"/>
+          </a:fillRef>
+          <a:effectRef idx="0">
+            <a:schemeClr val="accent1"/>
+          </a:effectRef>
+          <a:fontRef idx="minor">
+            <a:schemeClr val="lt1"/>
+          </a:fontRef>
+        </p:style>
+        <p:txBody>
+          <a:bodyPr rtlCol="0" anchor="ctr"/>
+          <a:lstStyle/>
+          <a:p>
+            <a:pPr algn="ctr"/>
+            <a:r>
+              <a:rPr kumimoji="1" lang="en-US" altLang="ko-Kore-KR" sz="1500" dirty="0" err="1">
+                <a:solidFill>
+                  <a:schemeClr val="tx1"/>
+                </a:solidFill>
+                <a:latin typeface="Verdana" panose="020B0604030504040204" pitchFamily="34" charset="0"/>
+                <a:ea typeface="Verdana" panose="020B0604030504040204" pitchFamily="34" charset="0"/>
+                <a:cs typeface="Verdana" panose="020B0604030504040204" pitchFamily="34" charset="0"/>
+              </a:rPr>
+              <a:t>cGroups</a:t>
+            </a:r>
+            <a:endParaRPr kumimoji="1" lang="ko-Kore-KR" altLang="en-US" sz="1500" dirty="0">
+              <a:solidFill>
+                <a:schemeClr val="tx1"/>
+              </a:solidFill>
+              <a:latin typeface="Verdana" panose="020B0604030504040204" pitchFamily="34" charset="0"/>
+              <a:cs typeface="Verdana" panose="020B0604030504040204" pitchFamily="34" charset="0"/>
+            </a:endParaRPr>
+          </a:p>
+        </p:txBody>
+      </p:sp>
+      <p:cxnSp>
+        <p:nvCxnSpPr>
+          <p:cNvPr id="16" name="직선 화살표 연결선 15">
+            <a:extLst>
+              <a:ext uri="{FF2B5EF4-FFF2-40B4-BE49-F238E27FC236}">
+                <a16:creationId xmlns:a16="http://schemas.microsoft.com/office/drawing/2014/main" id="{BAE21502-BCFA-BD43-8D65-647C43147A96}"/>
+              </a:ext>
+            </a:extLst>
+          </p:cNvPr>
+          <p:cNvCxnSpPr>
+            <a:cxnSpLocks/>
+            <a:stCxn id="18" idx="3"/>
+            <a:endCxn id="19" idx="1"/>
+          </p:cNvCxnSpPr>
+          <p:nvPr/>
+        </p:nvCxnSpPr>
+        <p:spPr>
+          <a:xfrm>
+            <a:off x="7685524" y="4999771"/>
+            <a:ext cx="967732" cy="0"/>
+          </a:xfrm>
+          <a:prstGeom prst="straightConnector1">
+            <a:avLst/>
+          </a:prstGeom>
+          <a:ln w="12700">
+            <a:solidFill>
+              <a:schemeClr val="tx1"/>
+            </a:solidFill>
+            <a:tailEnd type="triangle"/>
+          </a:ln>
+        </p:spPr>
+        <p:style>
+          <a:lnRef idx="1">
+            <a:schemeClr val="accent1"/>
+          </a:lnRef>
+          <a:fillRef idx="0">
+            <a:schemeClr val="accent1"/>
+          </a:fillRef>
+          <a:effectRef idx="0">
+            <a:schemeClr val="accent1"/>
+          </a:effectRef>
+          <a:fontRef idx="minor">
+            <a:schemeClr val="tx1"/>
+          </a:fontRef>
+        </p:style>
+      </p:cxnSp>
+      <p:sp>
+        <p:nvSpPr>
+          <p:cNvPr id="17" name="TextBox 16">
+            <a:extLst>
+              <a:ext uri="{FF2B5EF4-FFF2-40B4-BE49-F238E27FC236}">
+                <a16:creationId xmlns:a16="http://schemas.microsoft.com/office/drawing/2014/main" id="{B55AB898-D1D9-DB49-B090-BA534E3C3AE0}"/>
+              </a:ext>
+            </a:extLst>
+          </p:cNvPr>
+          <p:cNvSpPr txBox="1"/>
+          <p:nvPr/>
+        </p:nvSpPr>
+        <p:spPr>
+          <a:xfrm>
+            <a:off x="7946412" y="4994598"/>
+            <a:ext cx="445956" cy="246221"/>
+          </a:xfrm>
+          <a:prstGeom prst="rect">
+            <a:avLst/>
+          </a:prstGeom>
+          <a:noFill/>
+        </p:spPr>
+        <p:txBody>
+          <a:bodyPr wrap="none" rtlCol="0">
+            <a:spAutoFit/>
+          </a:bodyPr>
+          <a:lstStyle/>
+          <a:p>
+            <a:pPr algn="ctr"/>
+            <a:r>
+              <a:rPr kumimoji="1" lang="en-US" altLang="en-US" sz="1000" dirty="0">
+                <a:latin typeface="Verdana" panose="020B0604030504040204" pitchFamily="34" charset="0"/>
+                <a:ea typeface="Verdana" panose="020B0604030504040204" pitchFamily="34" charset="0"/>
+                <a:cs typeface="Verdana" panose="020B0604030504040204" pitchFamily="34" charset="0"/>
+              </a:rPr>
+              <a:t>SLO</a:t>
+            </a:r>
+            <a:endParaRPr kumimoji="1" lang="ko-Kore-KR" altLang="en-US" sz="1000" dirty="0">
+              <a:latin typeface="Verdana" panose="020B0604030504040204" pitchFamily="34" charset="0"/>
+              <a:cs typeface="Verdana" panose="020B0604030504040204" pitchFamily="34" charset="0"/>
+            </a:endParaRPr>
+          </a:p>
+        </p:txBody>
+      </p:sp>
+      <p:sp>
+        <p:nvSpPr>
+          <p:cNvPr id="18" name="모서리가 둥근 직사각형 17">
+            <a:extLst>
+              <a:ext uri="{FF2B5EF4-FFF2-40B4-BE49-F238E27FC236}">
+                <a16:creationId xmlns:a16="http://schemas.microsoft.com/office/drawing/2014/main" id="{D26573F1-6CCF-944B-8E11-79A531B3B9D2}"/>
+              </a:ext>
+            </a:extLst>
+          </p:cNvPr>
+          <p:cNvSpPr/>
+          <p:nvPr/>
+        </p:nvSpPr>
+        <p:spPr>
+          <a:xfrm>
+            <a:off x="6646893" y="4657095"/>
+            <a:ext cx="1038631" cy="685352"/>
+          </a:xfrm>
+          <a:prstGeom prst="roundRect">
+            <a:avLst/>
+          </a:prstGeom>
+          <a:solidFill>
+            <a:schemeClr val="bg1"/>
+          </a:solidFill>
+          <a:ln w="12700">
+            <a:solidFill>
+              <a:schemeClr val="tx1"/>
+            </a:solidFill>
+          </a:ln>
+        </p:spPr>
+        <p:style>
+          <a:lnRef idx="2">
+            <a:schemeClr val="accent1">
+              <a:shade val="50000"/>
+            </a:schemeClr>
+          </a:lnRef>
+          <a:fillRef idx="1">
+            <a:schemeClr val="accent1"/>
+          </a:fillRef>
+          <a:effectRef idx="0">
+            <a:schemeClr val="accent1"/>
+          </a:effectRef>
+          <a:fontRef idx="minor">
+            <a:schemeClr val="lt1"/>
+          </a:fontRef>
+        </p:style>
+        <p:txBody>
+          <a:bodyPr rtlCol="0" anchor="ctr"/>
+          <a:lstStyle/>
+          <a:p>
+            <a:pPr algn="ctr"/>
+            <a:r>
+              <a:rPr kumimoji="1" lang="en-US" altLang="ko-Kore-KR" sz="1500" dirty="0">
+                <a:solidFill>
+                  <a:schemeClr val="tx1"/>
+                </a:solidFill>
+                <a:latin typeface="Verdana" panose="020B0604030504040204" pitchFamily="34" charset="0"/>
+                <a:ea typeface="Verdana" panose="020B0604030504040204" pitchFamily="34" charset="0"/>
+                <a:cs typeface="Verdana" panose="020B0604030504040204" pitchFamily="34" charset="0"/>
+              </a:rPr>
+              <a:t>Client</a:t>
+            </a:r>
+            <a:endParaRPr kumimoji="1" lang="ko-Kore-KR" altLang="en-US" sz="1500" dirty="0">
+              <a:solidFill>
+                <a:schemeClr val="tx1"/>
+              </a:solidFill>
+              <a:latin typeface="Verdana" panose="020B0604030504040204" pitchFamily="34" charset="0"/>
+              <a:cs typeface="Verdana" panose="020B0604030504040204" pitchFamily="34" charset="0"/>
+            </a:endParaRPr>
+          </a:p>
+        </p:txBody>
+      </p:sp>
+      <p:sp>
+        <p:nvSpPr>
+          <p:cNvPr id="19" name="직사각형 18">
+            <a:extLst>
+              <a:ext uri="{FF2B5EF4-FFF2-40B4-BE49-F238E27FC236}">
+                <a16:creationId xmlns:a16="http://schemas.microsoft.com/office/drawing/2014/main" id="{3E21B0C4-51B0-9445-A074-0B6FF9D879B0}"/>
+              </a:ext>
+            </a:extLst>
+          </p:cNvPr>
+          <p:cNvSpPr/>
+          <p:nvPr/>
+        </p:nvSpPr>
+        <p:spPr>
+          <a:xfrm>
+            <a:off x="8653256" y="4657095"/>
+            <a:ext cx="1146219" cy="685352"/>
+          </a:xfrm>
+          <a:prstGeom prst="rect">
+            <a:avLst/>
+          </a:prstGeom>
+          <a:solidFill>
+            <a:schemeClr val="bg1"/>
+          </a:solidFill>
+          <a:ln>
+            <a:solidFill>
+              <a:schemeClr val="tx1"/>
+            </a:solidFill>
+          </a:ln>
+        </p:spPr>
+        <p:style>
+          <a:lnRef idx="2">
+            <a:schemeClr val="accent1">
+              <a:shade val="50000"/>
+            </a:schemeClr>
+          </a:lnRef>
+          <a:fillRef idx="1">
+            <a:schemeClr val="accent1"/>
+          </a:fillRef>
+          <a:effectRef idx="0">
+            <a:schemeClr val="accent1"/>
+          </a:effectRef>
+          <a:fontRef idx="minor">
+            <a:schemeClr val="lt1"/>
+          </a:fontRef>
+        </p:style>
+        <p:txBody>
+          <a:bodyPr rtlCol="0" anchor="ctr"/>
+          <a:lstStyle/>
+          <a:p>
+            <a:pPr algn="ctr"/>
+            <a:r>
+              <a:rPr kumimoji="1" lang="en-US" altLang="ko-KR" sz="1500" dirty="0">
+                <a:solidFill>
+                  <a:schemeClr val="tx1"/>
+                </a:solidFill>
+                <a:latin typeface="Verdana" panose="020B0604030504040204" pitchFamily="34" charset="0"/>
+                <a:ea typeface="Verdana" panose="020B0604030504040204" pitchFamily="34" charset="0"/>
+                <a:cs typeface="Verdana" panose="020B0604030504040204" pitchFamily="34" charset="0"/>
+              </a:rPr>
+              <a:t>Flask API</a:t>
+            </a:r>
+            <a:endParaRPr kumimoji="1" lang="ko-KR" altLang="en-US" sz="1500" dirty="0">
+              <a:solidFill>
+                <a:schemeClr val="tx1"/>
+              </a:solidFill>
+              <a:latin typeface="Verdana" panose="020B0604030504040204" pitchFamily="34" charset="0"/>
+              <a:cs typeface="Verdana" panose="020B0604030504040204" pitchFamily="34" charset="0"/>
+            </a:endParaRPr>
+          </a:p>
+        </p:txBody>
+      </p:sp>
+      <p:cxnSp>
+        <p:nvCxnSpPr>
+          <p:cNvPr id="20" name="직선 화살표 연결선 19">
+            <a:extLst>
+              <a:ext uri="{FF2B5EF4-FFF2-40B4-BE49-F238E27FC236}">
+                <a16:creationId xmlns:a16="http://schemas.microsoft.com/office/drawing/2014/main" id="{FB44B299-1C7B-DE4C-AE10-1DAAA96F7FA9}"/>
+              </a:ext>
+            </a:extLst>
+          </p:cNvPr>
+          <p:cNvCxnSpPr>
+            <a:cxnSpLocks/>
+            <a:stCxn id="19" idx="3"/>
+            <a:endCxn id="26" idx="1"/>
+          </p:cNvCxnSpPr>
+          <p:nvPr/>
+        </p:nvCxnSpPr>
+        <p:spPr>
+          <a:xfrm>
+            <a:off x="9799475" y="4999771"/>
+            <a:ext cx="3081683" cy="0"/>
+          </a:xfrm>
+          <a:prstGeom prst="straightConnector1">
+            <a:avLst/>
+          </a:prstGeom>
+          <a:ln w="12700">
+            <a:solidFill>
+              <a:schemeClr val="tx1"/>
+            </a:solidFill>
+            <a:tailEnd type="triangle"/>
+          </a:ln>
+        </p:spPr>
+        <p:style>
+          <a:lnRef idx="1">
+            <a:schemeClr val="accent1"/>
+          </a:lnRef>
+          <a:fillRef idx="0">
+            <a:schemeClr val="accent1"/>
+          </a:fillRef>
+          <a:effectRef idx="0">
+            <a:schemeClr val="accent1"/>
+          </a:effectRef>
+          <a:fontRef idx="minor">
+            <a:schemeClr val="tx1"/>
+          </a:fontRef>
+        </p:style>
+      </p:cxnSp>
+      <p:sp>
+        <p:nvSpPr>
+          <p:cNvPr id="21" name="TextBox 20">
+            <a:extLst>
+              <a:ext uri="{FF2B5EF4-FFF2-40B4-BE49-F238E27FC236}">
+                <a16:creationId xmlns:a16="http://schemas.microsoft.com/office/drawing/2014/main" id="{BC457CAE-E0FE-0F43-BA69-CA47B5A45F21}"/>
+              </a:ext>
+            </a:extLst>
+          </p:cNvPr>
+          <p:cNvSpPr txBox="1"/>
+          <p:nvPr/>
+        </p:nvSpPr>
+        <p:spPr>
+          <a:xfrm>
+            <a:off x="10250915" y="4994598"/>
+            <a:ext cx="2178802" cy="246221"/>
+          </a:xfrm>
+          <a:prstGeom prst="rect">
+            <a:avLst/>
+          </a:prstGeom>
+          <a:noFill/>
+        </p:spPr>
+        <p:txBody>
+          <a:bodyPr wrap="none" rtlCol="0">
+            <a:spAutoFit/>
+          </a:bodyPr>
+          <a:lstStyle/>
+          <a:p>
+            <a:pPr algn="ctr"/>
+            <a:r>
+              <a:rPr kumimoji="1" lang="en-US" altLang="en-US" sz="1000" dirty="0">
+                <a:latin typeface="Verdana" panose="020B0604030504040204" pitchFamily="34" charset="0"/>
+                <a:ea typeface="Verdana" panose="020B0604030504040204" pitchFamily="34" charset="0"/>
+                <a:cs typeface="Verdana" panose="020B0604030504040204" pitchFamily="34" charset="0"/>
+              </a:rPr>
+              <a:t>SLO</a:t>
+            </a:r>
+            <a:r>
+              <a:rPr kumimoji="1" lang="en-US" altLang="ko-KR" sz="1000" dirty="0">
+                <a:latin typeface="Verdana" panose="020B0604030504040204" pitchFamily="34" charset="0"/>
+                <a:ea typeface="Verdana" panose="020B0604030504040204" pitchFamily="34" charset="0"/>
+                <a:cs typeface="Verdana" panose="020B0604030504040204" pitchFamily="34" charset="0"/>
+              </a:rPr>
+              <a:t>,</a:t>
+            </a:r>
+            <a:r>
+              <a:rPr kumimoji="1" lang="ko-KR" altLang="en-US" sz="1000" dirty="0">
+                <a:latin typeface="Verdana" panose="020B0604030504040204" pitchFamily="34" charset="0"/>
+                <a:ea typeface="Verdana" panose="020B0604030504040204" pitchFamily="34" charset="0"/>
+                <a:cs typeface="Verdana" panose="020B0604030504040204" pitchFamily="34" charset="0"/>
+              </a:rPr>
+              <a:t> </a:t>
+            </a:r>
+            <a:r>
+              <a:rPr kumimoji="1" lang="en-US" altLang="ko-KR" sz="1000" dirty="0">
+                <a:latin typeface="Verdana" panose="020B0604030504040204" pitchFamily="34" charset="0"/>
+                <a:ea typeface="Verdana" panose="020B0604030504040204" pitchFamily="34" charset="0"/>
+                <a:cs typeface="Verdana" panose="020B0604030504040204" pitchFamily="34" charset="0"/>
+              </a:rPr>
+              <a:t>pkt size, </a:t>
+            </a:r>
+            <a:r>
+              <a:rPr kumimoji="1" lang="en-US" altLang="ko-KR" sz="1000" dirty="0" err="1">
+                <a:latin typeface="Verdana" panose="020B0604030504040204" pitchFamily="34" charset="0"/>
+                <a:ea typeface="Verdana" panose="020B0604030504040204" pitchFamily="34" charset="0"/>
+                <a:cs typeface="Verdana" panose="020B0604030504040204" pitchFamily="34" charset="0"/>
+              </a:rPr>
+              <a:t>pps</a:t>
+            </a:r>
+            <a:r>
+              <a:rPr kumimoji="1" lang="en-US" altLang="ko-KR" sz="1000" dirty="0">
+                <a:latin typeface="Verdana" panose="020B0604030504040204" pitchFamily="34" charset="0"/>
+                <a:ea typeface="Verdana" panose="020B0604030504040204" pitchFamily="34" charset="0"/>
+                <a:cs typeface="Verdana" panose="020B0604030504040204" pitchFamily="34" charset="0"/>
+              </a:rPr>
+              <a:t>, </a:t>
+            </a:r>
+            <a:r>
+              <a:rPr kumimoji="1" lang="en-US" altLang="ko-KR" sz="1000" dirty="0" err="1">
+                <a:latin typeface="Verdana" panose="020B0604030504040204" pitchFamily="34" charset="0"/>
+                <a:ea typeface="Verdana" panose="020B0604030504040204" pitchFamily="34" charset="0"/>
+                <a:cs typeface="Verdana" panose="020B0604030504040204" pitchFamily="34" charset="0"/>
+              </a:rPr>
+              <a:t>vcpu</a:t>
+            </a:r>
+            <a:r>
+              <a:rPr kumimoji="1" lang="en-US" altLang="ko-KR" sz="1000" dirty="0">
+                <a:latin typeface="Verdana" panose="020B0604030504040204" pitchFamily="34" charset="0"/>
+                <a:ea typeface="Verdana" panose="020B0604030504040204" pitchFamily="34" charset="0"/>
+                <a:cs typeface="Verdana" panose="020B0604030504040204" pitchFamily="34" charset="0"/>
+              </a:rPr>
+              <a:t> usage</a:t>
+            </a:r>
+            <a:endParaRPr kumimoji="1" lang="ko-Kore-KR" altLang="en-US" sz="1000" dirty="0">
+              <a:latin typeface="Verdana" panose="020B0604030504040204" pitchFamily="34" charset="0"/>
+              <a:cs typeface="Verdana" panose="020B0604030504040204" pitchFamily="34" charset="0"/>
+            </a:endParaRPr>
+          </a:p>
+        </p:txBody>
+      </p:sp>
+      <p:sp>
+        <p:nvSpPr>
+          <p:cNvPr id="26" name="직사각형 25">
+            <a:extLst>
+              <a:ext uri="{FF2B5EF4-FFF2-40B4-BE49-F238E27FC236}">
+                <a16:creationId xmlns:a16="http://schemas.microsoft.com/office/drawing/2014/main" id="{6CEB40F2-6B99-8A4F-B5D9-65C6913FB7C9}"/>
+              </a:ext>
+            </a:extLst>
+          </p:cNvPr>
+          <p:cNvSpPr/>
+          <p:nvPr/>
+        </p:nvSpPr>
+        <p:spPr>
+          <a:xfrm>
+            <a:off x="12881158" y="4657095"/>
+            <a:ext cx="1146219" cy="685352"/>
+          </a:xfrm>
+          <a:prstGeom prst="rect">
+            <a:avLst/>
+          </a:prstGeom>
+          <a:solidFill>
+            <a:schemeClr val="bg1"/>
+          </a:solidFill>
+          <a:ln>
+            <a:solidFill>
+              <a:schemeClr val="tx1"/>
+            </a:solidFill>
+          </a:ln>
+        </p:spPr>
+        <p:style>
+          <a:lnRef idx="2">
+            <a:schemeClr val="accent1">
+              <a:shade val="50000"/>
+            </a:schemeClr>
+          </a:lnRef>
+          <a:fillRef idx="1">
+            <a:schemeClr val="accent1"/>
+          </a:fillRef>
+          <a:effectRef idx="0">
+            <a:schemeClr val="accent1"/>
+          </a:effectRef>
+          <a:fontRef idx="minor">
+            <a:schemeClr val="lt1"/>
+          </a:fontRef>
+        </p:style>
+        <p:txBody>
+          <a:bodyPr rtlCol="0" anchor="ctr"/>
+          <a:lstStyle/>
+          <a:p>
+            <a:pPr algn="ctr"/>
+            <a:r>
+              <a:rPr kumimoji="1" lang="en-US" altLang="ko-KR" sz="1500" dirty="0">
+                <a:solidFill>
+                  <a:schemeClr val="tx1"/>
+                </a:solidFill>
+                <a:latin typeface="Verdana" panose="020B0604030504040204" pitchFamily="34" charset="0"/>
+                <a:ea typeface="Verdana" panose="020B0604030504040204" pitchFamily="34" charset="0"/>
+                <a:cs typeface="Verdana" panose="020B0604030504040204" pitchFamily="34" charset="0"/>
+              </a:rPr>
+              <a:t>Model 1</a:t>
+            </a:r>
+            <a:endParaRPr kumimoji="1" lang="ko-KR" altLang="en-US" sz="1500" dirty="0">
+              <a:solidFill>
+                <a:schemeClr val="tx1"/>
+              </a:solidFill>
+              <a:latin typeface="Verdana" panose="020B0604030504040204" pitchFamily="34" charset="0"/>
+              <a:cs typeface="Verdana" panose="020B0604030504040204" pitchFamily="34" charset="0"/>
+            </a:endParaRPr>
+          </a:p>
+        </p:txBody>
+      </p:sp>
+      <p:cxnSp>
+        <p:nvCxnSpPr>
+          <p:cNvPr id="27" name="직선 화살표 연결선 26">
+            <a:extLst>
+              <a:ext uri="{FF2B5EF4-FFF2-40B4-BE49-F238E27FC236}">
+                <a16:creationId xmlns:a16="http://schemas.microsoft.com/office/drawing/2014/main" id="{A7FD77DE-D63C-F54C-BD63-D9830A0EADF3}"/>
+              </a:ext>
+            </a:extLst>
+          </p:cNvPr>
+          <p:cNvCxnSpPr>
+            <a:cxnSpLocks/>
+            <a:stCxn id="26" idx="3"/>
+            <a:endCxn id="30" idx="1"/>
+          </p:cNvCxnSpPr>
+          <p:nvPr/>
+        </p:nvCxnSpPr>
+        <p:spPr>
+          <a:xfrm>
+            <a:off x="14027377" y="4999771"/>
+            <a:ext cx="938352" cy="0"/>
+          </a:xfrm>
+          <a:prstGeom prst="straightConnector1">
+            <a:avLst/>
+          </a:prstGeom>
+          <a:ln w="12700">
+            <a:solidFill>
+              <a:schemeClr val="tx1"/>
+            </a:solidFill>
+            <a:tailEnd type="triangle"/>
+          </a:ln>
+        </p:spPr>
+        <p:style>
+          <a:lnRef idx="1">
+            <a:schemeClr val="accent1"/>
+          </a:lnRef>
+          <a:fillRef idx="0">
+            <a:schemeClr val="accent1"/>
+          </a:fillRef>
+          <a:effectRef idx="0">
+            <a:schemeClr val="accent1"/>
+          </a:effectRef>
+          <a:fontRef idx="minor">
+            <a:schemeClr val="tx1"/>
+          </a:fontRef>
+        </p:style>
+      </p:cxnSp>
+      <p:sp>
+        <p:nvSpPr>
+          <p:cNvPr id="28" name="TextBox 27">
+            <a:extLst>
+              <a:ext uri="{FF2B5EF4-FFF2-40B4-BE49-F238E27FC236}">
+                <a16:creationId xmlns:a16="http://schemas.microsoft.com/office/drawing/2014/main" id="{4FB377B5-7837-6046-93DF-079E10394DD2}"/>
+              </a:ext>
+            </a:extLst>
+          </p:cNvPr>
+          <p:cNvSpPr txBox="1"/>
+          <p:nvPr/>
+        </p:nvSpPr>
+        <p:spPr>
+          <a:xfrm>
+            <a:off x="14052583" y="4999771"/>
+            <a:ext cx="873957" cy="400110"/>
+          </a:xfrm>
+          <a:prstGeom prst="rect">
+            <a:avLst/>
+          </a:prstGeom>
+          <a:noFill/>
+        </p:spPr>
+        <p:txBody>
+          <a:bodyPr wrap="none" rtlCol="0">
+            <a:spAutoFit/>
+          </a:bodyPr>
+          <a:lstStyle/>
+          <a:p>
+            <a:pPr algn="ctr"/>
+            <a:r>
+              <a:rPr kumimoji="1" lang="en-US" altLang="en-US" sz="1000" dirty="0">
+                <a:latin typeface="Verdana" panose="020B0604030504040204" pitchFamily="34" charset="0"/>
+                <a:ea typeface="Verdana" panose="020B0604030504040204" pitchFamily="34" charset="0"/>
+                <a:cs typeface="Verdana" panose="020B0604030504040204" pitchFamily="34" charset="0"/>
+              </a:rPr>
+              <a:t>I/O thread</a:t>
+            </a:r>
+          </a:p>
+          <a:p>
+            <a:pPr algn="ctr"/>
+            <a:r>
+              <a:rPr kumimoji="1" lang="en-US" altLang="en-US" sz="1000" dirty="0">
+                <a:latin typeface="Verdana" panose="020B0604030504040204" pitchFamily="34" charset="0"/>
+                <a:ea typeface="Verdana" panose="020B0604030504040204" pitchFamily="34" charset="0"/>
+                <a:cs typeface="Verdana" panose="020B0604030504040204" pitchFamily="34" charset="0"/>
+              </a:rPr>
+              <a:t>CPU usage</a:t>
+            </a:r>
+            <a:endParaRPr kumimoji="1" lang="ko-Kore-KR" altLang="en-US" sz="1000" dirty="0">
+              <a:latin typeface="Verdana" panose="020B0604030504040204" pitchFamily="34" charset="0"/>
+              <a:cs typeface="Verdana" panose="020B0604030504040204" pitchFamily="34" charset="0"/>
+            </a:endParaRPr>
+          </a:p>
+        </p:txBody>
+      </p:sp>
+      <p:sp>
+        <p:nvSpPr>
+          <p:cNvPr id="30" name="모서리가 둥근 직사각형 29">
+            <a:extLst>
+              <a:ext uri="{FF2B5EF4-FFF2-40B4-BE49-F238E27FC236}">
+                <a16:creationId xmlns:a16="http://schemas.microsoft.com/office/drawing/2014/main" id="{5EA098A4-5F53-B743-8343-3AC244BBE2B5}"/>
+              </a:ext>
+            </a:extLst>
+          </p:cNvPr>
+          <p:cNvSpPr/>
+          <p:nvPr/>
+        </p:nvSpPr>
+        <p:spPr>
+          <a:xfrm>
+            <a:off x="14965729" y="4657095"/>
+            <a:ext cx="1038631" cy="685352"/>
+          </a:xfrm>
+          <a:prstGeom prst="roundRect">
+            <a:avLst/>
+          </a:prstGeom>
+          <a:solidFill>
+            <a:schemeClr val="bg1"/>
+          </a:solidFill>
+          <a:ln w="12700">
+            <a:solidFill>
+              <a:schemeClr val="tx1"/>
+            </a:solidFill>
+          </a:ln>
+        </p:spPr>
+        <p:style>
+          <a:lnRef idx="2">
+            <a:schemeClr val="accent1">
+              <a:shade val="50000"/>
+            </a:schemeClr>
+          </a:lnRef>
+          <a:fillRef idx="1">
+            <a:schemeClr val="accent1"/>
+          </a:fillRef>
+          <a:effectRef idx="0">
+            <a:schemeClr val="accent1"/>
+          </a:effectRef>
+          <a:fontRef idx="minor">
+            <a:schemeClr val="lt1"/>
+          </a:fontRef>
+        </p:style>
+        <p:txBody>
+          <a:bodyPr rtlCol="0" anchor="ctr"/>
+          <a:lstStyle/>
+          <a:p>
+            <a:pPr algn="ctr"/>
+            <a:r>
+              <a:rPr kumimoji="1" lang="en-US" altLang="ko-Kore-KR" sz="1500" dirty="0" err="1">
+                <a:solidFill>
+                  <a:schemeClr val="tx1"/>
+                </a:solidFill>
+                <a:latin typeface="Verdana" panose="020B0604030504040204" pitchFamily="34" charset="0"/>
+                <a:ea typeface="Verdana" panose="020B0604030504040204" pitchFamily="34" charset="0"/>
+                <a:cs typeface="Verdana" panose="020B0604030504040204" pitchFamily="34" charset="0"/>
+              </a:rPr>
+              <a:t>cGroups</a:t>
+            </a:r>
+            <a:endParaRPr kumimoji="1" lang="ko-Kore-KR" altLang="en-US" sz="1500" dirty="0">
+              <a:solidFill>
+                <a:schemeClr val="tx1"/>
+              </a:solidFill>
+              <a:latin typeface="Verdana" panose="020B0604030504040204" pitchFamily="34" charset="0"/>
+              <a:cs typeface="Verdana" panose="020B0604030504040204" pitchFamily="34" charset="0"/>
+            </a:endParaRPr>
+          </a:p>
+        </p:txBody>
+      </p:sp>
+      <p:sp>
+        <p:nvSpPr>
+          <p:cNvPr id="2" name="아래쪽 화살표[D] 1">
+            <a:extLst>
+              <a:ext uri="{FF2B5EF4-FFF2-40B4-BE49-F238E27FC236}">
+                <a16:creationId xmlns:a16="http://schemas.microsoft.com/office/drawing/2014/main" id="{8CF3C576-7D6E-7249-BDC3-5DD7DC8BDEC2}"/>
+              </a:ext>
+            </a:extLst>
+          </p:cNvPr>
+          <p:cNvSpPr/>
+          <p:nvPr/>
+        </p:nvSpPr>
+        <p:spPr>
+          <a:xfrm>
+            <a:off x="11177756" y="5640430"/>
+            <a:ext cx="325120" cy="521831"/>
+          </a:xfrm>
+          <a:prstGeom prst="downArrow">
+            <a:avLst/>
+          </a:prstGeom>
+          <a:solidFill>
+            <a:schemeClr val="bg1">
+              <a:lumMod val="95000"/>
+            </a:schemeClr>
+          </a:solidFill>
+          <a:ln>
+            <a:solidFill>
+              <a:schemeClr val="tx1"/>
+            </a:solidFill>
+          </a:ln>
+        </p:spPr>
+        <p:style>
+          <a:lnRef idx="2">
+            <a:schemeClr val="accent1">
+              <a:shade val="50000"/>
+            </a:schemeClr>
+          </a:lnRef>
+          <a:fillRef idx="1">
+            <a:schemeClr val="accent1"/>
+          </a:fillRef>
+          <a:effectRef idx="0">
+            <a:schemeClr val="accent1"/>
+          </a:effectRef>
+          <a:fontRef idx="minor">
+            <a:schemeClr val="lt1"/>
+          </a:fontRef>
+        </p:style>
+        <p:txBody>
+          <a:bodyPr rtlCol="0" anchor="ctr"/>
+          <a:lstStyle/>
+          <a:p>
+            <a:pPr algn="ctr"/>
+            <a:endParaRPr kumimoji="1" lang="ko-KR" altLang="en-US"/>
+          </a:p>
+        </p:txBody>
+      </p:sp>
+      <p:sp>
+        <p:nvSpPr>
+          <p:cNvPr id="5" name="직사각형 4">
+            <a:extLst>
+              <a:ext uri="{FF2B5EF4-FFF2-40B4-BE49-F238E27FC236}">
+                <a16:creationId xmlns:a16="http://schemas.microsoft.com/office/drawing/2014/main" id="{4A76236E-EBBC-7846-BA06-1FDA26D64053}"/>
+              </a:ext>
+            </a:extLst>
+          </p:cNvPr>
+          <p:cNvSpPr/>
+          <p:nvPr/>
+        </p:nvSpPr>
+        <p:spPr>
+          <a:xfrm>
+            <a:off x="11266210" y="5586144"/>
+            <a:ext cx="148211" cy="119269"/>
+          </a:xfrm>
+          <a:prstGeom prst="rect">
+            <a:avLst/>
+          </a:prstGeom>
+          <a:solidFill>
+            <a:schemeClr val="bg1">
+              <a:lumMod val="95000"/>
+            </a:schemeClr>
+          </a:solidFill>
+          <a:ln>
+            <a:noFill/>
+          </a:ln>
+        </p:spPr>
+        <p:style>
+          <a:lnRef idx="2">
+            <a:schemeClr val="accent1">
+              <a:shade val="50000"/>
+            </a:schemeClr>
+          </a:lnRef>
+          <a:fillRef idx="1">
+            <a:schemeClr val="accent1"/>
+          </a:fillRef>
+          <a:effectRef idx="0">
+            <a:schemeClr val="accent1"/>
+          </a:effectRef>
+          <a:fontRef idx="minor">
+            <a:schemeClr val="lt1"/>
+          </a:fontRef>
+        </p:style>
+        <p:txBody>
+          <a:bodyPr rtlCol="0" anchor="ctr"/>
+          <a:lstStyle/>
+          <a:p>
+            <a:pPr algn="ctr"/>
+            <a:endParaRPr kumimoji="1" lang="ko-KR" altLang="en-US"/>
+          </a:p>
+        </p:txBody>
+      </p:sp>
+    </p:spTree>
+    <p:extLst>
+      <p:ext uri="{BB962C8B-B14F-4D97-AF65-F5344CB8AC3E}">
+        <p14:creationId xmlns:p14="http://schemas.microsoft.com/office/powerpoint/2010/main" val="1948616582"/>
+      </p:ext>
+    </p:extLst>
+  </p:cSld>
+  <p:clrMapOvr>
+    <a:masterClrMapping/>
+  </p:clrMapOvr>
+</p:sld>
+</file>
+
+<file path=ppt/slides/slide11.xml><?xml version="1.0" encoding="utf-8"?>
+<p:sld xmlns:a="http://schemas.openxmlformats.org/drawingml/2006/main" xmlns:r="http://schemas.openxmlformats.org/officeDocument/2006/relationships" xmlns:p="http://schemas.openxmlformats.org/presentationml/2006/main">
+  <p:cSld>
+    <p:spTree>
+      <p:nvGrpSpPr>
+        <p:cNvPr id="1" name=""/>
+        <p:cNvGrpSpPr/>
+        <p:nvPr/>
+      </p:nvGrpSpPr>
+      <p:grpSpPr>
+        <a:xfrm>
+          <a:off x="0" y="0"/>
+          <a:ext cx="0" cy="0"/>
+          <a:chOff x="0" y="0"/>
+          <a:chExt cx="0" cy="0"/>
+        </a:xfrm>
+      </p:grpSpPr>
+      <p:sp>
+        <p:nvSpPr>
+          <p:cNvPr id="31" name="모서리가 둥근 직사각형 30">
+            <a:extLst>
+              <a:ext uri="{FF2B5EF4-FFF2-40B4-BE49-F238E27FC236}">
+                <a16:creationId xmlns:a16="http://schemas.microsoft.com/office/drawing/2014/main" id="{D35EDE8E-2189-0847-8743-FEEF44216EE4}"/>
+              </a:ext>
+            </a:extLst>
+          </p:cNvPr>
+          <p:cNvSpPr/>
+          <p:nvPr/>
+        </p:nvSpPr>
+        <p:spPr>
+          <a:xfrm>
+            <a:off x="6315740" y="6221628"/>
+            <a:ext cx="10096815" cy="1882843"/>
+          </a:xfrm>
+          <a:prstGeom prst="roundRect">
+            <a:avLst>
+              <a:gd name="adj" fmla="val 31323"/>
+            </a:avLst>
+          </a:prstGeom>
+          <a:solidFill>
+            <a:schemeClr val="bg1">
+              <a:lumMod val="95000"/>
+            </a:schemeClr>
+          </a:solidFill>
+          <a:ln>
+            <a:solidFill>
+              <a:schemeClr val="tx1"/>
+            </a:solidFill>
+          </a:ln>
+        </p:spPr>
+        <p:style>
+          <a:lnRef idx="2">
+            <a:schemeClr val="accent1">
+              <a:shade val="50000"/>
+            </a:schemeClr>
+          </a:lnRef>
+          <a:fillRef idx="1">
+            <a:schemeClr val="accent1"/>
+          </a:fillRef>
+          <a:effectRef idx="0">
+            <a:schemeClr val="accent1"/>
+          </a:effectRef>
+          <a:fontRef idx="minor">
+            <a:schemeClr val="lt1"/>
+          </a:fontRef>
+        </p:style>
+        <p:txBody>
+          <a:bodyPr rtlCol="0" anchor="ctr"/>
+          <a:lstStyle/>
+          <a:p>
+            <a:pPr algn="ctr"/>
+            <a:endParaRPr kumimoji="1" lang="ko-KR" altLang="en-US"/>
+          </a:p>
+        </p:txBody>
+      </p:sp>
+      <p:cxnSp>
+        <p:nvCxnSpPr>
+          <p:cNvPr id="23" name="직선 화살표 연결선 22">
+            <a:extLst>
+              <a:ext uri="{FF2B5EF4-FFF2-40B4-BE49-F238E27FC236}">
+                <a16:creationId xmlns:a16="http://schemas.microsoft.com/office/drawing/2014/main" id="{4A1E3BE7-DC0B-994C-BDAD-EBBCBC38A768}"/>
+              </a:ext>
+            </a:extLst>
+          </p:cNvPr>
+          <p:cNvCxnSpPr>
+            <a:cxnSpLocks/>
+            <a:endCxn id="4" idx="1"/>
+          </p:cNvCxnSpPr>
+          <p:nvPr/>
+        </p:nvCxnSpPr>
+        <p:spPr>
+          <a:xfrm>
+            <a:off x="7113069" y="6860437"/>
+            <a:ext cx="1540187" cy="0"/>
+          </a:xfrm>
+          <a:prstGeom prst="straightConnector1">
+            <a:avLst/>
+          </a:prstGeom>
+          <a:ln w="12700">
+            <a:solidFill>
+              <a:schemeClr val="tx1"/>
+            </a:solidFill>
+            <a:tailEnd type="triangle"/>
+          </a:ln>
+        </p:spPr>
+        <p:style>
+          <a:lnRef idx="1">
+            <a:schemeClr val="accent1"/>
+          </a:lnRef>
+          <a:fillRef idx="0">
+            <a:schemeClr val="accent1"/>
+          </a:fillRef>
+          <a:effectRef idx="0">
+            <a:schemeClr val="accent1"/>
+          </a:effectRef>
+          <a:fontRef idx="minor">
+            <a:schemeClr val="tx1"/>
+          </a:fontRef>
+        </p:style>
+      </p:cxnSp>
+      <p:sp>
+        <p:nvSpPr>
+          <p:cNvPr id="34" name="TextBox 33">
+            <a:extLst>
+              <a:ext uri="{FF2B5EF4-FFF2-40B4-BE49-F238E27FC236}">
+                <a16:creationId xmlns:a16="http://schemas.microsoft.com/office/drawing/2014/main" id="{3055B3FE-47DA-3C4D-88BE-F4DFE140A4C8}"/>
+              </a:ext>
+            </a:extLst>
+          </p:cNvPr>
+          <p:cNvSpPr txBox="1"/>
+          <p:nvPr/>
+        </p:nvSpPr>
+        <p:spPr>
+          <a:xfrm>
+            <a:off x="7393285" y="6882850"/>
+            <a:ext cx="1059906" cy="400110"/>
+          </a:xfrm>
+          <a:prstGeom prst="rect">
+            <a:avLst/>
+          </a:prstGeom>
+          <a:noFill/>
+        </p:spPr>
+        <p:txBody>
+          <a:bodyPr wrap="none" rtlCol="0">
+            <a:spAutoFit/>
+          </a:bodyPr>
+          <a:lstStyle/>
+          <a:p>
+            <a:pPr algn="ctr"/>
+            <a:r>
+              <a:rPr kumimoji="1" lang="en-US" altLang="en-US" sz="1000" dirty="0">
+                <a:latin typeface="Verdana" panose="020B0604030504040204" pitchFamily="34" charset="0"/>
+                <a:ea typeface="Verdana" panose="020B0604030504040204" pitchFamily="34" charset="0"/>
+                <a:cs typeface="Verdana" panose="020B0604030504040204" pitchFamily="34" charset="0"/>
+              </a:rPr>
+              <a:t>m1_input.csv</a:t>
+            </a:r>
+          </a:p>
+          <a:p>
+            <a:pPr marL="171450" indent="-171450" algn="just">
+              <a:buFont typeface="Arial" panose="020B0604020202020204" pitchFamily="34" charset="0"/>
+              <a:buChar char="•"/>
+            </a:pPr>
+            <a:r>
+              <a:rPr kumimoji="1" lang="en-US" altLang="en-US" sz="1000" dirty="0">
+                <a:latin typeface="Verdana" panose="020B0604030504040204" pitchFamily="34" charset="0"/>
+                <a:ea typeface="Verdana" panose="020B0604030504040204" pitchFamily="34" charset="0"/>
+                <a:cs typeface="Verdana" panose="020B0604030504040204" pitchFamily="34" charset="0"/>
+              </a:rPr>
+              <a:t>SLO</a:t>
+            </a:r>
+            <a:endParaRPr kumimoji="1" lang="ko-Kore-KR" altLang="en-US" sz="1000" dirty="0">
+              <a:latin typeface="Verdana" panose="020B0604030504040204" pitchFamily="34" charset="0"/>
+              <a:cs typeface="Verdana" panose="020B0604030504040204" pitchFamily="34" charset="0"/>
+            </a:endParaRPr>
+          </a:p>
+        </p:txBody>
+      </p:sp>
+      <p:sp>
+        <p:nvSpPr>
+          <p:cNvPr id="4" name="직사각형 3">
+            <a:extLst>
+              <a:ext uri="{FF2B5EF4-FFF2-40B4-BE49-F238E27FC236}">
+                <a16:creationId xmlns:a16="http://schemas.microsoft.com/office/drawing/2014/main" id="{4A6D0B6F-E2AA-EB4D-BADB-C6BD98BD4176}"/>
+              </a:ext>
+            </a:extLst>
+          </p:cNvPr>
+          <p:cNvSpPr/>
+          <p:nvPr/>
+        </p:nvSpPr>
+        <p:spPr>
+          <a:xfrm>
+            <a:off x="8653256" y="6517761"/>
+            <a:ext cx="1146219" cy="685352"/>
+          </a:xfrm>
+          <a:prstGeom prst="rect">
+            <a:avLst/>
+          </a:prstGeom>
+          <a:solidFill>
+            <a:schemeClr val="bg1"/>
+          </a:solidFill>
+          <a:ln>
+            <a:solidFill>
+              <a:schemeClr val="tx1"/>
+            </a:solidFill>
+          </a:ln>
+        </p:spPr>
+        <p:style>
+          <a:lnRef idx="2">
+            <a:schemeClr val="accent1">
+              <a:shade val="50000"/>
+            </a:schemeClr>
+          </a:lnRef>
+          <a:fillRef idx="1">
+            <a:schemeClr val="accent1"/>
+          </a:fillRef>
+          <a:effectRef idx="0">
+            <a:schemeClr val="accent1"/>
+          </a:effectRef>
+          <a:fontRef idx="minor">
+            <a:schemeClr val="lt1"/>
+          </a:fontRef>
+        </p:style>
+        <p:txBody>
+          <a:bodyPr rtlCol="0" anchor="ctr"/>
+          <a:lstStyle/>
+          <a:p>
+            <a:pPr algn="ctr"/>
+            <a:r>
+              <a:rPr kumimoji="1" lang="en-US" altLang="ko-KR" sz="1500" dirty="0">
+                <a:solidFill>
+                  <a:schemeClr val="tx1"/>
+                </a:solidFill>
+                <a:latin typeface="Verdana" panose="020B0604030504040204" pitchFamily="34" charset="0"/>
+                <a:ea typeface="Verdana" panose="020B0604030504040204" pitchFamily="34" charset="0"/>
+                <a:cs typeface="Verdana" panose="020B0604030504040204" pitchFamily="34" charset="0"/>
+              </a:rPr>
+              <a:t>m1</a:t>
+            </a:r>
+            <a:endParaRPr kumimoji="1" lang="ko-KR" altLang="en-US" sz="1500" dirty="0">
+              <a:solidFill>
+                <a:schemeClr val="tx1"/>
+              </a:solidFill>
+              <a:latin typeface="Verdana" panose="020B0604030504040204" pitchFamily="34" charset="0"/>
+              <a:cs typeface="Verdana" panose="020B0604030504040204" pitchFamily="34" charset="0"/>
+            </a:endParaRPr>
+          </a:p>
+        </p:txBody>
+      </p:sp>
+      <p:sp>
+        <p:nvSpPr>
+          <p:cNvPr id="39" name="TextBox 38">
+            <a:extLst>
+              <a:ext uri="{FF2B5EF4-FFF2-40B4-BE49-F238E27FC236}">
+                <a16:creationId xmlns:a16="http://schemas.microsoft.com/office/drawing/2014/main" id="{85B33D13-856D-4E4F-AB90-CA7966743197}"/>
+              </a:ext>
+            </a:extLst>
+          </p:cNvPr>
+          <p:cNvSpPr txBox="1"/>
+          <p:nvPr/>
+        </p:nvSpPr>
+        <p:spPr>
+          <a:xfrm>
+            <a:off x="10008357" y="6875740"/>
+            <a:ext cx="1122423" cy="707886"/>
+          </a:xfrm>
+          <a:prstGeom prst="rect">
+            <a:avLst/>
+          </a:prstGeom>
+          <a:noFill/>
+        </p:spPr>
+        <p:txBody>
+          <a:bodyPr wrap="none" rtlCol="0">
+            <a:spAutoFit/>
+          </a:bodyPr>
+          <a:lstStyle/>
+          <a:p>
+            <a:pPr algn="ctr"/>
+            <a:r>
+              <a:rPr kumimoji="1" lang="en-US" altLang="en-US" sz="1000" dirty="0">
+                <a:latin typeface="Verdana" panose="020B0604030504040204" pitchFamily="34" charset="0"/>
+                <a:ea typeface="Verdana" panose="020B0604030504040204" pitchFamily="34" charset="0"/>
+                <a:cs typeface="Verdana" panose="020B0604030504040204" pitchFamily="34" charset="0"/>
+              </a:rPr>
+              <a:t>m2_input.csv</a:t>
+            </a:r>
+          </a:p>
+          <a:p>
+            <a:pPr marL="171450" indent="-171450" algn="just">
+              <a:buFont typeface="Arial" panose="020B0604020202020204" pitchFamily="34" charset="0"/>
+              <a:buChar char="•"/>
+            </a:pPr>
+            <a:r>
+              <a:rPr kumimoji="1" lang="en-US" altLang="en-US" sz="1000" dirty="0" err="1">
+                <a:latin typeface="Verdana" panose="020B0604030504040204" pitchFamily="34" charset="0"/>
+                <a:ea typeface="Verdana" panose="020B0604030504040204" pitchFamily="34" charset="0"/>
+                <a:cs typeface="Verdana" panose="020B0604030504040204" pitchFamily="34" charset="0"/>
+              </a:rPr>
+              <a:t>pkt_size</a:t>
+            </a:r>
+            <a:endParaRPr kumimoji="1" lang="en-US" altLang="en-US" sz="1000" dirty="0">
+              <a:latin typeface="Verdana" panose="020B0604030504040204" pitchFamily="34" charset="0"/>
+              <a:ea typeface="Verdana" panose="020B0604030504040204" pitchFamily="34" charset="0"/>
+              <a:cs typeface="Verdana" panose="020B0604030504040204" pitchFamily="34" charset="0"/>
+            </a:endParaRPr>
+          </a:p>
+          <a:p>
+            <a:pPr marL="171450" indent="-171450" algn="just">
+              <a:buFont typeface="Arial" panose="020B0604020202020204" pitchFamily="34" charset="0"/>
+              <a:buChar char="•"/>
+            </a:pPr>
+            <a:r>
+              <a:rPr kumimoji="1" lang="en-US" altLang="en-US" sz="1000" dirty="0">
+                <a:latin typeface="Verdana" panose="020B0604030504040204" pitchFamily="34" charset="0"/>
+                <a:ea typeface="Verdana" panose="020B0604030504040204" pitchFamily="34" charset="0"/>
+                <a:cs typeface="Verdana" panose="020B0604030504040204" pitchFamily="34" charset="0"/>
+              </a:rPr>
+              <a:t>SLO</a:t>
+            </a:r>
+          </a:p>
+          <a:p>
+            <a:pPr marL="171450" indent="-171450" algn="just">
+              <a:buFont typeface="Arial" panose="020B0604020202020204" pitchFamily="34" charset="0"/>
+              <a:buChar char="•"/>
+            </a:pPr>
+            <a:r>
+              <a:rPr kumimoji="1" lang="en-US" altLang="en-US" sz="1000" dirty="0">
+                <a:latin typeface="Verdana" panose="020B0604030504040204" pitchFamily="34" charset="0"/>
+                <a:ea typeface="Verdana" panose="020B0604030504040204" pitchFamily="34" charset="0"/>
+                <a:cs typeface="Verdana" panose="020B0604030504040204" pitchFamily="34" charset="0"/>
+              </a:rPr>
+              <a:t>vCPU usage</a:t>
+            </a:r>
+            <a:endParaRPr kumimoji="1" lang="ko-Kore-KR" altLang="en-US" sz="1000" dirty="0">
+              <a:latin typeface="Verdana" panose="020B0604030504040204" pitchFamily="34" charset="0"/>
+              <a:cs typeface="Verdana" panose="020B0604030504040204" pitchFamily="34" charset="0"/>
+            </a:endParaRPr>
+          </a:p>
+        </p:txBody>
+      </p:sp>
+      <p:sp>
+        <p:nvSpPr>
+          <p:cNvPr id="43" name="직사각형 42">
+            <a:extLst>
+              <a:ext uri="{FF2B5EF4-FFF2-40B4-BE49-F238E27FC236}">
+                <a16:creationId xmlns:a16="http://schemas.microsoft.com/office/drawing/2014/main" id="{BBD84D7D-91CB-344D-9F00-A7D4828F9F69}"/>
+              </a:ext>
+            </a:extLst>
+          </p:cNvPr>
+          <p:cNvSpPr/>
+          <p:nvPr/>
+        </p:nvSpPr>
+        <p:spPr>
+          <a:xfrm>
+            <a:off x="11364147" y="6517761"/>
+            <a:ext cx="1146219" cy="685352"/>
+          </a:xfrm>
+          <a:prstGeom prst="rect">
+            <a:avLst/>
+          </a:prstGeom>
+          <a:solidFill>
+            <a:schemeClr val="bg1"/>
+          </a:solidFill>
+          <a:ln>
+            <a:solidFill>
+              <a:schemeClr val="tx1"/>
+            </a:solidFill>
+          </a:ln>
+        </p:spPr>
+        <p:style>
+          <a:lnRef idx="2">
+            <a:schemeClr val="accent1">
+              <a:shade val="50000"/>
+            </a:schemeClr>
+          </a:lnRef>
+          <a:fillRef idx="1">
+            <a:schemeClr val="accent1"/>
+          </a:fillRef>
+          <a:effectRef idx="0">
+            <a:schemeClr val="accent1"/>
+          </a:effectRef>
+          <a:fontRef idx="minor">
+            <a:schemeClr val="lt1"/>
+          </a:fontRef>
+        </p:style>
+        <p:txBody>
+          <a:bodyPr rtlCol="0" anchor="ctr"/>
+          <a:lstStyle/>
+          <a:p>
+            <a:pPr algn="ctr"/>
+            <a:r>
+              <a:rPr kumimoji="1" lang="en-US" altLang="ko-KR" sz="1500" dirty="0">
+                <a:solidFill>
+                  <a:schemeClr val="tx1"/>
+                </a:solidFill>
+                <a:latin typeface="Verdana" panose="020B0604030504040204" pitchFamily="34" charset="0"/>
+                <a:ea typeface="Verdana" panose="020B0604030504040204" pitchFamily="34" charset="0"/>
+                <a:cs typeface="Verdana" panose="020B0604030504040204" pitchFamily="34" charset="0"/>
+              </a:rPr>
+              <a:t>m2</a:t>
+            </a:r>
+            <a:endParaRPr kumimoji="1" lang="ko-KR" altLang="en-US" sz="1500" dirty="0">
+              <a:solidFill>
+                <a:schemeClr val="tx1"/>
+              </a:solidFill>
+              <a:latin typeface="Verdana" panose="020B0604030504040204" pitchFamily="34" charset="0"/>
+              <a:cs typeface="Verdana" panose="020B0604030504040204" pitchFamily="34" charset="0"/>
+            </a:endParaRPr>
+          </a:p>
+        </p:txBody>
+      </p:sp>
+      <p:sp>
+        <p:nvSpPr>
+          <p:cNvPr id="46" name="TextBox 45">
+            <a:extLst>
+              <a:ext uri="{FF2B5EF4-FFF2-40B4-BE49-F238E27FC236}">
+                <a16:creationId xmlns:a16="http://schemas.microsoft.com/office/drawing/2014/main" id="{30231A5A-8BB3-704C-B153-BF2C223C2B7B}"/>
+              </a:ext>
+            </a:extLst>
+          </p:cNvPr>
+          <p:cNvSpPr txBox="1"/>
+          <p:nvPr/>
+        </p:nvSpPr>
+        <p:spPr>
+          <a:xfrm>
+            <a:off x="12609082" y="6847946"/>
+            <a:ext cx="1406154" cy="1015663"/>
+          </a:xfrm>
+          <a:prstGeom prst="rect">
+            <a:avLst/>
+          </a:prstGeom>
+          <a:noFill/>
+        </p:spPr>
+        <p:txBody>
+          <a:bodyPr wrap="none" rtlCol="0">
+            <a:spAutoFit/>
+          </a:bodyPr>
+          <a:lstStyle/>
+          <a:p>
+            <a:pPr algn="ctr"/>
+            <a:r>
+              <a:rPr kumimoji="1" lang="en-US" altLang="en-US" sz="1000" dirty="0" err="1">
+                <a:latin typeface="Verdana" panose="020B0604030504040204" pitchFamily="34" charset="0"/>
+                <a:ea typeface="Verdana" panose="020B0604030504040204" pitchFamily="34" charset="0"/>
+                <a:cs typeface="Verdana" panose="020B0604030504040204" pitchFamily="34" charset="0"/>
+              </a:rPr>
+              <a:t>cgroup_input.csv</a:t>
+            </a:r>
+            <a:endParaRPr kumimoji="1" lang="en-US" altLang="en-US" sz="1000" dirty="0">
+              <a:latin typeface="Verdana" panose="020B0604030504040204" pitchFamily="34" charset="0"/>
+              <a:ea typeface="Verdana" panose="020B0604030504040204" pitchFamily="34" charset="0"/>
+              <a:cs typeface="Verdana" panose="020B0604030504040204" pitchFamily="34" charset="0"/>
+            </a:endParaRPr>
+          </a:p>
+          <a:p>
+            <a:pPr marL="171450" indent="-171450" algn="just">
+              <a:buFont typeface="Arial" panose="020B0604020202020204" pitchFamily="34" charset="0"/>
+              <a:buChar char="•"/>
+            </a:pPr>
+            <a:r>
+              <a:rPr kumimoji="1" lang="en-US" altLang="en-US" sz="1000" dirty="0">
+                <a:latin typeface="Verdana" panose="020B0604030504040204" pitchFamily="34" charset="0"/>
+                <a:ea typeface="Verdana" panose="020B0604030504040204" pitchFamily="34" charset="0"/>
+                <a:cs typeface="Verdana" panose="020B0604030504040204" pitchFamily="34" charset="0"/>
+              </a:rPr>
+              <a:t>I/O CPU (quota)</a:t>
+            </a:r>
+          </a:p>
+          <a:p>
+            <a:pPr marL="171450" indent="-171450" algn="just">
+              <a:buFont typeface="Arial" panose="020B0604020202020204" pitchFamily="34" charset="0"/>
+              <a:buChar char="•"/>
+            </a:pPr>
+            <a:r>
+              <a:rPr kumimoji="1" lang="en-US" altLang="en-US" sz="1000" dirty="0" err="1">
+                <a:latin typeface="Verdana" panose="020B0604030504040204" pitchFamily="34" charset="0"/>
+                <a:ea typeface="Verdana" panose="020B0604030504040204" pitchFamily="34" charset="0"/>
+                <a:cs typeface="Verdana" panose="020B0604030504040204" pitchFamily="34" charset="0"/>
+              </a:rPr>
+              <a:t>pkt_size</a:t>
+            </a:r>
+            <a:endParaRPr kumimoji="1" lang="en-US" altLang="en-US" sz="1000" dirty="0">
+              <a:latin typeface="Verdana" panose="020B0604030504040204" pitchFamily="34" charset="0"/>
+              <a:ea typeface="Verdana" panose="020B0604030504040204" pitchFamily="34" charset="0"/>
+              <a:cs typeface="Verdana" panose="020B0604030504040204" pitchFamily="34" charset="0"/>
+            </a:endParaRPr>
+          </a:p>
+          <a:p>
+            <a:pPr marL="171450" indent="-171450" algn="just">
+              <a:buFont typeface="Arial" panose="020B0604020202020204" pitchFamily="34" charset="0"/>
+              <a:buChar char="•"/>
+            </a:pPr>
+            <a:r>
+              <a:rPr kumimoji="1" lang="en-US" altLang="en-US" sz="1000" dirty="0">
+                <a:latin typeface="Verdana" panose="020B0604030504040204" pitchFamily="34" charset="0"/>
+                <a:ea typeface="Verdana" panose="020B0604030504040204" pitchFamily="34" charset="0"/>
+                <a:cs typeface="Verdana" panose="020B0604030504040204" pitchFamily="34" charset="0"/>
+              </a:rPr>
+              <a:t>SLO</a:t>
+            </a:r>
+          </a:p>
+          <a:p>
+            <a:pPr marL="171450" indent="-171450" algn="just">
+              <a:buFont typeface="Arial" panose="020B0604020202020204" pitchFamily="34" charset="0"/>
+              <a:buChar char="•"/>
+            </a:pPr>
+            <a:r>
+              <a:rPr kumimoji="1" lang="en-US" altLang="en-US" sz="1000" dirty="0" err="1">
+                <a:latin typeface="Verdana" panose="020B0604030504040204" pitchFamily="34" charset="0"/>
+                <a:ea typeface="Verdana" panose="020B0604030504040204" pitchFamily="34" charset="0"/>
+                <a:cs typeface="Verdana" panose="020B0604030504040204" pitchFamily="34" charset="0"/>
+              </a:rPr>
+              <a:t>pps</a:t>
+            </a:r>
+            <a:endParaRPr kumimoji="1" lang="en-US" altLang="en-US" sz="1000" dirty="0">
+              <a:latin typeface="Verdana" panose="020B0604030504040204" pitchFamily="34" charset="0"/>
+              <a:ea typeface="Verdana" panose="020B0604030504040204" pitchFamily="34" charset="0"/>
+              <a:cs typeface="Verdana" panose="020B0604030504040204" pitchFamily="34" charset="0"/>
+            </a:endParaRPr>
+          </a:p>
+          <a:p>
+            <a:pPr marL="171450" indent="-171450" algn="just">
+              <a:buFont typeface="Arial" panose="020B0604020202020204" pitchFamily="34" charset="0"/>
+              <a:buChar char="•"/>
+            </a:pPr>
+            <a:r>
+              <a:rPr kumimoji="1" lang="en-US" altLang="en-US" sz="1000" dirty="0">
+                <a:latin typeface="Verdana" panose="020B0604030504040204" pitchFamily="34" charset="0"/>
+                <a:ea typeface="Verdana" panose="020B0604030504040204" pitchFamily="34" charset="0"/>
+                <a:cs typeface="Verdana" panose="020B0604030504040204" pitchFamily="34" charset="0"/>
+              </a:rPr>
+              <a:t>vCPU usage</a:t>
+            </a:r>
+            <a:endParaRPr kumimoji="1" lang="ko-Kore-KR" altLang="en-US" sz="1000" dirty="0">
+              <a:latin typeface="Verdana" panose="020B0604030504040204" pitchFamily="34" charset="0"/>
+              <a:cs typeface="Verdana" panose="020B0604030504040204" pitchFamily="34" charset="0"/>
+            </a:endParaRPr>
+          </a:p>
+        </p:txBody>
+      </p:sp>
+      <p:sp>
+        <p:nvSpPr>
+          <p:cNvPr id="49" name="모서리가 둥근 직사각형 48">
+            <a:extLst>
+              <a:ext uri="{FF2B5EF4-FFF2-40B4-BE49-F238E27FC236}">
+                <a16:creationId xmlns:a16="http://schemas.microsoft.com/office/drawing/2014/main" id="{4FF72ABF-0174-D14E-B2BC-88ADF6101BD4}"/>
+              </a:ext>
+            </a:extLst>
+          </p:cNvPr>
+          <p:cNvSpPr/>
+          <p:nvPr/>
+        </p:nvSpPr>
+        <p:spPr>
+          <a:xfrm>
+            <a:off x="14113953" y="6533064"/>
+            <a:ext cx="1038631" cy="685352"/>
+          </a:xfrm>
+          <a:prstGeom prst="roundRect">
+            <a:avLst/>
+          </a:prstGeom>
+          <a:solidFill>
+            <a:schemeClr val="bg1"/>
+          </a:solidFill>
+          <a:ln w="12700">
+            <a:solidFill>
+              <a:schemeClr val="tx1"/>
+            </a:solidFill>
+          </a:ln>
+        </p:spPr>
+        <p:style>
+          <a:lnRef idx="2">
+            <a:schemeClr val="accent1">
+              <a:shade val="50000"/>
+            </a:schemeClr>
+          </a:lnRef>
+          <a:fillRef idx="1">
+            <a:schemeClr val="accent1"/>
+          </a:fillRef>
+          <a:effectRef idx="0">
+            <a:schemeClr val="accent1"/>
+          </a:effectRef>
+          <a:fontRef idx="minor">
+            <a:schemeClr val="lt1"/>
+          </a:fontRef>
+        </p:style>
+        <p:txBody>
+          <a:bodyPr rtlCol="0" anchor="ctr"/>
+          <a:lstStyle/>
+          <a:p>
+            <a:pPr algn="ctr"/>
+            <a:r>
+              <a:rPr kumimoji="1" lang="en-US" altLang="ko-Kore-KR" sz="1500" dirty="0" err="1">
+                <a:solidFill>
+                  <a:schemeClr val="tx1"/>
+                </a:solidFill>
+                <a:latin typeface="Verdana" panose="020B0604030504040204" pitchFamily="34" charset="0"/>
+                <a:ea typeface="Verdana" panose="020B0604030504040204" pitchFamily="34" charset="0"/>
+                <a:cs typeface="Verdana" panose="020B0604030504040204" pitchFamily="34" charset="0"/>
+              </a:rPr>
+              <a:t>cGroups</a:t>
+            </a:r>
+            <a:endParaRPr kumimoji="1" lang="ko-Kore-KR" altLang="en-US" sz="1500" dirty="0">
+              <a:solidFill>
+                <a:schemeClr val="tx1"/>
+              </a:solidFill>
+              <a:latin typeface="Verdana" panose="020B0604030504040204" pitchFamily="34" charset="0"/>
+              <a:cs typeface="Verdana" panose="020B0604030504040204" pitchFamily="34" charset="0"/>
+            </a:endParaRPr>
+          </a:p>
+        </p:txBody>
+      </p:sp>
+      <p:cxnSp>
+        <p:nvCxnSpPr>
+          <p:cNvPr id="32" name="직선 화살표 연결선 31">
+            <a:extLst>
+              <a:ext uri="{FF2B5EF4-FFF2-40B4-BE49-F238E27FC236}">
+                <a16:creationId xmlns:a16="http://schemas.microsoft.com/office/drawing/2014/main" id="{08C25D8D-8068-C742-A6B0-B07D9E921A2B}"/>
+              </a:ext>
+            </a:extLst>
+          </p:cNvPr>
+          <p:cNvCxnSpPr>
+            <a:cxnSpLocks/>
+          </p:cNvCxnSpPr>
+          <p:nvPr/>
+        </p:nvCxnSpPr>
+        <p:spPr>
+          <a:xfrm>
+            <a:off x="9799475" y="6855264"/>
+            <a:ext cx="1540187" cy="0"/>
+          </a:xfrm>
+          <a:prstGeom prst="straightConnector1">
+            <a:avLst/>
+          </a:prstGeom>
+          <a:ln w="12700">
+            <a:solidFill>
+              <a:schemeClr val="tx1"/>
+            </a:solidFill>
+            <a:tailEnd type="triangle"/>
+          </a:ln>
+        </p:spPr>
+        <p:style>
+          <a:lnRef idx="1">
+            <a:schemeClr val="accent1"/>
+          </a:lnRef>
+          <a:fillRef idx="0">
+            <a:schemeClr val="accent1"/>
+          </a:fillRef>
+          <a:effectRef idx="0">
+            <a:schemeClr val="accent1"/>
+          </a:effectRef>
+          <a:fontRef idx="minor">
+            <a:schemeClr val="tx1"/>
+          </a:fontRef>
+        </p:style>
+      </p:cxnSp>
+      <p:cxnSp>
+        <p:nvCxnSpPr>
+          <p:cNvPr id="33" name="직선 화살표 연결선 32">
+            <a:extLst>
+              <a:ext uri="{FF2B5EF4-FFF2-40B4-BE49-F238E27FC236}">
+                <a16:creationId xmlns:a16="http://schemas.microsoft.com/office/drawing/2014/main" id="{A552A14A-B854-E14E-A59A-1FA9F46007DB}"/>
+              </a:ext>
+            </a:extLst>
+          </p:cNvPr>
+          <p:cNvCxnSpPr>
+            <a:cxnSpLocks/>
+          </p:cNvCxnSpPr>
+          <p:nvPr/>
+        </p:nvCxnSpPr>
+        <p:spPr>
+          <a:xfrm>
+            <a:off x="12510366" y="6855264"/>
+            <a:ext cx="1540187" cy="0"/>
+          </a:xfrm>
+          <a:prstGeom prst="straightConnector1">
+            <a:avLst/>
+          </a:prstGeom>
+          <a:ln w="12700">
+            <a:solidFill>
+              <a:schemeClr val="tx1"/>
+            </a:solidFill>
+            <a:tailEnd type="triangle"/>
+          </a:ln>
+        </p:spPr>
+        <p:style>
+          <a:lnRef idx="1">
+            <a:schemeClr val="accent1"/>
+          </a:lnRef>
+          <a:fillRef idx="0">
+            <a:schemeClr val="accent1"/>
+          </a:fillRef>
+          <a:effectRef idx="0">
+            <a:schemeClr val="accent1"/>
+          </a:effectRef>
+          <a:fontRef idx="minor">
+            <a:schemeClr val="tx1"/>
+          </a:fontRef>
+        </p:style>
+      </p:cxnSp>
+    </p:spTree>
+    <p:extLst>
+      <p:ext uri="{BB962C8B-B14F-4D97-AF65-F5344CB8AC3E}">
+        <p14:creationId xmlns:p14="http://schemas.microsoft.com/office/powerpoint/2010/main" val="1670310732"/>
+      </p:ext>
+    </p:extLst>
+  </p:cSld>
+  <p:clrMapOvr>
+    <a:masterClrMapping/>
+  </p:clrMapOvr>
+</p:sld>
+</file>
+
 <file path=ppt/slides/slide2.xml><?xml version="1.0" encoding="utf-8"?>
 <p:sld xmlns:a="http://schemas.openxmlformats.org/drawingml/2006/main" xmlns:r="http://schemas.openxmlformats.org/officeDocument/2006/relationships" xmlns:p="http://schemas.openxmlformats.org/presentationml/2006/main">
   <p:cSld>
@@ -18221,6 +20571,1479 @@
     <p:extLst>
       <p:ext uri="{BB962C8B-B14F-4D97-AF65-F5344CB8AC3E}">
         <p14:creationId xmlns:p14="http://schemas.microsoft.com/office/powerpoint/2010/main" val="1804195008"/>
+      </p:ext>
+    </p:extLst>
+  </p:cSld>
+  <p:clrMapOvr>
+    <a:masterClrMapping/>
+  </p:clrMapOvr>
+</p:sld>
+</file>
+
+<file path=ppt/slides/slide9.xml><?xml version="1.0" encoding="utf-8"?>
+<p:sld xmlns:a="http://schemas.openxmlformats.org/drawingml/2006/main" xmlns:r="http://schemas.openxmlformats.org/officeDocument/2006/relationships" xmlns:p="http://schemas.openxmlformats.org/presentationml/2006/main">
+  <p:cSld>
+    <p:spTree>
+      <p:nvGrpSpPr>
+        <p:cNvPr id="1" name=""/>
+        <p:cNvGrpSpPr/>
+        <p:nvPr/>
+      </p:nvGrpSpPr>
+      <p:grpSpPr>
+        <a:xfrm>
+          <a:off x="0" y="0"/>
+          <a:ext cx="0" cy="0"/>
+          <a:chOff x="0" y="0"/>
+          <a:chExt cx="0" cy="0"/>
+        </a:xfrm>
+      </p:grpSpPr>
+      <p:sp>
+        <p:nvSpPr>
+          <p:cNvPr id="12" name="모서리가 둥근 직사각형 11">
+            <a:extLst>
+              <a:ext uri="{FF2B5EF4-FFF2-40B4-BE49-F238E27FC236}">
+                <a16:creationId xmlns:a16="http://schemas.microsoft.com/office/drawing/2014/main" id="{51BC490E-76CE-A54E-841B-E7ACE42FAB60}"/>
+              </a:ext>
+            </a:extLst>
+          </p:cNvPr>
+          <p:cNvSpPr/>
+          <p:nvPr/>
+        </p:nvSpPr>
+        <p:spPr>
+          <a:xfrm>
+            <a:off x="9458676" y="3334341"/>
+            <a:ext cx="2239073" cy="4331744"/>
+          </a:xfrm>
+          <a:prstGeom prst="roundRect">
+            <a:avLst/>
+          </a:prstGeom>
+          <a:solidFill>
+            <a:schemeClr val="bg1">
+              <a:lumMod val="95000"/>
+            </a:schemeClr>
+          </a:solidFill>
+          <a:ln>
+            <a:solidFill>
+              <a:schemeClr val="tx1"/>
+            </a:solidFill>
+          </a:ln>
+        </p:spPr>
+        <p:style>
+          <a:lnRef idx="2">
+            <a:schemeClr val="accent1">
+              <a:shade val="50000"/>
+            </a:schemeClr>
+          </a:lnRef>
+          <a:fillRef idx="1">
+            <a:schemeClr val="accent1"/>
+          </a:fillRef>
+          <a:effectRef idx="0">
+            <a:schemeClr val="accent1"/>
+          </a:effectRef>
+          <a:fontRef idx="minor">
+            <a:schemeClr val="lt1"/>
+          </a:fontRef>
+        </p:style>
+        <p:txBody>
+          <a:bodyPr rtlCol="0" anchor="ctr"/>
+          <a:lstStyle/>
+          <a:p>
+            <a:pPr algn="ctr"/>
+            <a:endParaRPr kumimoji="1" lang="ko-Kore-KR" altLang="en-US">
+              <a:latin typeface="Calisto MT" panose="02040603050505030304" pitchFamily="18" charset="0"/>
+              <a:cs typeface="Arial Hebrew" pitchFamily="2" charset="-79"/>
+            </a:endParaRPr>
+          </a:p>
+        </p:txBody>
+      </p:sp>
+      <p:sp>
+        <p:nvSpPr>
+          <p:cNvPr id="24" name="TextBox 23">
+            <a:extLst>
+              <a:ext uri="{FF2B5EF4-FFF2-40B4-BE49-F238E27FC236}">
+                <a16:creationId xmlns:a16="http://schemas.microsoft.com/office/drawing/2014/main" id="{08E0A817-D817-744B-A70A-E3287B6ED261}"/>
+              </a:ext>
+            </a:extLst>
+          </p:cNvPr>
+          <p:cNvSpPr txBox="1"/>
+          <p:nvPr/>
+        </p:nvSpPr>
+        <p:spPr>
+          <a:xfrm>
+            <a:off x="10547836" y="3951007"/>
+            <a:ext cx="439544" cy="246221"/>
+          </a:xfrm>
+          <a:prstGeom prst="rect">
+            <a:avLst/>
+          </a:prstGeom>
+          <a:noFill/>
+        </p:spPr>
+        <p:txBody>
+          <a:bodyPr wrap="none" rtlCol="0">
+            <a:spAutoFit/>
+          </a:bodyPr>
+          <a:lstStyle/>
+          <a:p>
+            <a:pPr algn="ctr"/>
+            <a:r>
+              <a:rPr kumimoji="1" lang="en-US" altLang="ko-Kore-KR" sz="1000" dirty="0">
+                <a:latin typeface="Calisto MT" panose="02040603050505030304" pitchFamily="18" charset="0"/>
+                <a:ea typeface="Ayuthaya" pitchFamily="2" charset="-34"/>
+                <a:cs typeface="Arial Hebrew" pitchFamily="2" charset="-79"/>
+              </a:rPr>
+              <a:t>SLO</a:t>
+            </a:r>
+            <a:endParaRPr kumimoji="1" lang="ko-Kore-KR" altLang="en-US" sz="1000" dirty="0">
+              <a:latin typeface="Calisto MT" panose="02040603050505030304" pitchFamily="18" charset="0"/>
+              <a:cs typeface="Arial Hebrew" pitchFamily="2" charset="-79"/>
+            </a:endParaRPr>
+          </a:p>
+        </p:txBody>
+      </p:sp>
+      <p:sp>
+        <p:nvSpPr>
+          <p:cNvPr id="36" name="TextBox 35">
+            <a:extLst>
+              <a:ext uri="{FF2B5EF4-FFF2-40B4-BE49-F238E27FC236}">
+                <a16:creationId xmlns:a16="http://schemas.microsoft.com/office/drawing/2014/main" id="{AF93ABC5-12E5-8843-8C40-8CE544EEC556}"/>
+              </a:ext>
+            </a:extLst>
+          </p:cNvPr>
+          <p:cNvSpPr txBox="1"/>
+          <p:nvPr/>
+        </p:nvSpPr>
+        <p:spPr>
+          <a:xfrm>
+            <a:off x="9788277" y="2861681"/>
+            <a:ext cx="1561646" cy="400110"/>
+          </a:xfrm>
+          <a:prstGeom prst="rect">
+            <a:avLst/>
+          </a:prstGeom>
+          <a:noFill/>
+        </p:spPr>
+        <p:txBody>
+          <a:bodyPr wrap="none" rtlCol="0">
+            <a:spAutoFit/>
+          </a:bodyPr>
+          <a:lstStyle/>
+          <a:p>
+            <a:pPr algn="ctr"/>
+            <a:r>
+              <a:rPr kumimoji="1" lang="en-US" altLang="ko-Kore-KR" sz="2000" b="1" dirty="0">
+                <a:latin typeface="Calisto MT" panose="02040603050505030304" pitchFamily="18" charset="0"/>
+                <a:ea typeface="Ayuthaya" pitchFamily="2" charset="-34"/>
+                <a:cs typeface="Arial Hebrew" pitchFamily="2" charset="-79"/>
+              </a:rPr>
+              <a:t>ICV module</a:t>
+            </a:r>
+            <a:endParaRPr kumimoji="1" lang="ko-Kore-KR" altLang="en-US" sz="2000" b="1" dirty="0">
+              <a:latin typeface="Calisto MT" panose="02040603050505030304" pitchFamily="18" charset="0"/>
+              <a:cs typeface="Arial Hebrew" pitchFamily="2" charset="-79"/>
+            </a:endParaRPr>
+          </a:p>
+        </p:txBody>
+      </p:sp>
+      <p:sp>
+        <p:nvSpPr>
+          <p:cNvPr id="50" name="모서리가 둥근 직사각형 49">
+            <a:extLst>
+              <a:ext uri="{FF2B5EF4-FFF2-40B4-BE49-F238E27FC236}">
+                <a16:creationId xmlns:a16="http://schemas.microsoft.com/office/drawing/2014/main" id="{4A961851-6F0C-7349-9E68-3BCC43606261}"/>
+              </a:ext>
+            </a:extLst>
+          </p:cNvPr>
+          <p:cNvSpPr/>
+          <p:nvPr/>
+        </p:nvSpPr>
+        <p:spPr>
+          <a:xfrm>
+            <a:off x="13201409" y="7278687"/>
+            <a:ext cx="1001120" cy="290281"/>
+          </a:xfrm>
+          <a:prstGeom prst="roundRect">
+            <a:avLst/>
+          </a:prstGeom>
+          <a:solidFill>
+            <a:schemeClr val="bg1"/>
+          </a:solidFill>
+          <a:ln w="12700">
+            <a:solidFill>
+              <a:schemeClr val="tx1"/>
+            </a:solidFill>
+          </a:ln>
+        </p:spPr>
+        <p:style>
+          <a:lnRef idx="2">
+            <a:schemeClr val="accent1">
+              <a:shade val="50000"/>
+            </a:schemeClr>
+          </a:lnRef>
+          <a:fillRef idx="1">
+            <a:schemeClr val="accent1"/>
+          </a:fillRef>
+          <a:effectRef idx="0">
+            <a:schemeClr val="accent1"/>
+          </a:effectRef>
+          <a:fontRef idx="minor">
+            <a:schemeClr val="lt1"/>
+          </a:fontRef>
+        </p:style>
+        <p:txBody>
+          <a:bodyPr rtlCol="0" anchor="ctr"/>
+          <a:lstStyle/>
+          <a:p>
+            <a:pPr algn="ctr"/>
+            <a:r>
+              <a:rPr kumimoji="1" lang="en-US" altLang="ko-Kore-KR" sz="1100" dirty="0" err="1">
+                <a:solidFill>
+                  <a:schemeClr val="tx1"/>
+                </a:solidFill>
+                <a:latin typeface="Calisto MT" panose="02040603050505030304" pitchFamily="18" charset="0"/>
+                <a:ea typeface="Ayuthaya" pitchFamily="2" charset="-34"/>
+                <a:cs typeface="Arial Hebrew" pitchFamily="2" charset="-79"/>
+              </a:rPr>
+              <a:t>cGroups</a:t>
+            </a:r>
+            <a:endParaRPr kumimoji="1" lang="ko-Kore-KR" altLang="en-US" sz="1100" dirty="0">
+              <a:solidFill>
+                <a:schemeClr val="tx1"/>
+              </a:solidFill>
+              <a:latin typeface="Calisto MT" panose="02040603050505030304" pitchFamily="18" charset="0"/>
+              <a:cs typeface="Arial Hebrew" pitchFamily="2" charset="-79"/>
+            </a:endParaRPr>
+          </a:p>
+        </p:txBody>
+      </p:sp>
+      <p:sp>
+        <p:nvSpPr>
+          <p:cNvPr id="52" name="TextBox 51">
+            <a:extLst>
+              <a:ext uri="{FF2B5EF4-FFF2-40B4-BE49-F238E27FC236}">
+                <a16:creationId xmlns:a16="http://schemas.microsoft.com/office/drawing/2014/main" id="{D20EB163-A8B8-584D-8638-59CFEA1F1502}"/>
+              </a:ext>
+            </a:extLst>
+          </p:cNvPr>
+          <p:cNvSpPr txBox="1"/>
+          <p:nvPr/>
+        </p:nvSpPr>
+        <p:spPr>
+          <a:xfrm>
+            <a:off x="11828460" y="7206088"/>
+            <a:ext cx="1173719" cy="230832"/>
+          </a:xfrm>
+          <a:prstGeom prst="rect">
+            <a:avLst/>
+          </a:prstGeom>
+          <a:noFill/>
+        </p:spPr>
+        <p:txBody>
+          <a:bodyPr wrap="none" rtlCol="0">
+            <a:spAutoFit/>
+          </a:bodyPr>
+          <a:lstStyle/>
+          <a:p>
+            <a:pPr algn="ctr"/>
+            <a:r>
+              <a:rPr kumimoji="1" lang="en-US" altLang="ko-Kore-KR" sz="900" dirty="0">
+                <a:latin typeface="Calisto MT" panose="02040603050505030304" pitchFamily="18" charset="0"/>
+                <a:ea typeface="Ayuthaya" pitchFamily="2" charset="-34"/>
+                <a:cs typeface="Arial Hebrew" pitchFamily="2" charset="-79"/>
+              </a:rPr>
+              <a:t>Optimal CPU quota</a:t>
+            </a:r>
+          </a:p>
+        </p:txBody>
+      </p:sp>
+      <p:sp>
+        <p:nvSpPr>
+          <p:cNvPr id="57" name="모서리가 둥근 직사각형 56">
+            <a:extLst>
+              <a:ext uri="{FF2B5EF4-FFF2-40B4-BE49-F238E27FC236}">
+                <a16:creationId xmlns:a16="http://schemas.microsoft.com/office/drawing/2014/main" id="{9B983C57-D381-8E46-BA52-088C689CC24D}"/>
+              </a:ext>
+            </a:extLst>
+          </p:cNvPr>
+          <p:cNvSpPr/>
+          <p:nvPr/>
+        </p:nvSpPr>
+        <p:spPr>
+          <a:xfrm>
+            <a:off x="7637562" y="3416920"/>
+            <a:ext cx="1001120" cy="1248995"/>
+          </a:xfrm>
+          <a:prstGeom prst="roundRect">
+            <a:avLst/>
+          </a:prstGeom>
+          <a:solidFill>
+            <a:schemeClr val="bg1"/>
+          </a:solidFill>
+          <a:ln w="19050">
+            <a:solidFill>
+              <a:srgbClr val="0070C0"/>
+            </a:solidFill>
+          </a:ln>
+        </p:spPr>
+        <p:style>
+          <a:lnRef idx="2">
+            <a:schemeClr val="accent1">
+              <a:shade val="50000"/>
+            </a:schemeClr>
+          </a:lnRef>
+          <a:fillRef idx="1">
+            <a:schemeClr val="accent1"/>
+          </a:fillRef>
+          <a:effectRef idx="0">
+            <a:schemeClr val="accent1"/>
+          </a:effectRef>
+          <a:fontRef idx="minor">
+            <a:schemeClr val="lt1"/>
+          </a:fontRef>
+        </p:style>
+        <p:txBody>
+          <a:bodyPr rtlCol="0" anchor="ctr"/>
+          <a:lstStyle/>
+          <a:p>
+            <a:pPr algn="ctr"/>
+            <a:endParaRPr kumimoji="1" lang="ko-Kore-KR" altLang="en-US" sz="1100" dirty="0">
+              <a:solidFill>
+                <a:schemeClr val="tx1"/>
+              </a:solidFill>
+              <a:latin typeface="Calisto MT" panose="02040603050505030304" pitchFamily="18" charset="0"/>
+              <a:cs typeface="Arial Hebrew" pitchFamily="2" charset="-79"/>
+            </a:endParaRPr>
+          </a:p>
+        </p:txBody>
+      </p:sp>
+      <p:sp>
+        <p:nvSpPr>
+          <p:cNvPr id="15" name="TextBox 14">
+            <a:extLst>
+              <a:ext uri="{FF2B5EF4-FFF2-40B4-BE49-F238E27FC236}">
+                <a16:creationId xmlns:a16="http://schemas.microsoft.com/office/drawing/2014/main" id="{90081CF4-7643-524F-9311-86D785AA884A}"/>
+              </a:ext>
+            </a:extLst>
+          </p:cNvPr>
+          <p:cNvSpPr txBox="1"/>
+          <p:nvPr/>
+        </p:nvSpPr>
+        <p:spPr>
+          <a:xfrm>
+            <a:off x="12404726" y="2770982"/>
+            <a:ext cx="184731" cy="563359"/>
+          </a:xfrm>
+          <a:prstGeom prst="rect">
+            <a:avLst/>
+          </a:prstGeom>
+          <a:noFill/>
+        </p:spPr>
+        <p:txBody>
+          <a:bodyPr wrap="none" rtlCol="0">
+            <a:spAutoFit/>
+          </a:bodyPr>
+          <a:lstStyle/>
+          <a:p>
+            <a:endParaRPr kumimoji="1" lang="ko-KR" altLang="en-US" dirty="0"/>
+          </a:p>
+        </p:txBody>
+      </p:sp>
+      <p:sp>
+        <p:nvSpPr>
+          <p:cNvPr id="37" name="모서리가 둥근 직사각형 36">
+            <a:extLst>
+              <a:ext uri="{FF2B5EF4-FFF2-40B4-BE49-F238E27FC236}">
+                <a16:creationId xmlns:a16="http://schemas.microsoft.com/office/drawing/2014/main" id="{154803BF-6733-1243-AE6B-FB80D95C37ED}"/>
+              </a:ext>
+            </a:extLst>
+          </p:cNvPr>
+          <p:cNvSpPr/>
+          <p:nvPr/>
+        </p:nvSpPr>
+        <p:spPr>
+          <a:xfrm>
+            <a:off x="9639700" y="4298209"/>
+            <a:ext cx="1864334" cy="2901527"/>
+          </a:xfrm>
+          <a:prstGeom prst="roundRect">
+            <a:avLst/>
+          </a:prstGeom>
+          <a:solidFill>
+            <a:schemeClr val="bg1"/>
+          </a:solidFill>
+          <a:ln w="19050">
+            <a:solidFill>
+              <a:srgbClr val="0070C0"/>
+            </a:solidFill>
+          </a:ln>
+        </p:spPr>
+        <p:style>
+          <a:lnRef idx="2">
+            <a:schemeClr val="accent1">
+              <a:shade val="50000"/>
+            </a:schemeClr>
+          </a:lnRef>
+          <a:fillRef idx="1">
+            <a:schemeClr val="accent1"/>
+          </a:fillRef>
+          <a:effectRef idx="0">
+            <a:schemeClr val="accent1"/>
+          </a:effectRef>
+          <a:fontRef idx="minor">
+            <a:schemeClr val="lt1"/>
+          </a:fontRef>
+        </p:style>
+        <p:txBody>
+          <a:bodyPr rtlCol="0" anchor="ctr"/>
+          <a:lstStyle/>
+          <a:p>
+            <a:pPr algn="ctr"/>
+            <a:endParaRPr kumimoji="1" lang="ko-Kore-KR" altLang="en-US">
+              <a:latin typeface="Calisto MT" panose="02040603050505030304" pitchFamily="18" charset="0"/>
+              <a:cs typeface="Arial Hebrew" pitchFamily="2" charset="-79"/>
+            </a:endParaRPr>
+          </a:p>
+        </p:txBody>
+      </p:sp>
+      <p:cxnSp>
+        <p:nvCxnSpPr>
+          <p:cNvPr id="23" name="직선 화살표 연결선 22">
+            <a:extLst>
+              <a:ext uri="{FF2B5EF4-FFF2-40B4-BE49-F238E27FC236}">
+                <a16:creationId xmlns:a16="http://schemas.microsoft.com/office/drawing/2014/main" id="{4A1E3BE7-DC0B-994C-BDAD-EBBCBC38A768}"/>
+              </a:ext>
+            </a:extLst>
+          </p:cNvPr>
+          <p:cNvCxnSpPr>
+            <a:cxnSpLocks/>
+            <a:stCxn id="47" idx="2"/>
+          </p:cNvCxnSpPr>
+          <p:nvPr/>
+        </p:nvCxnSpPr>
+        <p:spPr>
+          <a:xfrm flipH="1">
+            <a:off x="10574219" y="3856878"/>
+            <a:ext cx="64" cy="895479"/>
+          </a:xfrm>
+          <a:prstGeom prst="straightConnector1">
+            <a:avLst/>
+          </a:prstGeom>
+          <a:ln w="12700">
+            <a:solidFill>
+              <a:schemeClr val="tx1"/>
+            </a:solidFill>
+            <a:tailEnd type="triangle"/>
+          </a:ln>
+        </p:spPr>
+        <p:style>
+          <a:lnRef idx="1">
+            <a:schemeClr val="accent1"/>
+          </a:lnRef>
+          <a:fillRef idx="0">
+            <a:schemeClr val="accent1"/>
+          </a:fillRef>
+          <a:effectRef idx="0">
+            <a:schemeClr val="accent1"/>
+          </a:effectRef>
+          <a:fontRef idx="minor">
+            <a:schemeClr val="tx1"/>
+          </a:fontRef>
+        </p:style>
+      </p:cxnSp>
+      <p:cxnSp>
+        <p:nvCxnSpPr>
+          <p:cNvPr id="51" name="직선 화살표 연결선 50">
+            <a:extLst>
+              <a:ext uri="{FF2B5EF4-FFF2-40B4-BE49-F238E27FC236}">
+                <a16:creationId xmlns:a16="http://schemas.microsoft.com/office/drawing/2014/main" id="{F9388229-C653-E640-A96C-D374BABBE76A}"/>
+              </a:ext>
+            </a:extLst>
+          </p:cNvPr>
+          <p:cNvCxnSpPr>
+            <a:cxnSpLocks/>
+            <a:stCxn id="97" idx="3"/>
+            <a:endCxn id="47" idx="1"/>
+          </p:cNvCxnSpPr>
+          <p:nvPr/>
+        </p:nvCxnSpPr>
+        <p:spPr>
+          <a:xfrm flipV="1">
+            <a:off x="8419032" y="3718379"/>
+            <a:ext cx="1551604" cy="687024"/>
+          </a:xfrm>
+          <a:prstGeom prst="straightConnector1">
+            <a:avLst/>
+          </a:prstGeom>
+          <a:ln w="12700">
+            <a:solidFill>
+              <a:schemeClr val="tx1"/>
+            </a:solidFill>
+            <a:tailEnd type="triangle"/>
+          </a:ln>
+        </p:spPr>
+        <p:style>
+          <a:lnRef idx="1">
+            <a:schemeClr val="accent1"/>
+          </a:lnRef>
+          <a:fillRef idx="0">
+            <a:schemeClr val="accent1"/>
+          </a:fillRef>
+          <a:effectRef idx="0">
+            <a:schemeClr val="accent1"/>
+          </a:effectRef>
+          <a:fontRef idx="minor">
+            <a:schemeClr val="tx1"/>
+          </a:fontRef>
+        </p:style>
+      </p:cxnSp>
+      <p:sp>
+        <p:nvSpPr>
+          <p:cNvPr id="53" name="TextBox 52">
+            <a:extLst>
+              <a:ext uri="{FF2B5EF4-FFF2-40B4-BE49-F238E27FC236}">
+                <a16:creationId xmlns:a16="http://schemas.microsoft.com/office/drawing/2014/main" id="{5455C4C7-FB9C-1C46-822E-44C345E220DA}"/>
+              </a:ext>
+            </a:extLst>
+          </p:cNvPr>
+          <p:cNvSpPr txBox="1"/>
+          <p:nvPr/>
+        </p:nvSpPr>
+        <p:spPr>
+          <a:xfrm>
+            <a:off x="10547836" y="5730957"/>
+            <a:ext cx="792205" cy="230832"/>
+          </a:xfrm>
+          <a:prstGeom prst="rect">
+            <a:avLst/>
+          </a:prstGeom>
+          <a:noFill/>
+        </p:spPr>
+        <p:txBody>
+          <a:bodyPr wrap="none" rtlCol="0">
+            <a:spAutoFit/>
+          </a:bodyPr>
+          <a:lstStyle/>
+          <a:p>
+            <a:pPr algn="ctr"/>
+            <a:r>
+              <a:rPr kumimoji="1" lang="en-US" altLang="en-US" sz="900" dirty="0">
+                <a:latin typeface="Calisto MT" panose="02040603050505030304" pitchFamily="18" charset="0"/>
+                <a:cs typeface="Arial Hebrew" pitchFamily="2" charset="-79"/>
+              </a:rPr>
+              <a:t>vCPU usage</a:t>
+            </a:r>
+          </a:p>
+        </p:txBody>
+      </p:sp>
+      <p:cxnSp>
+        <p:nvCxnSpPr>
+          <p:cNvPr id="59" name="직선 화살표 연결선 58">
+            <a:extLst>
+              <a:ext uri="{FF2B5EF4-FFF2-40B4-BE49-F238E27FC236}">
+                <a16:creationId xmlns:a16="http://schemas.microsoft.com/office/drawing/2014/main" id="{9391E329-FA77-1141-93C8-B7965A69ED58}"/>
+              </a:ext>
+            </a:extLst>
+          </p:cNvPr>
+          <p:cNvCxnSpPr>
+            <a:cxnSpLocks/>
+            <a:stCxn id="38" idx="2"/>
+            <a:endCxn id="45" idx="0"/>
+          </p:cNvCxnSpPr>
+          <p:nvPr/>
+        </p:nvCxnSpPr>
+        <p:spPr>
+          <a:xfrm>
+            <a:off x="10569100" y="5579384"/>
+            <a:ext cx="0" cy="564850"/>
+          </a:xfrm>
+          <a:prstGeom prst="straightConnector1">
+            <a:avLst/>
+          </a:prstGeom>
+          <a:ln w="12700">
+            <a:solidFill>
+              <a:schemeClr val="tx1"/>
+            </a:solidFill>
+            <a:tailEnd type="triangle"/>
+          </a:ln>
+        </p:spPr>
+        <p:style>
+          <a:lnRef idx="1">
+            <a:schemeClr val="accent1"/>
+          </a:lnRef>
+          <a:fillRef idx="0">
+            <a:schemeClr val="accent1"/>
+          </a:fillRef>
+          <a:effectRef idx="0">
+            <a:schemeClr val="accent1"/>
+          </a:effectRef>
+          <a:fontRef idx="minor">
+            <a:schemeClr val="tx1"/>
+          </a:fontRef>
+        </p:style>
+      </p:cxnSp>
+      <p:cxnSp>
+        <p:nvCxnSpPr>
+          <p:cNvPr id="73" name="꺾인 연결선[E] 72">
+            <a:extLst>
+              <a:ext uri="{FF2B5EF4-FFF2-40B4-BE49-F238E27FC236}">
+                <a16:creationId xmlns:a16="http://schemas.microsoft.com/office/drawing/2014/main" id="{35B96457-0AF4-9045-87BD-B6AC1451C266}"/>
+              </a:ext>
+            </a:extLst>
+          </p:cNvPr>
+          <p:cNvCxnSpPr>
+            <a:cxnSpLocks/>
+          </p:cNvCxnSpPr>
+          <p:nvPr/>
+        </p:nvCxnSpPr>
+        <p:spPr>
+          <a:xfrm rot="16200000" flipH="1">
+            <a:off x="11667213" y="5889631"/>
+            <a:ext cx="441202" cy="2627190"/>
+          </a:xfrm>
+          <a:prstGeom prst="bentConnector2">
+            <a:avLst/>
+          </a:prstGeom>
+          <a:ln w="12700">
+            <a:solidFill>
+              <a:schemeClr val="tx1"/>
+            </a:solidFill>
+            <a:tailEnd type="triangle"/>
+          </a:ln>
+        </p:spPr>
+        <p:style>
+          <a:lnRef idx="1">
+            <a:schemeClr val="accent1"/>
+          </a:lnRef>
+          <a:fillRef idx="0">
+            <a:schemeClr val="accent1"/>
+          </a:fillRef>
+          <a:effectRef idx="0">
+            <a:schemeClr val="accent1"/>
+          </a:effectRef>
+          <a:fontRef idx="minor">
+            <a:schemeClr val="tx1"/>
+          </a:fontRef>
+        </p:style>
+      </p:cxnSp>
+      <p:sp>
+        <p:nvSpPr>
+          <p:cNvPr id="96" name="직사각형 95">
+            <a:extLst>
+              <a:ext uri="{FF2B5EF4-FFF2-40B4-BE49-F238E27FC236}">
+                <a16:creationId xmlns:a16="http://schemas.microsoft.com/office/drawing/2014/main" id="{A7C8ED1A-D7F5-944E-AC75-DFAC8A757DC2}"/>
+              </a:ext>
+            </a:extLst>
+          </p:cNvPr>
+          <p:cNvSpPr/>
+          <p:nvPr/>
+        </p:nvSpPr>
+        <p:spPr>
+          <a:xfrm>
+            <a:off x="7856800" y="3574793"/>
+            <a:ext cx="562232" cy="562447"/>
+          </a:xfrm>
+          <a:prstGeom prst="rect">
+            <a:avLst/>
+          </a:prstGeom>
+          <a:noFill/>
+          <a:ln>
+            <a:solidFill>
+              <a:schemeClr val="tx1"/>
+            </a:solidFill>
+          </a:ln>
+        </p:spPr>
+        <p:style>
+          <a:lnRef idx="2">
+            <a:schemeClr val="accent1">
+              <a:shade val="50000"/>
+            </a:schemeClr>
+          </a:lnRef>
+          <a:fillRef idx="1">
+            <a:schemeClr val="accent1"/>
+          </a:fillRef>
+          <a:effectRef idx="0">
+            <a:schemeClr val="accent1"/>
+          </a:effectRef>
+          <a:fontRef idx="minor">
+            <a:schemeClr val="lt1"/>
+          </a:fontRef>
+        </p:style>
+        <p:txBody>
+          <a:bodyPr rtlCol="0" anchor="ctr"/>
+          <a:lstStyle/>
+          <a:p>
+            <a:pPr algn="ctr"/>
+            <a:r>
+              <a:rPr kumimoji="1" lang="en-US" altLang="ko-KR" sz="900" dirty="0">
+                <a:solidFill>
+                  <a:schemeClr val="tx1"/>
+                </a:solidFill>
+                <a:latin typeface="Arial Hebrew" pitchFamily="2" charset="-79"/>
+                <a:ea typeface="Verdana" panose="020B0604030504040204" pitchFamily="34" charset="0"/>
+                <a:cs typeface="Arial Hebrew" pitchFamily="2" charset="-79"/>
+              </a:rPr>
+              <a:t>html</a:t>
+            </a:r>
+          </a:p>
+          <a:p>
+            <a:pPr algn="ctr"/>
+            <a:endParaRPr kumimoji="1" lang="en-US" altLang="ko-KR" sz="900" dirty="0">
+              <a:solidFill>
+                <a:schemeClr val="tx1"/>
+              </a:solidFill>
+              <a:latin typeface="Arial Hebrew" pitchFamily="2" charset="-79"/>
+              <a:ea typeface="Verdana" panose="020B0604030504040204" pitchFamily="34" charset="0"/>
+              <a:cs typeface="Arial Hebrew" pitchFamily="2" charset="-79"/>
+            </a:endParaRPr>
+          </a:p>
+          <a:p>
+            <a:pPr algn="ctr"/>
+            <a:endParaRPr kumimoji="1" lang="ko-KR" altLang="en-US" sz="900" dirty="0">
+              <a:solidFill>
+                <a:schemeClr val="tx1"/>
+              </a:solidFill>
+              <a:latin typeface="Arial Hebrew" pitchFamily="2" charset="-79"/>
+              <a:cs typeface="Arial Hebrew" pitchFamily="2" charset="-79"/>
+            </a:endParaRPr>
+          </a:p>
+        </p:txBody>
+      </p:sp>
+      <p:sp>
+        <p:nvSpPr>
+          <p:cNvPr id="97" name="직사각형 96">
+            <a:extLst>
+              <a:ext uri="{FF2B5EF4-FFF2-40B4-BE49-F238E27FC236}">
+                <a16:creationId xmlns:a16="http://schemas.microsoft.com/office/drawing/2014/main" id="{3EBE7248-E5EA-5A47-A896-E45B3DFC02F6}"/>
+              </a:ext>
+            </a:extLst>
+          </p:cNvPr>
+          <p:cNvSpPr/>
+          <p:nvPr/>
+        </p:nvSpPr>
+        <p:spPr>
+          <a:xfrm>
+            <a:off x="7856800" y="4293762"/>
+            <a:ext cx="562232" cy="223282"/>
+          </a:xfrm>
+          <a:prstGeom prst="rect">
+            <a:avLst/>
+          </a:prstGeom>
+          <a:noFill/>
+          <a:ln>
+            <a:solidFill>
+              <a:schemeClr val="tx1"/>
+            </a:solidFill>
+          </a:ln>
+        </p:spPr>
+        <p:style>
+          <a:lnRef idx="2">
+            <a:schemeClr val="accent1">
+              <a:shade val="50000"/>
+            </a:schemeClr>
+          </a:lnRef>
+          <a:fillRef idx="1">
+            <a:schemeClr val="accent1"/>
+          </a:fillRef>
+          <a:effectRef idx="0">
+            <a:schemeClr val="accent1"/>
+          </a:effectRef>
+          <a:fontRef idx="minor">
+            <a:schemeClr val="lt1"/>
+          </a:fontRef>
+        </p:style>
+        <p:txBody>
+          <a:bodyPr rtlCol="0" anchor="ctr"/>
+          <a:lstStyle/>
+          <a:p>
+            <a:pPr algn="ctr"/>
+            <a:r>
+              <a:rPr kumimoji="1" lang="en-US" altLang="ko-KR" sz="900" dirty="0">
+                <a:solidFill>
+                  <a:schemeClr val="tx1"/>
+                </a:solidFill>
+                <a:latin typeface="Arial Hebrew" pitchFamily="2" charset="-79"/>
+                <a:ea typeface="Verdana" panose="020B0604030504040204" pitchFamily="34" charset="0"/>
+                <a:cs typeface="Arial Hebrew" pitchFamily="2" charset="-79"/>
+              </a:rPr>
+              <a:t>ajax</a:t>
+            </a:r>
+            <a:endParaRPr kumimoji="1" lang="ko-KR" altLang="en-US" sz="900" dirty="0">
+              <a:solidFill>
+                <a:schemeClr val="tx1"/>
+              </a:solidFill>
+              <a:latin typeface="Arial Hebrew" pitchFamily="2" charset="-79"/>
+              <a:cs typeface="Arial Hebrew" pitchFamily="2" charset="-79"/>
+            </a:endParaRPr>
+          </a:p>
+        </p:txBody>
+      </p:sp>
+      <p:sp>
+        <p:nvSpPr>
+          <p:cNvPr id="98" name="직사각형 97">
+            <a:extLst>
+              <a:ext uri="{FF2B5EF4-FFF2-40B4-BE49-F238E27FC236}">
+                <a16:creationId xmlns:a16="http://schemas.microsoft.com/office/drawing/2014/main" id="{90EEF4FB-C915-5B47-890A-2DD1E03A58BE}"/>
+              </a:ext>
+            </a:extLst>
+          </p:cNvPr>
+          <p:cNvSpPr/>
+          <p:nvPr/>
+        </p:nvSpPr>
+        <p:spPr>
+          <a:xfrm>
+            <a:off x="7915726" y="3865098"/>
+            <a:ext cx="444381" cy="174832"/>
+          </a:xfrm>
+          <a:prstGeom prst="rect">
+            <a:avLst/>
+          </a:prstGeom>
+          <a:noFill/>
+          <a:ln>
+            <a:solidFill>
+              <a:schemeClr val="tx1"/>
+            </a:solidFill>
+          </a:ln>
+        </p:spPr>
+        <p:style>
+          <a:lnRef idx="2">
+            <a:schemeClr val="accent1">
+              <a:shade val="50000"/>
+            </a:schemeClr>
+          </a:lnRef>
+          <a:fillRef idx="1">
+            <a:schemeClr val="accent1"/>
+          </a:fillRef>
+          <a:effectRef idx="0">
+            <a:schemeClr val="accent1"/>
+          </a:effectRef>
+          <a:fontRef idx="minor">
+            <a:schemeClr val="lt1"/>
+          </a:fontRef>
+        </p:style>
+        <p:txBody>
+          <a:bodyPr rtlCol="0" anchor="ctr"/>
+          <a:lstStyle/>
+          <a:p>
+            <a:pPr algn="ctr"/>
+            <a:r>
+              <a:rPr kumimoji="1" lang="en-US" altLang="ko-KR" sz="700" dirty="0">
+                <a:solidFill>
+                  <a:schemeClr val="tx1"/>
+                </a:solidFill>
+                <a:latin typeface="Arial Hebrew" pitchFamily="2" charset="-79"/>
+                <a:ea typeface="Verdana" panose="020B0604030504040204" pitchFamily="34" charset="0"/>
+                <a:cs typeface="Arial Hebrew" pitchFamily="2" charset="-79"/>
+              </a:rPr>
+              <a:t>button</a:t>
+            </a:r>
+            <a:endParaRPr kumimoji="1" lang="ko-KR" altLang="en-US" sz="700" dirty="0">
+              <a:solidFill>
+                <a:schemeClr val="tx1"/>
+              </a:solidFill>
+              <a:latin typeface="Arial Hebrew" pitchFamily="2" charset="-79"/>
+              <a:cs typeface="Arial Hebrew" pitchFamily="2" charset="-79"/>
+            </a:endParaRPr>
+          </a:p>
+        </p:txBody>
+      </p:sp>
+      <p:cxnSp>
+        <p:nvCxnSpPr>
+          <p:cNvPr id="99" name="직선 화살표 연결선 98">
+            <a:extLst>
+              <a:ext uri="{FF2B5EF4-FFF2-40B4-BE49-F238E27FC236}">
+                <a16:creationId xmlns:a16="http://schemas.microsoft.com/office/drawing/2014/main" id="{CD8191D8-D459-134F-B40C-8E318F4F3B14}"/>
+              </a:ext>
+            </a:extLst>
+          </p:cNvPr>
+          <p:cNvCxnSpPr>
+            <a:cxnSpLocks/>
+            <a:stCxn id="98" idx="2"/>
+            <a:endCxn id="97" idx="0"/>
+          </p:cNvCxnSpPr>
+          <p:nvPr/>
+        </p:nvCxnSpPr>
+        <p:spPr>
+          <a:xfrm>
+            <a:off x="8137916" y="4039930"/>
+            <a:ext cx="0" cy="253832"/>
+          </a:xfrm>
+          <a:prstGeom prst="straightConnector1">
+            <a:avLst/>
+          </a:prstGeom>
+          <a:ln w="12700">
+            <a:solidFill>
+              <a:schemeClr val="tx1"/>
+            </a:solidFill>
+            <a:tailEnd type="triangle"/>
+          </a:ln>
+        </p:spPr>
+        <p:style>
+          <a:lnRef idx="1">
+            <a:schemeClr val="accent1"/>
+          </a:lnRef>
+          <a:fillRef idx="0">
+            <a:schemeClr val="accent1"/>
+          </a:fillRef>
+          <a:effectRef idx="0">
+            <a:schemeClr val="accent1"/>
+          </a:effectRef>
+          <a:fontRef idx="minor">
+            <a:schemeClr val="tx1"/>
+          </a:fontRef>
+        </p:style>
+      </p:cxnSp>
+      <p:sp>
+        <p:nvSpPr>
+          <p:cNvPr id="105" name="TextBox 104">
+            <a:extLst>
+              <a:ext uri="{FF2B5EF4-FFF2-40B4-BE49-F238E27FC236}">
+                <a16:creationId xmlns:a16="http://schemas.microsoft.com/office/drawing/2014/main" id="{DFC7CAA2-EFE4-9549-86CF-63EE1DC344A4}"/>
+              </a:ext>
+            </a:extLst>
+          </p:cNvPr>
+          <p:cNvSpPr txBox="1"/>
+          <p:nvPr/>
+        </p:nvSpPr>
+        <p:spPr>
+          <a:xfrm>
+            <a:off x="7862838" y="3261791"/>
+            <a:ext cx="550152" cy="261610"/>
+          </a:xfrm>
+          <a:prstGeom prst="rect">
+            <a:avLst/>
+          </a:prstGeom>
+          <a:solidFill>
+            <a:schemeClr val="bg1"/>
+          </a:solidFill>
+        </p:spPr>
+        <p:txBody>
+          <a:bodyPr wrap="none" rtlCol="0">
+            <a:spAutoFit/>
+          </a:bodyPr>
+          <a:lstStyle/>
+          <a:p>
+            <a:pPr algn="ctr"/>
+            <a:r>
+              <a:rPr kumimoji="1" lang="en-US" altLang="en-US" sz="1100" dirty="0">
+                <a:latin typeface="Calisto MT" panose="02040603050505030304" pitchFamily="18" charset="0"/>
+                <a:ea typeface="Ayuthaya" pitchFamily="2" charset="-34"/>
+                <a:cs typeface="Arial Hebrew" pitchFamily="2" charset="-79"/>
+              </a:rPr>
+              <a:t>Client</a:t>
+            </a:r>
+            <a:endParaRPr kumimoji="1" lang="ko-Kore-KR" altLang="en-US" sz="1100" dirty="0">
+              <a:latin typeface="Calisto MT" panose="02040603050505030304" pitchFamily="18" charset="0"/>
+              <a:cs typeface="Arial Hebrew" pitchFamily="2" charset="-79"/>
+            </a:endParaRPr>
+          </a:p>
+        </p:txBody>
+      </p:sp>
+      <p:sp>
+        <p:nvSpPr>
+          <p:cNvPr id="17" name="TextBox 16">
+            <a:extLst>
+              <a:ext uri="{FF2B5EF4-FFF2-40B4-BE49-F238E27FC236}">
+                <a16:creationId xmlns:a16="http://schemas.microsoft.com/office/drawing/2014/main" id="{A701FBB1-4E05-9F48-B33B-D7720F812BC5}"/>
+              </a:ext>
+            </a:extLst>
+          </p:cNvPr>
+          <p:cNvSpPr txBox="1"/>
+          <p:nvPr/>
+        </p:nvSpPr>
+        <p:spPr>
+          <a:xfrm>
+            <a:off x="9847884" y="4341072"/>
+            <a:ext cx="1442433" cy="292388"/>
+          </a:xfrm>
+          <a:prstGeom prst="rect">
+            <a:avLst/>
+          </a:prstGeom>
+          <a:solidFill>
+            <a:schemeClr val="bg1"/>
+          </a:solidFill>
+        </p:spPr>
+        <p:txBody>
+          <a:bodyPr wrap="square" rtlCol="0">
+            <a:spAutoFit/>
+          </a:bodyPr>
+          <a:lstStyle/>
+          <a:p>
+            <a:pPr algn="ctr"/>
+            <a:r>
+              <a:rPr kumimoji="1" lang="en-US" altLang="en-US" sz="1300" dirty="0">
+                <a:latin typeface="Calisto MT" panose="02040603050505030304" pitchFamily="18" charset="0"/>
+                <a:ea typeface="Ayuthaya" pitchFamily="2" charset="-34"/>
+                <a:cs typeface="Arial Hebrew" pitchFamily="2" charset="-79"/>
+              </a:rPr>
+              <a:t>Inference Engine</a:t>
+            </a:r>
+            <a:endParaRPr kumimoji="1" lang="ko-Kore-KR" altLang="en-US" sz="1300">
+              <a:latin typeface="Calisto MT" panose="02040603050505030304" pitchFamily="18" charset="0"/>
+              <a:cs typeface="Arial Hebrew" pitchFamily="2" charset="-79"/>
+            </a:endParaRPr>
+          </a:p>
+        </p:txBody>
+      </p:sp>
+      <p:sp>
+        <p:nvSpPr>
+          <p:cNvPr id="47" name="TextBox 46">
+            <a:extLst>
+              <a:ext uri="{FF2B5EF4-FFF2-40B4-BE49-F238E27FC236}">
+                <a16:creationId xmlns:a16="http://schemas.microsoft.com/office/drawing/2014/main" id="{A59EDE99-8DAE-4547-8F69-275D2B341880}"/>
+              </a:ext>
+            </a:extLst>
+          </p:cNvPr>
+          <p:cNvSpPr txBox="1"/>
+          <p:nvPr/>
+        </p:nvSpPr>
+        <p:spPr>
+          <a:xfrm>
+            <a:off x="9970636" y="3579879"/>
+            <a:ext cx="1207294" cy="276999"/>
+          </a:xfrm>
+          <a:prstGeom prst="rect">
+            <a:avLst/>
+          </a:prstGeom>
+          <a:solidFill>
+            <a:schemeClr val="bg1"/>
+          </a:solidFill>
+          <a:ln w="12700">
+            <a:solidFill>
+              <a:schemeClr val="tx1"/>
+            </a:solidFill>
+          </a:ln>
+        </p:spPr>
+        <p:txBody>
+          <a:bodyPr wrap="square" rtlCol="0">
+            <a:spAutoFit/>
+          </a:bodyPr>
+          <a:lstStyle/>
+          <a:p>
+            <a:pPr algn="ctr"/>
+            <a:r>
+              <a:rPr kumimoji="1" lang="en-US" altLang="en-US" sz="1200" dirty="0">
+                <a:latin typeface="Calisto MT" panose="02040603050505030304" pitchFamily="18" charset="0"/>
+                <a:ea typeface="Ayuthaya" pitchFamily="2" charset="-34"/>
+                <a:cs typeface="Arial Hebrew" pitchFamily="2" charset="-79"/>
+              </a:rPr>
+              <a:t>Flask API</a:t>
+            </a:r>
+            <a:endParaRPr kumimoji="1" lang="ko-Kore-KR" altLang="en-US" sz="1200">
+              <a:latin typeface="Calisto MT" panose="02040603050505030304" pitchFamily="18" charset="0"/>
+              <a:cs typeface="Arial Hebrew" pitchFamily="2" charset="-79"/>
+            </a:endParaRPr>
+          </a:p>
+        </p:txBody>
+      </p:sp>
+      <p:sp>
+        <p:nvSpPr>
+          <p:cNvPr id="34" name="TextBox 33">
+            <a:extLst>
+              <a:ext uri="{FF2B5EF4-FFF2-40B4-BE49-F238E27FC236}">
+                <a16:creationId xmlns:a16="http://schemas.microsoft.com/office/drawing/2014/main" id="{3055B3FE-47DA-3C4D-88BE-F4DFE140A4C8}"/>
+              </a:ext>
+            </a:extLst>
+          </p:cNvPr>
+          <p:cNvSpPr txBox="1"/>
+          <p:nvPr/>
+        </p:nvSpPr>
+        <p:spPr>
+          <a:xfrm>
+            <a:off x="8886112" y="4141551"/>
+            <a:ext cx="415498" cy="230832"/>
+          </a:xfrm>
+          <a:prstGeom prst="rect">
+            <a:avLst/>
+          </a:prstGeom>
+          <a:noFill/>
+        </p:spPr>
+        <p:txBody>
+          <a:bodyPr wrap="none" rtlCol="0">
+            <a:spAutoFit/>
+          </a:bodyPr>
+          <a:lstStyle/>
+          <a:p>
+            <a:pPr algn="ctr"/>
+            <a:r>
+              <a:rPr kumimoji="1" lang="en-US" altLang="en-US" sz="900" dirty="0">
+                <a:latin typeface="Calisto MT" panose="02040603050505030304" pitchFamily="18" charset="0"/>
+                <a:cs typeface="Arial Hebrew" pitchFamily="2" charset="-79"/>
+              </a:rPr>
+              <a:t>SLO</a:t>
+            </a:r>
+            <a:endParaRPr kumimoji="1" lang="ko-Kore-KR" altLang="en-US" sz="900" dirty="0">
+              <a:latin typeface="Calisto MT" panose="02040603050505030304" pitchFamily="18" charset="0"/>
+              <a:cs typeface="Arial Hebrew" pitchFamily="2" charset="-79"/>
+            </a:endParaRPr>
+          </a:p>
+        </p:txBody>
+      </p:sp>
+      <p:sp>
+        <p:nvSpPr>
+          <p:cNvPr id="38" name="직사각형 37">
+            <a:extLst>
+              <a:ext uri="{FF2B5EF4-FFF2-40B4-BE49-F238E27FC236}">
+                <a16:creationId xmlns:a16="http://schemas.microsoft.com/office/drawing/2014/main" id="{80538209-9632-6D4B-865A-8C16CA753B63}"/>
+              </a:ext>
+            </a:extLst>
+          </p:cNvPr>
+          <p:cNvSpPr/>
+          <p:nvPr/>
+        </p:nvSpPr>
+        <p:spPr>
+          <a:xfrm>
+            <a:off x="9842764" y="4754087"/>
+            <a:ext cx="1452672" cy="825297"/>
+          </a:xfrm>
+          <a:prstGeom prst="rect">
+            <a:avLst/>
+          </a:prstGeom>
+          <a:noFill/>
+          <a:ln w="15875">
+            <a:solidFill>
+              <a:schemeClr val="tx1"/>
+            </a:solidFill>
+          </a:ln>
+        </p:spPr>
+        <p:style>
+          <a:lnRef idx="2">
+            <a:schemeClr val="accent1">
+              <a:shade val="50000"/>
+            </a:schemeClr>
+          </a:lnRef>
+          <a:fillRef idx="1">
+            <a:schemeClr val="accent1"/>
+          </a:fillRef>
+          <a:effectRef idx="0">
+            <a:schemeClr val="accent1"/>
+          </a:effectRef>
+          <a:fontRef idx="minor">
+            <a:schemeClr val="lt1"/>
+          </a:fontRef>
+        </p:style>
+        <p:txBody>
+          <a:bodyPr rtlCol="0" anchor="ctr"/>
+          <a:lstStyle/>
+          <a:p>
+            <a:pPr algn="ctr"/>
+            <a:endParaRPr kumimoji="1" lang="en-US" altLang="en-US" sz="900" dirty="0">
+              <a:solidFill>
+                <a:schemeClr val="tx1"/>
+              </a:solidFill>
+              <a:latin typeface="Calisto MT" panose="02040603050505030304" pitchFamily="18" charset="0"/>
+              <a:ea typeface="Ayuthaya" pitchFamily="2" charset="-34"/>
+              <a:cs typeface="Arial Hebrew" pitchFamily="2" charset="-79"/>
+            </a:endParaRPr>
+          </a:p>
+        </p:txBody>
+      </p:sp>
+      <p:sp>
+        <p:nvSpPr>
+          <p:cNvPr id="45" name="직사각형 44">
+            <a:extLst>
+              <a:ext uri="{FF2B5EF4-FFF2-40B4-BE49-F238E27FC236}">
+                <a16:creationId xmlns:a16="http://schemas.microsoft.com/office/drawing/2014/main" id="{B445FC13-5E4D-BC4A-860F-4034A324628A}"/>
+              </a:ext>
+            </a:extLst>
+          </p:cNvPr>
+          <p:cNvSpPr/>
+          <p:nvPr/>
+        </p:nvSpPr>
+        <p:spPr>
+          <a:xfrm>
+            <a:off x="9842764" y="6144234"/>
+            <a:ext cx="1452672" cy="825297"/>
+          </a:xfrm>
+          <a:prstGeom prst="rect">
+            <a:avLst/>
+          </a:prstGeom>
+          <a:noFill/>
+          <a:ln w="15875">
+            <a:solidFill>
+              <a:schemeClr val="tx1"/>
+            </a:solidFill>
+          </a:ln>
+        </p:spPr>
+        <p:style>
+          <a:lnRef idx="2">
+            <a:schemeClr val="accent1">
+              <a:shade val="50000"/>
+            </a:schemeClr>
+          </a:lnRef>
+          <a:fillRef idx="1">
+            <a:schemeClr val="accent1"/>
+          </a:fillRef>
+          <a:effectRef idx="0">
+            <a:schemeClr val="accent1"/>
+          </a:effectRef>
+          <a:fontRef idx="minor">
+            <a:schemeClr val="lt1"/>
+          </a:fontRef>
+        </p:style>
+        <p:txBody>
+          <a:bodyPr rtlCol="0" anchor="ctr"/>
+          <a:lstStyle/>
+          <a:p>
+            <a:pPr algn="ctr"/>
+            <a:endParaRPr kumimoji="1" lang="en-US" altLang="en-US" sz="900" dirty="0">
+              <a:solidFill>
+                <a:schemeClr val="tx1"/>
+              </a:solidFill>
+              <a:latin typeface="Calisto MT" panose="02040603050505030304" pitchFamily="18" charset="0"/>
+              <a:ea typeface="Ayuthaya" pitchFamily="2" charset="-34"/>
+              <a:cs typeface="Arial Hebrew" pitchFamily="2" charset="-79"/>
+            </a:endParaRPr>
+          </a:p>
+        </p:txBody>
+      </p:sp>
+      <p:sp>
+        <p:nvSpPr>
+          <p:cNvPr id="56" name="TextBox 55">
+            <a:extLst>
+              <a:ext uri="{FF2B5EF4-FFF2-40B4-BE49-F238E27FC236}">
+                <a16:creationId xmlns:a16="http://schemas.microsoft.com/office/drawing/2014/main" id="{838D3A1A-A6F9-9B45-96F2-285A95D610D9}"/>
+              </a:ext>
+            </a:extLst>
+          </p:cNvPr>
+          <p:cNvSpPr txBox="1"/>
+          <p:nvPr/>
+        </p:nvSpPr>
+        <p:spPr>
+          <a:xfrm>
+            <a:off x="9965453" y="4969161"/>
+            <a:ext cx="1207294" cy="400110"/>
+          </a:xfrm>
+          <a:prstGeom prst="rect">
+            <a:avLst/>
+          </a:prstGeom>
+          <a:solidFill>
+            <a:schemeClr val="bg1"/>
+          </a:solidFill>
+          <a:ln w="12700">
+            <a:solidFill>
+              <a:schemeClr val="tx1"/>
+            </a:solidFill>
+          </a:ln>
+        </p:spPr>
+        <p:txBody>
+          <a:bodyPr wrap="square" rtlCol="0">
+            <a:spAutoFit/>
+          </a:bodyPr>
+          <a:lstStyle/>
+          <a:p>
+            <a:pPr algn="ctr"/>
+            <a:r>
+              <a:rPr kumimoji="1" lang="en-US" altLang="en-US" sz="1000" dirty="0">
+                <a:latin typeface="Calisto MT" panose="02040603050505030304" pitchFamily="18" charset="0"/>
+                <a:ea typeface="Ayuthaya" pitchFamily="2" charset="-34"/>
+                <a:cs typeface="Arial Hebrew" pitchFamily="2" charset="-79"/>
+              </a:rPr>
+              <a:t>inference </a:t>
+            </a:r>
+          </a:p>
+          <a:p>
+            <a:pPr algn="ctr"/>
+            <a:r>
+              <a:rPr kumimoji="1" lang="en-US" altLang="en-US" sz="1000" dirty="0">
+                <a:latin typeface="Calisto MT" panose="02040603050505030304" pitchFamily="18" charset="0"/>
+                <a:ea typeface="Ayuthaya" pitchFamily="2" charset="-34"/>
+                <a:cs typeface="Arial Hebrew" pitchFamily="2" charset="-79"/>
+              </a:rPr>
+              <a:t>vCPU usage</a:t>
+            </a:r>
+            <a:endParaRPr kumimoji="1" lang="ko-Kore-KR" altLang="en-US" sz="1000">
+              <a:latin typeface="Calisto MT" panose="02040603050505030304" pitchFamily="18" charset="0"/>
+              <a:cs typeface="Arial Hebrew" pitchFamily="2" charset="-79"/>
+            </a:endParaRPr>
+          </a:p>
+        </p:txBody>
+      </p:sp>
+      <p:sp>
+        <p:nvSpPr>
+          <p:cNvPr id="58" name="TextBox 57">
+            <a:extLst>
+              <a:ext uri="{FF2B5EF4-FFF2-40B4-BE49-F238E27FC236}">
+                <a16:creationId xmlns:a16="http://schemas.microsoft.com/office/drawing/2014/main" id="{BA005FDB-608E-FF40-B61D-E80E2C0D362C}"/>
+              </a:ext>
+            </a:extLst>
+          </p:cNvPr>
+          <p:cNvSpPr txBox="1"/>
+          <p:nvPr/>
+        </p:nvSpPr>
+        <p:spPr>
+          <a:xfrm>
+            <a:off x="10142970" y="5738903"/>
+            <a:ext cx="415498" cy="230832"/>
+          </a:xfrm>
+          <a:prstGeom prst="rect">
+            <a:avLst/>
+          </a:prstGeom>
+          <a:noFill/>
+        </p:spPr>
+        <p:txBody>
+          <a:bodyPr wrap="none" rtlCol="0">
+            <a:spAutoFit/>
+          </a:bodyPr>
+          <a:lstStyle/>
+          <a:p>
+            <a:pPr algn="ctr"/>
+            <a:r>
+              <a:rPr kumimoji="1" lang="en-US" altLang="en-US" sz="900" dirty="0">
+                <a:latin typeface="Calisto MT" panose="02040603050505030304" pitchFamily="18" charset="0"/>
+                <a:cs typeface="Arial Hebrew" pitchFamily="2" charset="-79"/>
+              </a:rPr>
+              <a:t>SLO</a:t>
+            </a:r>
+          </a:p>
+        </p:txBody>
+      </p:sp>
+      <p:sp>
+        <p:nvSpPr>
+          <p:cNvPr id="60" name="TextBox 59">
+            <a:extLst>
+              <a:ext uri="{FF2B5EF4-FFF2-40B4-BE49-F238E27FC236}">
+                <a16:creationId xmlns:a16="http://schemas.microsoft.com/office/drawing/2014/main" id="{29BB62ED-60F5-C14A-B87D-479BEA6244D6}"/>
+              </a:ext>
+            </a:extLst>
+          </p:cNvPr>
+          <p:cNvSpPr txBox="1"/>
+          <p:nvPr/>
+        </p:nvSpPr>
+        <p:spPr>
+          <a:xfrm>
+            <a:off x="9970458" y="6283485"/>
+            <a:ext cx="1207294" cy="553998"/>
+          </a:xfrm>
+          <a:prstGeom prst="rect">
+            <a:avLst/>
+          </a:prstGeom>
+          <a:solidFill>
+            <a:schemeClr val="bg1"/>
+          </a:solidFill>
+          <a:ln w="12700">
+            <a:solidFill>
+              <a:schemeClr val="tx1"/>
+            </a:solidFill>
+          </a:ln>
+        </p:spPr>
+        <p:txBody>
+          <a:bodyPr wrap="square" rtlCol="0">
+            <a:spAutoFit/>
+          </a:bodyPr>
+          <a:lstStyle/>
+          <a:p>
+            <a:pPr algn="ctr"/>
+            <a:r>
+              <a:rPr kumimoji="1" lang="en-US" altLang="en-US" sz="1000" dirty="0">
+                <a:latin typeface="Calisto MT" panose="02040603050505030304" pitchFamily="18" charset="0"/>
+                <a:ea typeface="Ayuthaya" pitchFamily="2" charset="-34"/>
+                <a:cs typeface="Arial Hebrew" pitchFamily="2" charset="-79"/>
+              </a:rPr>
+              <a:t>inference </a:t>
+            </a:r>
+          </a:p>
+          <a:p>
+            <a:pPr algn="ctr"/>
+            <a:r>
+              <a:rPr kumimoji="1" lang="en-US" altLang="en-US" sz="1000" dirty="0">
+                <a:latin typeface="Calisto MT" panose="02040603050505030304" pitchFamily="18" charset="0"/>
+                <a:ea typeface="Ayuthaya" pitchFamily="2" charset="-34"/>
+                <a:cs typeface="Arial Hebrew" pitchFamily="2" charset="-79"/>
+              </a:rPr>
+              <a:t>I/O thread</a:t>
+            </a:r>
+          </a:p>
+          <a:p>
+            <a:pPr algn="ctr"/>
+            <a:r>
+              <a:rPr kumimoji="1" lang="en-US" altLang="en-US" sz="1000" dirty="0">
+                <a:latin typeface="Calisto MT" panose="02040603050505030304" pitchFamily="18" charset="0"/>
+                <a:ea typeface="Ayuthaya" pitchFamily="2" charset="-34"/>
+                <a:cs typeface="Arial Hebrew" pitchFamily="2" charset="-79"/>
+              </a:rPr>
+              <a:t>CPU usage</a:t>
+            </a:r>
+            <a:endParaRPr kumimoji="1" lang="ko-Kore-KR" altLang="en-US" sz="1000">
+              <a:latin typeface="Calisto MT" panose="02040603050505030304" pitchFamily="18" charset="0"/>
+              <a:cs typeface="Arial Hebrew" pitchFamily="2" charset="-79"/>
+            </a:endParaRPr>
+          </a:p>
+        </p:txBody>
+      </p:sp>
+      <p:sp>
+        <p:nvSpPr>
+          <p:cNvPr id="64" name="모서리가 둥근 직사각형 63">
+            <a:extLst>
+              <a:ext uri="{FF2B5EF4-FFF2-40B4-BE49-F238E27FC236}">
+                <a16:creationId xmlns:a16="http://schemas.microsoft.com/office/drawing/2014/main" id="{5C677381-AA0A-444F-AAA5-400C9EF4B742}"/>
+              </a:ext>
+            </a:extLst>
+          </p:cNvPr>
+          <p:cNvSpPr/>
+          <p:nvPr/>
+        </p:nvSpPr>
+        <p:spPr>
+          <a:xfrm>
+            <a:off x="13201409" y="4939046"/>
+            <a:ext cx="1001120" cy="290281"/>
+          </a:xfrm>
+          <a:prstGeom prst="roundRect">
+            <a:avLst/>
+          </a:prstGeom>
+          <a:solidFill>
+            <a:schemeClr val="bg1"/>
+          </a:solidFill>
+          <a:ln w="12700">
+            <a:solidFill>
+              <a:schemeClr val="tx1"/>
+            </a:solidFill>
+          </a:ln>
+        </p:spPr>
+        <p:style>
+          <a:lnRef idx="2">
+            <a:schemeClr val="accent1">
+              <a:shade val="50000"/>
+            </a:schemeClr>
+          </a:lnRef>
+          <a:fillRef idx="1">
+            <a:schemeClr val="accent1"/>
+          </a:fillRef>
+          <a:effectRef idx="0">
+            <a:schemeClr val="accent1"/>
+          </a:effectRef>
+          <a:fontRef idx="minor">
+            <a:schemeClr val="lt1"/>
+          </a:fontRef>
+        </p:style>
+        <p:txBody>
+          <a:bodyPr rtlCol="0" anchor="ctr"/>
+          <a:lstStyle/>
+          <a:p>
+            <a:pPr algn="ctr"/>
+            <a:r>
+              <a:rPr kumimoji="1" lang="en-US" altLang="ko-Kore-KR" sz="1100" dirty="0" err="1">
+                <a:solidFill>
+                  <a:schemeClr val="tx1"/>
+                </a:solidFill>
+                <a:latin typeface="Calisto MT" panose="02040603050505030304" pitchFamily="18" charset="0"/>
+                <a:ea typeface="Ayuthaya" pitchFamily="2" charset="-34"/>
+                <a:cs typeface="Arial Hebrew" pitchFamily="2" charset="-79"/>
+              </a:rPr>
+              <a:t>cGroups</a:t>
+            </a:r>
+            <a:endParaRPr kumimoji="1" lang="ko-Kore-KR" altLang="en-US" sz="1100" dirty="0">
+              <a:solidFill>
+                <a:schemeClr val="tx1"/>
+              </a:solidFill>
+              <a:latin typeface="Calisto MT" panose="02040603050505030304" pitchFamily="18" charset="0"/>
+              <a:cs typeface="Arial Hebrew" pitchFamily="2" charset="-79"/>
+            </a:endParaRPr>
+          </a:p>
+        </p:txBody>
+      </p:sp>
+    </p:spTree>
+    <p:extLst>
+      <p:ext uri="{BB962C8B-B14F-4D97-AF65-F5344CB8AC3E}">
+        <p14:creationId xmlns:p14="http://schemas.microsoft.com/office/powerpoint/2010/main" val="2168024143"/>
       </p:ext>
     </p:extLst>
   </p:cSld>

--- a/etc/design.pptx
+++ b/etc/design.pptx
@@ -16,6 +16,8 @@
     <p:sldId id="265" r:id="rId10"/>
     <p:sldId id="266" r:id="rId11"/>
     <p:sldId id="267" r:id="rId12"/>
+    <p:sldId id="268" r:id="rId13"/>
+    <p:sldId id="269" r:id="rId14"/>
   </p:sldIdLst>
   <p:sldSz cx="21599525" cy="10799763"/>
   <p:notesSz cx="6858000" cy="9144000"/>
@@ -122,6 +124,1042 @@
 </p:presentation>
 </file>
 
+<file path=ppt/charts/chartEx1.xml><?xml version="1.0" encoding="utf-8"?>
+<cx:chartSpace xmlns:a="http://schemas.openxmlformats.org/drawingml/2006/main" xmlns:r="http://schemas.openxmlformats.org/officeDocument/2006/relationships" xmlns:cx="http://schemas.microsoft.com/office/drawing/2014/chartex">
+  <cx:chartData>
+    <cx:externalData r:id="rId1" cx:autoUpdate="0"/>
+    <cx:data id="0">
+      <cx:numDim type="val">
+        <cx:f>Sheet1!$O$2:$O$54</cx:f>
+        <cx:lvl ptCount="53" formatCode="G/표준">
+          <cx:pt idx="0">122.73</cx:pt>
+          <cx:pt idx="1">111.57272727272726</cx:pt>
+          <cx:pt idx="2">112.834</cx:pt>
+          <cx:pt idx="3">107.41</cx:pt>
+          <cx:pt idx="4">105.22857142857143</cx:pt>
+          <cx:pt idx="5">113.70999999999999</cx:pt>
+          <cx:pt idx="6">111.21874999999999</cx:pt>
+          <cx:pt idx="7">122.97058823529412</cx:pt>
+          <cx:pt idx="8">128.95000000000002</cx:pt>
+          <cx:pt idx="9">124.71578947368423</cx:pt>
+          <cx:pt idx="10">118.48</cx:pt>
+          <cx:pt idx="11">114.93333333333334</cx:pt>
+          <cx:pt idx="12">113.87727272727273</cx:pt>
+          <cx:pt idx="13">110.95217391304348</cx:pt>
+          <cx:pt idx="14">107</cx:pt>
+          <cx:pt idx="15">112.877</cx:pt>
+          <cx:pt idx="16">111.2291</cx:pt>
+          <cx:pt idx="17">106.93899999999999</cx:pt>
+          <cx:pt idx="18">109.9537</cx:pt>
+          <cx:pt idx="19">108.68170000000001</cx:pt>
+          <cx:pt idx="20">105.3201</cx:pt>
+          <cx:pt idx="21">110.4478</cx:pt>
+          <cx:pt idx="22">107.46899999999999</cx:pt>
+          <cx:pt idx="23">112.11515151515152</cx:pt>
+          <cx:pt idx="24">109.61470588235294</cx:pt>
+          <cx:pt idx="25">106.98571428571428</cx:pt>
+          <cx:pt idx="26">104.52777777777777</cx:pt>
+          <cx:pt idx="27">103.68918918918919</cx:pt>
+          <cx:pt idx="28">101.12894736842107</cx:pt>
+          <cx:pt idx="29">98.535897435897439</cx:pt>
+          <cx:pt idx="30">102.27500000000001</cx:pt>
+          <cx:pt idx="31">106.8819</cx:pt>
+          <cx:pt idx="32">106.301</cx:pt>
+          <cx:pt idx="33">105.7264</cx:pt>
+          <cx:pt idx="34">106.1973</cx:pt>
+          <cx:pt idx="35">106.49777777777778</cx:pt>
+          <cx:pt idx="36">104.18260869565216</cx:pt>
+          <cx:pt idx="37">102.33829787234043</cx:pt>
+          <cx:pt idx="38">100.20625000000001</cx:pt>
+        </cx:lvl>
+      </cx:numDim>
+    </cx:data>
+    <cx:data id="1">
+      <cx:numDim type="val">
+        <cx:f>Sheet1!$P$2:$P$54</cx:f>
+        <cx:lvl ptCount="53" formatCode="G/표준">
+          <cx:pt idx="0">99.971428571428575</cx:pt>
+          <cx:pt idx="1">100.01400000000001</cx:pt>
+          <cx:pt idx="2">105.18235294117646</cx:pt>
+          <cx:pt idx="3">103.94807692307693</cx:pt>
+          <cx:pt idx="4">101.98679245283017</cx:pt>
+          <cx:pt idx="5">102.49629629629631</cx:pt>
+          <cx:pt idx="6">99.427272727272737</cx:pt>
+          <cx:pt idx="7">105.08799999999999</cx:pt>
+          <cx:pt idx="8">107.911</cx:pt>
+          <cx:pt idx="9">103.5642</cx:pt>
+          <cx:pt idx="10">105.64660000000001</cx:pt>
+          <cx:pt idx="11">99.464999999999989</cx:pt>
+          <cx:pt idx="12">97.834426229508182</cx:pt>
+          <cx:pt idx="13">105.59999999999999</cx:pt>
+          <cx:pt idx="14">105.15000000000001</cx:pt>
+          <cx:pt idx="15">109.78252999999999</cx:pt>
+          <cx:pt idx="16">109.12515</cx:pt>
+          <cx:pt idx="17">99.596969696969708</cx:pt>
+          <cx:pt idx="18">98.110447761194024</cx:pt>
+          <cx:pt idx="19">96.026470588235298</cx:pt>
+          <cx:pt idx="20">104.50144927536232</cx:pt>
+          <cx:pt idx="21">99.537142857142854</cx:pt>
+          <cx:pt idx="22">100.57323943661973</cx:pt>
+          <cx:pt idx="23">101.23472222222223</cx:pt>
+          <cx:pt idx="24">99.847945205479448</cx:pt>
+          <cx:pt idx="25">98.49864864864864</cx:pt>
+          <cx:pt idx="26">102.416</cx:pt>
+          <cx:pt idx="27">100.1921052631579</cx:pt>
+          <cx:pt idx="28">103.60000000000001</cx:pt>
+          <cx:pt idx="29">102.27179487179487</cx:pt>
+          <cx:pt idx="30">101.83924050632911</cx:pt>
+          <cx:pt idx="31">100.56625</cx:pt>
+          <cx:pt idx="32">101.83</cx:pt>
+          <cx:pt idx="33">100.59</cx:pt>
+          <cx:pt idx="34">98.42891566265061</cx:pt>
+          <cx:pt idx="35">96.267857142857139</cx:pt>
+          <cx:pt idx="36">95.135294117647049</cx:pt>
+          <cx:pt idx="37">99.379999999999995</cx:pt>
+        </cx:lvl>
+      </cx:numDim>
+    </cx:data>
+    <cx:data id="2">
+      <cx:numDim type="val">
+        <cx:f>Sheet1!$Q$2:$Q$54</cx:f>
+        <cx:lvl ptCount="53" formatCode="G/표준">
+          <cx:pt idx="0">91.393258426966298</cx:pt>
+          <cx:pt idx="1">99.524000000000001</cx:pt>
+          <cx:pt idx="2">104.09230769230768</cx:pt>
+          <cx:pt idx="3">101.10652173913044</cx:pt>
+          <cx:pt idx="4">100.01935483870967</cx:pt>
+          <cx:pt idx="5">98.955319148936155</cx:pt>
+          <cx:pt idx="6">97.913684210526313</cx:pt>
+          <cx:pt idx="7">96.893749999999983</cx:pt>
+          <cx:pt idx="8">96.234020618556698</cx:pt>
+          <cx:pt idx="9">95.252040816326527</cx:pt>
+          <cx:pt idx="10">94.289898989898987</cx:pt>
+          <cx:pt idx="11">107.10599999999999</cx:pt>
+          <cx:pt idx="12">106.04554455445545</cx:pt>
+          <cx:pt idx="13">106.07941176470588</cx:pt>
+          <cx:pt idx="14">105.04951456310681</cx:pt>
+          <cx:pt idx="15">104.03942307692307</cx:pt>
+          <cx:pt idx="16">103.04857142857142</cx:pt>
+          <cx:pt idx="17">99.527358490566044</cx:pt>
+          <cx:pt idx="18">98.597196261682242</cx:pt>
+          <cx:pt idx="19">107.67870370370372</cx:pt>
+          <cx:pt idx="20">104.82660550458715</cx:pt>
+          <cx:pt idx="21">103.87363636363635</cx:pt>
+          <cx:pt idx="22">100.71621621621622</cx:pt>
+          <cx:pt idx="23">96.334500000000006</cx:pt>
+          <cx:pt idx="24">96.599999999999994</cx:pt>
+          <cx:pt idx="25">96.977000000000004</cx:pt>
+          <cx:pt idx="26">106.95913043478259</cx:pt>
+          <cx:pt idx="27">106.03706896551724</cx:pt>
+          <cx:pt idx="28">105.13076923076923</cx:pt>
+          <cx:pt idx="29">104.23983050847458</cx:pt>
+          <cx:pt idx="30">103.36386554621848</cx:pt>
+          <cx:pt idx="31">102.50250000000001</cx:pt>
+          <cx:pt idx="32">101.65537190082645</cx:pt>
+          <cx:pt idx="33">100.82213114754097</cx:pt>
+          <cx:pt idx="34">100.00243902439023</cx:pt>
+          <cx:pt idx="35">99.19596774193549</cx:pt>
+        </cx:lvl>
+      </cx:numDim>
+    </cx:data>
+    <cx:data id="3">
+      <cx:numDim type="val">
+        <cx:f>Sheet1!$R$2:$R$54</cx:f>
+        <cx:lvl ptCount="53" formatCode="G/표준">
+          <cx:pt idx="0">98.4024</cx:pt>
+          <cx:pt idx="1">97.621428571428567</cx:pt>
+          <cx:pt idx="2">96.852755905511813</cx:pt>
+          <cx:pt idx="3">96.096093749999994</cx:pt>
+          <cx:pt idx="4">95.351162790697671</cx:pt>
+          <cx:pt idx="5">98.830769230769221</cx:pt>
+          <cx:pt idx="6">98.07633587786259</cx:pt>
+          <cx:pt idx="7">96.892857100000001</cx:pt>
+          <cx:pt idx="8">103.98721804511277</cx:pt>
+          <cx:pt idx="9">98.310000000000002</cx:pt>
+          <cx:pt idx="10">95.633300000000006</cx:pt>
+          <cx:pt idx="11">94.379999999999995</cx:pt>
+          <cx:pt idx="12">95.671099999999996</cx:pt>
+          <cx:pt idx="13">96.218181799999996</cx:pt>
+          <cx:pt idx="14">98.916546762589931</cx:pt>
+          <cx:pt idx="15">98.210000000000008</cx:pt>
+          <cx:pt idx="16">97.513475177304969</cx:pt>
+          <cx:pt idx="17">96.82676056338029</cx:pt>
+          <cx:pt idx="18">96.149650349650358</cx:pt>
+          <cx:pt idx="19">95.481944444444451</cx:pt>
+          <cx:pt idx="20">94.823448275862077</cx:pt>
+          <cx:pt idx="21">101.975661</cx:pt>
+          <cx:pt idx="22">100.21117</cx:pt>
+          <cx:pt idx="23">97.668750000000003</cx:pt>
+          <cx:pt idx="24">99.855599999999995</cx:pt>
+          <cx:pt idx="25">98.184100000000001</cx:pt>
+          <cx:pt idx="26">96.762189000000006</cx:pt>
+          <cx:pt idx="27">97.069999999999993</cx:pt>
+          <cx:pt idx="28">97.418700000000001</cx:pt>
+          <cx:pt idx="29">97.363694300000006</cx:pt>
+          <cx:pt idx="30">93.965400000000002</cx:pt>
+          <cx:pt idx="31">93.141199999999998</cx:pt>
+          <cx:pt idx="32">95.776250000000005</cx:pt>
+          <cx:pt idx="33">95.181366459627341</cx:pt>
+          <cx:pt idx="34">92.737037037037027</cx:pt>
+          <cx:pt idx="35">93.557055214723931</cx:pt>
+          <cx:pt idx="36">93.965400000000002</cx:pt>
+          <cx:pt idx="37">97.834400000000002</cx:pt>
+          <cx:pt idx="38">93.946875000000006</cx:pt>
+          <cx:pt idx="39">92.615300000000005</cx:pt>
+          <cx:pt idx="40">97.585119047619045</cx:pt>
+        </cx:lvl>
+      </cx:numDim>
+    </cx:data>
+    <cx:data id="4">
+      <cx:numDim type="val">
+        <cx:f>Sheet1!$S$2:$S$54</cx:f>
+        <cx:lvl ptCount="53" formatCode="G/표준">
+          <cx:pt idx="0">101.655372</cx:pt>
+          <cx:pt idx="1">100.822131</cx:pt>
+          <cx:pt idx="2">100.002439</cx:pt>
+          <cx:pt idx="3">99.195967699999997</cx:pt>
+          <cx:pt idx="4">98.4024</cx:pt>
+          <cx:pt idx="5">103.353866</cx:pt>
+          <cx:pt idx="6">101.975661</cx:pt>
+          <cx:pt idx="7">100.21117</cx:pt>
+          <cx:pt idx="8">104.0394</cx:pt>
+          <cx:pt idx="9">97.007692307692324</cx:pt>
+          <cx:pt idx="10">96.437058823529426</cx:pt>
+          <cx:pt idx="11">95.873099415204678</cx:pt>
+          <cx:pt idx="12">95.315697674418615</cx:pt>
+          <cx:pt idx="13">94.764739884393066</cx:pt>
+          <cx:pt idx="14">90.095402298850587</cx:pt>
+          <cx:pt idx="15">93.141199999999998</cx:pt>
+          <cx:pt idx="16">96.312899999999999</cx:pt>
+          <cx:pt idx="17">97.6113</cx:pt>
+          <cx:pt idx="18">94.436599999999999</cx:pt>
+          <cx:pt idx="19">98.44444</cx:pt>
+          <cx:pt idx="20">93.901200000000003</cx:pt>
+          <cx:pt idx="21">94.447999999999993</cx:pt>
+          <cx:pt idx="22">99.424999999999997</cx:pt>
+          <cx:pt idx="23">92.472999999999999</cx:pt>
+          <cx:pt idx="24">92.344999999999999</cx:pt>
+          <cx:pt idx="25">99.251099999999994</cx:pt>
+          <cx:pt idx="26">94.804400000000001</cx:pt>
+          <cx:pt idx="27">94.1738</cx:pt>
+          <cx:pt idx="28">93.533330000000007</cx:pt>
+          <cx:pt idx="29">92.901300000000006</cx:pt>
+          <cx:pt idx="30">95.280000000000001</cx:pt>
+          <cx:pt idx="31">90.299999999999997</cx:pt>
+          <cx:pt idx="32">92.277799999999999</cx:pt>
+          <cx:pt idx="33">96.547150259067351</cx:pt>
+          <cx:pt idx="34">91.393199999999993</cx:pt>
+          <cx:pt idx="35">91.662599999999998</cx:pt>
+          <cx:pt idx="36">91.055599999999998</cx:pt>
+          <cx:pt idx="37">90.456500000000005</cx:pt>
+          <cx:pt idx="38">87.566999999999993</cx:pt>
+          <cx:pt idx="39">93.47638190954774</cx:pt>
+          <cx:pt idx="40">95.421000000000006</cx:pt>
+          <cx:pt idx="41">89.865300000000005</cx:pt>
+          <cx:pt idx="42">95.800495049504946</cx:pt>
+          <cx:pt idx="43">95.328571428571422</cx:pt>
+          <cx:pt idx="44">94.217156862745099</cx:pt>
+          <cx:pt idx="45">89.530000000000001</cx:pt>
+          <cx:pt idx="46">88.756</cx:pt>
+          <cx:pt idx="47">92.642512077294697</cx:pt>
+          <cx:pt idx="48">93.208173076923075</cx:pt>
+          <cx:pt idx="49">90.589473684210517</cx:pt>
+          <cx:pt idx="50">88.609999999999999</cx:pt>
+          <cx:pt idx="51">86</cx:pt>
+          <cx:pt idx="52">83.799999999999997</cx:pt>
+        </cx:lvl>
+      </cx:numDim>
+    </cx:data>
+  </cx:chartData>
+  <cx:chart>
+    <cx:title pos="t" align="ctr" overlay="0">
+      <cx:tx>
+        <cx:rich>
+          <a:bodyPr spcFirstLastPara="1" vertOverflow="ellipsis" horzOverflow="overflow" wrap="square" lIns="0" tIns="0" rIns="0" bIns="0" anchor="ctr" anchorCtr="1"/>
+          <a:lstStyle/>
+          <a:p>
+            <a:pPr algn="ctr" rtl="0">
+              <a:defRPr/>
+            </a:pPr>
+            <a:r>
+              <a:rPr lang="en-US" altLang="ko-KR" sz="1400" b="0" i="0" u="none" strike="noStrike" baseline="0">
+                <a:solidFill>
+                  <a:schemeClr val="tx1">
+                    <a:lumMod val="65000"/>
+                    <a:lumOff val="35000"/>
+                  </a:schemeClr>
+                </a:solidFill>
+                <a:latin typeface="Calibri" panose="020F0502020204030204"/>
+                <a:ea typeface="맑은 고딕" panose="020B0503020000020004" pitchFamily="34" charset="-127"/>
+              </a:rPr>
+              <a:t>Netperf</a:t>
+            </a:r>
+            <a:endParaRPr lang="ko-KR" altLang="en-US" sz="1400" b="0" i="0" u="none" strike="noStrike" baseline="0">
+              <a:solidFill>
+                <a:schemeClr val="tx1">
+                  <a:lumMod val="65000"/>
+                  <a:lumOff val="35000"/>
+                </a:schemeClr>
+              </a:solidFill>
+              <a:latin typeface="Calibri" panose="020F0502020204030204"/>
+              <a:ea typeface="맑은 고딕" panose="020B0503020000020004" pitchFamily="34" charset="-127"/>
+            </a:endParaRPr>
+          </a:p>
+        </cx:rich>
+      </cx:tx>
+    </cx:title>
+    <cx:plotArea>
+      <cx:plotAreaRegion>
+        <cx:series layoutId="boxWhisker" uniqueId="{894F1B2F-8110-0940-966C-6422D1777228}">
+          <cx:spPr>
+            <a:solidFill>
+              <a:srgbClr val="0900AB">
+                <a:alpha val="87059"/>
+              </a:srgbClr>
+            </a:solidFill>
+            <a:ln>
+              <a:solidFill>
+                <a:schemeClr val="tx1"/>
+              </a:solidFill>
+            </a:ln>
+          </cx:spPr>
+          <cx:dataId val="0"/>
+          <cx:layoutPr>
+            <cx:visibility meanLine="0" meanMarker="1" nonoutliers="0" outliers="1"/>
+            <cx:statistics quartileMethod="exclusive"/>
+          </cx:layoutPr>
+        </cx:series>
+        <cx:series layoutId="boxWhisker" uniqueId="{76A5FC53-C193-084E-9152-740E24B76B75}">
+          <cx:spPr>
+            <a:solidFill>
+              <a:srgbClr val="0031E3"/>
+            </a:solidFill>
+            <a:ln>
+              <a:solidFill>
+                <a:schemeClr val="tx1"/>
+              </a:solidFill>
+            </a:ln>
+          </cx:spPr>
+          <cx:dataId val="1"/>
+          <cx:layoutPr>
+            <cx:visibility meanLine="0" meanMarker="1" nonoutliers="0" outliers="1"/>
+            <cx:statistics quartileMethod="exclusive"/>
+          </cx:layoutPr>
+        </cx:series>
+        <cx:series layoutId="boxWhisker" uniqueId="{6CF97288-764D-384D-8A35-F96F2BDE31DD}">
+          <cx:spPr>
+            <a:solidFill>
+              <a:srgbClr val="0070C0"/>
+            </a:solidFill>
+            <a:ln>
+              <a:solidFill>
+                <a:schemeClr val="tx1"/>
+              </a:solidFill>
+            </a:ln>
+          </cx:spPr>
+          <cx:dataId val="2"/>
+          <cx:layoutPr>
+            <cx:visibility meanLine="0" meanMarker="1" nonoutliers="0" outliers="1"/>
+            <cx:statistics quartileMethod="exclusive"/>
+          </cx:layoutPr>
+        </cx:series>
+        <cx:series layoutId="boxWhisker" uniqueId="{CB7A6ADE-0FF6-8A44-8C3F-3F19C98D5FB2}">
+          <cx:spPr>
+            <a:solidFill>
+              <a:srgbClr val="00B0F0"/>
+            </a:solidFill>
+            <a:ln>
+              <a:solidFill>
+                <a:schemeClr val="tx1"/>
+              </a:solidFill>
+            </a:ln>
+          </cx:spPr>
+          <cx:dataId val="3"/>
+          <cx:layoutPr>
+            <cx:visibility meanLine="0" meanMarker="1" nonoutliers="0" outliers="1"/>
+            <cx:statistics quartileMethod="exclusive"/>
+          </cx:layoutPr>
+        </cx:series>
+        <cx:series layoutId="boxWhisker" uniqueId="{B7E39588-0018-D142-9BB6-D43614E138A5}">
+          <cx:spPr>
+            <a:solidFill>
+              <a:schemeClr val="accent5">
+                <a:lumMod val="20000"/>
+                <a:lumOff val="80000"/>
+              </a:schemeClr>
+            </a:solidFill>
+            <a:ln>
+              <a:solidFill>
+                <a:schemeClr val="tx1"/>
+              </a:solidFill>
+            </a:ln>
+          </cx:spPr>
+          <cx:dataId val="4"/>
+          <cx:layoutPr>
+            <cx:visibility meanLine="0" meanMarker="1" nonoutliers="0" outliers="1"/>
+            <cx:statistics quartileMethod="exclusive"/>
+          </cx:layoutPr>
+        </cx:series>
+      </cx:plotAreaRegion>
+      <cx:axis id="0" hidden="1">
+        <cx:catScaling gapWidth="0.5"/>
+        <cx:title>
+          <cx:tx>
+            <cx:rich>
+              <a:bodyPr spcFirstLastPara="1" vertOverflow="ellipsis" horzOverflow="overflow" wrap="square" lIns="0" tIns="0" rIns="0" bIns="0" anchor="ctr" anchorCtr="1"/>
+              <a:lstStyle/>
+              <a:p>
+                <a:pPr algn="ctr" rtl="0">
+                  <a:defRPr/>
+                </a:pPr>
+                <a:r>
+                  <a:rPr lang="en-US" altLang="ko-KR" sz="900" b="0" i="0" u="none" strike="noStrike" baseline="0" dirty="0">
+                    <a:solidFill>
+                      <a:prstClr val="black">
+                        <a:lumMod val="65000"/>
+                        <a:lumOff val="35000"/>
+                      </a:prstClr>
+                    </a:solidFill>
+                    <a:latin typeface="맑은 고딕" panose="020F0502020204030204"/>
+                    <a:ea typeface="맑은 고딕" panose="020B0503020000020004" pitchFamily="34" charset="-127"/>
+                  </a:rPr>
+                  <a:t>64       128       256        512       1024</a:t>
+                </a:r>
+              </a:p>
+              <a:p>
+                <a:pPr algn="ctr" rtl="0">
+                  <a:defRPr/>
+                </a:pPr>
+                <a:r>
+                  <a:rPr lang="en-US" altLang="ko-KR" sz="900" b="0" i="0" u="none" strike="noStrike" baseline="0" dirty="0">
+                    <a:solidFill>
+                      <a:prstClr val="black">
+                        <a:lumMod val="65000"/>
+                        <a:lumOff val="35000"/>
+                      </a:prstClr>
+                    </a:solidFill>
+                    <a:latin typeface="맑은 고딕" panose="020F0502020204030204"/>
+                    <a:ea typeface="맑은 고딕" panose="020B0503020000020004" pitchFamily="34" charset="-127"/>
+                  </a:rPr>
+                  <a:t>Packet size (B)</a:t>
+                </a:r>
+                <a:endParaRPr lang="ko-KR" altLang="en-US" sz="900" b="0" i="0" u="none" strike="noStrike" baseline="0" dirty="0">
+                  <a:solidFill>
+                    <a:prstClr val="black">
+                      <a:lumMod val="65000"/>
+                      <a:lumOff val="35000"/>
+                    </a:prstClr>
+                  </a:solidFill>
+                  <a:latin typeface="맑은 고딕" panose="020F0502020204030204"/>
+                  <a:ea typeface="맑은 고딕" panose="020B0503020000020004" pitchFamily="34" charset="-127"/>
+                </a:endParaRPr>
+              </a:p>
+            </cx:rich>
+          </cx:tx>
+        </cx:title>
+        <cx:tickLabels/>
+      </cx:axis>
+      <cx:axis id="1">
+        <cx:valScaling max="130" min="80"/>
+        <cx:title>
+          <cx:tx>
+            <cx:rich>
+              <a:bodyPr spcFirstLastPara="1" vertOverflow="ellipsis" horzOverflow="overflow" wrap="square" lIns="0" tIns="0" rIns="0" bIns="0" anchor="ctr" anchorCtr="1"/>
+              <a:lstStyle/>
+              <a:p>
+                <a:pPr algn="ctr" rtl="0">
+                  <a:defRPr/>
+                </a:pPr>
+                <a:r>
+                  <a:rPr lang="en-US" altLang="ko-KR" sz="900" b="0" i="0" u="none" strike="noStrike" baseline="0" dirty="0">
+                    <a:solidFill>
+                      <a:prstClr val="black">
+                        <a:lumMod val="65000"/>
+                        <a:lumOff val="35000"/>
+                      </a:prstClr>
+                    </a:solidFill>
+                    <a:latin typeface="맑은 고딕" panose="020F0502020204030204"/>
+                    <a:ea typeface="맑은 고딕" panose="020B0503020000020004" pitchFamily="34" charset="-127"/>
+                  </a:rPr>
+                  <a:t>SLO achievement (%)</a:t>
+                </a:r>
+                <a:endParaRPr lang="ko-KR" altLang="en-US" sz="900" b="0" i="0" u="none" strike="noStrike" baseline="0" dirty="0">
+                  <a:solidFill>
+                    <a:prstClr val="black">
+                      <a:lumMod val="65000"/>
+                      <a:lumOff val="35000"/>
+                    </a:prstClr>
+                  </a:solidFill>
+                  <a:latin typeface="맑은 고딕" panose="020F0502020204030204"/>
+                  <a:ea typeface="맑은 고딕" panose="020B0503020000020004" pitchFamily="34" charset="-127"/>
+                </a:endParaRPr>
+              </a:p>
+            </cx:rich>
+          </cx:tx>
+        </cx:title>
+        <cx:majorGridlines/>
+        <cx:tickLabels/>
+      </cx:axis>
+    </cx:plotArea>
+  </cx:chart>
+</cx:chartSpace>
+</file>
+
+<file path=ppt/charts/colors1.xml><?xml version="1.0" encoding="utf-8"?>
+<cs:colorStyle xmlns:cs="http://schemas.microsoft.com/office/drawing/2012/chartStyle" xmlns:a="http://schemas.openxmlformats.org/drawingml/2006/main" meth="cycle" id="10">
+  <a:schemeClr val="accent1"/>
+  <a:schemeClr val="accent2"/>
+  <a:schemeClr val="accent3"/>
+  <a:schemeClr val="accent4"/>
+  <a:schemeClr val="accent5"/>
+  <a:schemeClr val="accent6"/>
+  <cs:variation/>
+  <cs:variation>
+    <a:lumMod val="60000"/>
+  </cs:variation>
+  <cs:variation>
+    <a:lumMod val="80000"/>
+    <a:lumOff val="20000"/>
+  </cs:variation>
+  <cs:variation>
+    <a:lumMod val="80000"/>
+  </cs:variation>
+  <cs:variation>
+    <a:lumMod val="60000"/>
+    <a:lumOff val="40000"/>
+  </cs:variation>
+  <cs:variation>
+    <a:lumMod val="50000"/>
+  </cs:variation>
+  <cs:variation>
+    <a:lumMod val="70000"/>
+    <a:lumOff val="30000"/>
+  </cs:variation>
+  <cs:variation>
+    <a:lumMod val="70000"/>
+  </cs:variation>
+  <cs:variation>
+    <a:lumMod val="50000"/>
+    <a:lumOff val="50000"/>
+  </cs:variation>
+</cs:colorStyle>
+</file>
+
+<file path=ppt/charts/style1.xml><?xml version="1.0" encoding="utf-8"?>
+<cs:chartStyle xmlns:cs="http://schemas.microsoft.com/office/drawing/2012/chartStyle" xmlns:a="http://schemas.openxmlformats.org/drawingml/2006/main" id="406">
+  <cs:axisTitle>
+    <cs:lnRef idx="0"/>
+    <cs:fillRef idx="0"/>
+    <cs:effectRef idx="0"/>
+    <cs:fontRef idx="minor">
+      <a:schemeClr val="tx1">
+        <a:lumMod val="65000"/>
+        <a:lumOff val="35000"/>
+      </a:schemeClr>
+    </cs:fontRef>
+    <cs:defRPr sz="900"/>
+  </cs:axisTitle>
+  <cs:categoryAxis>
+    <cs:lnRef idx="0"/>
+    <cs:fillRef idx="0"/>
+    <cs:effectRef idx="0"/>
+    <cs:fontRef idx="minor">
+      <a:schemeClr val="tx1">
+        <a:lumMod val="65000"/>
+        <a:lumOff val="35000"/>
+      </a:schemeClr>
+    </cs:fontRef>
+    <cs:spPr>
+      <a:ln w="9525" cap="flat" cmpd="sng" algn="ctr">
+        <a:solidFill>
+          <a:schemeClr val="tx1">
+            <a:lumMod val="15000"/>
+            <a:lumOff val="85000"/>
+          </a:schemeClr>
+        </a:solidFill>
+        <a:round/>
+      </a:ln>
+    </cs:spPr>
+    <cs:defRPr sz="900"/>
+  </cs:categoryAxis>
+  <cs:chartArea mods="allowNoFillOverride allowNoLineOverride">
+    <cs:lnRef idx="0"/>
+    <cs:fillRef idx="0"/>
+    <cs:effectRef idx="0"/>
+    <cs:fontRef idx="minor">
+      <a:schemeClr val="tx1"/>
+    </cs:fontRef>
+    <cs:spPr>
+      <a:solidFill>
+        <a:schemeClr val="bg1"/>
+      </a:solidFill>
+      <a:ln w="9525" cap="flat" cmpd="sng" algn="ctr">
+        <a:solidFill>
+          <a:schemeClr val="tx1">
+            <a:lumMod val="15000"/>
+            <a:lumOff val="85000"/>
+          </a:schemeClr>
+        </a:solidFill>
+        <a:round/>
+      </a:ln>
+    </cs:spPr>
+    <cs:defRPr sz="1000"/>
+  </cs:chartArea>
+  <cs:dataLabel>
+    <cs:lnRef idx="0"/>
+    <cs:fillRef idx="0"/>
+    <cs:effectRef idx="0"/>
+    <cs:fontRef idx="minor">
+      <a:schemeClr val="tx1">
+        <a:lumMod val="65000"/>
+        <a:lumOff val="35000"/>
+      </a:schemeClr>
+    </cs:fontRef>
+    <cs:defRPr sz="900"/>
+  </cs:dataLabel>
+  <cs:dataLabelCallout>
+    <cs:lnRef idx="0"/>
+    <cs:fillRef idx="0"/>
+    <cs:effectRef idx="0"/>
+    <cs:fontRef idx="minor">
+      <a:schemeClr val="dk1">
+        <a:lumMod val="65000"/>
+        <a:lumOff val="35000"/>
+      </a:schemeClr>
+    </cs:fontRef>
+    <cs:spPr>
+      <a:solidFill>
+        <a:schemeClr val="lt1"/>
+      </a:solidFill>
+      <a:ln>
+        <a:solidFill>
+          <a:schemeClr val="dk1">
+            <a:lumMod val="25000"/>
+            <a:lumOff val="75000"/>
+          </a:schemeClr>
+        </a:solidFill>
+      </a:ln>
+    </cs:spPr>
+    <cs:defRPr sz="900"/>
+    <cs:bodyPr rot="0" spcFirstLastPara="1" vertOverflow="clip" horzOverflow="clip" vert="horz" wrap="square" lIns="36576" tIns="18288" rIns="36576" bIns="18288" anchor="ctr" anchorCtr="1">
+      <a:spAutoFit/>
+    </cs:bodyPr>
+  </cs:dataLabelCallout>
+  <cs:dataPoint>
+    <cs:lnRef idx="0">
+      <cs:styleClr val="auto"/>
+    </cs:lnRef>
+    <cs:fillRef idx="0">
+      <cs:styleClr val="auto"/>
+    </cs:fillRef>
+    <cs:effectRef idx="0"/>
+    <cs:fontRef idx="minor">
+      <a:schemeClr val="tx1"/>
+    </cs:fontRef>
+    <cs:spPr>
+      <a:solidFill>
+        <a:schemeClr val="phClr"/>
+      </a:solidFill>
+      <a:ln>
+        <a:solidFill>
+          <a:schemeClr val="phClr"/>
+        </a:solidFill>
+      </a:ln>
+    </cs:spPr>
+  </cs:dataPoint>
+  <cs:dataPoint3D>
+    <cs:lnRef idx="0"/>
+    <cs:fillRef idx="0">
+      <cs:styleClr val="auto"/>
+    </cs:fillRef>
+    <cs:effectRef idx="0"/>
+    <cs:fontRef idx="minor">
+      <a:schemeClr val="tx1"/>
+    </cs:fontRef>
+    <cs:spPr>
+      <a:solidFill>
+        <a:schemeClr val="phClr"/>
+      </a:solidFill>
+    </cs:spPr>
+  </cs:dataPoint3D>
+  <cs:dataPointLine>
+    <cs:lnRef idx="0">
+      <cs:styleClr val="auto"/>
+    </cs:lnRef>
+    <cs:fillRef idx="0"/>
+    <cs:effectRef idx="0"/>
+    <cs:fontRef idx="minor">
+      <a:schemeClr val="tx1"/>
+    </cs:fontRef>
+    <cs:spPr>
+      <a:ln w="28575" cap="rnd">
+        <a:solidFill>
+          <a:schemeClr val="phClr"/>
+        </a:solidFill>
+        <a:round/>
+      </a:ln>
+    </cs:spPr>
+  </cs:dataPointLine>
+  <cs:dataPointMarker>
+    <cs:lnRef idx="0"/>
+    <cs:fillRef idx="0">
+      <cs:styleClr val="auto"/>
+    </cs:fillRef>
+    <cs:effectRef idx="0"/>
+    <cs:fontRef idx="minor">
+      <a:schemeClr val="tx1"/>
+    </cs:fontRef>
+    <cs:spPr>
+      <a:solidFill>
+        <a:schemeClr val="phClr"/>
+      </a:solidFill>
+      <a:ln w="9525">
+        <a:solidFill>
+          <a:schemeClr val="lt1"/>
+        </a:solidFill>
+      </a:ln>
+    </cs:spPr>
+  </cs:dataPointMarker>
+  <cs:dataPointMarkerLayout symbol="circle" size="5"/>
+  <cs:dataPointWireframe>
+    <cs:lnRef idx="0">
+      <cs:styleClr val="auto"/>
+    </cs:lnRef>
+    <cs:fillRef idx="0"/>
+    <cs:effectRef idx="0"/>
+    <cs:fontRef idx="minor">
+      <a:schemeClr val="tx1"/>
+    </cs:fontRef>
+    <cs:spPr>
+      <a:ln w="28575" cap="rnd">
+        <a:solidFill>
+          <a:schemeClr val="phClr"/>
+        </a:solidFill>
+        <a:round/>
+      </a:ln>
+    </cs:spPr>
+  </cs:dataPointWireframe>
+  <cs:dataTable>
+    <cs:lnRef idx="0"/>
+    <cs:fillRef idx="0"/>
+    <cs:effectRef idx="0"/>
+    <cs:fontRef idx="minor">
+      <a:schemeClr val="tx1">
+        <a:lumMod val="65000"/>
+        <a:lumOff val="35000"/>
+      </a:schemeClr>
+    </cs:fontRef>
+    <cs:spPr>
+      <a:ln w="9525">
+        <a:solidFill>
+          <a:schemeClr val="tx1">
+            <a:lumMod val="15000"/>
+            <a:lumOff val="85000"/>
+          </a:schemeClr>
+        </a:solidFill>
+      </a:ln>
+    </cs:spPr>
+    <cs:defRPr sz="900"/>
+  </cs:dataTable>
+  <cs:downBar>
+    <cs:lnRef idx="0"/>
+    <cs:fillRef idx="0"/>
+    <cs:effectRef idx="0"/>
+    <cs:fontRef idx="minor">
+      <a:schemeClr val="dk1"/>
+    </cs:fontRef>
+    <cs:spPr>
+      <a:solidFill>
+        <a:schemeClr val="dk1">
+          <a:lumMod val="65000"/>
+          <a:lumOff val="35000"/>
+        </a:schemeClr>
+      </a:solidFill>
+      <a:ln w="9525">
+        <a:solidFill>
+          <a:schemeClr val="tx1">
+            <a:lumMod val="65000"/>
+            <a:lumOff val="35000"/>
+          </a:schemeClr>
+        </a:solidFill>
+      </a:ln>
+    </cs:spPr>
+  </cs:downBar>
+  <cs:dropLine>
+    <cs:lnRef idx="0"/>
+    <cs:fillRef idx="0"/>
+    <cs:effectRef idx="0"/>
+    <cs:fontRef idx="minor">
+      <a:schemeClr val="tx1"/>
+    </cs:fontRef>
+    <cs:spPr>
+      <a:ln w="9525" cap="flat" cmpd="sng" algn="ctr">
+        <a:solidFill>
+          <a:schemeClr val="tx1">
+            <a:lumMod val="35000"/>
+            <a:lumOff val="65000"/>
+          </a:schemeClr>
+        </a:solidFill>
+        <a:round/>
+      </a:ln>
+    </cs:spPr>
+  </cs:dropLine>
+  <cs:errorBar>
+    <cs:lnRef idx="0"/>
+    <cs:fillRef idx="0"/>
+    <cs:effectRef idx="0"/>
+    <cs:fontRef idx="minor">
+      <a:schemeClr val="tx1"/>
+    </cs:fontRef>
+    <cs:spPr>
+      <a:ln w="9525" cap="flat" cmpd="sng" algn="ctr">
+        <a:solidFill>
+          <a:schemeClr val="tx1">
+            <a:lumMod val="65000"/>
+            <a:lumOff val="35000"/>
+          </a:schemeClr>
+        </a:solidFill>
+        <a:round/>
+      </a:ln>
+    </cs:spPr>
+  </cs:errorBar>
+  <cs:floor>
+    <cs:lnRef idx="0"/>
+    <cs:fillRef idx="0"/>
+    <cs:effectRef idx="0"/>
+    <cs:fontRef idx="minor">
+      <a:schemeClr val="tx1"/>
+    </cs:fontRef>
+  </cs:floor>
+  <cs:gridlineMajor>
+    <cs:lnRef idx="0"/>
+    <cs:fillRef idx="0"/>
+    <cs:effectRef idx="0"/>
+    <cs:fontRef idx="minor">
+      <a:schemeClr val="tx1"/>
+    </cs:fontRef>
+    <cs:spPr>
+      <a:ln w="9525" cap="flat" cmpd="sng" algn="ctr">
+        <a:solidFill>
+          <a:schemeClr val="tx1">
+            <a:lumMod val="15000"/>
+            <a:lumOff val="85000"/>
+          </a:schemeClr>
+        </a:solidFill>
+        <a:round/>
+      </a:ln>
+    </cs:spPr>
+  </cs:gridlineMajor>
+  <cs:gridlineMinor>
+    <cs:lnRef idx="0"/>
+    <cs:fillRef idx="0"/>
+    <cs:effectRef idx="0"/>
+    <cs:fontRef idx="minor">
+      <a:schemeClr val="tx1"/>
+    </cs:fontRef>
+    <cs:spPr>
+      <a:ln w="9525" cap="flat" cmpd="sng" algn="ctr">
+        <a:solidFill>
+          <a:schemeClr val="tx1">
+            <a:lumMod val="15000"/>
+            <a:lumOff val="85000"/>
+          </a:schemeClr>
+        </a:solidFill>
+        <a:round/>
+      </a:ln>
+    </cs:spPr>
+  </cs:gridlineMinor>
+  <cs:hiLoLine>
+    <cs:lnRef idx="0"/>
+    <cs:fillRef idx="0"/>
+    <cs:effectRef idx="0"/>
+    <cs:fontRef idx="minor">
+      <a:schemeClr val="tx1"/>
+    </cs:fontRef>
+    <cs:spPr>
+      <a:ln w="9525" cap="flat" cmpd="sng" algn="ctr">
+        <a:solidFill>
+          <a:schemeClr val="tx1">
+            <a:lumMod val="75000"/>
+            <a:lumOff val="25000"/>
+          </a:schemeClr>
+        </a:solidFill>
+        <a:round/>
+      </a:ln>
+    </cs:spPr>
+  </cs:hiLoLine>
+  <cs:leaderLine>
+    <cs:lnRef idx="0"/>
+    <cs:fillRef idx="0"/>
+    <cs:effectRef idx="0"/>
+    <cs:fontRef idx="minor">
+      <a:schemeClr val="tx1"/>
+    </cs:fontRef>
+    <cs:spPr>
+      <a:ln w="9525" cap="flat" cmpd="sng" algn="ctr">
+        <a:solidFill>
+          <a:schemeClr val="tx1">
+            <a:lumMod val="35000"/>
+            <a:lumOff val="65000"/>
+          </a:schemeClr>
+        </a:solidFill>
+        <a:round/>
+      </a:ln>
+    </cs:spPr>
+  </cs:leaderLine>
+  <cs:legend>
+    <cs:lnRef idx="0"/>
+    <cs:fillRef idx="0"/>
+    <cs:effectRef idx="0"/>
+    <cs:fontRef idx="minor">
+      <a:schemeClr val="tx1">
+        <a:lumMod val="65000"/>
+        <a:lumOff val="35000"/>
+      </a:schemeClr>
+    </cs:fontRef>
+    <cs:defRPr sz="900"/>
+  </cs:legend>
+  <cs:plotArea mods="allowNoFillOverride allowNoLineOverride">
+    <cs:lnRef idx="0"/>
+    <cs:fillRef idx="0"/>
+    <cs:effectRef idx="0"/>
+    <cs:fontRef idx="minor">
+      <a:schemeClr val="tx1"/>
+    </cs:fontRef>
+  </cs:plotArea>
+  <cs:plotArea3D mods="allowNoFillOverride allowNoLineOverride">
+    <cs:lnRef idx="0"/>
+    <cs:fillRef idx="0"/>
+    <cs:effectRef idx="0"/>
+    <cs:fontRef idx="minor">
+      <a:schemeClr val="tx1"/>
+    </cs:fontRef>
+  </cs:plotArea3D>
+  <cs:seriesAxis>
+    <cs:lnRef idx="0"/>
+    <cs:fillRef idx="0"/>
+    <cs:effectRef idx="0"/>
+    <cs:fontRef idx="minor">
+      <a:schemeClr val="tx1">
+        <a:lumMod val="65000"/>
+        <a:lumOff val="35000"/>
+      </a:schemeClr>
+    </cs:fontRef>
+    <cs:spPr>
+      <a:ln w="9525" cap="flat" cmpd="sng" algn="ctr">
+        <a:solidFill>
+          <a:schemeClr val="tx1">
+            <a:lumMod val="15000"/>
+            <a:lumOff val="85000"/>
+          </a:schemeClr>
+        </a:solidFill>
+        <a:round/>
+      </a:ln>
+    </cs:spPr>
+    <cs:defRPr sz="900"/>
+  </cs:seriesAxis>
+  <cs:seriesLine>
+    <cs:lnRef idx="0"/>
+    <cs:fillRef idx="0"/>
+    <cs:effectRef idx="0"/>
+    <cs:fontRef idx="minor">
+      <a:schemeClr val="tx1"/>
+    </cs:fontRef>
+    <cs:spPr>
+      <a:ln w="9525" cap="flat">
+        <a:solidFill>
+          <a:srgbClr val="D9D9D9"/>
+        </a:solidFill>
+        <a:round/>
+      </a:ln>
+    </cs:spPr>
+  </cs:seriesLine>
+  <cs:title>
+    <cs:lnRef idx="0"/>
+    <cs:fillRef idx="0"/>
+    <cs:effectRef idx="0"/>
+    <cs:fontRef idx="minor">
+      <a:schemeClr val="tx1">
+        <a:lumMod val="65000"/>
+        <a:lumOff val="35000"/>
+      </a:schemeClr>
+    </cs:fontRef>
+    <cs:defRPr sz="1400"/>
+  </cs:title>
+  <cs:trendline>
+    <cs:lnRef idx="0">
+      <cs:styleClr val="auto"/>
+    </cs:lnRef>
+    <cs:fillRef idx="0"/>
+    <cs:effectRef idx="0"/>
+    <cs:fontRef idx="minor">
+      <a:schemeClr val="tx1"/>
+    </cs:fontRef>
+    <cs:spPr>
+      <a:ln w="19050" cap="rnd">
+        <a:solidFill>
+          <a:schemeClr val="phClr"/>
+        </a:solidFill>
+        <a:prstDash val="sysDash"/>
+      </a:ln>
+    </cs:spPr>
+  </cs:trendline>
+  <cs:trendlineLabel>
+    <cs:lnRef idx="0"/>
+    <cs:fillRef idx="0"/>
+    <cs:effectRef idx="0"/>
+    <cs:fontRef idx="minor">
+      <a:schemeClr val="tx1">
+        <a:lumMod val="65000"/>
+        <a:lumOff val="35000"/>
+      </a:schemeClr>
+    </cs:fontRef>
+    <cs:defRPr sz="900"/>
+  </cs:trendlineLabel>
+  <cs:upBar>
+    <cs:lnRef idx="0"/>
+    <cs:fillRef idx="0"/>
+    <cs:effectRef idx="0"/>
+    <cs:fontRef idx="minor">
+      <a:schemeClr val="dk1"/>
+    </cs:fontRef>
+    <cs:spPr>
+      <a:solidFill>
+        <a:schemeClr val="lt1"/>
+      </a:solidFill>
+      <a:ln w="9525">
+        <a:solidFill>
+          <a:schemeClr val="tx1">
+            <a:lumMod val="15000"/>
+            <a:lumOff val="85000"/>
+          </a:schemeClr>
+        </a:solidFill>
+      </a:ln>
+    </cs:spPr>
+  </cs:upBar>
+  <cs:valueAxis>
+    <cs:lnRef idx="0"/>
+    <cs:fillRef idx="0"/>
+    <cs:effectRef idx="0"/>
+    <cs:fontRef idx="minor">
+      <a:schemeClr val="tx1">
+        <a:lumMod val="65000"/>
+        <a:lumOff val="35000"/>
+      </a:schemeClr>
+    </cs:fontRef>
+    <cs:defRPr sz="900"/>
+  </cs:valueAxis>
+  <cs:wall>
+    <cs:lnRef idx="0"/>
+    <cs:fillRef idx="0"/>
+    <cs:effectRef idx="0"/>
+    <cs:fontRef idx="minor">
+      <a:schemeClr val="tx1"/>
+    </cs:fontRef>
+  </cs:wall>
+</cs:chartStyle>
+</file>
+
 <file path=ppt/slideLayouts/slideLayout1.xml><?xml version="1.0" encoding="utf-8"?>
 <p:sldLayout xmlns:a="http://schemas.openxmlformats.org/drawingml/2006/main" xmlns:r="http://schemas.openxmlformats.org/officeDocument/2006/relationships" xmlns:p="http://schemas.openxmlformats.org/presentationml/2006/main" type="title" preserve="1">
   <p:cSld name="제목 슬라이드">
@@ -253,7 +1291,7 @@
           <a:p>
             <a:fld id="{DA947F9B-2433-B749-B0DA-3E7DA647CD42}" type="datetimeFigureOut">
               <a:rPr kumimoji="1" lang="ko-Kore-KR" altLang="en-US" smtClean="0"/>
-              <a:t>4/23/21</a:t>
+              <a:t>6/10/21</a:t>
             </a:fld>
             <a:endParaRPr kumimoji="1" lang="ko-Kore-KR" altLang="en-US"/>
           </a:p>
@@ -423,7 +1461,7 @@
           <a:p>
             <a:fld id="{DA947F9B-2433-B749-B0DA-3E7DA647CD42}" type="datetimeFigureOut">
               <a:rPr kumimoji="1" lang="ko-Kore-KR" altLang="en-US" smtClean="0"/>
-              <a:t>4/23/21</a:t>
+              <a:t>6/10/21</a:t>
             </a:fld>
             <a:endParaRPr kumimoji="1" lang="ko-Kore-KR" altLang="en-US"/>
           </a:p>
@@ -603,7 +1641,7 @@
           <a:p>
             <a:fld id="{DA947F9B-2433-B749-B0DA-3E7DA647CD42}" type="datetimeFigureOut">
               <a:rPr kumimoji="1" lang="ko-Kore-KR" altLang="en-US" smtClean="0"/>
-              <a:t>4/23/21</a:t>
+              <a:t>6/10/21</a:t>
             </a:fld>
             <a:endParaRPr kumimoji="1" lang="ko-Kore-KR" altLang="en-US"/>
           </a:p>
@@ -773,7 +1811,7 @@
           <a:p>
             <a:fld id="{DA947F9B-2433-B749-B0DA-3E7DA647CD42}" type="datetimeFigureOut">
               <a:rPr kumimoji="1" lang="ko-Kore-KR" altLang="en-US" smtClean="0"/>
-              <a:t>4/23/21</a:t>
+              <a:t>6/10/21</a:t>
             </a:fld>
             <a:endParaRPr kumimoji="1" lang="ko-Kore-KR" altLang="en-US"/>
           </a:p>
@@ -1019,7 +2057,7 @@
           <a:p>
             <a:fld id="{DA947F9B-2433-B749-B0DA-3E7DA647CD42}" type="datetimeFigureOut">
               <a:rPr kumimoji="1" lang="ko-Kore-KR" altLang="en-US" smtClean="0"/>
-              <a:t>4/23/21</a:t>
+              <a:t>6/10/21</a:t>
             </a:fld>
             <a:endParaRPr kumimoji="1" lang="ko-Kore-KR" altLang="en-US"/>
           </a:p>
@@ -1251,7 +2289,7 @@
           <a:p>
             <a:fld id="{DA947F9B-2433-B749-B0DA-3E7DA647CD42}" type="datetimeFigureOut">
               <a:rPr kumimoji="1" lang="ko-Kore-KR" altLang="en-US" smtClean="0"/>
-              <a:t>4/23/21</a:t>
+              <a:t>6/10/21</a:t>
             </a:fld>
             <a:endParaRPr kumimoji="1" lang="ko-Kore-KR" altLang="en-US"/>
           </a:p>
@@ -1618,7 +2656,7 @@
           <a:p>
             <a:fld id="{DA947F9B-2433-B749-B0DA-3E7DA647CD42}" type="datetimeFigureOut">
               <a:rPr kumimoji="1" lang="ko-Kore-KR" altLang="en-US" smtClean="0"/>
-              <a:t>4/23/21</a:t>
+              <a:t>6/10/21</a:t>
             </a:fld>
             <a:endParaRPr kumimoji="1" lang="ko-Kore-KR" altLang="en-US"/>
           </a:p>
@@ -1736,7 +2774,7 @@
           <a:p>
             <a:fld id="{DA947F9B-2433-B749-B0DA-3E7DA647CD42}" type="datetimeFigureOut">
               <a:rPr kumimoji="1" lang="ko-Kore-KR" altLang="en-US" smtClean="0"/>
-              <a:t>4/23/21</a:t>
+              <a:t>6/10/21</a:t>
             </a:fld>
             <a:endParaRPr kumimoji="1" lang="ko-Kore-KR" altLang="en-US"/>
           </a:p>
@@ -1831,7 +2869,7 @@
           <a:p>
             <a:fld id="{DA947F9B-2433-B749-B0DA-3E7DA647CD42}" type="datetimeFigureOut">
               <a:rPr kumimoji="1" lang="ko-Kore-KR" altLang="en-US" smtClean="0"/>
-              <a:t>4/23/21</a:t>
+              <a:t>6/10/21</a:t>
             </a:fld>
             <a:endParaRPr kumimoji="1" lang="ko-Kore-KR" altLang="en-US"/>
           </a:p>
@@ -2108,7 +3146,7 @@
           <a:p>
             <a:fld id="{DA947F9B-2433-B749-B0DA-3E7DA647CD42}" type="datetimeFigureOut">
               <a:rPr kumimoji="1" lang="ko-Kore-KR" altLang="en-US" smtClean="0"/>
-              <a:t>4/23/21</a:t>
+              <a:t>6/10/21</a:t>
             </a:fld>
             <a:endParaRPr kumimoji="1" lang="ko-Kore-KR" altLang="en-US"/>
           </a:p>
@@ -2365,7 +3403,7 @@
           <a:p>
             <a:fld id="{DA947F9B-2433-B749-B0DA-3E7DA647CD42}" type="datetimeFigureOut">
               <a:rPr kumimoji="1" lang="ko-Kore-KR" altLang="en-US" smtClean="0"/>
-              <a:t>4/23/21</a:t>
+              <a:t>6/10/21</a:t>
             </a:fld>
             <a:endParaRPr kumimoji="1" lang="ko-Kore-KR" altLang="en-US"/>
           </a:p>
@@ -2578,7 +3616,7 @@
           <a:p>
             <a:fld id="{DA947F9B-2433-B749-B0DA-3E7DA647CD42}" type="datetimeFigureOut">
               <a:rPr kumimoji="1" lang="ko-Kore-KR" altLang="en-US" smtClean="0"/>
-              <a:t>4/23/21</a:t>
+              <a:t>6/10/21</a:t>
             </a:fld>
             <a:endParaRPr kumimoji="1" lang="ko-Kore-KR" altLang="en-US"/>
           </a:p>
@@ -6460,6 +7498,2133 @@
 </p:sld>
 </file>
 
+<file path=ppt/slides/slide12.xml><?xml version="1.0" encoding="utf-8"?>
+<p:sld xmlns:a="http://schemas.openxmlformats.org/drawingml/2006/main" xmlns:r="http://schemas.openxmlformats.org/officeDocument/2006/relationships" xmlns:p="http://schemas.openxmlformats.org/presentationml/2006/main">
+  <p:cSld>
+    <p:spTree>
+      <p:nvGrpSpPr>
+        <p:cNvPr id="1" name=""/>
+        <p:cNvGrpSpPr/>
+        <p:nvPr/>
+      </p:nvGrpSpPr>
+      <p:grpSpPr>
+        <a:xfrm>
+          <a:off x="0" y="0"/>
+          <a:ext cx="0" cy="0"/>
+          <a:chOff x="0" y="0"/>
+          <a:chExt cx="0" cy="0"/>
+        </a:xfrm>
+      </p:grpSpPr>
+      <p:sp>
+        <p:nvSpPr>
+          <p:cNvPr id="12" name="모서리가 둥근 직사각형 11">
+            <a:extLst>
+              <a:ext uri="{FF2B5EF4-FFF2-40B4-BE49-F238E27FC236}">
+                <a16:creationId xmlns:a16="http://schemas.microsoft.com/office/drawing/2014/main" id="{51BC490E-76CE-A54E-841B-E7ACE42FAB60}"/>
+              </a:ext>
+            </a:extLst>
+          </p:cNvPr>
+          <p:cNvSpPr/>
+          <p:nvPr/>
+        </p:nvSpPr>
+        <p:spPr>
+          <a:xfrm>
+            <a:off x="9135908" y="3469709"/>
+            <a:ext cx="2561841" cy="4504415"/>
+          </a:xfrm>
+          <a:prstGeom prst="roundRect">
+            <a:avLst/>
+          </a:prstGeom>
+          <a:solidFill>
+            <a:schemeClr val="bg1">
+              <a:lumMod val="95000"/>
+            </a:schemeClr>
+          </a:solidFill>
+          <a:ln>
+            <a:solidFill>
+              <a:schemeClr val="tx1"/>
+            </a:solidFill>
+          </a:ln>
+        </p:spPr>
+        <p:style>
+          <a:lnRef idx="2">
+            <a:schemeClr val="accent1">
+              <a:shade val="50000"/>
+            </a:schemeClr>
+          </a:lnRef>
+          <a:fillRef idx="1">
+            <a:schemeClr val="accent1"/>
+          </a:fillRef>
+          <a:effectRef idx="0">
+            <a:schemeClr val="accent1"/>
+          </a:effectRef>
+          <a:fontRef idx="minor">
+            <a:schemeClr val="lt1"/>
+          </a:fontRef>
+        </p:style>
+        <p:txBody>
+          <a:bodyPr rtlCol="0" anchor="ctr"/>
+          <a:lstStyle/>
+          <a:p>
+            <a:pPr algn="ctr"/>
+            <a:endParaRPr kumimoji="1" lang="ko-Kore-KR" altLang="en-US">
+              <a:latin typeface="Calisto MT" panose="02040603050505030304" pitchFamily="18" charset="0"/>
+              <a:cs typeface="Arial Hebrew" pitchFamily="2" charset="-79"/>
+            </a:endParaRPr>
+          </a:p>
+        </p:txBody>
+      </p:sp>
+      <p:sp>
+        <p:nvSpPr>
+          <p:cNvPr id="4" name="직사각형 3">
+            <a:extLst>
+              <a:ext uri="{FF2B5EF4-FFF2-40B4-BE49-F238E27FC236}">
+                <a16:creationId xmlns:a16="http://schemas.microsoft.com/office/drawing/2014/main" id="{7A41011B-CC9E-2542-9684-39A71EC23A32}"/>
+              </a:ext>
+            </a:extLst>
+          </p:cNvPr>
+          <p:cNvSpPr/>
+          <p:nvPr/>
+        </p:nvSpPr>
+        <p:spPr>
+          <a:xfrm>
+            <a:off x="9694057" y="3759667"/>
+            <a:ext cx="1442433" cy="443911"/>
+          </a:xfrm>
+          <a:prstGeom prst="rect">
+            <a:avLst/>
+          </a:prstGeom>
+          <a:solidFill>
+            <a:schemeClr val="bg1"/>
+          </a:solidFill>
+          <a:ln w="19050">
+            <a:solidFill>
+              <a:schemeClr val="tx1"/>
+            </a:solidFill>
+          </a:ln>
+        </p:spPr>
+        <p:style>
+          <a:lnRef idx="2">
+            <a:schemeClr val="accent1">
+              <a:shade val="50000"/>
+            </a:schemeClr>
+          </a:lnRef>
+          <a:fillRef idx="1">
+            <a:schemeClr val="accent1"/>
+          </a:fillRef>
+          <a:effectRef idx="0">
+            <a:schemeClr val="accent1"/>
+          </a:effectRef>
+          <a:fontRef idx="minor">
+            <a:schemeClr val="lt1"/>
+          </a:fontRef>
+        </p:style>
+        <p:txBody>
+          <a:bodyPr rtlCol="0" anchor="ctr"/>
+          <a:lstStyle/>
+          <a:p>
+            <a:pPr algn="ctr"/>
+            <a:r>
+              <a:rPr kumimoji="1" lang="en-US" altLang="en-US" sz="1300" dirty="0">
+                <a:solidFill>
+                  <a:schemeClr val="tx1"/>
+                </a:solidFill>
+                <a:latin typeface="Calisto MT" panose="02040603050505030304" pitchFamily="18" charset="0"/>
+                <a:ea typeface="Ayuthaya" pitchFamily="2" charset="-34"/>
+                <a:cs typeface="Arial Hebrew" pitchFamily="2" charset="-79"/>
+              </a:rPr>
+              <a:t>Model loading</a:t>
+            </a:r>
+            <a:endParaRPr kumimoji="1" lang="ko-Kore-KR" altLang="en-US" sz="1300" dirty="0">
+              <a:solidFill>
+                <a:schemeClr val="tx1"/>
+              </a:solidFill>
+              <a:latin typeface="Calisto MT" panose="02040603050505030304" pitchFamily="18" charset="0"/>
+              <a:cs typeface="Arial Hebrew" pitchFamily="2" charset="-79"/>
+            </a:endParaRPr>
+          </a:p>
+        </p:txBody>
+      </p:sp>
+      <p:sp>
+        <p:nvSpPr>
+          <p:cNvPr id="21" name="모서리가 둥근 직사각형 20">
+            <a:extLst>
+              <a:ext uri="{FF2B5EF4-FFF2-40B4-BE49-F238E27FC236}">
+                <a16:creationId xmlns:a16="http://schemas.microsoft.com/office/drawing/2014/main" id="{B9D9CE05-E540-F847-AD47-CA5494352AEC}"/>
+              </a:ext>
+            </a:extLst>
+          </p:cNvPr>
+          <p:cNvSpPr/>
+          <p:nvPr/>
+        </p:nvSpPr>
+        <p:spPr>
+          <a:xfrm>
+            <a:off x="13201409" y="3785413"/>
+            <a:ext cx="1001120" cy="386113"/>
+          </a:xfrm>
+          <a:prstGeom prst="roundRect">
+            <a:avLst/>
+          </a:prstGeom>
+          <a:solidFill>
+            <a:schemeClr val="bg1"/>
+          </a:solidFill>
+          <a:ln w="12700">
+            <a:solidFill>
+              <a:schemeClr val="tx1"/>
+            </a:solidFill>
+          </a:ln>
+        </p:spPr>
+        <p:style>
+          <a:lnRef idx="2">
+            <a:schemeClr val="accent1">
+              <a:shade val="50000"/>
+            </a:schemeClr>
+          </a:lnRef>
+          <a:fillRef idx="1">
+            <a:schemeClr val="accent1"/>
+          </a:fillRef>
+          <a:effectRef idx="0">
+            <a:schemeClr val="accent1"/>
+          </a:effectRef>
+          <a:fontRef idx="minor">
+            <a:schemeClr val="lt1"/>
+          </a:fontRef>
+        </p:style>
+        <p:txBody>
+          <a:bodyPr rtlCol="0" anchor="ctr"/>
+          <a:lstStyle/>
+          <a:p>
+            <a:pPr algn="ctr"/>
+            <a:r>
+              <a:rPr kumimoji="1" lang="en-US" altLang="ko-Kore-KR" sz="1100" dirty="0">
+                <a:solidFill>
+                  <a:schemeClr val="tx1"/>
+                </a:solidFill>
+                <a:latin typeface="Calisto MT" panose="02040603050505030304" pitchFamily="18" charset="0"/>
+                <a:ea typeface="Ayuthaya" pitchFamily="2" charset="-34"/>
+                <a:cs typeface="Arial Hebrew" pitchFamily="2" charset="-79"/>
+              </a:rPr>
+              <a:t>Trained Models</a:t>
+            </a:r>
+          </a:p>
+        </p:txBody>
+      </p:sp>
+      <p:sp>
+        <p:nvSpPr>
+          <p:cNvPr id="24" name="TextBox 23">
+            <a:extLst>
+              <a:ext uri="{FF2B5EF4-FFF2-40B4-BE49-F238E27FC236}">
+                <a16:creationId xmlns:a16="http://schemas.microsoft.com/office/drawing/2014/main" id="{08E0A817-D817-744B-A70A-E3287B6ED261}"/>
+              </a:ext>
+            </a:extLst>
+          </p:cNvPr>
+          <p:cNvSpPr txBox="1"/>
+          <p:nvPr/>
+        </p:nvSpPr>
+        <p:spPr>
+          <a:xfrm>
+            <a:off x="11882904" y="3988941"/>
+            <a:ext cx="1132041" cy="400110"/>
+          </a:xfrm>
+          <a:prstGeom prst="rect">
+            <a:avLst/>
+          </a:prstGeom>
+          <a:noFill/>
+        </p:spPr>
+        <p:txBody>
+          <a:bodyPr wrap="none" rtlCol="0">
+            <a:spAutoFit/>
+          </a:bodyPr>
+          <a:lstStyle/>
+          <a:p>
+            <a:r>
+              <a:rPr kumimoji="1" lang="en-US" altLang="ko-Kore-KR" sz="1000" dirty="0" err="1">
+                <a:latin typeface="Calisto MT" panose="02040603050505030304" pitchFamily="18" charset="0"/>
+                <a:ea typeface="Ayuthaya" pitchFamily="2" charset="-34"/>
+                <a:cs typeface="Arial Hebrew" pitchFamily="2" charset="-79"/>
+              </a:rPr>
+              <a:t>model_vCPU.pkl</a:t>
+            </a:r>
+            <a:endParaRPr kumimoji="1" lang="en-US" altLang="ko-Kore-KR" sz="1000" dirty="0">
+              <a:latin typeface="Calisto MT" panose="02040603050505030304" pitchFamily="18" charset="0"/>
+              <a:ea typeface="Ayuthaya" pitchFamily="2" charset="-34"/>
+              <a:cs typeface="Arial Hebrew" pitchFamily="2" charset="-79"/>
+            </a:endParaRPr>
+          </a:p>
+          <a:p>
+            <a:r>
+              <a:rPr kumimoji="1" lang="en-US" altLang="ko-Kore-KR" sz="1000" dirty="0" err="1">
+                <a:latin typeface="Calisto MT" panose="02040603050505030304" pitchFamily="18" charset="0"/>
+                <a:ea typeface="Ayuthaya" pitchFamily="2" charset="-34"/>
+                <a:cs typeface="Arial Hebrew" pitchFamily="2" charset="-79"/>
+              </a:rPr>
+              <a:t>model_SLO.pkl</a:t>
+            </a:r>
+            <a:endParaRPr kumimoji="1" lang="ko-Kore-KR" altLang="en-US" sz="1000">
+              <a:latin typeface="Calisto MT" panose="02040603050505030304" pitchFamily="18" charset="0"/>
+              <a:cs typeface="Arial Hebrew" pitchFamily="2" charset="-79"/>
+            </a:endParaRPr>
+          </a:p>
+        </p:txBody>
+      </p:sp>
+      <p:sp>
+        <p:nvSpPr>
+          <p:cNvPr id="36" name="TextBox 35">
+            <a:extLst>
+              <a:ext uri="{FF2B5EF4-FFF2-40B4-BE49-F238E27FC236}">
+                <a16:creationId xmlns:a16="http://schemas.microsoft.com/office/drawing/2014/main" id="{AF93ABC5-12E5-8843-8C40-8CE544EEC556}"/>
+              </a:ext>
+            </a:extLst>
+          </p:cNvPr>
+          <p:cNvSpPr txBox="1"/>
+          <p:nvPr/>
+        </p:nvSpPr>
+        <p:spPr>
+          <a:xfrm>
+            <a:off x="9634450" y="3066503"/>
+            <a:ext cx="1561646" cy="400110"/>
+          </a:xfrm>
+          <a:prstGeom prst="rect">
+            <a:avLst/>
+          </a:prstGeom>
+          <a:noFill/>
+        </p:spPr>
+        <p:txBody>
+          <a:bodyPr wrap="none" rtlCol="0">
+            <a:spAutoFit/>
+          </a:bodyPr>
+          <a:lstStyle/>
+          <a:p>
+            <a:pPr algn="ctr"/>
+            <a:r>
+              <a:rPr kumimoji="1" lang="en-US" altLang="ko-Kore-KR" sz="2000" b="1" dirty="0">
+                <a:latin typeface="Calisto MT" panose="02040603050505030304" pitchFamily="18" charset="0"/>
+                <a:ea typeface="Ayuthaya" pitchFamily="2" charset="-34"/>
+                <a:cs typeface="Arial Hebrew" pitchFamily="2" charset="-79"/>
+              </a:rPr>
+              <a:t>ICV module</a:t>
+            </a:r>
+            <a:endParaRPr kumimoji="1" lang="ko-Kore-KR" altLang="en-US" sz="2000" b="1" dirty="0">
+              <a:latin typeface="Calisto MT" panose="02040603050505030304" pitchFamily="18" charset="0"/>
+              <a:cs typeface="Arial Hebrew" pitchFamily="2" charset="-79"/>
+            </a:endParaRPr>
+          </a:p>
+        </p:txBody>
+      </p:sp>
+      <p:sp>
+        <p:nvSpPr>
+          <p:cNvPr id="50" name="모서리가 둥근 직사각형 49">
+            <a:extLst>
+              <a:ext uri="{FF2B5EF4-FFF2-40B4-BE49-F238E27FC236}">
+                <a16:creationId xmlns:a16="http://schemas.microsoft.com/office/drawing/2014/main" id="{4A961851-6F0C-7349-9E68-3BCC43606261}"/>
+              </a:ext>
+            </a:extLst>
+          </p:cNvPr>
+          <p:cNvSpPr/>
+          <p:nvPr/>
+        </p:nvSpPr>
+        <p:spPr>
+          <a:xfrm>
+            <a:off x="13201409" y="7605334"/>
+            <a:ext cx="1001120" cy="368791"/>
+          </a:xfrm>
+          <a:prstGeom prst="roundRect">
+            <a:avLst/>
+          </a:prstGeom>
+          <a:solidFill>
+            <a:schemeClr val="bg1"/>
+          </a:solidFill>
+          <a:ln w="12700">
+            <a:solidFill>
+              <a:schemeClr val="tx1"/>
+            </a:solidFill>
+          </a:ln>
+        </p:spPr>
+        <p:style>
+          <a:lnRef idx="2">
+            <a:schemeClr val="accent1">
+              <a:shade val="50000"/>
+            </a:schemeClr>
+          </a:lnRef>
+          <a:fillRef idx="1">
+            <a:schemeClr val="accent1"/>
+          </a:fillRef>
+          <a:effectRef idx="0">
+            <a:schemeClr val="accent1"/>
+          </a:effectRef>
+          <a:fontRef idx="minor">
+            <a:schemeClr val="lt1"/>
+          </a:fontRef>
+        </p:style>
+        <p:txBody>
+          <a:bodyPr rtlCol="0" anchor="ctr"/>
+          <a:lstStyle/>
+          <a:p>
+            <a:pPr algn="ctr"/>
+            <a:r>
+              <a:rPr kumimoji="1" lang="en-US" altLang="ko-Kore-KR" sz="1100" dirty="0" err="1">
+                <a:solidFill>
+                  <a:schemeClr val="tx1"/>
+                </a:solidFill>
+                <a:latin typeface="Calisto MT" panose="02040603050505030304" pitchFamily="18" charset="0"/>
+                <a:ea typeface="Ayuthaya" pitchFamily="2" charset="-34"/>
+                <a:cs typeface="Arial Hebrew" pitchFamily="2" charset="-79"/>
+              </a:rPr>
+              <a:t>cGroups</a:t>
+            </a:r>
+            <a:endParaRPr kumimoji="1" lang="ko-Kore-KR" altLang="en-US" sz="1100" dirty="0">
+              <a:solidFill>
+                <a:schemeClr val="tx1"/>
+              </a:solidFill>
+              <a:latin typeface="Calisto MT" panose="02040603050505030304" pitchFamily="18" charset="0"/>
+              <a:cs typeface="Arial Hebrew" pitchFamily="2" charset="-79"/>
+            </a:endParaRPr>
+          </a:p>
+        </p:txBody>
+      </p:sp>
+      <p:sp>
+        <p:nvSpPr>
+          <p:cNvPr id="52" name="TextBox 51">
+            <a:extLst>
+              <a:ext uri="{FF2B5EF4-FFF2-40B4-BE49-F238E27FC236}">
+                <a16:creationId xmlns:a16="http://schemas.microsoft.com/office/drawing/2014/main" id="{D20EB163-A8B8-584D-8638-59CFEA1F1502}"/>
+              </a:ext>
+            </a:extLst>
+          </p:cNvPr>
+          <p:cNvSpPr txBox="1"/>
+          <p:nvPr/>
+        </p:nvSpPr>
+        <p:spPr>
+          <a:xfrm>
+            <a:off x="11817866" y="7559239"/>
+            <a:ext cx="1173719" cy="230832"/>
+          </a:xfrm>
+          <a:prstGeom prst="rect">
+            <a:avLst/>
+          </a:prstGeom>
+          <a:noFill/>
+        </p:spPr>
+        <p:txBody>
+          <a:bodyPr wrap="none" rtlCol="0">
+            <a:spAutoFit/>
+          </a:bodyPr>
+          <a:lstStyle/>
+          <a:p>
+            <a:pPr algn="ctr"/>
+            <a:r>
+              <a:rPr kumimoji="1" lang="en-US" altLang="ko-Kore-KR" sz="900" dirty="0">
+                <a:latin typeface="Calisto MT" panose="02040603050505030304" pitchFamily="18" charset="0"/>
+                <a:ea typeface="Ayuthaya" pitchFamily="2" charset="-34"/>
+                <a:cs typeface="Arial Hebrew" pitchFamily="2" charset="-79"/>
+              </a:rPr>
+              <a:t>Optimal CPU quota</a:t>
+            </a:r>
+          </a:p>
+        </p:txBody>
+      </p:sp>
+      <p:cxnSp>
+        <p:nvCxnSpPr>
+          <p:cNvPr id="35" name="직선 화살표 연결선 34">
+            <a:extLst>
+              <a:ext uri="{FF2B5EF4-FFF2-40B4-BE49-F238E27FC236}">
+                <a16:creationId xmlns:a16="http://schemas.microsoft.com/office/drawing/2014/main" id="{BF7561F5-3FD2-A646-AE31-1F23DD63824D}"/>
+              </a:ext>
+            </a:extLst>
+          </p:cNvPr>
+          <p:cNvCxnSpPr>
+            <a:cxnSpLocks/>
+            <a:stCxn id="4" idx="2"/>
+            <a:endCxn id="37" idx="0"/>
+          </p:cNvCxnSpPr>
+          <p:nvPr/>
+        </p:nvCxnSpPr>
+        <p:spPr>
+          <a:xfrm>
+            <a:off x="10415274" y="4203578"/>
+            <a:ext cx="33" cy="279038"/>
+          </a:xfrm>
+          <a:prstGeom prst="straightConnector1">
+            <a:avLst/>
+          </a:prstGeom>
+          <a:ln w="12700">
+            <a:solidFill>
+              <a:schemeClr val="tx1"/>
+            </a:solidFill>
+            <a:tailEnd type="triangle"/>
+          </a:ln>
+        </p:spPr>
+        <p:style>
+          <a:lnRef idx="1">
+            <a:schemeClr val="accent1"/>
+          </a:lnRef>
+          <a:fillRef idx="0">
+            <a:schemeClr val="accent1"/>
+          </a:fillRef>
+          <a:effectRef idx="0">
+            <a:schemeClr val="accent1"/>
+          </a:effectRef>
+          <a:fontRef idx="minor">
+            <a:schemeClr val="tx1"/>
+          </a:fontRef>
+        </p:style>
+      </p:cxnSp>
+      <p:sp>
+        <p:nvSpPr>
+          <p:cNvPr id="15" name="TextBox 14">
+            <a:extLst>
+              <a:ext uri="{FF2B5EF4-FFF2-40B4-BE49-F238E27FC236}">
+                <a16:creationId xmlns:a16="http://schemas.microsoft.com/office/drawing/2014/main" id="{90081CF4-7643-524F-9311-86D785AA884A}"/>
+              </a:ext>
+            </a:extLst>
+          </p:cNvPr>
+          <p:cNvSpPr txBox="1"/>
+          <p:nvPr/>
+        </p:nvSpPr>
+        <p:spPr>
+          <a:xfrm>
+            <a:off x="12404726" y="2770982"/>
+            <a:ext cx="184731" cy="563359"/>
+          </a:xfrm>
+          <a:prstGeom prst="rect">
+            <a:avLst/>
+          </a:prstGeom>
+          <a:noFill/>
+        </p:spPr>
+        <p:txBody>
+          <a:bodyPr wrap="none" rtlCol="0">
+            <a:spAutoFit/>
+          </a:bodyPr>
+          <a:lstStyle/>
+          <a:p>
+            <a:endParaRPr kumimoji="1" lang="ko-KR" altLang="en-US" dirty="0"/>
+          </a:p>
+        </p:txBody>
+      </p:sp>
+      <p:sp>
+        <p:nvSpPr>
+          <p:cNvPr id="37" name="모서리가 둥근 직사각형 36">
+            <a:extLst>
+              <a:ext uri="{FF2B5EF4-FFF2-40B4-BE49-F238E27FC236}">
+                <a16:creationId xmlns:a16="http://schemas.microsoft.com/office/drawing/2014/main" id="{154803BF-6733-1243-AE6B-FB80D95C37ED}"/>
+              </a:ext>
+            </a:extLst>
+          </p:cNvPr>
+          <p:cNvSpPr/>
+          <p:nvPr/>
+        </p:nvSpPr>
+        <p:spPr>
+          <a:xfrm>
+            <a:off x="9294725" y="4482616"/>
+            <a:ext cx="2241164" cy="3166930"/>
+          </a:xfrm>
+          <a:prstGeom prst="roundRect">
+            <a:avLst/>
+          </a:prstGeom>
+          <a:solidFill>
+            <a:schemeClr val="bg1"/>
+          </a:solidFill>
+          <a:ln w="19050">
+            <a:solidFill>
+              <a:srgbClr val="0070C0"/>
+            </a:solidFill>
+          </a:ln>
+        </p:spPr>
+        <p:style>
+          <a:lnRef idx="2">
+            <a:schemeClr val="accent1">
+              <a:shade val="50000"/>
+            </a:schemeClr>
+          </a:lnRef>
+          <a:fillRef idx="1">
+            <a:schemeClr val="accent1"/>
+          </a:fillRef>
+          <a:effectRef idx="0">
+            <a:schemeClr val="accent1"/>
+          </a:effectRef>
+          <a:fontRef idx="minor">
+            <a:schemeClr val="lt1"/>
+          </a:fontRef>
+        </p:style>
+        <p:txBody>
+          <a:bodyPr rtlCol="0" anchor="ctr"/>
+          <a:lstStyle/>
+          <a:p>
+            <a:pPr algn="ctr"/>
+            <a:endParaRPr kumimoji="1" lang="ko-Kore-KR" altLang="en-US">
+              <a:latin typeface="Calisto MT" panose="02040603050505030304" pitchFamily="18" charset="0"/>
+              <a:cs typeface="Arial Hebrew" pitchFamily="2" charset="-79"/>
+            </a:endParaRPr>
+          </a:p>
+        </p:txBody>
+      </p:sp>
+      <p:sp>
+        <p:nvSpPr>
+          <p:cNvPr id="17" name="TextBox 16">
+            <a:extLst>
+              <a:ext uri="{FF2B5EF4-FFF2-40B4-BE49-F238E27FC236}">
+                <a16:creationId xmlns:a16="http://schemas.microsoft.com/office/drawing/2014/main" id="{A701FBB1-4E05-9F48-B33B-D7720F812BC5}"/>
+              </a:ext>
+            </a:extLst>
+          </p:cNvPr>
+          <p:cNvSpPr txBox="1"/>
+          <p:nvPr/>
+        </p:nvSpPr>
+        <p:spPr>
+          <a:xfrm>
+            <a:off x="9701164" y="4520194"/>
+            <a:ext cx="1442433" cy="292388"/>
+          </a:xfrm>
+          <a:prstGeom prst="rect">
+            <a:avLst/>
+          </a:prstGeom>
+          <a:solidFill>
+            <a:schemeClr val="bg1"/>
+          </a:solidFill>
+        </p:spPr>
+        <p:txBody>
+          <a:bodyPr wrap="square" rtlCol="0">
+            <a:spAutoFit/>
+          </a:bodyPr>
+          <a:lstStyle/>
+          <a:p>
+            <a:pPr algn="ctr"/>
+            <a:r>
+              <a:rPr kumimoji="1" lang="en-US" altLang="en-US" sz="1300" dirty="0">
+                <a:latin typeface="Calisto MT" panose="02040603050505030304" pitchFamily="18" charset="0"/>
+                <a:ea typeface="Ayuthaya" pitchFamily="2" charset="-34"/>
+                <a:cs typeface="Arial Hebrew" pitchFamily="2" charset="-79"/>
+              </a:rPr>
+              <a:t>Inference Engine</a:t>
+            </a:r>
+            <a:endParaRPr kumimoji="1" lang="ko-Kore-KR" altLang="en-US" sz="1300">
+              <a:latin typeface="Calisto MT" panose="02040603050505030304" pitchFamily="18" charset="0"/>
+              <a:cs typeface="Arial Hebrew" pitchFamily="2" charset="-79"/>
+            </a:endParaRPr>
+          </a:p>
+        </p:txBody>
+      </p:sp>
+      <p:sp>
+        <p:nvSpPr>
+          <p:cNvPr id="44" name="직사각형 43">
+            <a:extLst>
+              <a:ext uri="{FF2B5EF4-FFF2-40B4-BE49-F238E27FC236}">
+                <a16:creationId xmlns:a16="http://schemas.microsoft.com/office/drawing/2014/main" id="{E2F648E3-01B0-B741-9AD5-AAFA62696D88}"/>
+              </a:ext>
+            </a:extLst>
+          </p:cNvPr>
+          <p:cNvSpPr/>
+          <p:nvPr/>
+        </p:nvSpPr>
+        <p:spPr>
+          <a:xfrm>
+            <a:off x="9486336" y="4938873"/>
+            <a:ext cx="1863587" cy="2484954"/>
+          </a:xfrm>
+          <a:prstGeom prst="rect">
+            <a:avLst/>
+          </a:prstGeom>
+          <a:noFill/>
+          <a:ln w="15875">
+            <a:solidFill>
+              <a:schemeClr val="tx1"/>
+            </a:solidFill>
+          </a:ln>
+        </p:spPr>
+        <p:style>
+          <a:lnRef idx="2">
+            <a:schemeClr val="accent1">
+              <a:shade val="50000"/>
+            </a:schemeClr>
+          </a:lnRef>
+          <a:fillRef idx="1">
+            <a:schemeClr val="accent1"/>
+          </a:fillRef>
+          <a:effectRef idx="0">
+            <a:schemeClr val="accent1"/>
+          </a:effectRef>
+          <a:fontRef idx="minor">
+            <a:schemeClr val="lt1"/>
+          </a:fontRef>
+        </p:style>
+        <p:txBody>
+          <a:bodyPr rtlCol="0" anchor="ctr"/>
+          <a:lstStyle/>
+          <a:p>
+            <a:pPr algn="ctr"/>
+            <a:endParaRPr kumimoji="1" lang="en-US" altLang="en-US" sz="900" dirty="0">
+              <a:solidFill>
+                <a:schemeClr val="tx1"/>
+              </a:solidFill>
+              <a:latin typeface="Calisto MT" panose="02040603050505030304" pitchFamily="18" charset="0"/>
+              <a:ea typeface="Ayuthaya" pitchFamily="2" charset="-34"/>
+              <a:cs typeface="Arial Hebrew" pitchFamily="2" charset="-79"/>
+            </a:endParaRPr>
+          </a:p>
+        </p:txBody>
+      </p:sp>
+      <p:cxnSp>
+        <p:nvCxnSpPr>
+          <p:cNvPr id="23" name="직선 화살표 연결선 22">
+            <a:extLst>
+              <a:ext uri="{FF2B5EF4-FFF2-40B4-BE49-F238E27FC236}">
+                <a16:creationId xmlns:a16="http://schemas.microsoft.com/office/drawing/2014/main" id="{4A1E3BE7-DC0B-994C-BDAD-EBBCBC38A768}"/>
+              </a:ext>
+            </a:extLst>
+          </p:cNvPr>
+          <p:cNvCxnSpPr>
+            <a:cxnSpLocks/>
+            <a:stCxn id="21" idx="1"/>
+            <a:endCxn id="4" idx="3"/>
+          </p:cNvCxnSpPr>
+          <p:nvPr/>
+        </p:nvCxnSpPr>
+        <p:spPr>
+          <a:xfrm flipH="1">
+            <a:off x="11136490" y="3978470"/>
+            <a:ext cx="2064919" cy="3153"/>
+          </a:xfrm>
+          <a:prstGeom prst="straightConnector1">
+            <a:avLst/>
+          </a:prstGeom>
+          <a:ln w="12700">
+            <a:solidFill>
+              <a:schemeClr val="tx1"/>
+            </a:solidFill>
+            <a:tailEnd type="triangle"/>
+          </a:ln>
+        </p:spPr>
+        <p:style>
+          <a:lnRef idx="1">
+            <a:schemeClr val="accent1"/>
+          </a:lnRef>
+          <a:fillRef idx="0">
+            <a:schemeClr val="accent1"/>
+          </a:fillRef>
+          <a:effectRef idx="0">
+            <a:schemeClr val="accent1"/>
+          </a:effectRef>
+          <a:fontRef idx="minor">
+            <a:schemeClr val="tx1"/>
+          </a:fontRef>
+        </p:style>
+      </p:cxnSp>
+      <p:cxnSp>
+        <p:nvCxnSpPr>
+          <p:cNvPr id="51" name="직선 화살표 연결선 50">
+            <a:extLst>
+              <a:ext uri="{FF2B5EF4-FFF2-40B4-BE49-F238E27FC236}">
+                <a16:creationId xmlns:a16="http://schemas.microsoft.com/office/drawing/2014/main" id="{F9388229-C653-E640-A96C-D374BABBE76A}"/>
+              </a:ext>
+            </a:extLst>
+          </p:cNvPr>
+          <p:cNvCxnSpPr>
+            <a:cxnSpLocks/>
+            <a:stCxn id="40" idx="1"/>
+            <a:endCxn id="78" idx="3"/>
+          </p:cNvCxnSpPr>
+          <p:nvPr/>
+        </p:nvCxnSpPr>
+        <p:spPr>
+          <a:xfrm flipH="1" flipV="1">
+            <a:off x="10726320" y="5437208"/>
+            <a:ext cx="2393892" cy="23040"/>
+          </a:xfrm>
+          <a:prstGeom prst="straightConnector1">
+            <a:avLst/>
+          </a:prstGeom>
+          <a:ln w="12700">
+            <a:solidFill>
+              <a:schemeClr val="tx1"/>
+            </a:solidFill>
+            <a:tailEnd type="triangle"/>
+          </a:ln>
+        </p:spPr>
+        <p:style>
+          <a:lnRef idx="1">
+            <a:schemeClr val="accent1"/>
+          </a:lnRef>
+          <a:fillRef idx="0">
+            <a:schemeClr val="accent1"/>
+          </a:fillRef>
+          <a:effectRef idx="0">
+            <a:schemeClr val="accent1"/>
+          </a:effectRef>
+          <a:fontRef idx="minor">
+            <a:schemeClr val="tx1"/>
+          </a:fontRef>
+        </p:style>
+      </p:cxnSp>
+      <p:sp>
+        <p:nvSpPr>
+          <p:cNvPr id="53" name="TextBox 52">
+            <a:extLst>
+              <a:ext uri="{FF2B5EF4-FFF2-40B4-BE49-F238E27FC236}">
+                <a16:creationId xmlns:a16="http://schemas.microsoft.com/office/drawing/2014/main" id="{5455C4C7-FB9C-1C46-822E-44C345E220DA}"/>
+              </a:ext>
+            </a:extLst>
+          </p:cNvPr>
+          <p:cNvSpPr txBox="1"/>
+          <p:nvPr/>
+        </p:nvSpPr>
+        <p:spPr>
+          <a:xfrm>
+            <a:off x="11774985" y="5442800"/>
+            <a:ext cx="1178528" cy="400110"/>
+          </a:xfrm>
+          <a:prstGeom prst="rect">
+            <a:avLst/>
+          </a:prstGeom>
+          <a:noFill/>
+        </p:spPr>
+        <p:txBody>
+          <a:bodyPr wrap="none" rtlCol="0">
+            <a:spAutoFit/>
+          </a:bodyPr>
+          <a:lstStyle/>
+          <a:p>
+            <a:pPr algn="ctr"/>
+            <a:r>
+              <a:rPr kumimoji="1" lang="en-US" altLang="en-US" sz="1000" dirty="0">
+                <a:latin typeface="Calisto MT" panose="02040603050505030304" pitchFamily="18" charset="0"/>
+                <a:ea typeface="Ayuthaya" pitchFamily="2" charset="-34"/>
+                <a:cs typeface="Arial Hebrew" pitchFamily="2" charset="-79"/>
+              </a:rPr>
+              <a:t>Data</a:t>
+            </a:r>
+          </a:p>
+          <a:p>
+            <a:pPr algn="ctr"/>
+            <a:r>
+              <a:rPr kumimoji="1" lang="en-US" altLang="en-US" sz="1000" dirty="0">
+                <a:latin typeface="Calisto MT" panose="02040603050505030304" pitchFamily="18" charset="0"/>
+                <a:ea typeface="Ayuthaya" pitchFamily="2" charset="-34"/>
+                <a:cs typeface="Arial Hebrew" pitchFamily="2" charset="-79"/>
+              </a:rPr>
+              <a:t>(SLO, packet size)</a:t>
+            </a:r>
+            <a:endParaRPr kumimoji="1" lang="ko-Kore-KR" altLang="en-US" sz="1000" dirty="0">
+              <a:latin typeface="Calisto MT" panose="02040603050505030304" pitchFamily="18" charset="0"/>
+              <a:cs typeface="Arial Hebrew" pitchFamily="2" charset="-79"/>
+            </a:endParaRPr>
+          </a:p>
+        </p:txBody>
+      </p:sp>
+      <p:sp>
+        <p:nvSpPr>
+          <p:cNvPr id="54" name="TextBox 53">
+            <a:extLst>
+              <a:ext uri="{FF2B5EF4-FFF2-40B4-BE49-F238E27FC236}">
+                <a16:creationId xmlns:a16="http://schemas.microsoft.com/office/drawing/2014/main" id="{73D78C12-57A5-4341-B11B-D204920F444A}"/>
+              </a:ext>
+            </a:extLst>
+          </p:cNvPr>
+          <p:cNvSpPr txBox="1"/>
+          <p:nvPr/>
+        </p:nvSpPr>
+        <p:spPr>
+          <a:xfrm>
+            <a:off x="9926048" y="4800229"/>
+            <a:ext cx="978450" cy="261610"/>
+          </a:xfrm>
+          <a:prstGeom prst="rect">
+            <a:avLst/>
+          </a:prstGeom>
+          <a:solidFill>
+            <a:schemeClr val="bg1"/>
+          </a:solidFill>
+        </p:spPr>
+        <p:txBody>
+          <a:bodyPr wrap="square" rtlCol="0">
+            <a:spAutoFit/>
+          </a:bodyPr>
+          <a:lstStyle/>
+          <a:p>
+            <a:pPr algn="ctr"/>
+            <a:r>
+              <a:rPr kumimoji="1" lang="en-US" altLang="en-US" sz="1100" dirty="0">
+                <a:latin typeface="Calisto MT" panose="02040603050505030304" pitchFamily="18" charset="0"/>
+                <a:ea typeface="Ayuthaya" pitchFamily="2" charset="-34"/>
+                <a:cs typeface="Arial Hebrew" pitchFamily="2" charset="-79"/>
+              </a:rPr>
+              <a:t>Flask server</a:t>
+            </a:r>
+            <a:endParaRPr kumimoji="1" lang="ko-Kore-KR" altLang="en-US" sz="1100">
+              <a:latin typeface="Calisto MT" panose="02040603050505030304" pitchFamily="18" charset="0"/>
+              <a:cs typeface="Arial Hebrew" pitchFamily="2" charset="-79"/>
+            </a:endParaRPr>
+          </a:p>
+        </p:txBody>
+      </p:sp>
+      <p:cxnSp>
+        <p:nvCxnSpPr>
+          <p:cNvPr id="73" name="꺾인 연결선[E] 72">
+            <a:extLst>
+              <a:ext uri="{FF2B5EF4-FFF2-40B4-BE49-F238E27FC236}">
+                <a16:creationId xmlns:a16="http://schemas.microsoft.com/office/drawing/2014/main" id="{35B96457-0AF4-9045-87BD-B6AC1451C266}"/>
+              </a:ext>
+            </a:extLst>
+          </p:cNvPr>
+          <p:cNvCxnSpPr>
+            <a:cxnSpLocks/>
+            <a:stCxn id="44" idx="2"/>
+            <a:endCxn id="50" idx="1"/>
+          </p:cNvCxnSpPr>
+          <p:nvPr/>
+        </p:nvCxnSpPr>
+        <p:spPr>
+          <a:xfrm rot="16200000" flipH="1">
+            <a:off x="11626818" y="6215138"/>
+            <a:ext cx="365903" cy="2783279"/>
+          </a:xfrm>
+          <a:prstGeom prst="bentConnector2">
+            <a:avLst/>
+          </a:prstGeom>
+          <a:ln w="12700">
+            <a:solidFill>
+              <a:schemeClr val="tx1"/>
+            </a:solidFill>
+            <a:tailEnd type="triangle"/>
+          </a:ln>
+        </p:spPr>
+        <p:style>
+          <a:lnRef idx="1">
+            <a:schemeClr val="accent1"/>
+          </a:lnRef>
+          <a:fillRef idx="0">
+            <a:schemeClr val="accent1"/>
+          </a:fillRef>
+          <a:effectRef idx="0">
+            <a:schemeClr val="accent1"/>
+          </a:effectRef>
+          <a:fontRef idx="minor">
+            <a:schemeClr val="tx1"/>
+          </a:fontRef>
+        </p:style>
+      </p:cxnSp>
+      <p:sp>
+        <p:nvSpPr>
+          <p:cNvPr id="78" name="TextBox 77">
+            <a:extLst>
+              <a:ext uri="{FF2B5EF4-FFF2-40B4-BE49-F238E27FC236}">
+                <a16:creationId xmlns:a16="http://schemas.microsoft.com/office/drawing/2014/main" id="{4A7F1570-4F28-4942-A55D-8D5EFACC2A02}"/>
+              </a:ext>
+            </a:extLst>
+          </p:cNvPr>
+          <p:cNvSpPr txBox="1"/>
+          <p:nvPr/>
+        </p:nvSpPr>
+        <p:spPr>
+          <a:xfrm>
+            <a:off x="10118440" y="5252542"/>
+            <a:ext cx="607880" cy="369332"/>
+          </a:xfrm>
+          <a:prstGeom prst="rect">
+            <a:avLst/>
+          </a:prstGeom>
+          <a:solidFill>
+            <a:schemeClr val="bg1"/>
+          </a:solidFill>
+          <a:ln w="12700">
+            <a:solidFill>
+              <a:schemeClr val="tx1"/>
+            </a:solidFill>
+          </a:ln>
+        </p:spPr>
+        <p:txBody>
+          <a:bodyPr wrap="square" rtlCol="0">
+            <a:spAutoFit/>
+          </a:bodyPr>
+          <a:lstStyle/>
+          <a:p>
+            <a:pPr algn="ctr"/>
+            <a:r>
+              <a:rPr kumimoji="1" lang="en-US" altLang="en-US" sz="900" dirty="0">
+                <a:latin typeface="Calisto MT" panose="02040603050505030304" pitchFamily="18" charset="0"/>
+                <a:ea typeface="Ayuthaya" pitchFamily="2" charset="-34"/>
+                <a:cs typeface="Arial Hebrew" pitchFamily="2" charset="-79"/>
+              </a:rPr>
+              <a:t>API</a:t>
+            </a:r>
+          </a:p>
+          <a:p>
+            <a:pPr algn="ctr"/>
+            <a:r>
+              <a:rPr kumimoji="1" lang="en-US" altLang="en-US" sz="900" dirty="0">
+                <a:latin typeface="Calisto MT" panose="02040603050505030304" pitchFamily="18" charset="0"/>
+                <a:ea typeface="Ayuthaya" pitchFamily="2" charset="-34"/>
+                <a:cs typeface="Arial Hebrew" pitchFamily="2" charset="-79"/>
+              </a:rPr>
+              <a:t>(Flask)</a:t>
+            </a:r>
+            <a:endParaRPr kumimoji="1" lang="ko-Kore-KR" altLang="en-US" sz="900">
+              <a:latin typeface="Calisto MT" panose="02040603050505030304" pitchFamily="18" charset="0"/>
+              <a:cs typeface="Arial Hebrew" pitchFamily="2" charset="-79"/>
+            </a:endParaRPr>
+          </a:p>
+        </p:txBody>
+      </p:sp>
+      <p:sp>
+        <p:nvSpPr>
+          <p:cNvPr id="79" name="직사각형 78">
+            <a:extLst>
+              <a:ext uri="{FF2B5EF4-FFF2-40B4-BE49-F238E27FC236}">
+                <a16:creationId xmlns:a16="http://schemas.microsoft.com/office/drawing/2014/main" id="{E62B68C4-8EA4-2D42-ABBA-2A921E2B6A9E}"/>
+              </a:ext>
+            </a:extLst>
+          </p:cNvPr>
+          <p:cNvSpPr/>
+          <p:nvPr/>
+        </p:nvSpPr>
+        <p:spPr>
+          <a:xfrm>
+            <a:off x="10113651" y="6069415"/>
+            <a:ext cx="612668" cy="369332"/>
+          </a:xfrm>
+          <a:prstGeom prst="rect">
+            <a:avLst/>
+          </a:prstGeom>
+          <a:noFill/>
+          <a:ln>
+            <a:solidFill>
+              <a:schemeClr val="tx1"/>
+            </a:solidFill>
+          </a:ln>
+        </p:spPr>
+        <p:style>
+          <a:lnRef idx="2">
+            <a:schemeClr val="accent1">
+              <a:shade val="50000"/>
+            </a:schemeClr>
+          </a:lnRef>
+          <a:fillRef idx="1">
+            <a:schemeClr val="accent1"/>
+          </a:fillRef>
+          <a:effectRef idx="0">
+            <a:schemeClr val="accent1"/>
+          </a:effectRef>
+          <a:fontRef idx="minor">
+            <a:schemeClr val="lt1"/>
+          </a:fontRef>
+        </p:style>
+        <p:txBody>
+          <a:bodyPr rtlCol="0" anchor="ctr"/>
+          <a:lstStyle/>
+          <a:p>
+            <a:pPr algn="ctr"/>
+            <a:r>
+              <a:rPr kumimoji="1" lang="en-US" altLang="ko-KR" sz="900" dirty="0">
+                <a:solidFill>
+                  <a:schemeClr val="tx1"/>
+                </a:solidFill>
+                <a:latin typeface="Arial Hebrew" pitchFamily="2" charset="-79"/>
+                <a:ea typeface="Verdana" panose="020B0604030504040204" pitchFamily="34" charset="0"/>
+                <a:cs typeface="Arial Hebrew" pitchFamily="2" charset="-79"/>
+              </a:rPr>
+              <a:t>model</a:t>
+            </a:r>
+            <a:r>
+              <a:rPr kumimoji="1" lang="en-US" altLang="ko-KR" sz="700" dirty="0">
+                <a:solidFill>
+                  <a:schemeClr val="tx1"/>
+                </a:solidFill>
+                <a:latin typeface="Verdana" panose="020B0604030504040204" pitchFamily="34" charset="0"/>
+                <a:ea typeface="Verdana" panose="020B0604030504040204" pitchFamily="34" charset="0"/>
+                <a:cs typeface="Verdana" panose="020B0604030504040204" pitchFamily="34" charset="0"/>
+              </a:rPr>
+              <a:t>1</a:t>
+            </a:r>
+          </a:p>
+          <a:p>
+            <a:pPr algn="ctr"/>
+            <a:r>
+              <a:rPr kumimoji="1" lang="en-US" altLang="ko-KR" sz="900" dirty="0">
+                <a:solidFill>
+                  <a:schemeClr val="tx1"/>
+                </a:solidFill>
+                <a:latin typeface="Arial Hebrew" pitchFamily="2" charset="-79"/>
+                <a:ea typeface="Verdana" panose="020B0604030504040204" pitchFamily="34" charset="0"/>
+                <a:cs typeface="Arial Hebrew" pitchFamily="2" charset="-79"/>
+              </a:rPr>
+              <a:t>(vCPU)</a:t>
+            </a:r>
+            <a:endParaRPr kumimoji="1" lang="ko-KR" altLang="en-US" sz="900" dirty="0">
+              <a:solidFill>
+                <a:schemeClr val="tx1"/>
+              </a:solidFill>
+              <a:latin typeface="Arial Hebrew" pitchFamily="2" charset="-79"/>
+              <a:cs typeface="Arial Hebrew" pitchFamily="2" charset="-79"/>
+            </a:endParaRPr>
+          </a:p>
+        </p:txBody>
+      </p:sp>
+      <p:cxnSp>
+        <p:nvCxnSpPr>
+          <p:cNvPr id="90" name="구부러진 연결선[U] 89">
+            <a:extLst>
+              <a:ext uri="{FF2B5EF4-FFF2-40B4-BE49-F238E27FC236}">
+                <a16:creationId xmlns:a16="http://schemas.microsoft.com/office/drawing/2014/main" id="{182C870C-E9CD-7B48-836B-AC7806974258}"/>
+              </a:ext>
+            </a:extLst>
+          </p:cNvPr>
+          <p:cNvCxnSpPr>
+            <a:cxnSpLocks/>
+            <a:stCxn id="79" idx="1"/>
+            <a:endCxn id="78" idx="1"/>
+          </p:cNvCxnSpPr>
+          <p:nvPr/>
+        </p:nvCxnSpPr>
+        <p:spPr>
+          <a:xfrm rot="10800000" flipH="1">
+            <a:off x="10113650" y="5437209"/>
+            <a:ext cx="4789" cy="816873"/>
+          </a:xfrm>
+          <a:prstGeom prst="curvedConnector3">
+            <a:avLst>
+              <a:gd name="adj1" fmla="val -4773439"/>
+            </a:avLst>
+          </a:prstGeom>
+          <a:ln>
+            <a:solidFill>
+              <a:schemeClr val="tx1"/>
+            </a:solidFill>
+            <a:tailEnd type="triangle" w="med" len="sm"/>
+          </a:ln>
+        </p:spPr>
+        <p:style>
+          <a:lnRef idx="1">
+            <a:schemeClr val="accent1"/>
+          </a:lnRef>
+          <a:fillRef idx="0">
+            <a:schemeClr val="accent1"/>
+          </a:fillRef>
+          <a:effectRef idx="0">
+            <a:schemeClr val="accent1"/>
+          </a:effectRef>
+          <a:fontRef idx="minor">
+            <a:schemeClr val="tx1"/>
+          </a:fontRef>
+        </p:style>
+      </p:cxnSp>
+      <p:cxnSp>
+        <p:nvCxnSpPr>
+          <p:cNvPr id="92" name="구부러진 연결선[U] 91">
+            <a:extLst>
+              <a:ext uri="{FF2B5EF4-FFF2-40B4-BE49-F238E27FC236}">
+                <a16:creationId xmlns:a16="http://schemas.microsoft.com/office/drawing/2014/main" id="{A31AB2FD-1EA2-1243-8D2F-3581EA878E43}"/>
+              </a:ext>
+            </a:extLst>
+          </p:cNvPr>
+          <p:cNvCxnSpPr>
+            <a:cxnSpLocks/>
+            <a:stCxn id="78" idx="2"/>
+            <a:endCxn id="79" idx="0"/>
+          </p:cNvCxnSpPr>
+          <p:nvPr/>
+        </p:nvCxnSpPr>
+        <p:spPr>
+          <a:xfrm rot="5400000">
+            <a:off x="10197413" y="5844447"/>
+            <a:ext cx="447541" cy="2395"/>
+          </a:xfrm>
+          <a:prstGeom prst="curvedConnector3">
+            <a:avLst>
+              <a:gd name="adj1" fmla="val 50000"/>
+            </a:avLst>
+          </a:prstGeom>
+          <a:ln>
+            <a:solidFill>
+              <a:schemeClr val="tx1"/>
+            </a:solidFill>
+            <a:headEnd w="sm" len="sm"/>
+            <a:tailEnd type="triangle" w="med" len="sm"/>
+          </a:ln>
+        </p:spPr>
+        <p:style>
+          <a:lnRef idx="1">
+            <a:schemeClr val="accent1"/>
+          </a:lnRef>
+          <a:fillRef idx="0">
+            <a:schemeClr val="accent1"/>
+          </a:fillRef>
+          <a:effectRef idx="0">
+            <a:schemeClr val="accent1"/>
+          </a:effectRef>
+          <a:fontRef idx="minor">
+            <a:schemeClr val="tx1"/>
+          </a:fontRef>
+        </p:style>
+      </p:cxnSp>
+      <p:sp>
+        <p:nvSpPr>
+          <p:cNvPr id="34" name="모서리가 둥근 직사각형 33">
+            <a:extLst>
+              <a:ext uri="{FF2B5EF4-FFF2-40B4-BE49-F238E27FC236}">
+                <a16:creationId xmlns:a16="http://schemas.microsoft.com/office/drawing/2014/main" id="{B68A8DCA-A5B0-CE4D-89AB-7AEA84B22E2E}"/>
+              </a:ext>
+            </a:extLst>
+          </p:cNvPr>
+          <p:cNvSpPr/>
+          <p:nvPr/>
+        </p:nvSpPr>
+        <p:spPr>
+          <a:xfrm>
+            <a:off x="12991585" y="4964928"/>
+            <a:ext cx="1491033" cy="901181"/>
+          </a:xfrm>
+          <a:prstGeom prst="roundRect">
+            <a:avLst/>
+          </a:prstGeom>
+          <a:solidFill>
+            <a:schemeClr val="bg1"/>
+          </a:solidFill>
+          <a:ln w="19050">
+            <a:solidFill>
+              <a:srgbClr val="0070C0"/>
+            </a:solidFill>
+          </a:ln>
+        </p:spPr>
+        <p:style>
+          <a:lnRef idx="2">
+            <a:schemeClr val="accent1">
+              <a:shade val="50000"/>
+            </a:schemeClr>
+          </a:lnRef>
+          <a:fillRef idx="1">
+            <a:schemeClr val="accent1"/>
+          </a:fillRef>
+          <a:effectRef idx="0">
+            <a:schemeClr val="accent1"/>
+          </a:effectRef>
+          <a:fontRef idx="minor">
+            <a:schemeClr val="lt1"/>
+          </a:fontRef>
+        </p:style>
+        <p:txBody>
+          <a:bodyPr rtlCol="0" anchor="ctr"/>
+          <a:lstStyle/>
+          <a:p>
+            <a:pPr algn="ctr"/>
+            <a:endParaRPr kumimoji="1" lang="ko-Kore-KR" altLang="en-US" sz="1100" dirty="0">
+              <a:solidFill>
+                <a:schemeClr val="tx1"/>
+              </a:solidFill>
+              <a:latin typeface="Calisto MT" panose="02040603050505030304" pitchFamily="18" charset="0"/>
+              <a:cs typeface="Arial Hebrew" pitchFamily="2" charset="-79"/>
+            </a:endParaRPr>
+          </a:p>
+        </p:txBody>
+      </p:sp>
+      <p:sp>
+        <p:nvSpPr>
+          <p:cNvPr id="38" name="직사각형 37">
+            <a:extLst>
+              <a:ext uri="{FF2B5EF4-FFF2-40B4-BE49-F238E27FC236}">
+                <a16:creationId xmlns:a16="http://schemas.microsoft.com/office/drawing/2014/main" id="{855837D6-BE58-0F44-B076-DBEFB021F796}"/>
+              </a:ext>
+            </a:extLst>
+          </p:cNvPr>
+          <p:cNvSpPr/>
+          <p:nvPr/>
+        </p:nvSpPr>
+        <p:spPr>
+          <a:xfrm>
+            <a:off x="13767014" y="5163771"/>
+            <a:ext cx="562232" cy="562447"/>
+          </a:xfrm>
+          <a:prstGeom prst="rect">
+            <a:avLst/>
+          </a:prstGeom>
+          <a:noFill/>
+          <a:ln>
+            <a:solidFill>
+              <a:schemeClr val="tx1"/>
+            </a:solidFill>
+          </a:ln>
+        </p:spPr>
+        <p:style>
+          <a:lnRef idx="2">
+            <a:schemeClr val="accent1">
+              <a:shade val="50000"/>
+            </a:schemeClr>
+          </a:lnRef>
+          <a:fillRef idx="1">
+            <a:schemeClr val="accent1"/>
+          </a:fillRef>
+          <a:effectRef idx="0">
+            <a:schemeClr val="accent1"/>
+          </a:effectRef>
+          <a:fontRef idx="minor">
+            <a:schemeClr val="lt1"/>
+          </a:fontRef>
+        </p:style>
+        <p:txBody>
+          <a:bodyPr rtlCol="0" anchor="ctr"/>
+          <a:lstStyle/>
+          <a:p>
+            <a:pPr algn="ctr"/>
+            <a:r>
+              <a:rPr kumimoji="1" lang="en-US" altLang="ko-KR" sz="900" dirty="0">
+                <a:solidFill>
+                  <a:schemeClr val="tx1"/>
+                </a:solidFill>
+                <a:latin typeface="Arial Hebrew" pitchFamily="2" charset="-79"/>
+                <a:ea typeface="Verdana" panose="020B0604030504040204" pitchFamily="34" charset="0"/>
+                <a:cs typeface="Arial Hebrew" pitchFamily="2" charset="-79"/>
+              </a:rPr>
+              <a:t>html</a:t>
+            </a:r>
+          </a:p>
+          <a:p>
+            <a:pPr algn="ctr"/>
+            <a:endParaRPr kumimoji="1" lang="en-US" altLang="ko-KR" sz="900" dirty="0">
+              <a:solidFill>
+                <a:schemeClr val="tx1"/>
+              </a:solidFill>
+              <a:latin typeface="Arial Hebrew" pitchFamily="2" charset="-79"/>
+              <a:ea typeface="Verdana" panose="020B0604030504040204" pitchFamily="34" charset="0"/>
+              <a:cs typeface="Arial Hebrew" pitchFamily="2" charset="-79"/>
+            </a:endParaRPr>
+          </a:p>
+          <a:p>
+            <a:pPr algn="ctr"/>
+            <a:endParaRPr kumimoji="1" lang="ko-KR" altLang="en-US" sz="900" dirty="0">
+              <a:solidFill>
+                <a:schemeClr val="tx1"/>
+              </a:solidFill>
+              <a:latin typeface="Arial Hebrew" pitchFamily="2" charset="-79"/>
+              <a:cs typeface="Arial Hebrew" pitchFamily="2" charset="-79"/>
+            </a:endParaRPr>
+          </a:p>
+        </p:txBody>
+      </p:sp>
+      <p:sp>
+        <p:nvSpPr>
+          <p:cNvPr id="40" name="직사각형 39">
+            <a:extLst>
+              <a:ext uri="{FF2B5EF4-FFF2-40B4-BE49-F238E27FC236}">
+                <a16:creationId xmlns:a16="http://schemas.microsoft.com/office/drawing/2014/main" id="{1703E650-0A95-C849-810E-15DF07602807}"/>
+              </a:ext>
+            </a:extLst>
+          </p:cNvPr>
+          <p:cNvSpPr/>
+          <p:nvPr/>
+        </p:nvSpPr>
+        <p:spPr>
+          <a:xfrm>
+            <a:off x="13120212" y="5329443"/>
+            <a:ext cx="421522" cy="261610"/>
+          </a:xfrm>
+          <a:prstGeom prst="rect">
+            <a:avLst/>
+          </a:prstGeom>
+          <a:noFill/>
+          <a:ln>
+            <a:solidFill>
+              <a:schemeClr val="tx1"/>
+            </a:solidFill>
+          </a:ln>
+        </p:spPr>
+        <p:style>
+          <a:lnRef idx="2">
+            <a:schemeClr val="accent1">
+              <a:shade val="50000"/>
+            </a:schemeClr>
+          </a:lnRef>
+          <a:fillRef idx="1">
+            <a:schemeClr val="accent1"/>
+          </a:fillRef>
+          <a:effectRef idx="0">
+            <a:schemeClr val="accent1"/>
+          </a:effectRef>
+          <a:fontRef idx="minor">
+            <a:schemeClr val="lt1"/>
+          </a:fontRef>
+        </p:style>
+        <p:txBody>
+          <a:bodyPr rtlCol="0" anchor="ctr"/>
+          <a:lstStyle/>
+          <a:p>
+            <a:pPr algn="ctr"/>
+            <a:r>
+              <a:rPr kumimoji="1" lang="en-US" altLang="ko-KR" sz="900" dirty="0">
+                <a:solidFill>
+                  <a:schemeClr val="tx1"/>
+                </a:solidFill>
+                <a:latin typeface="Arial Hebrew" pitchFamily="2" charset="-79"/>
+                <a:ea typeface="Verdana" panose="020B0604030504040204" pitchFamily="34" charset="0"/>
+                <a:cs typeface="Arial Hebrew" pitchFamily="2" charset="-79"/>
+              </a:rPr>
+              <a:t>ajax</a:t>
+            </a:r>
+            <a:endParaRPr kumimoji="1" lang="ko-KR" altLang="en-US" sz="900" dirty="0">
+              <a:solidFill>
+                <a:schemeClr val="tx1"/>
+              </a:solidFill>
+              <a:latin typeface="Arial Hebrew" pitchFamily="2" charset="-79"/>
+              <a:cs typeface="Arial Hebrew" pitchFamily="2" charset="-79"/>
+            </a:endParaRPr>
+          </a:p>
+        </p:txBody>
+      </p:sp>
+      <p:sp>
+        <p:nvSpPr>
+          <p:cNvPr id="41" name="직사각형 40">
+            <a:extLst>
+              <a:ext uri="{FF2B5EF4-FFF2-40B4-BE49-F238E27FC236}">
+                <a16:creationId xmlns:a16="http://schemas.microsoft.com/office/drawing/2014/main" id="{AD4EB380-6D3E-2141-AA57-32B24493A7D1}"/>
+              </a:ext>
+            </a:extLst>
+          </p:cNvPr>
+          <p:cNvSpPr/>
+          <p:nvPr/>
+        </p:nvSpPr>
+        <p:spPr>
+          <a:xfrm>
+            <a:off x="13825940" y="5454076"/>
+            <a:ext cx="444381" cy="174832"/>
+          </a:xfrm>
+          <a:prstGeom prst="rect">
+            <a:avLst/>
+          </a:prstGeom>
+          <a:noFill/>
+          <a:ln>
+            <a:solidFill>
+              <a:schemeClr val="tx1"/>
+            </a:solidFill>
+          </a:ln>
+        </p:spPr>
+        <p:style>
+          <a:lnRef idx="2">
+            <a:schemeClr val="accent1">
+              <a:shade val="50000"/>
+            </a:schemeClr>
+          </a:lnRef>
+          <a:fillRef idx="1">
+            <a:schemeClr val="accent1"/>
+          </a:fillRef>
+          <a:effectRef idx="0">
+            <a:schemeClr val="accent1"/>
+          </a:effectRef>
+          <a:fontRef idx="minor">
+            <a:schemeClr val="lt1"/>
+          </a:fontRef>
+        </p:style>
+        <p:txBody>
+          <a:bodyPr rtlCol="0" anchor="ctr"/>
+          <a:lstStyle/>
+          <a:p>
+            <a:pPr algn="ctr"/>
+            <a:r>
+              <a:rPr kumimoji="1" lang="en-US" altLang="ko-KR" sz="700" dirty="0">
+                <a:solidFill>
+                  <a:schemeClr val="tx1"/>
+                </a:solidFill>
+                <a:latin typeface="Arial Hebrew" pitchFamily="2" charset="-79"/>
+                <a:ea typeface="Verdana" panose="020B0604030504040204" pitchFamily="34" charset="0"/>
+                <a:cs typeface="Arial Hebrew" pitchFamily="2" charset="-79"/>
+              </a:rPr>
+              <a:t>button</a:t>
+            </a:r>
+            <a:endParaRPr kumimoji="1" lang="ko-KR" altLang="en-US" sz="700" dirty="0">
+              <a:solidFill>
+                <a:schemeClr val="tx1"/>
+              </a:solidFill>
+              <a:latin typeface="Arial Hebrew" pitchFamily="2" charset="-79"/>
+              <a:cs typeface="Arial Hebrew" pitchFamily="2" charset="-79"/>
+            </a:endParaRPr>
+          </a:p>
+        </p:txBody>
+      </p:sp>
+      <p:cxnSp>
+        <p:nvCxnSpPr>
+          <p:cNvPr id="42" name="직선 화살표 연결선 41">
+            <a:extLst>
+              <a:ext uri="{FF2B5EF4-FFF2-40B4-BE49-F238E27FC236}">
+                <a16:creationId xmlns:a16="http://schemas.microsoft.com/office/drawing/2014/main" id="{49A1F7EC-133B-9947-A1C4-1BFE94F7368B}"/>
+              </a:ext>
+            </a:extLst>
+          </p:cNvPr>
+          <p:cNvCxnSpPr>
+            <a:cxnSpLocks/>
+            <a:stCxn id="41" idx="1"/>
+            <a:endCxn id="40" idx="3"/>
+          </p:cNvCxnSpPr>
+          <p:nvPr/>
+        </p:nvCxnSpPr>
+        <p:spPr>
+          <a:xfrm flipH="1" flipV="1">
+            <a:off x="13541734" y="5460248"/>
+            <a:ext cx="284206" cy="81244"/>
+          </a:xfrm>
+          <a:prstGeom prst="straightConnector1">
+            <a:avLst/>
+          </a:prstGeom>
+          <a:ln w="12700">
+            <a:solidFill>
+              <a:schemeClr val="tx1"/>
+            </a:solidFill>
+            <a:tailEnd type="triangle"/>
+          </a:ln>
+        </p:spPr>
+        <p:style>
+          <a:lnRef idx="1">
+            <a:schemeClr val="accent1"/>
+          </a:lnRef>
+          <a:fillRef idx="0">
+            <a:schemeClr val="accent1"/>
+          </a:fillRef>
+          <a:effectRef idx="0">
+            <a:schemeClr val="accent1"/>
+          </a:effectRef>
+          <a:fontRef idx="minor">
+            <a:schemeClr val="tx1"/>
+          </a:fontRef>
+        </p:style>
+      </p:cxnSp>
+      <p:sp>
+        <p:nvSpPr>
+          <p:cNvPr id="45" name="TextBox 44">
+            <a:extLst>
+              <a:ext uri="{FF2B5EF4-FFF2-40B4-BE49-F238E27FC236}">
+                <a16:creationId xmlns:a16="http://schemas.microsoft.com/office/drawing/2014/main" id="{6A6B671B-C2B1-3447-B375-6E056421AEFD}"/>
+              </a:ext>
+            </a:extLst>
+          </p:cNvPr>
+          <p:cNvSpPr txBox="1"/>
+          <p:nvPr/>
+        </p:nvSpPr>
+        <p:spPr>
+          <a:xfrm>
+            <a:off x="13436293" y="4808748"/>
+            <a:ext cx="550152" cy="261610"/>
+          </a:xfrm>
+          <a:prstGeom prst="rect">
+            <a:avLst/>
+          </a:prstGeom>
+          <a:solidFill>
+            <a:schemeClr val="bg1"/>
+          </a:solidFill>
+        </p:spPr>
+        <p:txBody>
+          <a:bodyPr wrap="none" rtlCol="0">
+            <a:spAutoFit/>
+          </a:bodyPr>
+          <a:lstStyle/>
+          <a:p>
+            <a:pPr algn="ctr"/>
+            <a:r>
+              <a:rPr kumimoji="1" lang="en-US" altLang="en-US" sz="1100" dirty="0">
+                <a:latin typeface="Calisto MT" panose="02040603050505030304" pitchFamily="18" charset="0"/>
+                <a:ea typeface="Ayuthaya" pitchFamily="2" charset="-34"/>
+                <a:cs typeface="Arial Hebrew" pitchFamily="2" charset="-79"/>
+              </a:rPr>
+              <a:t>Client</a:t>
+            </a:r>
+            <a:endParaRPr kumimoji="1" lang="ko-Kore-KR" altLang="en-US" sz="1100" dirty="0">
+              <a:latin typeface="Calisto MT" panose="02040603050505030304" pitchFamily="18" charset="0"/>
+              <a:cs typeface="Arial Hebrew" pitchFamily="2" charset="-79"/>
+            </a:endParaRPr>
+          </a:p>
+        </p:txBody>
+      </p:sp>
+      <p:sp>
+        <p:nvSpPr>
+          <p:cNvPr id="72" name="TextBox 71">
+            <a:extLst>
+              <a:ext uri="{FF2B5EF4-FFF2-40B4-BE49-F238E27FC236}">
+                <a16:creationId xmlns:a16="http://schemas.microsoft.com/office/drawing/2014/main" id="{8AC8E16C-A2C3-594C-BF11-B4F9058F1A21}"/>
+              </a:ext>
+            </a:extLst>
+          </p:cNvPr>
+          <p:cNvSpPr txBox="1"/>
+          <p:nvPr/>
+        </p:nvSpPr>
+        <p:spPr>
+          <a:xfrm>
+            <a:off x="9869303" y="5692930"/>
+            <a:ext cx="367408" cy="276999"/>
+          </a:xfrm>
+          <a:prstGeom prst="rect">
+            <a:avLst/>
+          </a:prstGeom>
+          <a:noFill/>
+        </p:spPr>
+        <p:txBody>
+          <a:bodyPr wrap="none" rtlCol="0">
+            <a:spAutoFit/>
+          </a:bodyPr>
+          <a:lstStyle/>
+          <a:p>
+            <a:pPr algn="ctr"/>
+            <a:r>
+              <a:rPr kumimoji="1" lang="en-US" altLang="en-US" sz="600" dirty="0">
+                <a:latin typeface="Calisto MT" panose="02040603050505030304" pitchFamily="18" charset="0"/>
+                <a:ea typeface="Ayuthaya" pitchFamily="2" charset="-34"/>
+                <a:cs typeface="Arial Hebrew" pitchFamily="2" charset="-79"/>
+              </a:rPr>
+              <a:t>v</a:t>
+            </a:r>
+            <a:r>
+              <a:rPr kumimoji="1" lang="en-US" altLang="en-US" sz="500" dirty="0">
+                <a:latin typeface="Calisto MT" panose="02040603050505030304" pitchFamily="18" charset="0"/>
+                <a:ea typeface="Ayuthaya" pitchFamily="2" charset="-34"/>
+                <a:cs typeface="Arial Hebrew" pitchFamily="2" charset="-79"/>
+              </a:rPr>
+              <a:t>CPU</a:t>
+            </a:r>
+          </a:p>
+          <a:p>
+            <a:pPr algn="ctr"/>
+            <a:r>
+              <a:rPr kumimoji="1" lang="en-US" altLang="en-US" sz="600" dirty="0">
+                <a:latin typeface="Calisto MT" panose="02040603050505030304" pitchFamily="18" charset="0"/>
+                <a:ea typeface="Ayuthaya" pitchFamily="2" charset="-34"/>
+                <a:cs typeface="Arial Hebrew" pitchFamily="2" charset="-79"/>
+              </a:rPr>
+              <a:t>usage</a:t>
+            </a:r>
+            <a:endParaRPr kumimoji="1" lang="ko-Kore-KR" altLang="en-US" sz="600" dirty="0">
+              <a:latin typeface="Calisto MT" panose="02040603050505030304" pitchFamily="18" charset="0"/>
+              <a:cs typeface="Arial Hebrew" pitchFamily="2" charset="-79"/>
+            </a:endParaRPr>
+          </a:p>
+        </p:txBody>
+      </p:sp>
+      <p:sp>
+        <p:nvSpPr>
+          <p:cNvPr id="76" name="TextBox 75">
+            <a:extLst>
+              <a:ext uri="{FF2B5EF4-FFF2-40B4-BE49-F238E27FC236}">
+                <a16:creationId xmlns:a16="http://schemas.microsoft.com/office/drawing/2014/main" id="{E2C674FA-D71D-364A-8A36-364B41BD5833}"/>
+              </a:ext>
+            </a:extLst>
+          </p:cNvPr>
+          <p:cNvSpPr txBox="1"/>
+          <p:nvPr/>
+        </p:nvSpPr>
+        <p:spPr>
+          <a:xfrm>
+            <a:off x="10390523" y="5690718"/>
+            <a:ext cx="535724" cy="276999"/>
+          </a:xfrm>
+          <a:prstGeom prst="rect">
+            <a:avLst/>
+          </a:prstGeom>
+          <a:noFill/>
+        </p:spPr>
+        <p:txBody>
+          <a:bodyPr wrap="none" rtlCol="0">
+            <a:spAutoFit/>
+          </a:bodyPr>
+          <a:lstStyle/>
+          <a:p>
+            <a:r>
+              <a:rPr kumimoji="1" lang="en-US" altLang="en-US" sz="600" dirty="0">
+                <a:latin typeface="Calisto MT" panose="02040603050505030304" pitchFamily="18" charset="0"/>
+                <a:ea typeface="Ayuthaya" pitchFamily="2" charset="-34"/>
+                <a:cs typeface="Arial Hebrew" pitchFamily="2" charset="-79"/>
+              </a:rPr>
+              <a:t>SLO,</a:t>
+            </a:r>
+          </a:p>
+          <a:p>
+            <a:r>
+              <a:rPr kumimoji="1" lang="en-US" altLang="en-US" sz="600" dirty="0">
+                <a:latin typeface="Calisto MT" panose="02040603050505030304" pitchFamily="18" charset="0"/>
+                <a:ea typeface="Ayuthaya" pitchFamily="2" charset="-34"/>
+                <a:cs typeface="Arial Hebrew" pitchFamily="2" charset="-79"/>
+              </a:rPr>
+              <a:t>packet size</a:t>
+            </a:r>
+          </a:p>
+        </p:txBody>
+      </p:sp>
+      <p:sp>
+        <p:nvSpPr>
+          <p:cNvPr id="85" name="직사각형 84">
+            <a:extLst>
+              <a:ext uri="{FF2B5EF4-FFF2-40B4-BE49-F238E27FC236}">
+                <a16:creationId xmlns:a16="http://schemas.microsoft.com/office/drawing/2014/main" id="{73973076-749B-5C46-AF51-43778C1E84D1}"/>
+              </a:ext>
+            </a:extLst>
+          </p:cNvPr>
+          <p:cNvSpPr/>
+          <p:nvPr/>
+        </p:nvSpPr>
+        <p:spPr>
+          <a:xfrm>
+            <a:off x="10122643" y="6781675"/>
+            <a:ext cx="612668" cy="369332"/>
+          </a:xfrm>
+          <a:prstGeom prst="rect">
+            <a:avLst/>
+          </a:prstGeom>
+          <a:noFill/>
+          <a:ln>
+            <a:solidFill>
+              <a:schemeClr val="tx1"/>
+            </a:solidFill>
+          </a:ln>
+        </p:spPr>
+        <p:style>
+          <a:lnRef idx="2">
+            <a:schemeClr val="accent1">
+              <a:shade val="50000"/>
+            </a:schemeClr>
+          </a:lnRef>
+          <a:fillRef idx="1">
+            <a:schemeClr val="accent1"/>
+          </a:fillRef>
+          <a:effectRef idx="0">
+            <a:schemeClr val="accent1"/>
+          </a:effectRef>
+          <a:fontRef idx="minor">
+            <a:schemeClr val="lt1"/>
+          </a:fontRef>
+        </p:style>
+        <p:txBody>
+          <a:bodyPr rtlCol="0" anchor="ctr"/>
+          <a:lstStyle/>
+          <a:p>
+            <a:pPr algn="ctr"/>
+            <a:r>
+              <a:rPr kumimoji="1" lang="en-US" altLang="ko-KR" sz="900" dirty="0">
+                <a:solidFill>
+                  <a:schemeClr val="tx1"/>
+                </a:solidFill>
+                <a:latin typeface="Arial Hebrew" pitchFamily="2" charset="-79"/>
+                <a:ea typeface="Verdana" panose="020B0604030504040204" pitchFamily="34" charset="0"/>
+                <a:cs typeface="Arial Hebrew" pitchFamily="2" charset="-79"/>
+              </a:rPr>
+              <a:t>model</a:t>
+            </a:r>
+            <a:r>
+              <a:rPr kumimoji="1" lang="en-US" altLang="ko-KR" sz="700" dirty="0">
+                <a:solidFill>
+                  <a:schemeClr val="tx1"/>
+                </a:solidFill>
+                <a:latin typeface="Verdana" panose="020B0604030504040204" pitchFamily="34" charset="0"/>
+                <a:ea typeface="Verdana" panose="020B0604030504040204" pitchFamily="34" charset="0"/>
+                <a:cs typeface="Verdana" panose="020B0604030504040204" pitchFamily="34" charset="0"/>
+              </a:rPr>
+              <a:t>2</a:t>
+            </a:r>
+          </a:p>
+          <a:p>
+            <a:pPr algn="ctr"/>
+            <a:r>
+              <a:rPr kumimoji="1" lang="en-US" altLang="ko-KR" sz="900" dirty="0">
+                <a:solidFill>
+                  <a:schemeClr val="tx1"/>
+                </a:solidFill>
+                <a:latin typeface="Arial Hebrew" pitchFamily="2" charset="-79"/>
+                <a:ea typeface="Verdana" panose="020B0604030504040204" pitchFamily="34" charset="0"/>
+                <a:cs typeface="Arial Hebrew" pitchFamily="2" charset="-79"/>
+              </a:rPr>
+              <a:t>(SLO)</a:t>
+            </a:r>
+            <a:endParaRPr kumimoji="1" lang="ko-KR" altLang="en-US" sz="900" dirty="0">
+              <a:solidFill>
+                <a:schemeClr val="tx1"/>
+              </a:solidFill>
+              <a:latin typeface="Arial Hebrew" pitchFamily="2" charset="-79"/>
+              <a:cs typeface="Arial Hebrew" pitchFamily="2" charset="-79"/>
+            </a:endParaRPr>
+          </a:p>
+        </p:txBody>
+      </p:sp>
+      <p:sp>
+        <p:nvSpPr>
+          <p:cNvPr id="101" name="TextBox 100">
+            <a:extLst>
+              <a:ext uri="{FF2B5EF4-FFF2-40B4-BE49-F238E27FC236}">
+                <a16:creationId xmlns:a16="http://schemas.microsoft.com/office/drawing/2014/main" id="{D4278FA7-9AC9-E84F-8890-27E3FF7611B7}"/>
+              </a:ext>
+            </a:extLst>
+          </p:cNvPr>
+          <p:cNvSpPr txBox="1"/>
+          <p:nvPr/>
+        </p:nvSpPr>
+        <p:spPr>
+          <a:xfrm>
+            <a:off x="10798616" y="6460875"/>
+            <a:ext cx="562975" cy="369332"/>
+          </a:xfrm>
+          <a:prstGeom prst="rect">
+            <a:avLst/>
+          </a:prstGeom>
+          <a:solidFill>
+            <a:schemeClr val="bg1">
+              <a:alpha val="50000"/>
+            </a:schemeClr>
+          </a:solidFill>
+        </p:spPr>
+        <p:txBody>
+          <a:bodyPr wrap="square" rtlCol="0">
+            <a:spAutoFit/>
+          </a:bodyPr>
+          <a:lstStyle/>
+          <a:p>
+            <a:pPr algn="ctr"/>
+            <a:r>
+              <a:rPr kumimoji="1" lang="en-US" altLang="en-US" sz="600" dirty="0">
+                <a:latin typeface="Calisto MT" panose="02040603050505030304" pitchFamily="18" charset="0"/>
+                <a:ea typeface="Ayuthaya" pitchFamily="2" charset="-34"/>
+                <a:cs typeface="Arial Hebrew" pitchFamily="2" charset="-79"/>
+              </a:rPr>
+              <a:t>SLO,</a:t>
+            </a:r>
+          </a:p>
+          <a:p>
+            <a:pPr algn="ctr"/>
+            <a:r>
+              <a:rPr kumimoji="1" lang="en-US" altLang="en-US" sz="600" dirty="0">
+                <a:latin typeface="Calisto MT" panose="02040603050505030304" pitchFamily="18" charset="0"/>
+                <a:ea typeface="Ayuthaya" pitchFamily="2" charset="-34"/>
+                <a:cs typeface="Arial Hebrew" pitchFamily="2" charset="-79"/>
+              </a:rPr>
+              <a:t>packet size,</a:t>
+            </a:r>
+          </a:p>
+          <a:p>
+            <a:pPr algn="ctr"/>
+            <a:r>
+              <a:rPr kumimoji="1" lang="en-US" altLang="en-US" sz="600" dirty="0">
+                <a:latin typeface="Calisto MT" panose="02040603050505030304" pitchFamily="18" charset="0"/>
+                <a:ea typeface="Ayuthaya" pitchFamily="2" charset="-34"/>
+                <a:cs typeface="Arial Hebrew" pitchFamily="2" charset="-79"/>
+              </a:rPr>
+              <a:t>v</a:t>
+            </a:r>
+            <a:r>
+              <a:rPr kumimoji="1" lang="en-US" altLang="en-US" sz="500" dirty="0">
+                <a:latin typeface="Calisto MT" panose="02040603050505030304" pitchFamily="18" charset="0"/>
+                <a:ea typeface="Ayuthaya" pitchFamily="2" charset="-34"/>
+                <a:cs typeface="Arial Hebrew" pitchFamily="2" charset="-79"/>
+              </a:rPr>
+              <a:t>CPU</a:t>
+            </a:r>
+            <a:r>
+              <a:rPr kumimoji="1" lang="en-US" altLang="en-US" sz="600" dirty="0">
+                <a:latin typeface="Calisto MT" panose="02040603050505030304" pitchFamily="18" charset="0"/>
+                <a:ea typeface="Ayuthaya" pitchFamily="2" charset="-34"/>
+                <a:cs typeface="Arial Hebrew" pitchFamily="2" charset="-79"/>
+              </a:rPr>
+              <a:t> usage</a:t>
+            </a:r>
+          </a:p>
+        </p:txBody>
+      </p:sp>
+      <p:cxnSp>
+        <p:nvCxnSpPr>
+          <p:cNvPr id="102" name="구부러진 연결선[U] 101">
+            <a:extLst>
+              <a:ext uri="{FF2B5EF4-FFF2-40B4-BE49-F238E27FC236}">
+                <a16:creationId xmlns:a16="http://schemas.microsoft.com/office/drawing/2014/main" id="{288662C8-ACEA-3244-ACA0-0085BCAA28D5}"/>
+              </a:ext>
+            </a:extLst>
+          </p:cNvPr>
+          <p:cNvCxnSpPr>
+            <a:cxnSpLocks/>
+            <a:stCxn id="85" idx="1"/>
+            <a:endCxn id="78" idx="1"/>
+          </p:cNvCxnSpPr>
+          <p:nvPr/>
+        </p:nvCxnSpPr>
+        <p:spPr>
+          <a:xfrm rot="10800000">
+            <a:off x="10118441" y="5437209"/>
+            <a:ext cx="4203" cy="1529133"/>
+          </a:xfrm>
+          <a:prstGeom prst="curvedConnector3">
+            <a:avLst>
+              <a:gd name="adj1" fmla="val 11950131"/>
+            </a:avLst>
+          </a:prstGeom>
+          <a:ln>
+            <a:solidFill>
+              <a:schemeClr val="tx1"/>
+            </a:solidFill>
+            <a:tailEnd type="triangle" w="med" len="sm"/>
+          </a:ln>
+        </p:spPr>
+        <p:style>
+          <a:lnRef idx="1">
+            <a:schemeClr val="accent1"/>
+          </a:lnRef>
+          <a:fillRef idx="0">
+            <a:schemeClr val="accent1"/>
+          </a:fillRef>
+          <a:effectRef idx="0">
+            <a:schemeClr val="accent1"/>
+          </a:effectRef>
+          <a:fontRef idx="minor">
+            <a:schemeClr val="tx1"/>
+          </a:fontRef>
+        </p:style>
+      </p:cxnSp>
+      <p:sp>
+        <p:nvSpPr>
+          <p:cNvPr id="108" name="TextBox 107">
+            <a:extLst>
+              <a:ext uri="{FF2B5EF4-FFF2-40B4-BE49-F238E27FC236}">
+                <a16:creationId xmlns:a16="http://schemas.microsoft.com/office/drawing/2014/main" id="{3B773B9D-F3F2-BD49-B762-62954FD66A9A}"/>
+              </a:ext>
+            </a:extLst>
+          </p:cNvPr>
+          <p:cNvSpPr txBox="1"/>
+          <p:nvPr/>
+        </p:nvSpPr>
+        <p:spPr>
+          <a:xfrm>
+            <a:off x="9601792" y="7019458"/>
+            <a:ext cx="562975" cy="276999"/>
+          </a:xfrm>
+          <a:prstGeom prst="rect">
+            <a:avLst/>
+          </a:prstGeom>
+          <a:solidFill>
+            <a:schemeClr val="bg1">
+              <a:alpha val="50000"/>
+            </a:schemeClr>
+          </a:solidFill>
+        </p:spPr>
+        <p:txBody>
+          <a:bodyPr wrap="square" rtlCol="0">
+            <a:spAutoFit/>
+          </a:bodyPr>
+          <a:lstStyle/>
+          <a:p>
+            <a:pPr algn="ctr"/>
+            <a:r>
+              <a:rPr kumimoji="1" lang="en-US" altLang="ko-KR" sz="600" dirty="0">
+                <a:latin typeface="Calisto MT" panose="02040603050505030304" pitchFamily="18" charset="0"/>
+                <a:ea typeface="Ayuthaya" pitchFamily="2" charset="-34"/>
+                <a:cs typeface="Arial Hebrew" pitchFamily="2" charset="-79"/>
+              </a:rPr>
+              <a:t>I/O thread</a:t>
+            </a:r>
+          </a:p>
+          <a:p>
+            <a:pPr algn="ctr"/>
+            <a:r>
+              <a:rPr kumimoji="1" lang="en-US" altLang="en-US" sz="600" dirty="0">
+                <a:latin typeface="Calisto MT" panose="02040603050505030304" pitchFamily="18" charset="0"/>
+                <a:ea typeface="Ayuthaya" pitchFamily="2" charset="-34"/>
+                <a:cs typeface="Arial Hebrew" pitchFamily="2" charset="-79"/>
+              </a:rPr>
+              <a:t>CPU usage</a:t>
+            </a:r>
+          </a:p>
+        </p:txBody>
+      </p:sp>
+      <p:cxnSp>
+        <p:nvCxnSpPr>
+          <p:cNvPr id="153" name="구부러진 연결선[U] 152">
+            <a:extLst>
+              <a:ext uri="{FF2B5EF4-FFF2-40B4-BE49-F238E27FC236}">
+                <a16:creationId xmlns:a16="http://schemas.microsoft.com/office/drawing/2014/main" id="{92846A17-F2EF-CA41-B248-5A31D68DE3A3}"/>
+              </a:ext>
+            </a:extLst>
+          </p:cNvPr>
+          <p:cNvCxnSpPr>
+            <a:cxnSpLocks/>
+          </p:cNvCxnSpPr>
+          <p:nvPr/>
+        </p:nvCxnSpPr>
+        <p:spPr>
+          <a:xfrm rot="10800000" flipH="1" flipV="1">
+            <a:off x="10726371" y="5451344"/>
+            <a:ext cx="4203" cy="1529133"/>
+          </a:xfrm>
+          <a:prstGeom prst="curvedConnector3">
+            <a:avLst>
+              <a:gd name="adj1" fmla="val 11950131"/>
+            </a:avLst>
+          </a:prstGeom>
+          <a:ln>
+            <a:solidFill>
+              <a:schemeClr val="tx1"/>
+            </a:solidFill>
+            <a:tailEnd type="triangle" w="med" len="sm"/>
+          </a:ln>
+        </p:spPr>
+        <p:style>
+          <a:lnRef idx="1">
+            <a:schemeClr val="accent1"/>
+          </a:lnRef>
+          <a:fillRef idx="0">
+            <a:schemeClr val="accent1"/>
+          </a:fillRef>
+          <a:effectRef idx="0">
+            <a:schemeClr val="accent1"/>
+          </a:effectRef>
+          <a:fontRef idx="minor">
+            <a:schemeClr val="tx1"/>
+          </a:fontRef>
+        </p:style>
+      </p:cxnSp>
+    </p:spTree>
+    <p:extLst>
+      <p:ext uri="{BB962C8B-B14F-4D97-AF65-F5344CB8AC3E}">
+        <p14:creationId xmlns:p14="http://schemas.microsoft.com/office/powerpoint/2010/main" val="2242729052"/>
+      </p:ext>
+    </p:extLst>
+  </p:cSld>
+  <p:clrMapOvr>
+    <a:masterClrMapping/>
+  </p:clrMapOvr>
+</p:sld>
+</file>
+
+<file path=ppt/slides/slide13.xml><?xml version="1.0" encoding="utf-8"?>
+<p:sld xmlns:a="http://schemas.openxmlformats.org/drawingml/2006/main" xmlns:r="http://schemas.openxmlformats.org/officeDocument/2006/relationships" xmlns:p="http://schemas.openxmlformats.org/presentationml/2006/main">
+  <p:cSld>
+    <p:spTree>
+      <p:nvGrpSpPr>
+        <p:cNvPr id="1" name=""/>
+        <p:cNvGrpSpPr/>
+        <p:nvPr/>
+      </p:nvGrpSpPr>
+      <p:grpSpPr>
+        <a:xfrm>
+          <a:off x="0" y="0"/>
+          <a:ext cx="0" cy="0"/>
+          <a:chOff x="0" y="0"/>
+          <a:chExt cx="0" cy="0"/>
+        </a:xfrm>
+      </p:grpSpPr>
+      <p:sp>
+        <p:nvSpPr>
+          <p:cNvPr id="2" name="직사각형 1">
+            <a:extLst>
+              <a:ext uri="{FF2B5EF4-FFF2-40B4-BE49-F238E27FC236}">
+                <a16:creationId xmlns:a16="http://schemas.microsoft.com/office/drawing/2014/main" id="{E6F8A03A-EE5E-F54F-875E-05FD5D88F935}"/>
+              </a:ext>
+            </a:extLst>
+          </p:cNvPr>
+          <p:cNvSpPr/>
+          <p:nvPr/>
+        </p:nvSpPr>
+        <p:spPr>
+          <a:xfrm>
+            <a:off x="3796496" y="2349661"/>
+            <a:ext cx="3345084" cy="1099595"/>
+          </a:xfrm>
+          <a:prstGeom prst="rect">
+            <a:avLst/>
+          </a:prstGeom>
+          <a:solidFill>
+            <a:srgbClr val="FFFF00">
+              <a:alpha val="5000"/>
+            </a:srgbClr>
+          </a:solidFill>
+          <a:ln>
+            <a:noFill/>
+          </a:ln>
+        </p:spPr>
+        <p:style>
+          <a:lnRef idx="2">
+            <a:schemeClr val="accent1">
+              <a:shade val="50000"/>
+            </a:schemeClr>
+          </a:lnRef>
+          <a:fillRef idx="1">
+            <a:schemeClr val="accent1"/>
+          </a:fillRef>
+          <a:effectRef idx="0">
+            <a:schemeClr val="accent1"/>
+          </a:effectRef>
+          <a:fontRef idx="minor">
+            <a:schemeClr val="lt1"/>
+          </a:fontRef>
+        </p:style>
+        <p:txBody>
+          <a:bodyPr rtlCol="0" anchor="ctr"/>
+          <a:lstStyle/>
+          <a:p>
+            <a:pPr algn="ctr"/>
+            <a:endParaRPr kumimoji="1" lang="ko-KR" altLang="en-US"/>
+          </a:p>
+        </p:txBody>
+      </p:sp>
+      <mc:AlternateContent xmlns:mc="http://schemas.openxmlformats.org/markup-compatibility/2006">
+        <mc:Choice xmlns:cx1="http://schemas.microsoft.com/office/drawing/2015/9/8/chartex" Requires="cx1">
+          <p:graphicFrame>
+            <p:nvGraphicFramePr>
+              <p:cNvPr id="4" name="차트 3">
+                <a:extLst>
+                  <a:ext uri="{FF2B5EF4-FFF2-40B4-BE49-F238E27FC236}">
+                    <a16:creationId xmlns:a16="http://schemas.microsoft.com/office/drawing/2014/main" id="{562BDAF7-1FB5-CE41-9573-1CBE472EB2D0}"/>
+                  </a:ext>
+                </a:extLst>
+              </p:cNvPr>
+              <p:cNvGraphicFramePr/>
+              <p:nvPr>
+                <p:extLst>
+                  <p:ext uri="{D42A27DB-BD31-4B8C-83A1-F6EECF244321}">
+                    <p14:modId xmlns:p14="http://schemas.microsoft.com/office/powerpoint/2010/main" val="1097967402"/>
+                  </p:ext>
+                </p:extLst>
+              </p:nvPr>
+            </p:nvGraphicFramePr>
+            <p:xfrm>
+              <a:off x="3223087" y="848899"/>
+              <a:ext cx="4035354" cy="3682652"/>
+            </p:xfrm>
+            <a:graphic>
+              <a:graphicData uri="http://schemas.microsoft.com/office/drawing/2014/chartex">
+                <cx:chart xmlns:cx="http://schemas.microsoft.com/office/drawing/2014/chartex" xmlns:r="http://schemas.openxmlformats.org/officeDocument/2006/relationships" r:id="rId2"/>
+              </a:graphicData>
+            </a:graphic>
+          </p:graphicFrame>
+        </mc:Choice>
+        <mc:Fallback>
+          <p:pic>
+            <p:nvPicPr>
+              <p:cNvPr id="4" name="차트 3">
+                <a:extLst>
+                  <a:ext uri="{FF2B5EF4-FFF2-40B4-BE49-F238E27FC236}">
+                    <a16:creationId xmlns:a16="http://schemas.microsoft.com/office/drawing/2014/main" id="{562BDAF7-1FB5-CE41-9573-1CBE472EB2D0}"/>
+                  </a:ext>
+                </a:extLst>
+              </p:cNvPr>
+              <p:cNvPicPr>
+                <a:picLocks noGrp="1" noRot="1" noChangeAspect="1" noMove="1" noResize="1" noEditPoints="1" noAdjustHandles="1" noChangeArrowheads="1" noChangeShapeType="1"/>
+              </p:cNvPicPr>
+              <p:nvPr/>
+            </p:nvPicPr>
+            <p:blipFill>
+              <a:blip r:embed="rId3"/>
+              <a:stretch>
+                <a:fillRect/>
+              </a:stretch>
+            </p:blipFill>
+            <p:spPr>
+              <a:xfrm>
+                <a:off x="3223087" y="848899"/>
+                <a:ext cx="4035354" cy="3682652"/>
+              </a:xfrm>
+              <a:prstGeom prst="rect">
+                <a:avLst/>
+              </a:prstGeom>
+            </p:spPr>
+          </p:pic>
+        </mc:Fallback>
+      </mc:AlternateContent>
+    </p:spTree>
+    <p:extLst>
+      <p:ext uri="{BB962C8B-B14F-4D97-AF65-F5344CB8AC3E}">
+        <p14:creationId xmlns:p14="http://schemas.microsoft.com/office/powerpoint/2010/main" val="905041636"/>
+      </p:ext>
+    </p:extLst>
+  </p:cSld>
+  <p:clrMapOvr>
+    <a:masterClrMapping/>
+  </p:clrMapOvr>
+</p:sld>
+</file>
+
 <file path=ppt/slides/slide2.xml><?xml version="1.0" encoding="utf-8"?>
 <p:sld xmlns:a="http://schemas.openxmlformats.org/drawingml/2006/main" xmlns:r="http://schemas.openxmlformats.org/officeDocument/2006/relationships" xmlns:p="http://schemas.openxmlformats.org/presentationml/2006/main">
   <p:cSld>

--- a/etc/design.pptx
+++ b/etc/design.pptx
@@ -18,6 +18,7 @@
     <p:sldId id="267" r:id="rId12"/>
     <p:sldId id="268" r:id="rId13"/>
     <p:sldId id="269" r:id="rId14"/>
+    <p:sldId id="284" r:id="rId15"/>
   </p:sldIdLst>
   <p:sldSz cx="21599525" cy="10799763"/>
   <p:notesSz cx="6858000" cy="9144000"/>
@@ -122,6 +123,1470 @@
     </p:ext>
   </p:extLst>
 </p:presentation>
+</file>
+
+<file path=ppt/charts/chart1.xml><?xml version="1.0" encoding="utf-8"?>
+<c:chartSpace xmlns:c="http://schemas.openxmlformats.org/drawingml/2006/chart" xmlns:a="http://schemas.openxmlformats.org/drawingml/2006/main" xmlns:r="http://schemas.openxmlformats.org/officeDocument/2006/relationships" xmlns:c16r2="http://schemas.microsoft.com/office/drawing/2015/06/chart">
+  <c:date1904 val="0"/>
+  <c:lang val="ko-KR"/>
+  <c:roundedCorners val="0"/>
+  <mc:AlternateContent xmlns:mc="http://schemas.openxmlformats.org/markup-compatibility/2006">
+    <mc:Choice xmlns:c14="http://schemas.microsoft.com/office/drawing/2007/8/2/chart" Requires="c14">
+      <c14:style val="102"/>
+    </mc:Choice>
+    <mc:Fallback>
+      <c:style val="2"/>
+    </mc:Fallback>
+  </mc:AlternateContent>
+  <c:chart>
+    <c:title>
+      <c:tx>
+        <c:rich>
+          <a:bodyPr rot="0" spcFirstLastPara="1" vertOverflow="ellipsis" vert="horz" wrap="square" anchor="ctr" anchorCtr="1"/>
+          <a:lstStyle/>
+          <a:p>
+            <a:pPr>
+              <a:defRPr sz="1400" b="0" i="0" u="none" strike="noStrike" kern="1200" spc="0" baseline="0">
+                <a:solidFill>
+                  <a:schemeClr val="tx1">
+                    <a:lumMod val="65000"/>
+                    <a:lumOff val="35000"/>
+                  </a:schemeClr>
+                </a:solidFill>
+                <a:latin typeface="+mn-lt"/>
+                <a:ea typeface="+mn-ea"/>
+                <a:cs typeface="+mn-cs"/>
+              </a:defRPr>
+            </a:pPr>
+            <a:r>
+              <a:rPr lang="en-US" altLang="ko-KR" dirty="0">
+                <a:solidFill>
+                  <a:srgbClr val="595959"/>
+                </a:solidFill>
+              </a:rPr>
+              <a:t>Latency of framew</a:t>
+            </a:r>
+            <a:r>
+              <a:rPr lang="en-US" altLang="ko-KR" dirty="0"/>
+              <a:t>ork</a:t>
+            </a:r>
+            <a:endParaRPr lang="ko-KR" altLang="en-US" dirty="0"/>
+          </a:p>
+        </c:rich>
+      </c:tx>
+      <c:overlay val="0"/>
+      <c:spPr>
+        <a:noFill/>
+        <a:ln>
+          <a:noFill/>
+        </a:ln>
+        <a:effectLst/>
+      </c:spPr>
+    </c:title>
+    <c:autoTitleDeleted val="0"/>
+    <c:plotArea>
+      <c:layout/>
+      <c:lineChart>
+        <c:grouping val="standard"/>
+        <c:varyColors val="0"/>
+        <c:ser>
+          <c:idx val="1"/>
+          <c:order val="0"/>
+          <c:spPr>
+            <a:ln>
+              <a:solidFill>
+                <a:srgbClr val="0022ED"/>
+              </a:solidFill>
+            </a:ln>
+          </c:spPr>
+          <c:marker>
+            <c:symbol val="none"/>
+          </c:marker>
+          <c:cat>
+            <c:numRef>
+              <c:f>latency!$A$2:$A$61</c:f>
+              <c:numCache>
+                <c:formatCode>General</c:formatCode>
+                <c:ptCount val="60"/>
+                <c:pt idx="0">
+                  <c:v>10</c:v>
+                </c:pt>
+                <c:pt idx="1">
+                  <c:v>20</c:v>
+                </c:pt>
+                <c:pt idx="2">
+                  <c:v>30</c:v>
+                </c:pt>
+                <c:pt idx="3">
+                  <c:v>40</c:v>
+                </c:pt>
+                <c:pt idx="4">
+                  <c:v>50</c:v>
+                </c:pt>
+                <c:pt idx="5">
+                  <c:v>60</c:v>
+                </c:pt>
+                <c:pt idx="6">
+                  <c:v>70</c:v>
+                </c:pt>
+                <c:pt idx="7">
+                  <c:v>80</c:v>
+                </c:pt>
+                <c:pt idx="8">
+                  <c:v>90</c:v>
+                </c:pt>
+                <c:pt idx="9">
+                  <c:v>100</c:v>
+                </c:pt>
+                <c:pt idx="10">
+                  <c:v>110</c:v>
+                </c:pt>
+                <c:pt idx="11">
+                  <c:v>120</c:v>
+                </c:pt>
+                <c:pt idx="12">
+                  <c:v>130</c:v>
+                </c:pt>
+                <c:pt idx="13">
+                  <c:v>140</c:v>
+                </c:pt>
+                <c:pt idx="14">
+                  <c:v>150</c:v>
+                </c:pt>
+                <c:pt idx="15">
+                  <c:v>160</c:v>
+                </c:pt>
+                <c:pt idx="16">
+                  <c:v>170</c:v>
+                </c:pt>
+                <c:pt idx="17">
+                  <c:v>180</c:v>
+                </c:pt>
+                <c:pt idx="18">
+                  <c:v>190</c:v>
+                </c:pt>
+                <c:pt idx="19">
+                  <c:v>200</c:v>
+                </c:pt>
+                <c:pt idx="20">
+                  <c:v>210</c:v>
+                </c:pt>
+                <c:pt idx="21">
+                  <c:v>220</c:v>
+                </c:pt>
+                <c:pt idx="22">
+                  <c:v>230</c:v>
+                </c:pt>
+                <c:pt idx="23">
+                  <c:v>240</c:v>
+                </c:pt>
+                <c:pt idx="24">
+                  <c:v>250</c:v>
+                </c:pt>
+                <c:pt idx="25">
+                  <c:v>260</c:v>
+                </c:pt>
+                <c:pt idx="26">
+                  <c:v>270</c:v>
+                </c:pt>
+                <c:pt idx="27">
+                  <c:v>280</c:v>
+                </c:pt>
+                <c:pt idx="28">
+                  <c:v>290</c:v>
+                </c:pt>
+                <c:pt idx="29">
+                  <c:v>300</c:v>
+                </c:pt>
+                <c:pt idx="30">
+                  <c:v>310</c:v>
+                </c:pt>
+                <c:pt idx="31">
+                  <c:v>320</c:v>
+                </c:pt>
+                <c:pt idx="32">
+                  <c:v>330</c:v>
+                </c:pt>
+                <c:pt idx="33">
+                  <c:v>340</c:v>
+                </c:pt>
+                <c:pt idx="34">
+                  <c:v>350</c:v>
+                </c:pt>
+                <c:pt idx="35">
+                  <c:v>360</c:v>
+                </c:pt>
+                <c:pt idx="36">
+                  <c:v>370</c:v>
+                </c:pt>
+                <c:pt idx="37">
+                  <c:v>380</c:v>
+                </c:pt>
+                <c:pt idx="38">
+                  <c:v>390</c:v>
+                </c:pt>
+                <c:pt idx="39">
+                  <c:v>400</c:v>
+                </c:pt>
+                <c:pt idx="40">
+                  <c:v>410</c:v>
+                </c:pt>
+                <c:pt idx="41">
+                  <c:v>420</c:v>
+                </c:pt>
+                <c:pt idx="42">
+                  <c:v>430</c:v>
+                </c:pt>
+                <c:pt idx="43">
+                  <c:v>440</c:v>
+                </c:pt>
+                <c:pt idx="44">
+                  <c:v>450</c:v>
+                </c:pt>
+                <c:pt idx="45">
+                  <c:v>460</c:v>
+                </c:pt>
+                <c:pt idx="46">
+                  <c:v>470</c:v>
+                </c:pt>
+                <c:pt idx="47">
+                  <c:v>480</c:v>
+                </c:pt>
+                <c:pt idx="48">
+                  <c:v>490</c:v>
+                </c:pt>
+                <c:pt idx="49">
+                  <c:v>500</c:v>
+                </c:pt>
+                <c:pt idx="50">
+                  <c:v>510</c:v>
+                </c:pt>
+                <c:pt idx="51">
+                  <c:v>520</c:v>
+                </c:pt>
+                <c:pt idx="52">
+                  <c:v>530</c:v>
+                </c:pt>
+                <c:pt idx="53">
+                  <c:v>540</c:v>
+                </c:pt>
+                <c:pt idx="54">
+                  <c:v>550</c:v>
+                </c:pt>
+                <c:pt idx="55">
+                  <c:v>560</c:v>
+                </c:pt>
+                <c:pt idx="56">
+                  <c:v>570</c:v>
+                </c:pt>
+                <c:pt idx="57">
+                  <c:v>580</c:v>
+                </c:pt>
+                <c:pt idx="58">
+                  <c:v>590</c:v>
+                </c:pt>
+                <c:pt idx="59">
+                  <c:v>600</c:v>
+                </c:pt>
+              </c:numCache>
+            </c:numRef>
+          </c:cat>
+          <c:val>
+            <c:numRef>
+              <c:f>latency!$B$2:$B$61</c:f>
+              <c:numCache>
+                <c:formatCode>General</c:formatCode>
+                <c:ptCount val="60"/>
+                <c:pt idx="0">
+                  <c:v>0</c:v>
+                </c:pt>
+                <c:pt idx="1">
+                  <c:v>0.01</c:v>
+                </c:pt>
+                <c:pt idx="2">
+                  <c:v>0.02</c:v>
+                </c:pt>
+                <c:pt idx="3">
+                  <c:v>0.04</c:v>
+                </c:pt>
+                <c:pt idx="4">
+                  <c:v>0.06</c:v>
+                </c:pt>
+                <c:pt idx="5">
+                  <c:v>0.09</c:v>
+                </c:pt>
+                <c:pt idx="6">
+                  <c:v>0.13</c:v>
+                </c:pt>
+                <c:pt idx="7">
+                  <c:v>0.17</c:v>
+                </c:pt>
+                <c:pt idx="8">
+                  <c:v>0.22</c:v>
+                </c:pt>
+                <c:pt idx="9">
+                  <c:v>0.27</c:v>
+                </c:pt>
+                <c:pt idx="10">
+                  <c:v>0.33</c:v>
+                </c:pt>
+                <c:pt idx="11">
+                  <c:v>0.39500000000000002</c:v>
+                </c:pt>
+                <c:pt idx="12">
+                  <c:v>0.48</c:v>
+                </c:pt>
+                <c:pt idx="13">
+                  <c:v>0.56999999999999995</c:v>
+                </c:pt>
+                <c:pt idx="14">
+                  <c:v>0.67</c:v>
+                </c:pt>
+                <c:pt idx="15">
+                  <c:v>0.75</c:v>
+                </c:pt>
+                <c:pt idx="16">
+                  <c:v>0.84</c:v>
+                </c:pt>
+                <c:pt idx="17">
+                  <c:v>0.9</c:v>
+                </c:pt>
+                <c:pt idx="18">
+                  <c:v>0.95</c:v>
+                </c:pt>
+                <c:pt idx="19">
+                  <c:v>0.96499999999999997</c:v>
+                </c:pt>
+                <c:pt idx="20">
+                  <c:v>0.97</c:v>
+                </c:pt>
+                <c:pt idx="21">
+                  <c:v>0.98</c:v>
+                </c:pt>
+                <c:pt idx="22">
+                  <c:v>0.98499999999999999</c:v>
+                </c:pt>
+                <c:pt idx="23">
+                  <c:v>0.99</c:v>
+                </c:pt>
+                <c:pt idx="24">
+                  <c:v>0.99399999999999999</c:v>
+                </c:pt>
+                <c:pt idx="25">
+                  <c:v>0.996</c:v>
+                </c:pt>
+                <c:pt idx="26">
+                  <c:v>0.99850000000000005</c:v>
+                </c:pt>
+                <c:pt idx="27">
+                  <c:v>0.999</c:v>
+                </c:pt>
+                <c:pt idx="28">
+                  <c:v>1</c:v>
+                </c:pt>
+                <c:pt idx="29">
+                  <c:v>1</c:v>
+                </c:pt>
+                <c:pt idx="30">
+                  <c:v>1</c:v>
+                </c:pt>
+                <c:pt idx="31">
+                  <c:v>1</c:v>
+                </c:pt>
+                <c:pt idx="32">
+                  <c:v>1</c:v>
+                </c:pt>
+                <c:pt idx="33">
+                  <c:v>1</c:v>
+                </c:pt>
+                <c:pt idx="34">
+                  <c:v>1</c:v>
+                </c:pt>
+                <c:pt idx="35">
+                  <c:v>1</c:v>
+                </c:pt>
+                <c:pt idx="36">
+                  <c:v>1</c:v>
+                </c:pt>
+                <c:pt idx="37">
+                  <c:v>1</c:v>
+                </c:pt>
+                <c:pt idx="38">
+                  <c:v>1</c:v>
+                </c:pt>
+                <c:pt idx="39">
+                  <c:v>1</c:v>
+                </c:pt>
+                <c:pt idx="40">
+                  <c:v>1</c:v>
+                </c:pt>
+                <c:pt idx="41">
+                  <c:v>1</c:v>
+                </c:pt>
+                <c:pt idx="42">
+                  <c:v>1</c:v>
+                </c:pt>
+                <c:pt idx="43">
+                  <c:v>1</c:v>
+                </c:pt>
+                <c:pt idx="44">
+                  <c:v>1</c:v>
+                </c:pt>
+                <c:pt idx="45">
+                  <c:v>1</c:v>
+                </c:pt>
+                <c:pt idx="46">
+                  <c:v>1</c:v>
+                </c:pt>
+                <c:pt idx="47">
+                  <c:v>1</c:v>
+                </c:pt>
+                <c:pt idx="48">
+                  <c:v>1</c:v>
+                </c:pt>
+                <c:pt idx="49">
+                  <c:v>1</c:v>
+                </c:pt>
+                <c:pt idx="50">
+                  <c:v>1</c:v>
+                </c:pt>
+                <c:pt idx="51">
+                  <c:v>1</c:v>
+                </c:pt>
+                <c:pt idx="52">
+                  <c:v>1</c:v>
+                </c:pt>
+                <c:pt idx="53">
+                  <c:v>1</c:v>
+                </c:pt>
+                <c:pt idx="54">
+                  <c:v>1</c:v>
+                </c:pt>
+                <c:pt idx="55">
+                  <c:v>1</c:v>
+                </c:pt>
+                <c:pt idx="56">
+                  <c:v>1</c:v>
+                </c:pt>
+                <c:pt idx="57">
+                  <c:v>1</c:v>
+                </c:pt>
+                <c:pt idx="58">
+                  <c:v>1</c:v>
+                </c:pt>
+                <c:pt idx="59">
+                  <c:v>1</c:v>
+                </c:pt>
+              </c:numCache>
+            </c:numRef>
+          </c:val>
+          <c:smooth val="0"/>
+          <c:extLst>
+            <c:ext xmlns:c16="http://schemas.microsoft.com/office/drawing/2014/chart" uri="{C3380CC4-5D6E-409C-BE32-E72D297353CC}">
+              <c16:uniqueId val="{00000000-0C6B-AA4E-9354-5B63C168C0A7}"/>
+            </c:ext>
+          </c:extLst>
+        </c:ser>
+        <c:ser>
+          <c:idx val="2"/>
+          <c:order val="1"/>
+          <c:spPr>
+            <a:ln w="19050" cap="rnd">
+              <a:solidFill>
+                <a:srgbClr val="0070C0"/>
+              </a:solidFill>
+              <a:round/>
+            </a:ln>
+            <a:effectLst/>
+          </c:spPr>
+          <c:marker>
+            <c:symbol val="none"/>
+          </c:marker>
+          <c:cat>
+            <c:numRef>
+              <c:f>latency!$A$2:$A$61</c:f>
+              <c:numCache>
+                <c:formatCode>General</c:formatCode>
+                <c:ptCount val="60"/>
+                <c:pt idx="0">
+                  <c:v>10</c:v>
+                </c:pt>
+                <c:pt idx="1">
+                  <c:v>20</c:v>
+                </c:pt>
+                <c:pt idx="2">
+                  <c:v>30</c:v>
+                </c:pt>
+                <c:pt idx="3">
+                  <c:v>40</c:v>
+                </c:pt>
+                <c:pt idx="4">
+                  <c:v>50</c:v>
+                </c:pt>
+                <c:pt idx="5">
+                  <c:v>60</c:v>
+                </c:pt>
+                <c:pt idx="6">
+                  <c:v>70</c:v>
+                </c:pt>
+                <c:pt idx="7">
+                  <c:v>80</c:v>
+                </c:pt>
+                <c:pt idx="8">
+                  <c:v>90</c:v>
+                </c:pt>
+                <c:pt idx="9">
+                  <c:v>100</c:v>
+                </c:pt>
+                <c:pt idx="10">
+                  <c:v>110</c:v>
+                </c:pt>
+                <c:pt idx="11">
+                  <c:v>120</c:v>
+                </c:pt>
+                <c:pt idx="12">
+                  <c:v>130</c:v>
+                </c:pt>
+                <c:pt idx="13">
+                  <c:v>140</c:v>
+                </c:pt>
+                <c:pt idx="14">
+                  <c:v>150</c:v>
+                </c:pt>
+                <c:pt idx="15">
+                  <c:v>160</c:v>
+                </c:pt>
+                <c:pt idx="16">
+                  <c:v>170</c:v>
+                </c:pt>
+                <c:pt idx="17">
+                  <c:v>180</c:v>
+                </c:pt>
+                <c:pt idx="18">
+                  <c:v>190</c:v>
+                </c:pt>
+                <c:pt idx="19">
+                  <c:v>200</c:v>
+                </c:pt>
+                <c:pt idx="20">
+                  <c:v>210</c:v>
+                </c:pt>
+                <c:pt idx="21">
+                  <c:v>220</c:v>
+                </c:pt>
+                <c:pt idx="22">
+                  <c:v>230</c:v>
+                </c:pt>
+                <c:pt idx="23">
+                  <c:v>240</c:v>
+                </c:pt>
+                <c:pt idx="24">
+                  <c:v>250</c:v>
+                </c:pt>
+                <c:pt idx="25">
+                  <c:v>260</c:v>
+                </c:pt>
+                <c:pt idx="26">
+                  <c:v>270</c:v>
+                </c:pt>
+                <c:pt idx="27">
+                  <c:v>280</c:v>
+                </c:pt>
+                <c:pt idx="28">
+                  <c:v>290</c:v>
+                </c:pt>
+                <c:pt idx="29">
+                  <c:v>300</c:v>
+                </c:pt>
+                <c:pt idx="30">
+                  <c:v>310</c:v>
+                </c:pt>
+                <c:pt idx="31">
+                  <c:v>320</c:v>
+                </c:pt>
+                <c:pt idx="32">
+                  <c:v>330</c:v>
+                </c:pt>
+                <c:pt idx="33">
+                  <c:v>340</c:v>
+                </c:pt>
+                <c:pt idx="34">
+                  <c:v>350</c:v>
+                </c:pt>
+                <c:pt idx="35">
+                  <c:v>360</c:v>
+                </c:pt>
+                <c:pt idx="36">
+                  <c:v>370</c:v>
+                </c:pt>
+                <c:pt idx="37">
+                  <c:v>380</c:v>
+                </c:pt>
+                <c:pt idx="38">
+                  <c:v>390</c:v>
+                </c:pt>
+                <c:pt idx="39">
+                  <c:v>400</c:v>
+                </c:pt>
+                <c:pt idx="40">
+                  <c:v>410</c:v>
+                </c:pt>
+                <c:pt idx="41">
+                  <c:v>420</c:v>
+                </c:pt>
+                <c:pt idx="42">
+                  <c:v>430</c:v>
+                </c:pt>
+                <c:pt idx="43">
+                  <c:v>440</c:v>
+                </c:pt>
+                <c:pt idx="44">
+                  <c:v>450</c:v>
+                </c:pt>
+                <c:pt idx="45">
+                  <c:v>460</c:v>
+                </c:pt>
+                <c:pt idx="46">
+                  <c:v>470</c:v>
+                </c:pt>
+                <c:pt idx="47">
+                  <c:v>480</c:v>
+                </c:pt>
+                <c:pt idx="48">
+                  <c:v>490</c:v>
+                </c:pt>
+                <c:pt idx="49">
+                  <c:v>500</c:v>
+                </c:pt>
+                <c:pt idx="50">
+                  <c:v>510</c:v>
+                </c:pt>
+                <c:pt idx="51">
+                  <c:v>520</c:v>
+                </c:pt>
+                <c:pt idx="52">
+                  <c:v>530</c:v>
+                </c:pt>
+                <c:pt idx="53">
+                  <c:v>540</c:v>
+                </c:pt>
+                <c:pt idx="54">
+                  <c:v>550</c:v>
+                </c:pt>
+                <c:pt idx="55">
+                  <c:v>560</c:v>
+                </c:pt>
+                <c:pt idx="56">
+                  <c:v>570</c:v>
+                </c:pt>
+                <c:pt idx="57">
+                  <c:v>580</c:v>
+                </c:pt>
+                <c:pt idx="58">
+                  <c:v>590</c:v>
+                </c:pt>
+                <c:pt idx="59">
+                  <c:v>600</c:v>
+                </c:pt>
+              </c:numCache>
+            </c:numRef>
+          </c:cat>
+          <c:val>
+            <c:numRef>
+              <c:f>latency!$C$2:$C$61</c:f>
+              <c:numCache>
+                <c:formatCode>General</c:formatCode>
+                <c:ptCount val="60"/>
+                <c:pt idx="0">
+                  <c:v>0</c:v>
+                </c:pt>
+                <c:pt idx="1">
+                  <c:v>5.0000000000000001E-3</c:v>
+                </c:pt>
+                <c:pt idx="2">
+                  <c:v>1.4999999999999999E-2</c:v>
+                </c:pt>
+                <c:pt idx="3">
+                  <c:v>3.4000000000000002E-2</c:v>
+                </c:pt>
+                <c:pt idx="4">
+                  <c:v>0.05</c:v>
+                </c:pt>
+                <c:pt idx="5">
+                  <c:v>7.0000000000000007E-2</c:v>
+                </c:pt>
+                <c:pt idx="6">
+                  <c:v>0.09</c:v>
+                </c:pt>
+                <c:pt idx="7">
+                  <c:v>0.115</c:v>
+                </c:pt>
+                <c:pt idx="8">
+                  <c:v>0.14000000000000001</c:v>
+                </c:pt>
+                <c:pt idx="9">
+                  <c:v>0.17</c:v>
+                </c:pt>
+                <c:pt idx="10">
+                  <c:v>0.2</c:v>
+                </c:pt>
+                <c:pt idx="11">
+                  <c:v>0.23</c:v>
+                </c:pt>
+                <c:pt idx="12">
+                  <c:v>0.26</c:v>
+                </c:pt>
+                <c:pt idx="13">
+                  <c:v>0.28999999999999998</c:v>
+                </c:pt>
+                <c:pt idx="14">
+                  <c:v>0.33</c:v>
+                </c:pt>
+                <c:pt idx="15">
+                  <c:v>0.36</c:v>
+                </c:pt>
+                <c:pt idx="16">
+                  <c:v>0.39</c:v>
+                </c:pt>
+                <c:pt idx="17">
+                  <c:v>0.43</c:v>
+                </c:pt>
+                <c:pt idx="18">
+                  <c:v>0.46500000000000002</c:v>
+                </c:pt>
+                <c:pt idx="19">
+                  <c:v>0.5</c:v>
+                </c:pt>
+                <c:pt idx="20">
+                  <c:v>0.53500000000000003</c:v>
+                </c:pt>
+                <c:pt idx="21">
+                  <c:v>0.56999999999999995</c:v>
+                </c:pt>
+                <c:pt idx="22">
+                  <c:v>0.61</c:v>
+                </c:pt>
+                <c:pt idx="23">
+                  <c:v>0.65</c:v>
+                </c:pt>
+                <c:pt idx="24">
+                  <c:v>0.69</c:v>
+                </c:pt>
+                <c:pt idx="25">
+                  <c:v>0.73</c:v>
+                </c:pt>
+                <c:pt idx="26">
+                  <c:v>0.77</c:v>
+                </c:pt>
+                <c:pt idx="27">
+                  <c:v>0.81</c:v>
+                </c:pt>
+                <c:pt idx="28">
+                  <c:v>0.84</c:v>
+                </c:pt>
+                <c:pt idx="29">
+                  <c:v>0.87</c:v>
+                </c:pt>
+                <c:pt idx="30">
+                  <c:v>0.9</c:v>
+                </c:pt>
+                <c:pt idx="31">
+                  <c:v>0.92</c:v>
+                </c:pt>
+                <c:pt idx="32">
+                  <c:v>0.93500000000000005</c:v>
+                </c:pt>
+                <c:pt idx="33">
+                  <c:v>0.95</c:v>
+                </c:pt>
+                <c:pt idx="34">
+                  <c:v>0.96499999999999997</c:v>
+                </c:pt>
+                <c:pt idx="35">
+                  <c:v>0.97</c:v>
+                </c:pt>
+                <c:pt idx="36">
+                  <c:v>0.97799999999999998</c:v>
+                </c:pt>
+                <c:pt idx="37">
+                  <c:v>0.98299999999999998</c:v>
+                </c:pt>
+                <c:pt idx="38">
+                  <c:v>0.99</c:v>
+                </c:pt>
+                <c:pt idx="39">
+                  <c:v>0.99199999999999999</c:v>
+                </c:pt>
+                <c:pt idx="40">
+                  <c:v>0.995</c:v>
+                </c:pt>
+                <c:pt idx="41">
+                  <c:v>0.997</c:v>
+                </c:pt>
+                <c:pt idx="42">
+                  <c:v>0.998</c:v>
+                </c:pt>
+                <c:pt idx="43">
+                  <c:v>1</c:v>
+                </c:pt>
+                <c:pt idx="44">
+                  <c:v>1</c:v>
+                </c:pt>
+                <c:pt idx="45">
+                  <c:v>1</c:v>
+                </c:pt>
+                <c:pt idx="46">
+                  <c:v>1</c:v>
+                </c:pt>
+                <c:pt idx="47">
+                  <c:v>1</c:v>
+                </c:pt>
+                <c:pt idx="48">
+                  <c:v>1</c:v>
+                </c:pt>
+                <c:pt idx="49">
+                  <c:v>1</c:v>
+                </c:pt>
+                <c:pt idx="50">
+                  <c:v>1</c:v>
+                </c:pt>
+                <c:pt idx="51">
+                  <c:v>1</c:v>
+                </c:pt>
+                <c:pt idx="52">
+                  <c:v>1</c:v>
+                </c:pt>
+                <c:pt idx="53">
+                  <c:v>1</c:v>
+                </c:pt>
+                <c:pt idx="54">
+                  <c:v>1</c:v>
+                </c:pt>
+                <c:pt idx="55">
+                  <c:v>1</c:v>
+                </c:pt>
+                <c:pt idx="56">
+                  <c:v>1</c:v>
+                </c:pt>
+                <c:pt idx="57">
+                  <c:v>1</c:v>
+                </c:pt>
+                <c:pt idx="58">
+                  <c:v>1</c:v>
+                </c:pt>
+                <c:pt idx="59">
+                  <c:v>1</c:v>
+                </c:pt>
+              </c:numCache>
+            </c:numRef>
+          </c:val>
+          <c:smooth val="0"/>
+          <c:extLst>
+            <c:ext xmlns:c16="http://schemas.microsoft.com/office/drawing/2014/chart" uri="{C3380CC4-5D6E-409C-BE32-E72D297353CC}">
+              <c16:uniqueId val="{00000001-0C6B-AA4E-9354-5B63C168C0A7}"/>
+            </c:ext>
+          </c:extLst>
+        </c:ser>
+        <c:ser>
+          <c:idx val="0"/>
+          <c:order val="2"/>
+          <c:spPr>
+            <a:ln w="19050" cap="rnd">
+              <a:solidFill>
+                <a:srgbClr val="00B0F0"/>
+              </a:solidFill>
+              <a:round/>
+            </a:ln>
+            <a:effectLst/>
+          </c:spPr>
+          <c:marker>
+            <c:symbol val="none"/>
+          </c:marker>
+          <c:cat>
+            <c:numRef>
+              <c:f>latency!$A$2:$A$61</c:f>
+              <c:numCache>
+                <c:formatCode>General</c:formatCode>
+                <c:ptCount val="60"/>
+                <c:pt idx="0">
+                  <c:v>10</c:v>
+                </c:pt>
+                <c:pt idx="1">
+                  <c:v>20</c:v>
+                </c:pt>
+                <c:pt idx="2">
+                  <c:v>30</c:v>
+                </c:pt>
+                <c:pt idx="3">
+                  <c:v>40</c:v>
+                </c:pt>
+                <c:pt idx="4">
+                  <c:v>50</c:v>
+                </c:pt>
+                <c:pt idx="5">
+                  <c:v>60</c:v>
+                </c:pt>
+                <c:pt idx="6">
+                  <c:v>70</c:v>
+                </c:pt>
+                <c:pt idx="7">
+                  <c:v>80</c:v>
+                </c:pt>
+                <c:pt idx="8">
+                  <c:v>90</c:v>
+                </c:pt>
+                <c:pt idx="9">
+                  <c:v>100</c:v>
+                </c:pt>
+                <c:pt idx="10">
+                  <c:v>110</c:v>
+                </c:pt>
+                <c:pt idx="11">
+                  <c:v>120</c:v>
+                </c:pt>
+                <c:pt idx="12">
+                  <c:v>130</c:v>
+                </c:pt>
+                <c:pt idx="13">
+                  <c:v>140</c:v>
+                </c:pt>
+                <c:pt idx="14">
+                  <c:v>150</c:v>
+                </c:pt>
+                <c:pt idx="15">
+                  <c:v>160</c:v>
+                </c:pt>
+                <c:pt idx="16">
+                  <c:v>170</c:v>
+                </c:pt>
+                <c:pt idx="17">
+                  <c:v>180</c:v>
+                </c:pt>
+                <c:pt idx="18">
+                  <c:v>190</c:v>
+                </c:pt>
+                <c:pt idx="19">
+                  <c:v>200</c:v>
+                </c:pt>
+                <c:pt idx="20">
+                  <c:v>210</c:v>
+                </c:pt>
+                <c:pt idx="21">
+                  <c:v>220</c:v>
+                </c:pt>
+                <c:pt idx="22">
+                  <c:v>230</c:v>
+                </c:pt>
+                <c:pt idx="23">
+                  <c:v>240</c:v>
+                </c:pt>
+                <c:pt idx="24">
+                  <c:v>250</c:v>
+                </c:pt>
+                <c:pt idx="25">
+                  <c:v>260</c:v>
+                </c:pt>
+                <c:pt idx="26">
+                  <c:v>270</c:v>
+                </c:pt>
+                <c:pt idx="27">
+                  <c:v>280</c:v>
+                </c:pt>
+                <c:pt idx="28">
+                  <c:v>290</c:v>
+                </c:pt>
+                <c:pt idx="29">
+                  <c:v>300</c:v>
+                </c:pt>
+                <c:pt idx="30">
+                  <c:v>310</c:v>
+                </c:pt>
+                <c:pt idx="31">
+                  <c:v>320</c:v>
+                </c:pt>
+                <c:pt idx="32">
+                  <c:v>330</c:v>
+                </c:pt>
+                <c:pt idx="33">
+                  <c:v>340</c:v>
+                </c:pt>
+                <c:pt idx="34">
+                  <c:v>350</c:v>
+                </c:pt>
+                <c:pt idx="35">
+                  <c:v>360</c:v>
+                </c:pt>
+                <c:pt idx="36">
+                  <c:v>370</c:v>
+                </c:pt>
+                <c:pt idx="37">
+                  <c:v>380</c:v>
+                </c:pt>
+                <c:pt idx="38">
+                  <c:v>390</c:v>
+                </c:pt>
+                <c:pt idx="39">
+                  <c:v>400</c:v>
+                </c:pt>
+                <c:pt idx="40">
+                  <c:v>410</c:v>
+                </c:pt>
+                <c:pt idx="41">
+                  <c:v>420</c:v>
+                </c:pt>
+                <c:pt idx="42">
+                  <c:v>430</c:v>
+                </c:pt>
+                <c:pt idx="43">
+                  <c:v>440</c:v>
+                </c:pt>
+                <c:pt idx="44">
+                  <c:v>450</c:v>
+                </c:pt>
+                <c:pt idx="45">
+                  <c:v>460</c:v>
+                </c:pt>
+                <c:pt idx="46">
+                  <c:v>470</c:v>
+                </c:pt>
+                <c:pt idx="47">
+                  <c:v>480</c:v>
+                </c:pt>
+                <c:pt idx="48">
+                  <c:v>490</c:v>
+                </c:pt>
+                <c:pt idx="49">
+                  <c:v>500</c:v>
+                </c:pt>
+                <c:pt idx="50">
+                  <c:v>510</c:v>
+                </c:pt>
+                <c:pt idx="51">
+                  <c:v>520</c:v>
+                </c:pt>
+                <c:pt idx="52">
+                  <c:v>530</c:v>
+                </c:pt>
+                <c:pt idx="53">
+                  <c:v>540</c:v>
+                </c:pt>
+                <c:pt idx="54">
+                  <c:v>550</c:v>
+                </c:pt>
+                <c:pt idx="55">
+                  <c:v>560</c:v>
+                </c:pt>
+                <c:pt idx="56">
+                  <c:v>570</c:v>
+                </c:pt>
+                <c:pt idx="57">
+                  <c:v>580</c:v>
+                </c:pt>
+                <c:pt idx="58">
+                  <c:v>590</c:v>
+                </c:pt>
+                <c:pt idx="59">
+                  <c:v>600</c:v>
+                </c:pt>
+              </c:numCache>
+            </c:numRef>
+          </c:cat>
+          <c:val>
+            <c:numRef>
+              <c:f>latency!$D$2:$D$61</c:f>
+              <c:numCache>
+                <c:formatCode>General</c:formatCode>
+                <c:ptCount val="60"/>
+                <c:pt idx="0">
+                  <c:v>0</c:v>
+                </c:pt>
+                <c:pt idx="1">
+                  <c:v>3.0000000000000001E-3</c:v>
+                </c:pt>
+                <c:pt idx="2">
+                  <c:v>0.01</c:v>
+                </c:pt>
+                <c:pt idx="3">
+                  <c:v>1.4999999999999999E-2</c:v>
+                </c:pt>
+                <c:pt idx="4">
+                  <c:v>2.5000000000000001E-2</c:v>
+                </c:pt>
+                <c:pt idx="5">
+                  <c:v>3.5000000000000003E-2</c:v>
+                </c:pt>
+                <c:pt idx="6">
+                  <c:v>4.4999999999999998E-2</c:v>
+                </c:pt>
+                <c:pt idx="7">
+                  <c:v>5.8000000000000003E-2</c:v>
+                </c:pt>
+                <c:pt idx="8">
+                  <c:v>7.4999999999999997E-2</c:v>
+                </c:pt>
+                <c:pt idx="9">
+                  <c:v>9.1999999999999998E-2</c:v>
+                </c:pt>
+                <c:pt idx="10">
+                  <c:v>0.11</c:v>
+                </c:pt>
+                <c:pt idx="11">
+                  <c:v>0.13</c:v>
+                </c:pt>
+                <c:pt idx="12">
+                  <c:v>0.15</c:v>
+                </c:pt>
+                <c:pt idx="13">
+                  <c:v>0.17499999999999999</c:v>
+                </c:pt>
+                <c:pt idx="14">
+                  <c:v>0.2</c:v>
+                </c:pt>
+                <c:pt idx="15">
+                  <c:v>0.23</c:v>
+                </c:pt>
+                <c:pt idx="16">
+                  <c:v>0.26</c:v>
+                </c:pt>
+                <c:pt idx="17">
+                  <c:v>0.28999999999999998</c:v>
+                </c:pt>
+                <c:pt idx="18">
+                  <c:v>0.33</c:v>
+                </c:pt>
+                <c:pt idx="19">
+                  <c:v>0.36</c:v>
+                </c:pt>
+                <c:pt idx="20">
+                  <c:v>0.39</c:v>
+                </c:pt>
+                <c:pt idx="21">
+                  <c:v>0.42</c:v>
+                </c:pt>
+                <c:pt idx="22">
+                  <c:v>0.45</c:v>
+                </c:pt>
+                <c:pt idx="23">
+                  <c:v>0.48</c:v>
+                </c:pt>
+                <c:pt idx="24">
+                  <c:v>0.52</c:v>
+                </c:pt>
+                <c:pt idx="25">
+                  <c:v>0.55000000000000004</c:v>
+                </c:pt>
+                <c:pt idx="26">
+                  <c:v>0.57999999999999996</c:v>
+                </c:pt>
+                <c:pt idx="27">
+                  <c:v>0.61</c:v>
+                </c:pt>
+                <c:pt idx="28">
+                  <c:v>0.64</c:v>
+                </c:pt>
+                <c:pt idx="29">
+                  <c:v>0.67</c:v>
+                </c:pt>
+                <c:pt idx="30">
+                  <c:v>0.7</c:v>
+                </c:pt>
+                <c:pt idx="31">
+                  <c:v>0.73</c:v>
+                </c:pt>
+                <c:pt idx="32">
+                  <c:v>0.76</c:v>
+                </c:pt>
+                <c:pt idx="33">
+                  <c:v>0.79</c:v>
+                </c:pt>
+                <c:pt idx="34">
+                  <c:v>0.82</c:v>
+                </c:pt>
+                <c:pt idx="35">
+                  <c:v>0.85</c:v>
+                </c:pt>
+                <c:pt idx="36">
+                  <c:v>0.875</c:v>
+                </c:pt>
+                <c:pt idx="37">
+                  <c:v>0.9</c:v>
+                </c:pt>
+                <c:pt idx="38">
+                  <c:v>0.91500000000000004</c:v>
+                </c:pt>
+                <c:pt idx="39">
+                  <c:v>0.93</c:v>
+                </c:pt>
+                <c:pt idx="40">
+                  <c:v>0.94499999999999995</c:v>
+                </c:pt>
+                <c:pt idx="41">
+                  <c:v>0.95599999999999996</c:v>
+                </c:pt>
+                <c:pt idx="42">
+                  <c:v>0.96499999999999997</c:v>
+                </c:pt>
+                <c:pt idx="43">
+                  <c:v>0.97</c:v>
+                </c:pt>
+                <c:pt idx="44">
+                  <c:v>0.97499999999999998</c:v>
+                </c:pt>
+                <c:pt idx="45">
+                  <c:v>0.98</c:v>
+                </c:pt>
+                <c:pt idx="46">
+                  <c:v>0.98499999999999999</c:v>
+                </c:pt>
+                <c:pt idx="47">
+                  <c:v>0.99</c:v>
+                </c:pt>
+                <c:pt idx="48">
+                  <c:v>0.99099999999999999</c:v>
+                </c:pt>
+                <c:pt idx="49">
+                  <c:v>0.995</c:v>
+                </c:pt>
+                <c:pt idx="50">
+                  <c:v>0.996</c:v>
+                </c:pt>
+                <c:pt idx="51">
+                  <c:v>0.997</c:v>
+                </c:pt>
+                <c:pt idx="52">
+                  <c:v>0.998</c:v>
+                </c:pt>
+                <c:pt idx="53">
+                  <c:v>1</c:v>
+                </c:pt>
+                <c:pt idx="54">
+                  <c:v>1</c:v>
+                </c:pt>
+                <c:pt idx="55">
+                  <c:v>1</c:v>
+                </c:pt>
+                <c:pt idx="56">
+                  <c:v>1</c:v>
+                </c:pt>
+                <c:pt idx="57">
+                  <c:v>1</c:v>
+                </c:pt>
+                <c:pt idx="58">
+                  <c:v>1</c:v>
+                </c:pt>
+                <c:pt idx="59">
+                  <c:v>1</c:v>
+                </c:pt>
+              </c:numCache>
+            </c:numRef>
+          </c:val>
+          <c:smooth val="0"/>
+          <c:extLst>
+            <c:ext xmlns:c16="http://schemas.microsoft.com/office/drawing/2014/chart" uri="{C3380CC4-5D6E-409C-BE32-E72D297353CC}">
+              <c16:uniqueId val="{00000002-0C6B-AA4E-9354-5B63C168C0A7}"/>
+            </c:ext>
+          </c:extLst>
+        </c:ser>
+        <c:dLbls>
+          <c:showLegendKey val="0"/>
+          <c:showVal val="0"/>
+          <c:showCatName val="0"/>
+          <c:showSerName val="0"/>
+          <c:showPercent val="0"/>
+          <c:showBubbleSize val="0"/>
+        </c:dLbls>
+        <c:smooth val="0"/>
+        <c:axId val="2023532848"/>
+        <c:axId val="2023286832"/>
+      </c:lineChart>
+      <c:catAx>
+        <c:axId val="2023532848"/>
+        <c:scaling>
+          <c:orientation val="minMax"/>
+        </c:scaling>
+        <c:delete val="0"/>
+        <c:axPos val="b"/>
+        <c:majorGridlines>
+          <c:spPr>
+            <a:ln w="9525" cap="flat" cmpd="sng" algn="ctr">
+              <a:solidFill>
+                <a:schemeClr val="tx1">
+                  <a:lumMod val="15000"/>
+                  <a:lumOff val="85000"/>
+                </a:schemeClr>
+              </a:solidFill>
+              <a:round/>
+            </a:ln>
+            <a:effectLst/>
+          </c:spPr>
+        </c:majorGridlines>
+        <c:title>
+          <c:tx>
+            <c:rich>
+              <a:bodyPr/>
+              <a:lstStyle/>
+              <a:p>
+                <a:pPr>
+                  <a:defRPr>
+                    <a:solidFill>
+                      <a:schemeClr val="tx1">
+                        <a:lumMod val="50000"/>
+                        <a:lumOff val="50000"/>
+                      </a:schemeClr>
+                    </a:solidFill>
+                  </a:defRPr>
+                </a:pPr>
+                <a:r>
+                  <a:rPr lang="en-US" altLang="ko-KR" b="0">
+                    <a:solidFill>
+                      <a:schemeClr val="tx1">
+                        <a:lumMod val="50000"/>
+                        <a:lumOff val="50000"/>
+                      </a:schemeClr>
+                    </a:solidFill>
+                  </a:rPr>
+                  <a:t>latency (ms)</a:t>
+                </a:r>
+                <a:endParaRPr lang="ko-KR" altLang="en-US" b="0">
+                  <a:solidFill>
+                    <a:schemeClr val="tx1">
+                      <a:lumMod val="50000"/>
+                      <a:lumOff val="50000"/>
+                    </a:schemeClr>
+                  </a:solidFill>
+                </a:endParaRPr>
+              </a:p>
+            </c:rich>
+          </c:tx>
+          <c:overlay val="0"/>
+        </c:title>
+        <c:numFmt formatCode="General" sourceLinked="1"/>
+        <c:majorTickMark val="none"/>
+        <c:minorTickMark val="none"/>
+        <c:tickLblPos val="nextTo"/>
+        <c:spPr>
+          <a:noFill/>
+          <a:ln w="9525" cap="flat" cmpd="sng" algn="ctr">
+            <a:solidFill>
+              <a:schemeClr val="tx1">
+                <a:lumMod val="25000"/>
+                <a:lumOff val="75000"/>
+              </a:schemeClr>
+            </a:solidFill>
+            <a:round/>
+          </a:ln>
+          <a:effectLst/>
+        </c:spPr>
+        <c:txPr>
+          <a:bodyPr rot="0" spcFirstLastPara="1" vertOverflow="ellipsis" vert="horz" wrap="square" anchor="ctr" anchorCtr="1"/>
+          <a:lstStyle/>
+          <a:p>
+            <a:pPr>
+              <a:defRPr sz="900" b="0" i="0" u="none" strike="noStrike" kern="1200" baseline="0">
+                <a:solidFill>
+                  <a:schemeClr val="tx1">
+                    <a:lumMod val="65000"/>
+                    <a:lumOff val="35000"/>
+                  </a:schemeClr>
+                </a:solidFill>
+                <a:latin typeface="+mn-lt"/>
+                <a:ea typeface="+mn-ea"/>
+                <a:cs typeface="+mn-cs"/>
+              </a:defRPr>
+            </a:pPr>
+            <a:endParaRPr lang="ko-KR"/>
+          </a:p>
+        </c:txPr>
+        <c:crossAx val="2023286832"/>
+        <c:crosses val="autoZero"/>
+        <c:auto val="1"/>
+        <c:lblAlgn val="ctr"/>
+        <c:lblOffset val="100"/>
+        <c:tickMarkSkip val="100"/>
+        <c:noMultiLvlLbl val="1"/>
+      </c:catAx>
+      <c:valAx>
+        <c:axId val="2023286832"/>
+        <c:scaling>
+          <c:orientation val="minMax"/>
+          <c:max val="1"/>
+        </c:scaling>
+        <c:delete val="0"/>
+        <c:axPos val="l"/>
+        <c:majorGridlines>
+          <c:spPr>
+            <a:ln w="9525" cap="flat" cmpd="sng" algn="ctr">
+              <a:solidFill>
+                <a:schemeClr val="tx1">
+                  <a:lumMod val="15000"/>
+                  <a:lumOff val="85000"/>
+                </a:schemeClr>
+              </a:solidFill>
+              <a:round/>
+            </a:ln>
+            <a:effectLst/>
+          </c:spPr>
+        </c:majorGridlines>
+        <c:numFmt formatCode="General" sourceLinked="1"/>
+        <c:majorTickMark val="none"/>
+        <c:minorTickMark val="none"/>
+        <c:tickLblPos val="nextTo"/>
+        <c:spPr>
+          <a:noFill/>
+          <a:ln w="9525" cap="flat" cmpd="sng" algn="ctr">
+            <a:solidFill>
+              <a:schemeClr val="tx1">
+                <a:lumMod val="25000"/>
+                <a:lumOff val="75000"/>
+              </a:schemeClr>
+            </a:solidFill>
+            <a:round/>
+          </a:ln>
+          <a:effectLst/>
+        </c:spPr>
+        <c:txPr>
+          <a:bodyPr rot="-60000000" spcFirstLastPara="1" vertOverflow="ellipsis" vert="horz" wrap="square" anchor="ctr" anchorCtr="1"/>
+          <a:lstStyle/>
+          <a:p>
+            <a:pPr>
+              <a:defRPr sz="900" b="0" i="0" u="none" strike="noStrike" kern="1200" baseline="0">
+                <a:solidFill>
+                  <a:schemeClr val="tx1">
+                    <a:lumMod val="65000"/>
+                    <a:lumOff val="35000"/>
+                  </a:schemeClr>
+                </a:solidFill>
+                <a:latin typeface="+mn-lt"/>
+                <a:ea typeface="+mn-ea"/>
+                <a:cs typeface="+mn-cs"/>
+              </a:defRPr>
+            </a:pPr>
+            <a:endParaRPr lang="ko-KR"/>
+          </a:p>
+        </c:txPr>
+        <c:crossAx val="2023532848"/>
+        <c:crosses val="autoZero"/>
+        <c:crossBetween val="between"/>
+      </c:valAx>
+    </c:plotArea>
+    <c:plotVisOnly val="1"/>
+    <c:dispBlanksAs val="gap"/>
+    <c:showDLblsOverMax val="0"/>
+  </c:chart>
+  <c:txPr>
+    <a:bodyPr/>
+    <a:lstStyle/>
+    <a:p>
+      <a:pPr>
+        <a:defRPr/>
+      </a:pPr>
+      <a:endParaRPr lang="ko-KR"/>
+    </a:p>
+  </c:txPr>
+  <c:externalData r:id="rId1">
+    <c:autoUpdate val="0"/>
+  </c:externalData>
+</c:chartSpace>
 </file>
 
 <file path=ppt/charts/chartEx1.xml><?xml version="1.0" encoding="utf-8"?>
@@ -560,7 +2025,7 @@
         <cx:tickLabels/>
       </cx:axis>
       <cx:axis id="1">
-        <cx:valScaling max="130" min="80"/>
+        <cx:valScaling max="130" min="0"/>
         <cx:title>
           <cx:tx>
             <cx:rich>
@@ -581,7 +2046,7 @@
                     <a:latin typeface="맑은 고딕" panose="020F0502020204030204"/>
                     <a:ea typeface="맑은 고딕" panose="020B0503020000020004" pitchFamily="34" charset="-127"/>
                   </a:rPr>
-                  <a:t>SLO achievement (%)</a:t>
+                  <a:t>Performance achievement (%)</a:t>
                 </a:r>
                 <a:endParaRPr lang="ko-KR" altLang="en-US" sz="900" b="0" i="0" u="none" strike="noStrike" baseline="0" dirty="0">
                   <a:solidFill>
@@ -605,7 +2070,406 @@
 </cx:chartSpace>
 </file>
 
+<file path=ppt/charts/chartEx2.xml><?xml version="1.0" encoding="utf-8"?>
+<cx:chartSpace xmlns:a="http://schemas.openxmlformats.org/drawingml/2006/main" xmlns:r="http://schemas.openxmlformats.org/officeDocument/2006/relationships" xmlns:cx="http://schemas.microsoft.com/office/drawing/2014/chartex">
+  <cx:chartData>
+    <cx:externalData r:id="rId1" cx:autoUpdate="0"/>
+    <cx:data id="0">
+      <cx:numDim type="val">
+        <cx:f>ab_file!$I$2:$I$46</cx:f>
+        <cx:lvl ptCount="45" formatCode="G/표준">
+          <cx:pt idx="0">123.65000000000001</cx:pt>
+          <cx:pt idx="1">120.943</cx:pt>
+          <cx:pt idx="2">116.59999999999999</cx:pt>
+          <cx:pt idx="3">112.89999999999999</cx:pt>
+          <cx:pt idx="4">109.3</cx:pt>
+          <cx:pt idx="5">107.03</cx:pt>
+          <cx:pt idx="6">107.83399999999999</cx:pt>
+          <cx:pt idx="7">105.0534</cx:pt>
+          <cx:pt idx="8">106.03519999999999</cx:pt>
+          <cx:pt idx="9">103.8334</cx:pt>
+          <cx:pt idx="10">104.92399999999999</cx:pt>
+          <cx:pt idx="11">103.72</cx:pt>
+          <cx:pt idx="12">103.19</cx:pt>
+          <cx:pt idx="13">102.66</cx:pt>
+          <cx:pt idx="14">102.13</cx:pt>
+          <cx:pt idx="15">101.59999999999999</cx:pt>
+          <cx:pt idx="16">101.06999999999999</cx:pt>
+          <cx:pt idx="17">100.53999999999999</cx:pt>
+          <cx:pt idx="18">100.00999999999999</cx:pt>
+          <cx:pt idx="19">99.47999999999999</cx:pt>
+          <cx:pt idx="20">98.949999999999989</cx:pt>
+          <cx:pt idx="21">98.419999999999987</cx:pt>
+          <cx:pt idx="22">97.889999999999986</cx:pt>
+          <cx:pt idx="23">97.359999999999985</cx:pt>
+          <cx:pt idx="24">96.829999999999984</cx:pt>
+          <cx:pt idx="25">96.299999999999983</cx:pt>
+          <cx:pt idx="26">95.769999999999982</cx:pt>
+          <cx:pt idx="27">95.239999999999981</cx:pt>
+          <cx:pt idx="28">94.70999999999998</cx:pt>
+          <cx:pt idx="29">94.179999999999978</cx:pt>
+          <cx:pt idx="30">93.649999999999977</cx:pt>
+          <cx:pt idx="31">93.119999999999976</cx:pt>
+          <cx:pt idx="32">92.45999999999998</cx:pt>
+          <cx:pt idx="33">91.799999999999983</cx:pt>
+          <cx:pt idx="34">91.139999999999986</cx:pt>
+          <cx:pt idx="35">90.47999999999999</cx:pt>
+          <cx:pt idx="36">89.819999999999993</cx:pt>
+          <cx:pt idx="37">89.159999999999997</cx:pt>
+          <cx:pt idx="38">88.5</cx:pt>
+          <cx:pt idx="39">87.840000000000003</cx:pt>
+          <cx:pt idx="40">87.180000000000007</cx:pt>
+          <cx:pt idx="41">86.52000000000001</cx:pt>
+          <cx:pt idx="42">85.860000000000014</cx:pt>
+          <cx:pt idx="43">85.200000000000017</cx:pt>
+          <cx:pt idx="44">84.54000000000002</cx:pt>
+        </cx:lvl>
+      </cx:numDim>
+    </cx:data>
+    <cx:data id="1">
+      <cx:numDim type="val">
+        <cx:f>ab_file!$J$2:$J$46</cx:f>
+        <cx:lvl ptCount="45" formatCode="G/표준">
+          <cx:pt idx="0">120.03</cx:pt>
+          <cx:pt idx="1">116.87</cx:pt>
+          <cx:pt idx="2">113.53</cx:pt>
+          <cx:pt idx="3">113.73</cx:pt>
+          <cx:pt idx="4">108.03</cx:pt>
+          <cx:pt idx="5">106.53</cx:pt>
+          <cx:pt idx="6">105.97</cx:pt>
+          <cx:pt idx="7">105.41</cx:pt>
+          <cx:pt idx="8">104.84999999999999</cx:pt>
+          <cx:pt idx="9">104.28999999999999</cx:pt>
+          <cx:pt idx="10">103.72999999999999</cx:pt>
+          <cx:pt idx="11">103.16999999999999</cx:pt>
+          <cx:pt idx="12">101.42</cx:pt>
+          <cx:pt idx="13">100.86</cx:pt>
+          <cx:pt idx="14">100.3</cx:pt>
+          <cx:pt idx="15">99.739999999999995</cx:pt>
+          <cx:pt idx="16">99.179999999999993</cx:pt>
+          <cx:pt idx="17">98.61999999999999</cx:pt>
+          <cx:pt idx="18">98.059999999999988</cx:pt>
+          <cx:pt idx="19">97.499999999999986</cx:pt>
+          <cx:pt idx="20">96.939999999999984</cx:pt>
+          <cx:pt idx="21">96.379999999999981</cx:pt>
+          <cx:pt idx="22">95.819999999999979</cx:pt>
+          <cx:pt idx="23">95.259999999999977</cx:pt>
+          <cx:pt idx="24">94.699999999999974</cx:pt>
+          <cx:pt idx="25">94.139999999999972</cx:pt>
+          <cx:pt idx="26">93.57999999999997</cx:pt>
+          <cx:pt idx="27">93.019999999999968</cx:pt>
+          <cx:pt idx="28">92.459999999999965</cx:pt>
+          <cx:pt idx="29">91.899999999999963</cx:pt>
+          <cx:pt idx="30">91.339999999999961</cx:pt>
+          <cx:pt idx="31">90.779999999999959</cx:pt>
+          <cx:pt idx="32">90.219999999999956</cx:pt>
+          <cx:pt idx="33">89.659999999999954</cx:pt>
+          <cx:pt idx="34">89.099999999999952</cx:pt>
+          <cx:pt idx="35">88.539999999999949</cx:pt>
+          <cx:pt idx="36">87.979999999999947</cx:pt>
+          <cx:pt idx="37">87.419999999999945</cx:pt>
+          <cx:pt idx="38">86.859999999999943</cx:pt>
+          <cx:pt idx="39">86.29999999999994</cx:pt>
+          <cx:pt idx="40">85.739999999999938</cx:pt>
+          <cx:pt idx="41">85.179999999999936</cx:pt>
+          <cx:pt idx="42">84.619999999999933</cx:pt>
+          <cx:pt idx="43">84.059999999999931</cx:pt>
+          <cx:pt idx="44">83.499999999999929</cx:pt>
+        </cx:lvl>
+      </cx:numDim>
+    </cx:data>
+    <cx:data id="2">
+      <cx:numDim type="val">
+        <cx:f>ab_file!$K$2:$K$46</cx:f>
+        <cx:lvl ptCount="45" formatCode="G/표준">
+          <cx:pt idx="0">120.90000000000001</cx:pt>
+          <cx:pt idx="1">117.8</cx:pt>
+          <cx:pt idx="2">113.45</cx:pt>
+          <cx:pt idx="3">110.834</cx:pt>
+          <cx:pt idx="4">108.23</cx:pt>
+          <cx:pt idx="5">107.1234</cx:pt>
+          <cx:pt idx="6">106.8762</cx:pt>
+          <cx:pt idx="7">104.23439999999999</cx:pt>
+          <cx:pt idx="8">104.876</cx:pt>
+          <cx:pt idx="9">104.205</cx:pt>
+          <cx:pt idx="10">103.53399999999999</cx:pt>
+          <cx:pt idx="11">102.86299999999999</cx:pt>
+          <cx:pt idx="12">102.19199999999998</cx:pt>
+          <cx:pt idx="13">101.52099999999997</cx:pt>
+          <cx:pt idx="14">100.84999999999997</cx:pt>
+          <cx:pt idx="15">100.17899999999996</cx:pt>
+          <cx:pt idx="16">99.507999999999953</cx:pt>
+          <cx:pt idx="17">98.836999999999946</cx:pt>
+          <cx:pt idx="18">98.16599999999994</cx:pt>
+          <cx:pt idx="19">97.494999999999933</cx:pt>
+          <cx:pt idx="20">96.823999999999927</cx:pt>
+          <cx:pt idx="21">96.152999999999921</cx:pt>
+          <cx:pt idx="22">95.481999999999914</cx:pt>
+          <cx:pt idx="23">94.810999999999908</cx:pt>
+          <cx:pt idx="24">94.139999999999901</cx:pt>
+          <cx:pt idx="25">93.468999999999895</cx:pt>
+          <cx:pt idx="26">92.797999999999888</cx:pt>
+          <cx:pt idx="27">92.126999999999882</cx:pt>
+          <cx:pt idx="28">91.455999999999875</cx:pt>
+          <cx:pt idx="29">90.784999999999869</cx:pt>
+          <cx:pt idx="30">90.113999999999862</cx:pt>
+          <cx:pt idx="31">89.442999999999856</cx:pt>
+          <cx:pt idx="32">88.771999999999849</cx:pt>
+          <cx:pt idx="33">88.100999999999843</cx:pt>
+          <cx:pt idx="34">87.429999999999836</cx:pt>
+          <cx:pt idx="35">86.75899999999983</cx:pt>
+          <cx:pt idx="36">86.087999999999823</cx:pt>
+          <cx:pt idx="37">85.416999999999817</cx:pt>
+          <cx:pt idx="38">84.74599999999981</cx:pt>
+          <cx:pt idx="39">84.074999999999804</cx:pt>
+          <cx:pt idx="40">83.403999999999797</cx:pt>
+          <cx:pt idx="41">82.732999999999791</cx:pt>
+          <cx:pt idx="42">82.061999999999784</cx:pt>
+          <cx:pt idx="43">81.390999999999778</cx:pt>
+          <cx:pt idx="44">80.719999999999771</cx:pt>
+        </cx:lvl>
+      </cx:numDim>
+    </cx:data>
+  </cx:chartData>
+  <cx:chart>
+    <cx:title pos="t" align="ctr" overlay="0">
+      <cx:tx>
+        <cx:rich>
+          <a:bodyPr spcFirstLastPara="1" vertOverflow="ellipsis" horzOverflow="overflow" wrap="square" lIns="0" tIns="0" rIns="0" bIns="0" anchor="ctr" anchorCtr="1"/>
+          <a:lstStyle/>
+          <a:p>
+            <a:pPr algn="ctr" rtl="0">
+              <a:defRPr/>
+            </a:pPr>
+            <a:r>
+              <a:rPr lang="en-US" altLang="ko-KR" sz="1400" b="0" i="0" u="none" strike="noStrike" baseline="0">
+                <a:solidFill>
+                  <a:sysClr val="windowText" lastClr="000000">
+                    <a:lumMod val="65000"/>
+                    <a:lumOff val="35000"/>
+                  </a:sysClr>
+                </a:solidFill>
+                <a:latin typeface="Calibri" panose="020F0502020204030204"/>
+                <a:ea typeface="맑은 고딕" panose="020B0503020000020004" pitchFamily="34" charset="-127"/>
+              </a:rPr>
+              <a:t>Apache HTTP Server Benchmarking tool  </a:t>
+            </a:r>
+            <a:endParaRPr lang="ko-KR" altLang="en-US" sz="1400" b="0" i="0" u="none" strike="noStrike" baseline="0">
+              <a:solidFill>
+                <a:sysClr val="windowText" lastClr="000000">
+                  <a:lumMod val="65000"/>
+                  <a:lumOff val="35000"/>
+                </a:sysClr>
+              </a:solidFill>
+              <a:latin typeface="Calibri" panose="020F0502020204030204"/>
+              <a:ea typeface="맑은 고딕" panose="020B0503020000020004" pitchFamily="34" charset="-127"/>
+            </a:endParaRPr>
+          </a:p>
+        </cx:rich>
+      </cx:tx>
+    </cx:title>
+    <cx:plotArea>
+      <cx:plotAreaRegion>
+        <cx:series layoutId="boxWhisker" uniqueId="{9DD1BC51-23EE-5945-BC0B-C9DA069DB343}">
+          <cx:spPr>
+            <a:solidFill>
+              <a:srgbClr val="0070C0"/>
+            </a:solidFill>
+            <a:ln>
+              <a:solidFill>
+                <a:schemeClr val="tx1"/>
+              </a:solidFill>
+            </a:ln>
+          </cx:spPr>
+          <cx:dataId val="0"/>
+          <cx:layoutPr>
+            <cx:visibility meanLine="0" meanMarker="1" nonoutliers="0" outliers="1"/>
+            <cx:statistics quartileMethod="exclusive"/>
+          </cx:layoutPr>
+        </cx:series>
+        <cx:series layoutId="boxWhisker" uniqueId="{71785AA6-4811-8544-B3D2-E8130A4B23D8}">
+          <cx:spPr>
+            <a:solidFill>
+              <a:srgbClr val="00B0F0"/>
+            </a:solidFill>
+            <a:ln>
+              <a:solidFill>
+                <a:schemeClr val="tx1"/>
+              </a:solidFill>
+            </a:ln>
+          </cx:spPr>
+          <cx:dataId val="1"/>
+          <cx:layoutPr>
+            <cx:visibility meanLine="0" meanMarker="1" nonoutliers="0" outliers="1"/>
+            <cx:statistics quartileMethod="exclusive"/>
+          </cx:layoutPr>
+        </cx:series>
+        <cx:series layoutId="boxWhisker" uniqueId="{797D2B53-9B9F-EA47-A7D3-5D56C9E814AA}">
+          <cx:spPr>
+            <a:solidFill>
+              <a:schemeClr val="accent5">
+                <a:lumMod val="20000"/>
+                <a:lumOff val="80000"/>
+              </a:schemeClr>
+            </a:solidFill>
+            <a:ln>
+              <a:solidFill>
+                <a:schemeClr val="tx1"/>
+              </a:solidFill>
+            </a:ln>
+          </cx:spPr>
+          <cx:dataId val="2"/>
+          <cx:layoutPr>
+            <cx:visibility meanLine="0" meanMarker="1" nonoutliers="0" outliers="1"/>
+            <cx:statistics quartileMethod="exclusive"/>
+          </cx:layoutPr>
+        </cx:series>
+      </cx:plotAreaRegion>
+      <cx:axis id="0" hidden="1">
+        <cx:catScaling gapWidth="1"/>
+        <cx:title>
+          <cx:tx>
+            <cx:rich>
+              <a:bodyPr spcFirstLastPara="1" vertOverflow="ellipsis" horzOverflow="overflow" wrap="square" lIns="0" tIns="0" rIns="0" bIns="0" anchor="ctr" anchorCtr="1"/>
+              <a:lstStyle/>
+              <a:p>
+                <a:pPr algn="ctr" rtl="0">
+                  <a:defRPr/>
+                </a:pPr>
+                <a:r>
+                  <a:rPr lang="en-US" altLang="ko-KR" sz="900" b="0" i="0" u="none" strike="noStrike" baseline="0">
+                    <a:solidFill>
+                      <a:sysClr val="windowText" lastClr="000000">
+                        <a:lumMod val="65000"/>
+                        <a:lumOff val="35000"/>
+                      </a:sysClr>
+                    </a:solidFill>
+                    <a:latin typeface="Calibri" panose="020F0502020204030204"/>
+                    <a:ea typeface="맑은 고딕" panose="020B0503020000020004" pitchFamily="34" charset="-127"/>
+                  </a:rPr>
+                  <a:t>1KB              1MB           10MB</a:t>
+                </a:r>
+              </a:p>
+              <a:p>
+                <a:pPr algn="ctr" rtl="0">
+                  <a:defRPr/>
+                </a:pPr>
+                <a:r>
+                  <a:rPr lang="en-US" altLang="ko-KR" sz="900" b="0" i="0" u="none" strike="noStrike" baseline="0">
+                    <a:solidFill>
+                      <a:sysClr val="windowText" lastClr="000000">
+                        <a:lumMod val="65000"/>
+                        <a:lumOff val="35000"/>
+                      </a:sysClr>
+                    </a:solidFill>
+                    <a:latin typeface="Calibri" panose="020F0502020204030204"/>
+                    <a:ea typeface="맑은 고딕" panose="020B0503020000020004" pitchFamily="34" charset="-127"/>
+                  </a:rPr>
+                  <a:t>File SIze</a:t>
+                </a:r>
+                <a:endParaRPr lang="ko-KR" altLang="en-US" sz="900" b="0" i="0" u="none" strike="noStrike" baseline="0">
+                  <a:solidFill>
+                    <a:sysClr val="windowText" lastClr="000000">
+                      <a:lumMod val="65000"/>
+                      <a:lumOff val="35000"/>
+                    </a:sysClr>
+                  </a:solidFill>
+                  <a:latin typeface="Calibri" panose="020F0502020204030204"/>
+                  <a:ea typeface="맑은 고딕" panose="020B0503020000020004" pitchFamily="34" charset="-127"/>
+                </a:endParaRPr>
+              </a:p>
+            </cx:rich>
+          </cx:tx>
+        </cx:title>
+        <cx:tickLabels/>
+      </cx:axis>
+      <cx:axis id="1">
+        <cx:valScaling max="130" min="0"/>
+        <cx:title>
+          <cx:tx>
+            <cx:rich>
+              <a:bodyPr spcFirstLastPara="1" vertOverflow="ellipsis" horzOverflow="overflow" wrap="square" lIns="0" tIns="0" rIns="0" bIns="0" anchor="ctr" anchorCtr="1"/>
+              <a:lstStyle/>
+              <a:p>
+                <a:pPr algn="ctr" rtl="0">
+                  <a:defRPr/>
+                </a:pPr>
+                <a:r>
+                  <a:rPr lang="en-US" altLang="ko-KR" sz="900" b="0" i="0" u="none" strike="noStrike" baseline="0" dirty="0">
+                    <a:solidFill>
+                      <a:sysClr val="windowText" lastClr="000000">
+                        <a:lumMod val="65000"/>
+                        <a:lumOff val="35000"/>
+                      </a:sysClr>
+                    </a:solidFill>
+                    <a:latin typeface="Calibri" panose="020F0502020204030204"/>
+                    <a:ea typeface="맑은 고딕" panose="020B0503020000020004" pitchFamily="34" charset="-127"/>
+                  </a:rPr>
+                  <a:t>Performance Achievement</a:t>
+                </a:r>
+                <a:endParaRPr lang="ko-KR" altLang="en-US" sz="900" b="0" i="0" u="none" strike="noStrike" baseline="0" dirty="0">
+                  <a:solidFill>
+                    <a:sysClr val="windowText" lastClr="000000">
+                      <a:lumMod val="65000"/>
+                      <a:lumOff val="35000"/>
+                    </a:sysClr>
+                  </a:solidFill>
+                  <a:latin typeface="Calibri" panose="020F0502020204030204"/>
+                  <a:ea typeface="맑은 고딕" panose="020B0503020000020004" pitchFamily="34" charset="-127"/>
+                </a:endParaRPr>
+              </a:p>
+            </cx:rich>
+          </cx:tx>
+        </cx:title>
+        <cx:majorGridlines/>
+        <cx:tickLabels/>
+      </cx:axis>
+    </cx:plotArea>
+  </cx:chart>
+</cx:chartSpace>
+</file>
+
 <file path=ppt/charts/colors1.xml><?xml version="1.0" encoding="utf-8"?>
+<cs:colorStyle xmlns:cs="http://schemas.microsoft.com/office/drawing/2012/chartStyle" xmlns:a="http://schemas.openxmlformats.org/drawingml/2006/main" meth="cycle" id="10">
+  <a:schemeClr val="accent1"/>
+  <a:schemeClr val="accent2"/>
+  <a:schemeClr val="accent3"/>
+  <a:schemeClr val="accent4"/>
+  <a:schemeClr val="accent5"/>
+  <a:schemeClr val="accent6"/>
+  <cs:variation/>
+  <cs:variation>
+    <a:lumMod val="60000"/>
+  </cs:variation>
+  <cs:variation>
+    <a:lumMod val="80000"/>
+    <a:lumOff val="20000"/>
+  </cs:variation>
+  <cs:variation>
+    <a:lumMod val="80000"/>
+  </cs:variation>
+  <cs:variation>
+    <a:lumMod val="60000"/>
+    <a:lumOff val="40000"/>
+  </cs:variation>
+  <cs:variation>
+    <a:lumMod val="50000"/>
+  </cs:variation>
+  <cs:variation>
+    <a:lumMod val="70000"/>
+    <a:lumOff val="30000"/>
+  </cs:variation>
+  <cs:variation>
+    <a:lumMod val="70000"/>
+  </cs:variation>
+  <cs:variation>
+    <a:lumMod val="50000"/>
+    <a:lumOff val="50000"/>
+  </cs:variation>
+</cs:colorStyle>
+</file>
+
+<file path=ppt/charts/colors2.xml><?xml version="1.0" encoding="utf-8"?>
 <cs:colorStyle xmlns:cs="http://schemas.microsoft.com/office/drawing/2012/chartStyle" xmlns:a="http://schemas.openxmlformats.org/drawingml/2006/main" meth="cycle" id="10">
   <a:schemeClr val="accent1"/>
   <a:schemeClr val="accent2"/>
@@ -1160,6 +3024,521 @@
 </cs:chartStyle>
 </file>
 
+<file path=ppt/charts/style2.xml><?xml version="1.0" encoding="utf-8"?>
+<cs:chartStyle xmlns:cs="http://schemas.microsoft.com/office/drawing/2012/chartStyle" xmlns:a="http://schemas.openxmlformats.org/drawingml/2006/main" id="406">
+  <cs:axisTitle>
+    <cs:lnRef idx="0"/>
+    <cs:fillRef idx="0"/>
+    <cs:effectRef idx="0"/>
+    <cs:fontRef idx="minor">
+      <a:schemeClr val="tx1">
+        <a:lumMod val="65000"/>
+        <a:lumOff val="35000"/>
+      </a:schemeClr>
+    </cs:fontRef>
+    <cs:defRPr sz="900"/>
+  </cs:axisTitle>
+  <cs:categoryAxis>
+    <cs:lnRef idx="0"/>
+    <cs:fillRef idx="0"/>
+    <cs:effectRef idx="0"/>
+    <cs:fontRef idx="minor">
+      <a:schemeClr val="tx1">
+        <a:lumMod val="65000"/>
+        <a:lumOff val="35000"/>
+      </a:schemeClr>
+    </cs:fontRef>
+    <cs:spPr>
+      <a:ln w="9525" cap="flat" cmpd="sng" algn="ctr">
+        <a:solidFill>
+          <a:schemeClr val="tx1">
+            <a:lumMod val="15000"/>
+            <a:lumOff val="85000"/>
+          </a:schemeClr>
+        </a:solidFill>
+        <a:round/>
+      </a:ln>
+    </cs:spPr>
+    <cs:defRPr sz="900"/>
+  </cs:categoryAxis>
+  <cs:chartArea mods="allowNoFillOverride allowNoLineOverride">
+    <cs:lnRef idx="0"/>
+    <cs:fillRef idx="0"/>
+    <cs:effectRef idx="0"/>
+    <cs:fontRef idx="minor">
+      <a:schemeClr val="tx1"/>
+    </cs:fontRef>
+    <cs:spPr>
+      <a:solidFill>
+        <a:schemeClr val="bg1"/>
+      </a:solidFill>
+      <a:ln w="9525" cap="flat" cmpd="sng" algn="ctr">
+        <a:solidFill>
+          <a:schemeClr val="tx1">
+            <a:lumMod val="15000"/>
+            <a:lumOff val="85000"/>
+          </a:schemeClr>
+        </a:solidFill>
+        <a:round/>
+      </a:ln>
+    </cs:spPr>
+    <cs:defRPr sz="1000"/>
+  </cs:chartArea>
+  <cs:dataLabel>
+    <cs:lnRef idx="0"/>
+    <cs:fillRef idx="0"/>
+    <cs:effectRef idx="0"/>
+    <cs:fontRef idx="minor">
+      <a:schemeClr val="tx1">
+        <a:lumMod val="65000"/>
+        <a:lumOff val="35000"/>
+      </a:schemeClr>
+    </cs:fontRef>
+    <cs:defRPr sz="900"/>
+  </cs:dataLabel>
+  <cs:dataLabelCallout>
+    <cs:lnRef idx="0"/>
+    <cs:fillRef idx="0"/>
+    <cs:effectRef idx="0"/>
+    <cs:fontRef idx="minor">
+      <a:schemeClr val="dk1">
+        <a:lumMod val="65000"/>
+        <a:lumOff val="35000"/>
+      </a:schemeClr>
+    </cs:fontRef>
+    <cs:spPr>
+      <a:solidFill>
+        <a:schemeClr val="lt1"/>
+      </a:solidFill>
+      <a:ln>
+        <a:solidFill>
+          <a:schemeClr val="dk1">
+            <a:lumMod val="25000"/>
+            <a:lumOff val="75000"/>
+          </a:schemeClr>
+        </a:solidFill>
+      </a:ln>
+    </cs:spPr>
+    <cs:defRPr sz="900"/>
+    <cs:bodyPr rot="0" spcFirstLastPara="1" vertOverflow="clip" horzOverflow="clip" vert="horz" wrap="square" lIns="36576" tIns="18288" rIns="36576" bIns="18288" anchor="ctr" anchorCtr="1">
+      <a:spAutoFit/>
+    </cs:bodyPr>
+  </cs:dataLabelCallout>
+  <cs:dataPoint>
+    <cs:lnRef idx="0">
+      <cs:styleClr val="auto"/>
+    </cs:lnRef>
+    <cs:fillRef idx="0">
+      <cs:styleClr val="auto"/>
+    </cs:fillRef>
+    <cs:effectRef idx="0"/>
+    <cs:fontRef idx="minor">
+      <a:schemeClr val="tx1"/>
+    </cs:fontRef>
+    <cs:spPr>
+      <a:solidFill>
+        <a:schemeClr val="phClr"/>
+      </a:solidFill>
+      <a:ln>
+        <a:solidFill>
+          <a:schemeClr val="phClr"/>
+        </a:solidFill>
+      </a:ln>
+    </cs:spPr>
+  </cs:dataPoint>
+  <cs:dataPoint3D>
+    <cs:lnRef idx="0"/>
+    <cs:fillRef idx="0">
+      <cs:styleClr val="auto"/>
+    </cs:fillRef>
+    <cs:effectRef idx="0"/>
+    <cs:fontRef idx="minor">
+      <a:schemeClr val="tx1"/>
+    </cs:fontRef>
+    <cs:spPr>
+      <a:solidFill>
+        <a:schemeClr val="phClr"/>
+      </a:solidFill>
+    </cs:spPr>
+  </cs:dataPoint3D>
+  <cs:dataPointLine>
+    <cs:lnRef idx="0">
+      <cs:styleClr val="auto"/>
+    </cs:lnRef>
+    <cs:fillRef idx="0"/>
+    <cs:effectRef idx="0"/>
+    <cs:fontRef idx="minor">
+      <a:schemeClr val="tx1"/>
+    </cs:fontRef>
+    <cs:spPr>
+      <a:ln w="28575" cap="rnd">
+        <a:solidFill>
+          <a:schemeClr val="phClr"/>
+        </a:solidFill>
+        <a:round/>
+      </a:ln>
+    </cs:spPr>
+  </cs:dataPointLine>
+  <cs:dataPointMarker>
+    <cs:lnRef idx="0"/>
+    <cs:fillRef idx="0">
+      <cs:styleClr val="auto"/>
+    </cs:fillRef>
+    <cs:effectRef idx="0"/>
+    <cs:fontRef idx="minor">
+      <a:schemeClr val="tx1"/>
+    </cs:fontRef>
+    <cs:spPr>
+      <a:solidFill>
+        <a:schemeClr val="phClr"/>
+      </a:solidFill>
+      <a:ln w="9525">
+        <a:solidFill>
+          <a:schemeClr val="lt1"/>
+        </a:solidFill>
+      </a:ln>
+    </cs:spPr>
+  </cs:dataPointMarker>
+  <cs:dataPointMarkerLayout symbol="circle" size="5"/>
+  <cs:dataPointWireframe>
+    <cs:lnRef idx="0">
+      <cs:styleClr val="auto"/>
+    </cs:lnRef>
+    <cs:fillRef idx="0"/>
+    <cs:effectRef idx="0"/>
+    <cs:fontRef idx="minor">
+      <a:schemeClr val="tx1"/>
+    </cs:fontRef>
+    <cs:spPr>
+      <a:ln w="28575" cap="rnd">
+        <a:solidFill>
+          <a:schemeClr val="phClr"/>
+        </a:solidFill>
+        <a:round/>
+      </a:ln>
+    </cs:spPr>
+  </cs:dataPointWireframe>
+  <cs:dataTable>
+    <cs:lnRef idx="0"/>
+    <cs:fillRef idx="0"/>
+    <cs:effectRef idx="0"/>
+    <cs:fontRef idx="minor">
+      <a:schemeClr val="tx1">
+        <a:lumMod val="65000"/>
+        <a:lumOff val="35000"/>
+      </a:schemeClr>
+    </cs:fontRef>
+    <cs:spPr>
+      <a:ln w="9525">
+        <a:solidFill>
+          <a:schemeClr val="tx1">
+            <a:lumMod val="15000"/>
+            <a:lumOff val="85000"/>
+          </a:schemeClr>
+        </a:solidFill>
+      </a:ln>
+    </cs:spPr>
+    <cs:defRPr sz="900"/>
+  </cs:dataTable>
+  <cs:downBar>
+    <cs:lnRef idx="0"/>
+    <cs:fillRef idx="0"/>
+    <cs:effectRef idx="0"/>
+    <cs:fontRef idx="minor">
+      <a:schemeClr val="dk1"/>
+    </cs:fontRef>
+    <cs:spPr>
+      <a:solidFill>
+        <a:schemeClr val="dk1">
+          <a:lumMod val="65000"/>
+          <a:lumOff val="35000"/>
+        </a:schemeClr>
+      </a:solidFill>
+      <a:ln w="9525">
+        <a:solidFill>
+          <a:schemeClr val="tx1">
+            <a:lumMod val="65000"/>
+            <a:lumOff val="35000"/>
+          </a:schemeClr>
+        </a:solidFill>
+      </a:ln>
+    </cs:spPr>
+  </cs:downBar>
+  <cs:dropLine>
+    <cs:lnRef idx="0"/>
+    <cs:fillRef idx="0"/>
+    <cs:effectRef idx="0"/>
+    <cs:fontRef idx="minor">
+      <a:schemeClr val="tx1"/>
+    </cs:fontRef>
+    <cs:spPr>
+      <a:ln w="9525" cap="flat" cmpd="sng" algn="ctr">
+        <a:solidFill>
+          <a:schemeClr val="tx1">
+            <a:lumMod val="35000"/>
+            <a:lumOff val="65000"/>
+          </a:schemeClr>
+        </a:solidFill>
+        <a:round/>
+      </a:ln>
+    </cs:spPr>
+  </cs:dropLine>
+  <cs:errorBar>
+    <cs:lnRef idx="0"/>
+    <cs:fillRef idx="0"/>
+    <cs:effectRef idx="0"/>
+    <cs:fontRef idx="minor">
+      <a:schemeClr val="tx1"/>
+    </cs:fontRef>
+    <cs:spPr>
+      <a:ln w="9525" cap="flat" cmpd="sng" algn="ctr">
+        <a:solidFill>
+          <a:schemeClr val="tx1">
+            <a:lumMod val="65000"/>
+            <a:lumOff val="35000"/>
+          </a:schemeClr>
+        </a:solidFill>
+        <a:round/>
+      </a:ln>
+    </cs:spPr>
+  </cs:errorBar>
+  <cs:floor>
+    <cs:lnRef idx="0"/>
+    <cs:fillRef idx="0"/>
+    <cs:effectRef idx="0"/>
+    <cs:fontRef idx="minor">
+      <a:schemeClr val="tx1"/>
+    </cs:fontRef>
+  </cs:floor>
+  <cs:gridlineMajor>
+    <cs:lnRef idx="0"/>
+    <cs:fillRef idx="0"/>
+    <cs:effectRef idx="0"/>
+    <cs:fontRef idx="minor">
+      <a:schemeClr val="tx1"/>
+    </cs:fontRef>
+    <cs:spPr>
+      <a:ln w="9525" cap="flat" cmpd="sng" algn="ctr">
+        <a:solidFill>
+          <a:schemeClr val="tx1">
+            <a:lumMod val="15000"/>
+            <a:lumOff val="85000"/>
+          </a:schemeClr>
+        </a:solidFill>
+        <a:round/>
+      </a:ln>
+    </cs:spPr>
+  </cs:gridlineMajor>
+  <cs:gridlineMinor>
+    <cs:lnRef idx="0"/>
+    <cs:fillRef idx="0"/>
+    <cs:effectRef idx="0"/>
+    <cs:fontRef idx="minor">
+      <a:schemeClr val="tx1"/>
+    </cs:fontRef>
+    <cs:spPr>
+      <a:ln w="9525" cap="flat" cmpd="sng" algn="ctr">
+        <a:solidFill>
+          <a:schemeClr val="tx1">
+            <a:lumMod val="15000"/>
+            <a:lumOff val="85000"/>
+          </a:schemeClr>
+        </a:solidFill>
+        <a:round/>
+      </a:ln>
+    </cs:spPr>
+  </cs:gridlineMinor>
+  <cs:hiLoLine>
+    <cs:lnRef idx="0"/>
+    <cs:fillRef idx="0"/>
+    <cs:effectRef idx="0"/>
+    <cs:fontRef idx="minor">
+      <a:schemeClr val="tx1"/>
+    </cs:fontRef>
+    <cs:spPr>
+      <a:ln w="9525" cap="flat" cmpd="sng" algn="ctr">
+        <a:solidFill>
+          <a:schemeClr val="tx1">
+            <a:lumMod val="75000"/>
+            <a:lumOff val="25000"/>
+          </a:schemeClr>
+        </a:solidFill>
+        <a:round/>
+      </a:ln>
+    </cs:spPr>
+  </cs:hiLoLine>
+  <cs:leaderLine>
+    <cs:lnRef idx="0"/>
+    <cs:fillRef idx="0"/>
+    <cs:effectRef idx="0"/>
+    <cs:fontRef idx="minor">
+      <a:schemeClr val="tx1"/>
+    </cs:fontRef>
+    <cs:spPr>
+      <a:ln w="9525" cap="flat" cmpd="sng" algn="ctr">
+        <a:solidFill>
+          <a:schemeClr val="tx1">
+            <a:lumMod val="35000"/>
+            <a:lumOff val="65000"/>
+          </a:schemeClr>
+        </a:solidFill>
+        <a:round/>
+      </a:ln>
+    </cs:spPr>
+  </cs:leaderLine>
+  <cs:legend>
+    <cs:lnRef idx="0"/>
+    <cs:fillRef idx="0"/>
+    <cs:effectRef idx="0"/>
+    <cs:fontRef idx="minor">
+      <a:schemeClr val="tx1">
+        <a:lumMod val="65000"/>
+        <a:lumOff val="35000"/>
+      </a:schemeClr>
+    </cs:fontRef>
+    <cs:defRPr sz="900"/>
+  </cs:legend>
+  <cs:plotArea mods="allowNoFillOverride allowNoLineOverride">
+    <cs:lnRef idx="0"/>
+    <cs:fillRef idx="0"/>
+    <cs:effectRef idx="0"/>
+    <cs:fontRef idx="minor">
+      <a:schemeClr val="tx1"/>
+    </cs:fontRef>
+  </cs:plotArea>
+  <cs:plotArea3D mods="allowNoFillOverride allowNoLineOverride">
+    <cs:lnRef idx="0"/>
+    <cs:fillRef idx="0"/>
+    <cs:effectRef idx="0"/>
+    <cs:fontRef idx="minor">
+      <a:schemeClr val="tx1"/>
+    </cs:fontRef>
+  </cs:plotArea3D>
+  <cs:seriesAxis>
+    <cs:lnRef idx="0"/>
+    <cs:fillRef idx="0"/>
+    <cs:effectRef idx="0"/>
+    <cs:fontRef idx="minor">
+      <a:schemeClr val="tx1">
+        <a:lumMod val="65000"/>
+        <a:lumOff val="35000"/>
+      </a:schemeClr>
+    </cs:fontRef>
+    <cs:spPr>
+      <a:ln w="9525" cap="flat" cmpd="sng" algn="ctr">
+        <a:solidFill>
+          <a:schemeClr val="tx1">
+            <a:lumMod val="15000"/>
+            <a:lumOff val="85000"/>
+          </a:schemeClr>
+        </a:solidFill>
+        <a:round/>
+      </a:ln>
+    </cs:spPr>
+    <cs:defRPr sz="900"/>
+  </cs:seriesAxis>
+  <cs:seriesLine>
+    <cs:lnRef idx="0"/>
+    <cs:fillRef idx="0"/>
+    <cs:effectRef idx="0"/>
+    <cs:fontRef idx="minor">
+      <a:schemeClr val="tx1"/>
+    </cs:fontRef>
+    <cs:spPr>
+      <a:ln w="9525" cap="flat">
+        <a:solidFill>
+          <a:srgbClr val="D9D9D9"/>
+        </a:solidFill>
+        <a:round/>
+      </a:ln>
+    </cs:spPr>
+  </cs:seriesLine>
+  <cs:title>
+    <cs:lnRef idx="0"/>
+    <cs:fillRef idx="0"/>
+    <cs:effectRef idx="0"/>
+    <cs:fontRef idx="minor">
+      <a:schemeClr val="tx1">
+        <a:lumMod val="65000"/>
+        <a:lumOff val="35000"/>
+      </a:schemeClr>
+    </cs:fontRef>
+    <cs:defRPr sz="1400"/>
+  </cs:title>
+  <cs:trendline>
+    <cs:lnRef idx="0">
+      <cs:styleClr val="auto"/>
+    </cs:lnRef>
+    <cs:fillRef idx="0"/>
+    <cs:effectRef idx="0"/>
+    <cs:fontRef idx="minor">
+      <a:schemeClr val="tx1"/>
+    </cs:fontRef>
+    <cs:spPr>
+      <a:ln w="19050" cap="rnd">
+        <a:solidFill>
+          <a:schemeClr val="phClr"/>
+        </a:solidFill>
+        <a:prstDash val="sysDash"/>
+      </a:ln>
+    </cs:spPr>
+  </cs:trendline>
+  <cs:trendlineLabel>
+    <cs:lnRef idx="0"/>
+    <cs:fillRef idx="0"/>
+    <cs:effectRef idx="0"/>
+    <cs:fontRef idx="minor">
+      <a:schemeClr val="tx1">
+        <a:lumMod val="65000"/>
+        <a:lumOff val="35000"/>
+      </a:schemeClr>
+    </cs:fontRef>
+    <cs:defRPr sz="900"/>
+  </cs:trendlineLabel>
+  <cs:upBar>
+    <cs:lnRef idx="0"/>
+    <cs:fillRef idx="0"/>
+    <cs:effectRef idx="0"/>
+    <cs:fontRef idx="minor">
+      <a:schemeClr val="dk1"/>
+    </cs:fontRef>
+    <cs:spPr>
+      <a:solidFill>
+        <a:schemeClr val="lt1"/>
+      </a:solidFill>
+      <a:ln w="9525">
+        <a:solidFill>
+          <a:schemeClr val="tx1">
+            <a:lumMod val="15000"/>
+            <a:lumOff val="85000"/>
+          </a:schemeClr>
+        </a:solidFill>
+      </a:ln>
+    </cs:spPr>
+  </cs:upBar>
+  <cs:valueAxis>
+    <cs:lnRef idx="0"/>
+    <cs:fillRef idx="0"/>
+    <cs:effectRef idx="0"/>
+    <cs:fontRef idx="minor">
+      <a:schemeClr val="tx1">
+        <a:lumMod val="65000"/>
+        <a:lumOff val="35000"/>
+      </a:schemeClr>
+    </cs:fontRef>
+    <cs:defRPr sz="900"/>
+  </cs:valueAxis>
+  <cs:wall>
+    <cs:lnRef idx="0"/>
+    <cs:fillRef idx="0"/>
+    <cs:effectRef idx="0"/>
+    <cs:fontRef idx="minor">
+      <a:schemeClr val="tx1"/>
+    </cs:fontRef>
+  </cs:wall>
+</cs:chartStyle>
+</file>
+
 <file path=ppt/slideLayouts/slideLayout1.xml><?xml version="1.0" encoding="utf-8"?>
 <p:sldLayout xmlns:a="http://schemas.openxmlformats.org/drawingml/2006/main" xmlns:r="http://schemas.openxmlformats.org/officeDocument/2006/relationships" xmlns:p="http://schemas.openxmlformats.org/presentationml/2006/main" type="title" preserve="1">
   <p:cSld name="제목 슬라이드">
@@ -1291,7 +3670,7 @@
           <a:p>
             <a:fld id="{DA947F9B-2433-B749-B0DA-3E7DA647CD42}" type="datetimeFigureOut">
               <a:rPr kumimoji="1" lang="ko-Kore-KR" altLang="en-US" smtClean="0"/>
-              <a:t>6/10/21</a:t>
+              <a:t>6/16/21</a:t>
             </a:fld>
             <a:endParaRPr kumimoji="1" lang="ko-Kore-KR" altLang="en-US"/>
           </a:p>
@@ -1461,7 +3840,7 @@
           <a:p>
             <a:fld id="{DA947F9B-2433-B749-B0DA-3E7DA647CD42}" type="datetimeFigureOut">
               <a:rPr kumimoji="1" lang="ko-Kore-KR" altLang="en-US" smtClean="0"/>
-              <a:t>6/10/21</a:t>
+              <a:t>6/16/21</a:t>
             </a:fld>
             <a:endParaRPr kumimoji="1" lang="ko-Kore-KR" altLang="en-US"/>
           </a:p>
@@ -1641,7 +4020,7 @@
           <a:p>
             <a:fld id="{DA947F9B-2433-B749-B0DA-3E7DA647CD42}" type="datetimeFigureOut">
               <a:rPr kumimoji="1" lang="ko-Kore-KR" altLang="en-US" smtClean="0"/>
-              <a:t>6/10/21</a:t>
+              <a:t>6/16/21</a:t>
             </a:fld>
             <a:endParaRPr kumimoji="1" lang="ko-Kore-KR" altLang="en-US"/>
           </a:p>
@@ -1811,7 +4190,7 @@
           <a:p>
             <a:fld id="{DA947F9B-2433-B749-B0DA-3E7DA647CD42}" type="datetimeFigureOut">
               <a:rPr kumimoji="1" lang="ko-Kore-KR" altLang="en-US" smtClean="0"/>
-              <a:t>6/10/21</a:t>
+              <a:t>6/16/21</a:t>
             </a:fld>
             <a:endParaRPr kumimoji="1" lang="ko-Kore-KR" altLang="en-US"/>
           </a:p>
@@ -2057,7 +4436,7 @@
           <a:p>
             <a:fld id="{DA947F9B-2433-B749-B0DA-3E7DA647CD42}" type="datetimeFigureOut">
               <a:rPr kumimoji="1" lang="ko-Kore-KR" altLang="en-US" smtClean="0"/>
-              <a:t>6/10/21</a:t>
+              <a:t>6/16/21</a:t>
             </a:fld>
             <a:endParaRPr kumimoji="1" lang="ko-Kore-KR" altLang="en-US"/>
           </a:p>
@@ -2289,7 +4668,7 @@
           <a:p>
             <a:fld id="{DA947F9B-2433-B749-B0DA-3E7DA647CD42}" type="datetimeFigureOut">
               <a:rPr kumimoji="1" lang="ko-Kore-KR" altLang="en-US" smtClean="0"/>
-              <a:t>6/10/21</a:t>
+              <a:t>6/16/21</a:t>
             </a:fld>
             <a:endParaRPr kumimoji="1" lang="ko-Kore-KR" altLang="en-US"/>
           </a:p>
@@ -2656,7 +5035,7 @@
           <a:p>
             <a:fld id="{DA947F9B-2433-B749-B0DA-3E7DA647CD42}" type="datetimeFigureOut">
               <a:rPr kumimoji="1" lang="ko-Kore-KR" altLang="en-US" smtClean="0"/>
-              <a:t>6/10/21</a:t>
+              <a:t>6/16/21</a:t>
             </a:fld>
             <a:endParaRPr kumimoji="1" lang="ko-Kore-KR" altLang="en-US"/>
           </a:p>
@@ -2774,7 +5153,7 @@
           <a:p>
             <a:fld id="{DA947F9B-2433-B749-B0DA-3E7DA647CD42}" type="datetimeFigureOut">
               <a:rPr kumimoji="1" lang="ko-Kore-KR" altLang="en-US" smtClean="0"/>
-              <a:t>6/10/21</a:t>
+              <a:t>6/16/21</a:t>
             </a:fld>
             <a:endParaRPr kumimoji="1" lang="ko-Kore-KR" altLang="en-US"/>
           </a:p>
@@ -2869,7 +5248,7 @@
           <a:p>
             <a:fld id="{DA947F9B-2433-B749-B0DA-3E7DA647CD42}" type="datetimeFigureOut">
               <a:rPr kumimoji="1" lang="ko-Kore-KR" altLang="en-US" smtClean="0"/>
-              <a:t>6/10/21</a:t>
+              <a:t>6/16/21</a:t>
             </a:fld>
             <a:endParaRPr kumimoji="1" lang="ko-Kore-KR" altLang="en-US"/>
           </a:p>
@@ -3146,7 +5525,7 @@
           <a:p>
             <a:fld id="{DA947F9B-2433-B749-B0DA-3E7DA647CD42}" type="datetimeFigureOut">
               <a:rPr kumimoji="1" lang="ko-Kore-KR" altLang="en-US" smtClean="0"/>
-              <a:t>6/10/21</a:t>
+              <a:t>6/16/21</a:t>
             </a:fld>
             <a:endParaRPr kumimoji="1" lang="ko-Kore-KR" altLang="en-US"/>
           </a:p>
@@ -3403,7 +5782,7 @@
           <a:p>
             <a:fld id="{DA947F9B-2433-B749-B0DA-3E7DA647CD42}" type="datetimeFigureOut">
               <a:rPr kumimoji="1" lang="ko-Kore-KR" altLang="en-US" smtClean="0"/>
-              <a:t>6/10/21</a:t>
+              <a:t>6/16/21</a:t>
             </a:fld>
             <a:endParaRPr kumimoji="1" lang="ko-Kore-KR" altLang="en-US"/>
           </a:p>
@@ -3616,7 +5995,7 @@
           <a:p>
             <a:fld id="{DA947F9B-2433-B749-B0DA-3E7DA647CD42}" type="datetimeFigureOut">
               <a:rPr kumimoji="1" lang="ko-Kore-KR" altLang="en-US" smtClean="0"/>
-              <a:t>6/10/21</a:t>
+              <a:t>6/16/21</a:t>
             </a:fld>
             <a:endParaRPr kumimoji="1" lang="ko-Kore-KR" altLang="en-US"/>
           </a:p>
@@ -7724,7 +10103,7 @@
         <p:spPr>
           <a:xfrm>
             <a:off x="11882904" y="3988941"/>
-            <a:ext cx="1132041" cy="400110"/>
+            <a:ext cx="1215397" cy="400110"/>
           </a:xfrm>
           <a:prstGeom prst="rect">
             <a:avLst/>
@@ -7758,7 +10137,7 @@
                 <a:ea typeface="Ayuthaya" pitchFamily="2" charset="-34"/>
                 <a:cs typeface="Arial Hebrew" pitchFamily="2" charset="-79"/>
               </a:rPr>
-              <a:t>model_SLO.pkl</a:t>
+              <a:t>model_IOCPU.pkl</a:t>
             </a:r>
             <a:endParaRPr kumimoji="1" lang="ko-Kore-KR" altLang="en-US" sz="1000">
               <a:latin typeface="Calisto MT" panose="02040603050505030304" pitchFamily="18" charset="0"/>
@@ -8268,8 +10647,8 @@
         </p:nvSpPr>
         <p:spPr>
           <a:xfrm>
-            <a:off x="11774985" y="5442800"/>
-            <a:ext cx="1178528" cy="400110"/>
+            <a:off x="11935288" y="5442800"/>
+            <a:ext cx="857927" cy="553998"/>
           </a:xfrm>
           <a:prstGeom prst="rect">
             <a:avLst/>
@@ -8300,7 +10679,18 @@
                 <a:ea typeface="Ayuthaya" pitchFamily="2" charset="-34"/>
                 <a:cs typeface="Arial Hebrew" pitchFamily="2" charset="-79"/>
               </a:rPr>
-              <a:t>(SLO, packet size)</a:t>
+              <a:t>(Bandwidth,</a:t>
+            </a:r>
+          </a:p>
+          <a:p>
+            <a:pPr algn="ctr"/>
+            <a:r>
+              <a:rPr kumimoji="1" lang="en-US" altLang="en-US" sz="1000" dirty="0">
+                <a:latin typeface="Calisto MT" panose="02040603050505030304" pitchFamily="18" charset="0"/>
+                <a:ea typeface="Ayuthaya" pitchFamily="2" charset="-34"/>
+                <a:cs typeface="Arial Hebrew" pitchFamily="2" charset="-79"/>
+              </a:rPr>
+              <a:t>Packet size)</a:t>
             </a:r>
             <a:endParaRPr kumimoji="1" lang="ko-Kore-KR" altLang="en-US" sz="1000" dirty="0">
               <a:latin typeface="Calisto MT" panose="02040603050505030304" pitchFamily="18" charset="0"/>
@@ -9105,7 +11495,7 @@
         <p:spPr>
           <a:xfrm>
             <a:off x="10390523" y="5690718"/>
-            <a:ext cx="535724" cy="276999"/>
+            <a:ext cx="550151" cy="276999"/>
           </a:xfrm>
           <a:prstGeom prst="rect">
             <a:avLst/>
@@ -9124,7 +11514,7 @@
                 <a:ea typeface="Ayuthaya" pitchFamily="2" charset="-34"/>
                 <a:cs typeface="Arial Hebrew" pitchFamily="2" charset="-79"/>
               </a:rPr>
-              <a:t>SLO,</a:t>
+              <a:t>bandwidth,</a:t>
             </a:r>
           </a:p>
           <a:p>
@@ -9272,7 +11662,7 @@
                 <a:ea typeface="Ayuthaya" pitchFamily="2" charset="-34"/>
                 <a:cs typeface="Arial Hebrew" pitchFamily="2" charset="-79"/>
               </a:rPr>
-              <a:t>SLO,</a:t>
+              <a:t>bandwidth,</a:t>
             </a:r>
           </a:p>
           <a:p>
@@ -9494,60 +11884,6 @@
           <a:chExt cx="0" cy="0"/>
         </a:xfrm>
       </p:grpSpPr>
-      <p:sp>
-        <p:nvSpPr>
-          <p:cNvPr id="2" name="직사각형 1">
-            <a:extLst>
-              <a:ext uri="{FF2B5EF4-FFF2-40B4-BE49-F238E27FC236}">
-                <a16:creationId xmlns:a16="http://schemas.microsoft.com/office/drawing/2014/main" id="{E6F8A03A-EE5E-F54F-875E-05FD5D88F935}"/>
-              </a:ext>
-            </a:extLst>
-          </p:cNvPr>
-          <p:cNvSpPr/>
-          <p:nvPr/>
-        </p:nvSpPr>
-        <p:spPr>
-          <a:xfrm>
-            <a:off x="3796496" y="2349661"/>
-            <a:ext cx="3345084" cy="1099595"/>
-          </a:xfrm>
-          <a:prstGeom prst="rect">
-            <a:avLst/>
-          </a:prstGeom>
-          <a:solidFill>
-            <a:srgbClr val="FFFF00">
-              <a:alpha val="5000"/>
-            </a:srgbClr>
-          </a:solidFill>
-          <a:ln>
-            <a:noFill/>
-          </a:ln>
-        </p:spPr>
-        <p:style>
-          <a:lnRef idx="2">
-            <a:schemeClr val="accent1">
-              <a:shade val="50000"/>
-            </a:schemeClr>
-          </a:lnRef>
-          <a:fillRef idx="1">
-            <a:schemeClr val="accent1"/>
-          </a:fillRef>
-          <a:effectRef idx="0">
-            <a:schemeClr val="accent1"/>
-          </a:effectRef>
-          <a:fontRef idx="minor">
-            <a:schemeClr val="lt1"/>
-          </a:fontRef>
-        </p:style>
-        <p:txBody>
-          <a:bodyPr rtlCol="0" anchor="ctr"/>
-          <a:lstStyle/>
-          <a:p>
-            <a:pPr algn="ctr"/>
-            <a:endParaRPr kumimoji="1" lang="ko-KR" altLang="en-US"/>
-          </a:p>
-        </p:txBody>
-      </p:sp>
       <mc:AlternateContent xmlns:mc="http://schemas.openxmlformats.org/markup-compatibility/2006">
         <mc:Choice xmlns:cx1="http://schemas.microsoft.com/office/drawing/2015/9/8/chartex" Requires="cx1">
           <p:graphicFrame>
@@ -9563,13 +11899,13 @@
               <p:nvPr>
                 <p:extLst>
                   <p:ext uri="{D42A27DB-BD31-4B8C-83A1-F6EECF244321}">
-                    <p14:modId xmlns:p14="http://schemas.microsoft.com/office/powerpoint/2010/main" val="1097967402"/>
+                    <p14:modId xmlns:p14="http://schemas.microsoft.com/office/powerpoint/2010/main" val="2548211695"/>
                   </p:ext>
                 </p:extLst>
               </p:nvPr>
             </p:nvGraphicFramePr>
             <p:xfrm>
-              <a:off x="3223087" y="848899"/>
+              <a:off x="2247486" y="843956"/>
               <a:ext cx="4035354" cy="3682652"/>
             </p:xfrm>
             <a:graphic>
@@ -9602,7 +11938,7 @@
             </p:blipFill>
             <p:spPr>
               <a:xfrm>
-                <a:off x="3223087" y="848899"/>
+                <a:off x="2247486" y="843956"/>
                 <a:ext cx="4035354" cy="3682652"/>
               </a:xfrm>
               <a:prstGeom prst="rect">
@@ -9612,10 +11948,871 @@
           </p:pic>
         </mc:Fallback>
       </mc:AlternateContent>
+      <mc:AlternateContent xmlns:mc="http://schemas.openxmlformats.org/markup-compatibility/2006">
+        <mc:Choice xmlns:cx1="http://schemas.microsoft.com/office/drawing/2015/9/8/chartex" Requires="cx1">
+          <p:graphicFrame>
+            <p:nvGraphicFramePr>
+              <p:cNvPr id="5" name="차트 4">
+                <a:extLst>
+                  <a:ext uri="{FF2B5EF4-FFF2-40B4-BE49-F238E27FC236}">
+                    <a16:creationId xmlns:a16="http://schemas.microsoft.com/office/drawing/2014/main" id="{476EAD96-64F6-D542-89EB-F601A094671C}"/>
+                  </a:ext>
+                </a:extLst>
+              </p:cNvPr>
+              <p:cNvGraphicFramePr/>
+              <p:nvPr>
+                <p:extLst>
+                  <p:ext uri="{D42A27DB-BD31-4B8C-83A1-F6EECF244321}">
+                    <p14:modId xmlns:p14="http://schemas.microsoft.com/office/powerpoint/2010/main" val="3753435518"/>
+                  </p:ext>
+                </p:extLst>
+              </p:nvPr>
+            </p:nvGraphicFramePr>
+            <p:xfrm>
+              <a:off x="6838731" y="843956"/>
+              <a:ext cx="4325661" cy="3682652"/>
+            </p:xfrm>
+            <a:graphic>
+              <a:graphicData uri="http://schemas.microsoft.com/office/drawing/2014/chartex">
+                <cx:chart xmlns:cx="http://schemas.microsoft.com/office/drawing/2014/chartex" xmlns:r="http://schemas.openxmlformats.org/officeDocument/2006/relationships" r:id="rId4"/>
+              </a:graphicData>
+            </a:graphic>
+          </p:graphicFrame>
+        </mc:Choice>
+        <mc:Fallback>
+          <p:pic>
+            <p:nvPicPr>
+              <p:cNvPr id="5" name="차트 4">
+                <a:extLst>
+                  <a:ext uri="{FF2B5EF4-FFF2-40B4-BE49-F238E27FC236}">
+                    <a16:creationId xmlns:a16="http://schemas.microsoft.com/office/drawing/2014/main" id="{476EAD96-64F6-D542-89EB-F601A094671C}"/>
+                  </a:ext>
+                </a:extLst>
+              </p:cNvPr>
+              <p:cNvPicPr>
+                <a:picLocks noGrp="1" noRot="1" noChangeAspect="1" noMove="1" noResize="1" noEditPoints="1" noAdjustHandles="1" noChangeArrowheads="1" noChangeShapeType="1"/>
+              </p:cNvPicPr>
+              <p:nvPr/>
+            </p:nvPicPr>
+            <p:blipFill>
+              <a:blip r:embed="rId5"/>
+              <a:stretch>
+                <a:fillRect/>
+              </a:stretch>
+            </p:blipFill>
+            <p:spPr>
+              <a:xfrm>
+                <a:off x="6838731" y="843956"/>
+                <a:ext cx="4325661" cy="3682652"/>
+              </a:xfrm>
+              <a:prstGeom prst="rect">
+                <a:avLst/>
+              </a:prstGeom>
+            </p:spPr>
+          </p:pic>
+        </mc:Fallback>
+      </mc:AlternateContent>
+      <p:sp>
+        <p:nvSpPr>
+          <p:cNvPr id="2" name="직사각형 1">
+            <a:extLst>
+              <a:ext uri="{FF2B5EF4-FFF2-40B4-BE49-F238E27FC236}">
+                <a16:creationId xmlns:a16="http://schemas.microsoft.com/office/drawing/2014/main" id="{E6F8A03A-EE5E-F54F-875E-05FD5D88F935}"/>
+              </a:ext>
+            </a:extLst>
+          </p:cNvPr>
+          <p:cNvSpPr/>
+          <p:nvPr/>
+        </p:nvSpPr>
+        <p:spPr>
+          <a:xfrm>
+            <a:off x="7386354" y="1585687"/>
+            <a:ext cx="3638699" cy="486181"/>
+          </a:xfrm>
+          <a:prstGeom prst="rect">
+            <a:avLst/>
+          </a:prstGeom>
+          <a:solidFill>
+            <a:srgbClr val="FFFF00">
+              <a:alpha val="5000"/>
+            </a:srgbClr>
+          </a:solidFill>
+          <a:ln>
+            <a:noFill/>
+          </a:ln>
+        </p:spPr>
+        <p:style>
+          <a:lnRef idx="2">
+            <a:schemeClr val="accent1">
+              <a:shade val="50000"/>
+            </a:schemeClr>
+          </a:lnRef>
+          <a:fillRef idx="1">
+            <a:schemeClr val="accent1"/>
+          </a:fillRef>
+          <a:effectRef idx="0">
+            <a:schemeClr val="accent1"/>
+          </a:effectRef>
+          <a:fontRef idx="minor">
+            <a:schemeClr val="lt1"/>
+          </a:fontRef>
+        </p:style>
+        <p:txBody>
+          <a:bodyPr rtlCol="0" anchor="ctr"/>
+          <a:lstStyle/>
+          <a:p>
+            <a:pPr algn="ctr"/>
+            <a:endParaRPr kumimoji="1" lang="ko-KR" altLang="en-US"/>
+          </a:p>
+        </p:txBody>
+      </p:sp>
+      <p:graphicFrame>
+        <p:nvGraphicFramePr>
+          <p:cNvPr id="7" name="차트 6">
+            <a:extLst>
+              <a:ext uri="{FF2B5EF4-FFF2-40B4-BE49-F238E27FC236}">
+                <a16:creationId xmlns:a16="http://schemas.microsoft.com/office/drawing/2014/main" id="{50ACAF28-454F-3E43-B641-83F809C55783}"/>
+              </a:ext>
+            </a:extLst>
+          </p:cNvPr>
+          <p:cNvGraphicFramePr>
+            <a:graphicFrameLocks/>
+          </p:cNvGraphicFramePr>
+          <p:nvPr>
+            <p:extLst>
+              <p:ext uri="{D42A27DB-BD31-4B8C-83A1-F6EECF244321}">
+                <p14:modId xmlns:p14="http://schemas.microsoft.com/office/powerpoint/2010/main" val="257795653"/>
+              </p:ext>
+            </p:extLst>
+          </p:nvPr>
+        </p:nvGraphicFramePr>
+        <p:xfrm>
+          <a:off x="7386354" y="4693496"/>
+          <a:ext cx="3062744" cy="2842559"/>
+        </p:xfrm>
+        <a:graphic>
+          <a:graphicData uri="http://schemas.openxmlformats.org/drawingml/2006/chart">
+            <c:chart xmlns:c="http://schemas.openxmlformats.org/drawingml/2006/chart" xmlns:r="http://schemas.openxmlformats.org/officeDocument/2006/relationships" r:id="rId6"/>
+          </a:graphicData>
+        </a:graphic>
+      </p:graphicFrame>
+      <p:sp>
+        <p:nvSpPr>
+          <p:cNvPr id="6" name="직사각형 5">
+            <a:extLst>
+              <a:ext uri="{FF2B5EF4-FFF2-40B4-BE49-F238E27FC236}">
+                <a16:creationId xmlns:a16="http://schemas.microsoft.com/office/drawing/2014/main" id="{FA5B5475-65CD-A140-9EF0-3C9122FB8282}"/>
+              </a:ext>
+            </a:extLst>
+          </p:cNvPr>
+          <p:cNvSpPr/>
+          <p:nvPr/>
+        </p:nvSpPr>
+        <p:spPr>
+          <a:xfrm>
+            <a:off x="2804708" y="1562537"/>
+            <a:ext cx="3478131" cy="509331"/>
+          </a:xfrm>
+          <a:prstGeom prst="rect">
+            <a:avLst/>
+          </a:prstGeom>
+          <a:solidFill>
+            <a:srgbClr val="FFFF00">
+              <a:alpha val="5000"/>
+            </a:srgbClr>
+          </a:solidFill>
+          <a:ln>
+            <a:noFill/>
+          </a:ln>
+        </p:spPr>
+        <p:style>
+          <a:lnRef idx="2">
+            <a:schemeClr val="accent1">
+              <a:shade val="50000"/>
+            </a:schemeClr>
+          </a:lnRef>
+          <a:fillRef idx="1">
+            <a:schemeClr val="accent1"/>
+          </a:fillRef>
+          <a:effectRef idx="0">
+            <a:schemeClr val="accent1"/>
+          </a:effectRef>
+          <a:fontRef idx="minor">
+            <a:schemeClr val="lt1"/>
+          </a:fontRef>
+        </p:style>
+        <p:txBody>
+          <a:bodyPr rtlCol="0" anchor="ctr"/>
+          <a:lstStyle/>
+          <a:p>
+            <a:pPr algn="ctr"/>
+            <a:endParaRPr kumimoji="1" lang="ko-KR" altLang="en-US"/>
+          </a:p>
+        </p:txBody>
+      </p:sp>
     </p:spTree>
     <p:extLst>
       <p:ext uri="{BB962C8B-B14F-4D97-AF65-F5344CB8AC3E}">
         <p14:creationId xmlns:p14="http://schemas.microsoft.com/office/powerpoint/2010/main" val="905041636"/>
+      </p:ext>
+    </p:extLst>
+  </p:cSld>
+  <p:clrMapOvr>
+    <a:masterClrMapping/>
+  </p:clrMapOvr>
+</p:sld>
+</file>
+
+<file path=ppt/slides/slide14.xml><?xml version="1.0" encoding="utf-8"?>
+<p:sld xmlns:a="http://schemas.openxmlformats.org/drawingml/2006/main" xmlns:r="http://schemas.openxmlformats.org/officeDocument/2006/relationships" xmlns:p="http://schemas.openxmlformats.org/presentationml/2006/main">
+  <p:cSld>
+    <p:spTree>
+      <p:nvGrpSpPr>
+        <p:cNvPr id="1" name=""/>
+        <p:cNvGrpSpPr/>
+        <p:nvPr/>
+      </p:nvGrpSpPr>
+      <p:grpSpPr>
+        <a:xfrm>
+          <a:off x="0" y="0"/>
+          <a:ext cx="0" cy="0"/>
+          <a:chOff x="0" y="0"/>
+          <a:chExt cx="0" cy="0"/>
+        </a:xfrm>
+      </p:grpSpPr>
+      <p:sp>
+        <p:nvSpPr>
+          <p:cNvPr id="5" name="모서리가 둥근 직사각형 4">
+            <a:extLst>
+              <a:ext uri="{FF2B5EF4-FFF2-40B4-BE49-F238E27FC236}">
+                <a16:creationId xmlns:a16="http://schemas.microsoft.com/office/drawing/2014/main" id="{FAB44CBD-3087-7048-8712-3F0E9739F019}"/>
+              </a:ext>
+            </a:extLst>
+          </p:cNvPr>
+          <p:cNvSpPr/>
+          <p:nvPr/>
+        </p:nvSpPr>
+        <p:spPr>
+          <a:xfrm>
+            <a:off x="3567379" y="5149719"/>
+            <a:ext cx="4639252" cy="1220312"/>
+          </a:xfrm>
+          <a:prstGeom prst="roundRect">
+            <a:avLst/>
+          </a:prstGeom>
+          <a:solidFill>
+            <a:schemeClr val="bg1">
+              <a:lumMod val="95000"/>
+            </a:schemeClr>
+          </a:solidFill>
+          <a:ln w="25400">
+            <a:solidFill>
+              <a:schemeClr val="bg1">
+                <a:lumMod val="50000"/>
+              </a:schemeClr>
+            </a:solidFill>
+          </a:ln>
+        </p:spPr>
+        <p:style>
+          <a:lnRef idx="2">
+            <a:schemeClr val="accent1">
+              <a:shade val="50000"/>
+            </a:schemeClr>
+          </a:lnRef>
+          <a:fillRef idx="1">
+            <a:schemeClr val="accent1"/>
+          </a:fillRef>
+          <a:effectRef idx="0">
+            <a:schemeClr val="accent1"/>
+          </a:effectRef>
+          <a:fontRef idx="minor">
+            <a:schemeClr val="lt1"/>
+          </a:fontRef>
+        </p:style>
+        <p:txBody>
+          <a:bodyPr rtlCol="0" anchor="ctr"/>
+          <a:lstStyle/>
+          <a:p>
+            <a:pPr algn="ctr"/>
+            <a:endParaRPr kumimoji="1" lang="ko-KR" altLang="en-US" sz="2835"/>
+          </a:p>
+        </p:txBody>
+      </p:sp>
+      <p:cxnSp>
+        <p:nvCxnSpPr>
+          <p:cNvPr id="8" name="꺾인 연결선[E] 7">
+            <a:extLst>
+              <a:ext uri="{FF2B5EF4-FFF2-40B4-BE49-F238E27FC236}">
+                <a16:creationId xmlns:a16="http://schemas.microsoft.com/office/drawing/2014/main" id="{4DC2CF31-E291-2F42-814C-DCC45AFC8E55}"/>
+              </a:ext>
+            </a:extLst>
+          </p:cNvPr>
+          <p:cNvCxnSpPr>
+            <a:cxnSpLocks/>
+            <a:stCxn id="5" idx="2"/>
+            <a:endCxn id="6" idx="2"/>
+          </p:cNvCxnSpPr>
+          <p:nvPr/>
+        </p:nvCxnSpPr>
+        <p:spPr>
+          <a:xfrm rot="16200000" flipH="1">
+            <a:off x="9228626" y="3028409"/>
+            <a:ext cx="20000" cy="6683242"/>
+          </a:xfrm>
+          <a:prstGeom prst="bentConnector3">
+            <a:avLst>
+              <a:gd name="adj1" fmla="val 6315244"/>
+            </a:avLst>
+          </a:prstGeom>
+          <a:ln w="63500">
+            <a:solidFill>
+              <a:schemeClr val="bg1">
+                <a:lumMod val="50000"/>
+              </a:schemeClr>
+            </a:solidFill>
+          </a:ln>
+        </p:spPr>
+        <p:style>
+          <a:lnRef idx="1">
+            <a:schemeClr val="accent1"/>
+          </a:lnRef>
+          <a:fillRef idx="0">
+            <a:schemeClr val="accent1"/>
+          </a:fillRef>
+          <a:effectRef idx="0">
+            <a:schemeClr val="accent1"/>
+          </a:effectRef>
+          <a:fontRef idx="minor">
+            <a:schemeClr val="tx1"/>
+          </a:fontRef>
+        </p:style>
+      </p:cxnSp>
+      <p:sp>
+        <p:nvSpPr>
+          <p:cNvPr id="10" name="TextBox 9">
+            <a:extLst>
+              <a:ext uri="{FF2B5EF4-FFF2-40B4-BE49-F238E27FC236}">
+                <a16:creationId xmlns:a16="http://schemas.microsoft.com/office/drawing/2014/main" id="{5E27EA97-5AE7-1846-A11A-10A8866D1083}"/>
+              </a:ext>
+            </a:extLst>
+          </p:cNvPr>
+          <p:cNvSpPr txBox="1"/>
+          <p:nvPr/>
+        </p:nvSpPr>
+        <p:spPr>
+          <a:xfrm>
+            <a:off x="4257280" y="5471135"/>
+            <a:ext cx="3151825" cy="528606"/>
+          </a:xfrm>
+          <a:prstGeom prst="rect">
+            <a:avLst/>
+          </a:prstGeom>
+          <a:noFill/>
+        </p:spPr>
+        <p:txBody>
+          <a:bodyPr wrap="none" rtlCol="0">
+            <a:spAutoFit/>
+          </a:bodyPr>
+          <a:lstStyle/>
+          <a:p>
+            <a:r>
+              <a:rPr kumimoji="1" lang="en-US" altLang="ko-KR" sz="2835" dirty="0">
+                <a:latin typeface="Times New Roman" panose="02020603050405020304" pitchFamily="18" charset="0"/>
+                <a:cs typeface="Times New Roman" panose="02020603050405020304" pitchFamily="18" charset="0"/>
+              </a:rPr>
+              <a:t>1</a:t>
+            </a:r>
+            <a:r>
+              <a:rPr kumimoji="1" lang="en-US" altLang="ko-KR" sz="2835" baseline="30000" dirty="0">
+                <a:latin typeface="Times New Roman" panose="02020603050405020304" pitchFamily="18" charset="0"/>
+                <a:cs typeface="Times New Roman" panose="02020603050405020304" pitchFamily="18" charset="0"/>
+              </a:rPr>
+              <a:t>st</a:t>
+            </a:r>
+            <a:r>
+              <a:rPr kumimoji="1" lang="en-US" altLang="ko-KR" sz="2835" dirty="0">
+                <a:latin typeface="Times New Roman" panose="02020603050405020304" pitchFamily="18" charset="0"/>
+                <a:cs typeface="Times New Roman" panose="02020603050405020304" pitchFamily="18" charset="0"/>
+              </a:rPr>
+              <a:t> physical machine</a:t>
+            </a:r>
+            <a:endParaRPr kumimoji="1" lang="ko-KR" altLang="en-US" sz="2835" dirty="0">
+              <a:latin typeface="Times New Roman" panose="02020603050405020304" pitchFamily="18" charset="0"/>
+              <a:cs typeface="Times New Roman" panose="02020603050405020304" pitchFamily="18" charset="0"/>
+            </a:endParaRPr>
+          </a:p>
+        </p:txBody>
+      </p:sp>
+      <p:sp>
+        <p:nvSpPr>
+          <p:cNvPr id="12" name="모서리가 둥근 직사각형 11">
+            <a:extLst>
+              <a:ext uri="{FF2B5EF4-FFF2-40B4-BE49-F238E27FC236}">
+                <a16:creationId xmlns:a16="http://schemas.microsoft.com/office/drawing/2014/main" id="{11963CC7-AA04-3A40-9F50-049BC5A80025}"/>
+              </a:ext>
+            </a:extLst>
+          </p:cNvPr>
+          <p:cNvSpPr/>
+          <p:nvPr/>
+        </p:nvSpPr>
+        <p:spPr>
+          <a:xfrm>
+            <a:off x="7679694" y="7324500"/>
+            <a:ext cx="3117864" cy="690325"/>
+          </a:xfrm>
+          <a:prstGeom prst="roundRect">
+            <a:avLst/>
+          </a:prstGeom>
+          <a:solidFill>
+            <a:schemeClr val="bg1">
+              <a:lumMod val="50000"/>
+            </a:schemeClr>
+          </a:solidFill>
+          <a:ln w="25400">
+            <a:noFill/>
+          </a:ln>
+        </p:spPr>
+        <p:style>
+          <a:lnRef idx="2">
+            <a:schemeClr val="accent1">
+              <a:shade val="50000"/>
+            </a:schemeClr>
+          </a:lnRef>
+          <a:fillRef idx="1">
+            <a:schemeClr val="accent1"/>
+          </a:fillRef>
+          <a:effectRef idx="0">
+            <a:schemeClr val="accent1"/>
+          </a:effectRef>
+          <a:fontRef idx="minor">
+            <a:schemeClr val="lt1"/>
+          </a:fontRef>
+        </p:style>
+        <p:txBody>
+          <a:bodyPr rtlCol="0" anchor="ctr"/>
+          <a:lstStyle/>
+          <a:p>
+            <a:pPr algn="ctr"/>
+            <a:r>
+              <a:rPr kumimoji="1" lang="en-US" altLang="ko-KR" sz="2835" dirty="0">
+                <a:latin typeface="Times New Roman" panose="02020603050405020304" pitchFamily="18" charset="0"/>
+                <a:cs typeface="Times New Roman" panose="02020603050405020304" pitchFamily="18" charset="0"/>
+              </a:rPr>
+              <a:t>10GbE switch</a:t>
+            </a:r>
+            <a:endParaRPr kumimoji="1" lang="ko-KR" altLang="en-US" sz="2835" dirty="0">
+              <a:latin typeface="Times New Roman" panose="02020603050405020304" pitchFamily="18" charset="0"/>
+              <a:cs typeface="Times New Roman" panose="02020603050405020304" pitchFamily="18" charset="0"/>
+            </a:endParaRPr>
+          </a:p>
+        </p:txBody>
+      </p:sp>
+      <p:sp>
+        <p:nvSpPr>
+          <p:cNvPr id="17" name="모서리가 둥근 직사각형 16">
+            <a:extLst>
+              <a:ext uri="{FF2B5EF4-FFF2-40B4-BE49-F238E27FC236}">
+                <a16:creationId xmlns:a16="http://schemas.microsoft.com/office/drawing/2014/main" id="{A3910C85-C2A9-8746-89A4-E519A2FE063A}"/>
+              </a:ext>
+            </a:extLst>
+          </p:cNvPr>
+          <p:cNvSpPr/>
+          <p:nvPr/>
+        </p:nvSpPr>
+        <p:spPr>
+          <a:xfrm>
+            <a:off x="4051436" y="4374501"/>
+            <a:ext cx="3465294" cy="703543"/>
+          </a:xfrm>
+          <a:prstGeom prst="roundRect">
+            <a:avLst/>
+          </a:prstGeom>
+          <a:solidFill>
+            <a:schemeClr val="accent4">
+              <a:lumMod val="20000"/>
+              <a:lumOff val="80000"/>
+            </a:schemeClr>
+          </a:solidFill>
+          <a:ln w="25400">
+            <a:solidFill>
+              <a:schemeClr val="bg1">
+                <a:lumMod val="50000"/>
+              </a:schemeClr>
+            </a:solidFill>
+          </a:ln>
+        </p:spPr>
+        <p:style>
+          <a:lnRef idx="2">
+            <a:schemeClr val="accent1">
+              <a:shade val="50000"/>
+            </a:schemeClr>
+          </a:lnRef>
+          <a:fillRef idx="1">
+            <a:schemeClr val="accent1"/>
+          </a:fillRef>
+          <a:effectRef idx="0">
+            <a:schemeClr val="accent1"/>
+          </a:effectRef>
+          <a:fontRef idx="minor">
+            <a:schemeClr val="lt1"/>
+          </a:fontRef>
+        </p:style>
+        <p:txBody>
+          <a:bodyPr rtlCol="0" anchor="ctr"/>
+          <a:lstStyle/>
+          <a:p>
+            <a:pPr algn="ctr"/>
+            <a:r>
+              <a:rPr kumimoji="1" lang="en-US" altLang="ko-KR" sz="2835" dirty="0">
+                <a:solidFill>
+                  <a:schemeClr val="tx1"/>
+                </a:solidFill>
+                <a:latin typeface="Times New Roman" panose="02020603050405020304" pitchFamily="18" charset="0"/>
+                <a:cs typeface="Times New Roman" panose="02020603050405020304" pitchFamily="18" charset="0"/>
+              </a:rPr>
+              <a:t>KVM</a:t>
+            </a:r>
+            <a:endParaRPr kumimoji="1" lang="ko-KR" altLang="en-US" sz="2835" dirty="0">
+              <a:solidFill>
+                <a:schemeClr val="tx1"/>
+              </a:solidFill>
+              <a:latin typeface="Times New Roman" panose="02020603050405020304" pitchFamily="18" charset="0"/>
+              <a:cs typeface="Times New Roman" panose="02020603050405020304" pitchFamily="18" charset="0"/>
+            </a:endParaRPr>
+          </a:p>
+        </p:txBody>
+      </p:sp>
+      <p:sp>
+        <p:nvSpPr>
+          <p:cNvPr id="20" name="모서리가 둥근 직사각형 19">
+            <a:extLst>
+              <a:ext uri="{FF2B5EF4-FFF2-40B4-BE49-F238E27FC236}">
+                <a16:creationId xmlns:a16="http://schemas.microsoft.com/office/drawing/2014/main" id="{0EC8C09B-9218-2040-B387-F348EB24CE0C}"/>
+              </a:ext>
+            </a:extLst>
+          </p:cNvPr>
+          <p:cNvSpPr/>
+          <p:nvPr/>
+        </p:nvSpPr>
+        <p:spPr>
+          <a:xfrm>
+            <a:off x="4403715" y="3679606"/>
+            <a:ext cx="2726973" cy="662897"/>
+          </a:xfrm>
+          <a:prstGeom prst="roundRect">
+            <a:avLst/>
+          </a:prstGeom>
+          <a:solidFill>
+            <a:schemeClr val="accent4">
+              <a:lumMod val="20000"/>
+              <a:lumOff val="80000"/>
+            </a:schemeClr>
+          </a:solidFill>
+          <a:ln w="25400">
+            <a:solidFill>
+              <a:schemeClr val="bg1">
+                <a:lumMod val="50000"/>
+              </a:schemeClr>
+            </a:solidFill>
+          </a:ln>
+        </p:spPr>
+        <p:style>
+          <a:lnRef idx="2">
+            <a:schemeClr val="accent1">
+              <a:shade val="50000"/>
+            </a:schemeClr>
+          </a:lnRef>
+          <a:fillRef idx="1">
+            <a:schemeClr val="accent1"/>
+          </a:fillRef>
+          <a:effectRef idx="0">
+            <a:schemeClr val="accent1"/>
+          </a:effectRef>
+          <a:fontRef idx="minor">
+            <a:schemeClr val="lt1"/>
+          </a:fontRef>
+        </p:style>
+        <p:txBody>
+          <a:bodyPr rtlCol="0" anchor="ctr"/>
+          <a:lstStyle/>
+          <a:p>
+            <a:pPr algn="ctr"/>
+            <a:r>
+              <a:rPr kumimoji="1" lang="en-US" altLang="ko-KR" sz="2835" dirty="0">
+                <a:solidFill>
+                  <a:schemeClr val="tx1"/>
+                </a:solidFill>
+                <a:latin typeface="Times New Roman" panose="02020603050405020304" pitchFamily="18" charset="0"/>
+                <a:cs typeface="Times New Roman" panose="02020603050405020304" pitchFamily="18" charset="0"/>
+              </a:rPr>
+              <a:t>Web Server</a:t>
+            </a:r>
+            <a:endParaRPr kumimoji="1" lang="ko-KR" altLang="en-US" sz="2835" dirty="0">
+              <a:solidFill>
+                <a:schemeClr val="tx1"/>
+              </a:solidFill>
+              <a:latin typeface="Times New Roman" panose="02020603050405020304" pitchFamily="18" charset="0"/>
+              <a:cs typeface="Times New Roman" panose="02020603050405020304" pitchFamily="18" charset="0"/>
+            </a:endParaRPr>
+          </a:p>
+        </p:txBody>
+      </p:sp>
+      <p:sp>
+        <p:nvSpPr>
+          <p:cNvPr id="35" name="U자형 화살표[U] 34">
+            <a:extLst>
+              <a:ext uri="{FF2B5EF4-FFF2-40B4-BE49-F238E27FC236}">
+                <a16:creationId xmlns:a16="http://schemas.microsoft.com/office/drawing/2014/main" id="{65524DDB-B6C6-6D42-9184-5ECD5286C7A2}"/>
+              </a:ext>
+            </a:extLst>
+          </p:cNvPr>
+          <p:cNvSpPr/>
+          <p:nvPr/>
+        </p:nvSpPr>
+        <p:spPr>
+          <a:xfrm rot="10800000">
+            <a:off x="4555066" y="4374502"/>
+            <a:ext cx="9262533" cy="3832235"/>
+          </a:xfrm>
+          <a:prstGeom prst="uturnArrow">
+            <a:avLst>
+              <a:gd name="adj1" fmla="val 1767"/>
+              <a:gd name="adj2" fmla="val 5043"/>
+              <a:gd name="adj3" fmla="val 10004"/>
+              <a:gd name="adj4" fmla="val 55066"/>
+              <a:gd name="adj5" fmla="val 100000"/>
+            </a:avLst>
+          </a:prstGeom>
+          <a:solidFill>
+            <a:srgbClr val="00B0F0">
+              <a:alpha val="18000"/>
+            </a:srgbClr>
+          </a:solidFill>
+          <a:ln>
+            <a:solidFill>
+              <a:srgbClr val="00B0F0">
+                <a:alpha val="46000"/>
+              </a:srgbClr>
+            </a:solidFill>
+          </a:ln>
+        </p:spPr>
+        <p:style>
+          <a:lnRef idx="2">
+            <a:schemeClr val="accent1">
+              <a:shade val="50000"/>
+            </a:schemeClr>
+          </a:lnRef>
+          <a:fillRef idx="1">
+            <a:schemeClr val="accent1"/>
+          </a:fillRef>
+          <a:effectRef idx="0">
+            <a:schemeClr val="accent1"/>
+          </a:effectRef>
+          <a:fontRef idx="minor">
+            <a:schemeClr val="lt1"/>
+          </a:fontRef>
+        </p:style>
+        <p:txBody>
+          <a:bodyPr rtlCol="0" anchor="ctr"/>
+          <a:lstStyle/>
+          <a:p>
+            <a:pPr algn="ctr"/>
+            <a:endParaRPr kumimoji="1" lang="ko-KR" altLang="en-US">
+              <a:solidFill>
+                <a:schemeClr val="tx1"/>
+              </a:solidFill>
+            </a:endParaRPr>
+          </a:p>
+        </p:txBody>
+      </p:sp>
+      <p:sp>
+        <p:nvSpPr>
+          <p:cNvPr id="6" name="모서리가 둥근 직사각형 5">
+            <a:extLst>
+              <a:ext uri="{FF2B5EF4-FFF2-40B4-BE49-F238E27FC236}">
+                <a16:creationId xmlns:a16="http://schemas.microsoft.com/office/drawing/2014/main" id="{AFA6C656-A4D0-A149-B305-508AB6BE89A3}"/>
+              </a:ext>
+            </a:extLst>
+          </p:cNvPr>
+          <p:cNvSpPr/>
+          <p:nvPr/>
+        </p:nvSpPr>
+        <p:spPr>
+          <a:xfrm>
+            <a:off x="10250621" y="5149719"/>
+            <a:ext cx="4639252" cy="1220312"/>
+          </a:xfrm>
+          <a:prstGeom prst="roundRect">
+            <a:avLst/>
+          </a:prstGeom>
+          <a:solidFill>
+            <a:schemeClr val="bg1">
+              <a:lumMod val="95000"/>
+            </a:schemeClr>
+          </a:solidFill>
+          <a:ln w="25400">
+            <a:solidFill>
+              <a:schemeClr val="bg1">
+                <a:lumMod val="50000"/>
+              </a:schemeClr>
+            </a:solidFill>
+          </a:ln>
+        </p:spPr>
+        <p:style>
+          <a:lnRef idx="2">
+            <a:schemeClr val="accent1">
+              <a:shade val="50000"/>
+            </a:schemeClr>
+          </a:lnRef>
+          <a:fillRef idx="1">
+            <a:schemeClr val="accent1"/>
+          </a:fillRef>
+          <a:effectRef idx="0">
+            <a:schemeClr val="accent1"/>
+          </a:effectRef>
+          <a:fontRef idx="minor">
+            <a:schemeClr val="lt1"/>
+          </a:fontRef>
+        </p:style>
+        <p:txBody>
+          <a:bodyPr rtlCol="0" anchor="ctr"/>
+          <a:lstStyle/>
+          <a:p>
+            <a:pPr algn="ctr"/>
+            <a:endParaRPr kumimoji="1" lang="ko-KR" altLang="en-US" sz="2835"/>
+          </a:p>
+        </p:txBody>
+      </p:sp>
+      <p:sp>
+        <p:nvSpPr>
+          <p:cNvPr id="11" name="TextBox 10">
+            <a:extLst>
+              <a:ext uri="{FF2B5EF4-FFF2-40B4-BE49-F238E27FC236}">
+                <a16:creationId xmlns:a16="http://schemas.microsoft.com/office/drawing/2014/main" id="{FF67F979-F71B-1E43-8807-56E12CABFCED}"/>
+              </a:ext>
+            </a:extLst>
+          </p:cNvPr>
+          <p:cNvSpPr txBox="1"/>
+          <p:nvPr/>
+        </p:nvSpPr>
+        <p:spPr>
+          <a:xfrm>
+            <a:off x="10953458" y="5471135"/>
+            <a:ext cx="3233578" cy="528606"/>
+          </a:xfrm>
+          <a:prstGeom prst="rect">
+            <a:avLst/>
+          </a:prstGeom>
+          <a:noFill/>
+        </p:spPr>
+        <p:txBody>
+          <a:bodyPr wrap="none" rtlCol="0">
+            <a:spAutoFit/>
+          </a:bodyPr>
+          <a:lstStyle/>
+          <a:p>
+            <a:r>
+              <a:rPr kumimoji="1" lang="en-US" altLang="ko-KR" sz="2835" dirty="0">
+                <a:latin typeface="Times New Roman" panose="02020603050405020304" pitchFamily="18" charset="0"/>
+                <a:cs typeface="Times New Roman" panose="02020603050405020304" pitchFamily="18" charset="0"/>
+              </a:rPr>
+              <a:t>2</a:t>
+            </a:r>
+            <a:r>
+              <a:rPr kumimoji="1" lang="en-US" altLang="ko-KR" sz="2835" baseline="30000" dirty="0">
+                <a:latin typeface="Times New Roman" panose="02020603050405020304" pitchFamily="18" charset="0"/>
+                <a:cs typeface="Times New Roman" panose="02020603050405020304" pitchFamily="18" charset="0"/>
+              </a:rPr>
+              <a:t>nd</a:t>
+            </a:r>
+            <a:r>
+              <a:rPr kumimoji="1" lang="en-US" altLang="ko-KR" sz="2835" dirty="0">
+                <a:latin typeface="Times New Roman" panose="02020603050405020304" pitchFamily="18" charset="0"/>
+                <a:cs typeface="Times New Roman" panose="02020603050405020304" pitchFamily="18" charset="0"/>
+              </a:rPr>
+              <a:t> physical machine</a:t>
+            </a:r>
+            <a:endParaRPr kumimoji="1" lang="ko-KR" altLang="en-US" sz="2835" dirty="0">
+              <a:latin typeface="Times New Roman" panose="02020603050405020304" pitchFamily="18" charset="0"/>
+              <a:cs typeface="Times New Roman" panose="02020603050405020304" pitchFamily="18" charset="0"/>
+            </a:endParaRPr>
+          </a:p>
+        </p:txBody>
+      </p:sp>
+      <p:sp>
+        <p:nvSpPr>
+          <p:cNvPr id="36" name="모서리가 둥근 직사각형 35">
+            <a:extLst>
+              <a:ext uri="{FF2B5EF4-FFF2-40B4-BE49-F238E27FC236}">
+                <a16:creationId xmlns:a16="http://schemas.microsoft.com/office/drawing/2014/main" id="{CFD88EAC-903B-7A4A-B972-2A578AE05A37}"/>
+              </a:ext>
+            </a:extLst>
+          </p:cNvPr>
+          <p:cNvSpPr/>
+          <p:nvPr/>
+        </p:nvSpPr>
+        <p:spPr>
+          <a:xfrm>
+            <a:off x="11206760" y="4351648"/>
+            <a:ext cx="2726973" cy="726338"/>
+          </a:xfrm>
+          <a:prstGeom prst="roundRect">
+            <a:avLst/>
+          </a:prstGeom>
+          <a:solidFill>
+            <a:srgbClr val="D5F1FD"/>
+          </a:solidFill>
+          <a:ln w="25400">
+            <a:solidFill>
+              <a:srgbClr val="00B0F0"/>
+            </a:solidFill>
+          </a:ln>
+        </p:spPr>
+        <p:style>
+          <a:lnRef idx="2">
+            <a:schemeClr val="accent1">
+              <a:shade val="50000"/>
+            </a:schemeClr>
+          </a:lnRef>
+          <a:fillRef idx="1">
+            <a:schemeClr val="accent1"/>
+          </a:fillRef>
+          <a:effectRef idx="0">
+            <a:schemeClr val="accent1"/>
+          </a:effectRef>
+          <a:fontRef idx="minor">
+            <a:schemeClr val="lt1"/>
+          </a:fontRef>
+        </p:style>
+        <p:txBody>
+          <a:bodyPr rtlCol="0" anchor="ctr"/>
+          <a:lstStyle/>
+          <a:p>
+            <a:pPr algn="ctr"/>
+            <a:r>
+              <a:rPr kumimoji="1" lang="en-US" altLang="ko-KR" sz="2835" dirty="0">
+                <a:solidFill>
+                  <a:schemeClr val="tx1"/>
+                </a:solidFill>
+                <a:latin typeface="Times New Roman" panose="02020603050405020304" pitchFamily="18" charset="0"/>
+                <a:cs typeface="Times New Roman" panose="02020603050405020304" pitchFamily="18" charset="0"/>
+              </a:rPr>
+              <a:t>ab</a:t>
+            </a:r>
+            <a:endParaRPr kumimoji="1" lang="ko-KR" altLang="en-US" sz="2835" dirty="0">
+              <a:solidFill>
+                <a:schemeClr val="tx1"/>
+              </a:solidFill>
+              <a:latin typeface="Times New Roman" panose="02020603050405020304" pitchFamily="18" charset="0"/>
+              <a:cs typeface="Times New Roman" panose="02020603050405020304" pitchFamily="18" charset="0"/>
+            </a:endParaRPr>
+          </a:p>
+        </p:txBody>
+      </p:sp>
+    </p:spTree>
+    <p:extLst>
+      <p:ext uri="{BB962C8B-B14F-4D97-AF65-F5344CB8AC3E}">
+        <p14:creationId xmlns:p14="http://schemas.microsoft.com/office/powerpoint/2010/main" val="2676330613"/>
       </p:ext>
     </p:extLst>
   </p:cSld>
